--- a/Day1/gitflow.pptx
+++ b/Day1/gitflow.pptx
@@ -9,21 +9,21 @@
   </p:notesMasterIdLst>
   <p:sldIdLst>
     <p:sldId id="256" r:id="rId2"/>
-    <p:sldId id="257" r:id="rId3"/>
-    <p:sldId id="260" r:id="rId4"/>
-    <p:sldId id="261" r:id="rId5"/>
-    <p:sldId id="265" r:id="rId6"/>
-    <p:sldId id="268" r:id="rId7"/>
-    <p:sldId id="290" r:id="rId8"/>
-    <p:sldId id="272" r:id="rId9"/>
-    <p:sldId id="273" r:id="rId10"/>
-    <p:sldId id="274" r:id="rId11"/>
-    <p:sldId id="291" r:id="rId12"/>
-    <p:sldId id="289" r:id="rId13"/>
-    <p:sldId id="262" r:id="rId14"/>
-    <p:sldId id="269" r:id="rId15"/>
-    <p:sldId id="270" r:id="rId16"/>
-    <p:sldId id="271" r:id="rId17"/>
+    <p:sldId id="260" r:id="rId3"/>
+    <p:sldId id="261" r:id="rId4"/>
+    <p:sldId id="265" r:id="rId5"/>
+    <p:sldId id="268" r:id="rId6"/>
+    <p:sldId id="290" r:id="rId7"/>
+    <p:sldId id="272" r:id="rId8"/>
+    <p:sldId id="273" r:id="rId9"/>
+    <p:sldId id="274" r:id="rId10"/>
+    <p:sldId id="291" r:id="rId11"/>
+    <p:sldId id="289" r:id="rId12"/>
+    <p:sldId id="262" r:id="rId13"/>
+    <p:sldId id="269" r:id="rId14"/>
+    <p:sldId id="270" r:id="rId15"/>
+    <p:sldId id="271" r:id="rId16"/>
+    <p:sldId id="257" r:id="rId17"/>
   </p:sldIdLst>
   <p:sldSz cx="24384000" cy="13716000"/>
   <p:notesSz cx="6858000" cy="9144000"/>
@@ -906,110 +906,6 @@
   <p:cSld>
     <p:spTree>
       <p:nvGrpSpPr>
-        <p:cNvPr id="1" name="Shape 211"/>
-        <p:cNvGrpSpPr/>
-        <p:nvPr/>
-      </p:nvGrpSpPr>
-      <p:grpSpPr>
-        <a:xfrm>
-          <a:off x="0" y="0"/>
-          <a:ext cx="0" cy="0"/>
-          <a:chOff x="0" y="0"/>
-          <a:chExt cx="0" cy="0"/>
-        </a:xfrm>
-      </p:grpSpPr>
-      <p:sp>
-        <p:nvSpPr>
-          <p:cNvPr id="212" name="Google Shape;212;p14:notes"/>
-          <p:cNvSpPr txBox="1">
-            <a:spLocks noGrp="1"/>
-          </p:cNvSpPr>
-          <p:nvPr>
-            <p:ph type="body" idx="1"/>
-          </p:nvPr>
-        </p:nvSpPr>
-        <p:spPr>
-          <a:xfrm>
-            <a:off x="914400" y="4343400"/>
-            <a:ext cx="5029200" cy="4114800"/>
-          </a:xfrm>
-          <a:prstGeom prst="rect">
-            <a:avLst/>
-          </a:prstGeom>
-        </p:spPr>
-        <p:txBody>
-          <a:bodyPr spcFirstLastPara="1" wrap="square" lIns="91425" tIns="45700" rIns="91425" bIns="45700" anchor="t" anchorCtr="0">
-            <a:noAutofit/>
-          </a:bodyPr>
-          <a:lstStyle/>
-          <a:p>
-            <a:pPr marL="0" lvl="0" indent="0" algn="l" rtl="0">
-              <a:spcBef>
-                <a:spcPts val="0"/>
-              </a:spcBef>
-              <a:spcAft>
-                <a:spcPts val="0"/>
-              </a:spcAft>
-              <a:buNone/>
-            </a:pPr>
-            <a:endParaRPr/>
-          </a:p>
-        </p:txBody>
-      </p:sp>
-      <p:sp>
-        <p:nvSpPr>
-          <p:cNvPr id="213" name="Google Shape;213;p14:notes"/>
-          <p:cNvSpPr>
-            <a:spLocks noGrp="1" noRot="1" noChangeAspect="1"/>
-          </p:cNvSpPr>
-          <p:nvPr>
-            <p:ph type="sldImg" idx="2"/>
-          </p:nvPr>
-        </p:nvSpPr>
-        <p:spPr>
-          <a:xfrm>
-            <a:off x="381000" y="685800"/>
-            <a:ext cx="6096000" cy="3429000"/>
-          </a:xfrm>
-          <a:custGeom>
-            <a:avLst/>
-            <a:gdLst/>
-            <a:ahLst/>
-            <a:cxnLst/>
-            <a:rect l="l" t="t" r="r" b="b"/>
-            <a:pathLst>
-              <a:path w="120000" h="120000" extrusionOk="0">
-                <a:moveTo>
-                  <a:pt x="0" y="0"/>
-                </a:moveTo>
-                <a:lnTo>
-                  <a:pt x="120000" y="0"/>
-                </a:lnTo>
-                <a:lnTo>
-                  <a:pt x="120000" y="120000"/>
-                </a:lnTo>
-                <a:lnTo>
-                  <a:pt x="0" y="120000"/>
-                </a:lnTo>
-                <a:close/>
-              </a:path>
-            </a:pathLst>
-          </a:custGeom>
-        </p:spPr>
-      </p:sp>
-    </p:spTree>
-  </p:cSld>
-  <p:clrMapOvr>
-    <a:masterClrMapping/>
-  </p:clrMapOvr>
-</p:notes>
-</file>
-
-<file path=ppt/notesSlides/notesSlide11.xml><?xml version="1.0" encoding="utf-8"?>
-<p:notes xmlns:a="http://schemas.openxmlformats.org/drawingml/2006/main" xmlns:r="http://schemas.openxmlformats.org/officeDocument/2006/relationships" xmlns:p="http://schemas.openxmlformats.org/presentationml/2006/main" showMasterSp="0" showMasterPhAnim="0">
-  <p:cSld>
-    <p:spTree>
-      <p:nvGrpSpPr>
         <p:cNvPr id="1" name="Shape 92"/>
         <p:cNvGrpSpPr/>
         <p:nvPr/>
@@ -1114,7 +1010,7 @@
 </p:notes>
 </file>
 
-<file path=ppt/notesSlides/notesSlide12.xml><?xml version="1.0" encoding="utf-8"?>
+<file path=ppt/notesSlides/notesSlide11.xml><?xml version="1.0" encoding="utf-8"?>
 <p:notes xmlns:a="http://schemas.openxmlformats.org/drawingml/2006/main" xmlns:r="http://schemas.openxmlformats.org/officeDocument/2006/relationships" xmlns:p="http://schemas.openxmlformats.org/presentationml/2006/main" showMasterSp="0" showMasterPhAnim="0">
   <p:cSld>
     <p:spTree>
@@ -1254,7 +1150,7 @@
 </p:notes>
 </file>
 
-<file path=ppt/notesSlides/notesSlide13.xml><?xml version="1.0" encoding="utf-8"?>
+<file path=ppt/notesSlides/notesSlide12.xml><?xml version="1.0" encoding="utf-8"?>
 <p:notes xmlns:a="http://schemas.openxmlformats.org/drawingml/2006/main" xmlns:r="http://schemas.openxmlformats.org/officeDocument/2006/relationships" xmlns:p="http://schemas.openxmlformats.org/presentationml/2006/main" showMasterSp="0" showMasterPhAnim="0">
   <p:cSld>
     <p:spTree>
@@ -1358,7 +1254,7 @@
 </p:notes>
 </file>
 
-<file path=ppt/notesSlides/notesSlide14.xml><?xml version="1.0" encoding="utf-8"?>
+<file path=ppt/notesSlides/notesSlide13.xml><?xml version="1.0" encoding="utf-8"?>
 <p:notes xmlns:a="http://schemas.openxmlformats.org/drawingml/2006/main" xmlns:r="http://schemas.openxmlformats.org/officeDocument/2006/relationships" xmlns:p="http://schemas.openxmlformats.org/presentationml/2006/main" showMasterSp="0" showMasterPhAnim="0">
   <p:cSld>
     <p:spTree>
@@ -1462,7 +1358,7 @@
 </p:notes>
 </file>
 
-<file path=ppt/notesSlides/notesSlide15.xml><?xml version="1.0" encoding="utf-8"?>
+<file path=ppt/notesSlides/notesSlide14.xml><?xml version="1.0" encoding="utf-8"?>
 <p:notes xmlns:a="http://schemas.openxmlformats.org/drawingml/2006/main" xmlns:r="http://schemas.openxmlformats.org/officeDocument/2006/relationships" xmlns:p="http://schemas.openxmlformats.org/presentationml/2006/main" showMasterSp="0" showMasterPhAnim="0">
   <p:cSld>
     <p:spTree>
@@ -1566,7 +1462,7 @@
 </p:notes>
 </file>
 
-<file path=ppt/notesSlides/notesSlide2.xml><?xml version="1.0" encoding="utf-8"?>
+<file path=ppt/notesSlides/notesSlide15.xml><?xml version="1.0" encoding="utf-8"?>
 <p:notes xmlns:a="http://schemas.openxmlformats.org/drawingml/2006/main" xmlns:r="http://schemas.openxmlformats.org/officeDocument/2006/relationships" xmlns:p="http://schemas.openxmlformats.org/presentationml/2006/main" showMasterSp="0" showMasterPhAnim="0">
   <p:cSld>
     <p:spTree>
@@ -1670,7 +1566,7 @@
 </p:notes>
 </file>
 
-<file path=ppt/notesSlides/notesSlide3.xml><?xml version="1.0" encoding="utf-8"?>
+<file path=ppt/notesSlides/notesSlide2.xml><?xml version="1.0" encoding="utf-8"?>
 <p:notes xmlns:a="http://schemas.openxmlformats.org/drawingml/2006/main" xmlns:r="http://schemas.openxmlformats.org/officeDocument/2006/relationships" xmlns:p="http://schemas.openxmlformats.org/presentationml/2006/main" showMasterSp="0" showMasterPhAnim="0">
   <p:cSld>
     <p:spTree>
@@ -1774,7 +1670,7 @@
 </p:notes>
 </file>
 
-<file path=ppt/notesSlides/notesSlide4.xml><?xml version="1.0" encoding="utf-8"?>
+<file path=ppt/notesSlides/notesSlide3.xml><?xml version="1.0" encoding="utf-8"?>
 <p:notes xmlns:a="http://schemas.openxmlformats.org/drawingml/2006/main" xmlns:r="http://schemas.openxmlformats.org/officeDocument/2006/relationships" xmlns:p="http://schemas.openxmlformats.org/presentationml/2006/main" showMasterSp="0" showMasterPhAnim="0">
   <p:cSld>
     <p:spTree>
@@ -1878,7 +1774,7 @@
 </p:notes>
 </file>
 
-<file path=ppt/notesSlides/notesSlide5.xml><?xml version="1.0" encoding="utf-8"?>
+<file path=ppt/notesSlides/notesSlide4.xml><?xml version="1.0" encoding="utf-8"?>
 <p:notes xmlns:a="http://schemas.openxmlformats.org/drawingml/2006/main" xmlns:r="http://schemas.openxmlformats.org/officeDocument/2006/relationships" xmlns:p="http://schemas.openxmlformats.org/presentationml/2006/main" showMasterSp="0" showMasterPhAnim="0">
   <p:cSld>
     <p:spTree>
@@ -1982,7 +1878,7 @@
 </p:notes>
 </file>
 
-<file path=ppt/notesSlides/notesSlide6.xml><?xml version="1.0" encoding="utf-8"?>
+<file path=ppt/notesSlides/notesSlide5.xml><?xml version="1.0" encoding="utf-8"?>
 <p:notes xmlns:a="http://schemas.openxmlformats.org/drawingml/2006/main" xmlns:r="http://schemas.openxmlformats.org/officeDocument/2006/relationships" xmlns:p="http://schemas.openxmlformats.org/presentationml/2006/main" showMasterSp="0" showMasterPhAnim="0">
   <p:cSld>
     <p:spTree>
@@ -2086,7 +1982,7 @@
 </p:notes>
 </file>
 
-<file path=ppt/notesSlides/notesSlide7.xml><?xml version="1.0" encoding="utf-8"?>
+<file path=ppt/notesSlides/notesSlide6.xml><?xml version="1.0" encoding="utf-8"?>
 <p:notes xmlns:a="http://schemas.openxmlformats.org/drawingml/2006/main" xmlns:r="http://schemas.openxmlformats.org/officeDocument/2006/relationships" xmlns:p="http://schemas.openxmlformats.org/presentationml/2006/main" showMasterSp="0" showMasterPhAnim="0">
   <p:cSld>
     <p:spTree>
@@ -2195,7 +2091,7 @@
 </p:notes>
 </file>
 
-<file path=ppt/notesSlides/notesSlide8.xml><?xml version="1.0" encoding="utf-8"?>
+<file path=ppt/notesSlides/notesSlide7.xml><?xml version="1.0" encoding="utf-8"?>
 <p:notes xmlns:a="http://schemas.openxmlformats.org/drawingml/2006/main" xmlns:r="http://schemas.openxmlformats.org/officeDocument/2006/relationships" xmlns:p="http://schemas.openxmlformats.org/presentationml/2006/main" showMasterSp="0" showMasterPhAnim="0">
   <p:cSld>
     <p:spTree>
@@ -2299,7 +2195,7 @@
 </p:notes>
 </file>
 
-<file path=ppt/notesSlides/notesSlide9.xml><?xml version="1.0" encoding="utf-8"?>
+<file path=ppt/notesSlides/notesSlide8.xml><?xml version="1.0" encoding="utf-8"?>
 <p:notes xmlns:a="http://schemas.openxmlformats.org/drawingml/2006/main" xmlns:r="http://schemas.openxmlformats.org/officeDocument/2006/relationships" xmlns:p="http://schemas.openxmlformats.org/presentationml/2006/main" showMasterSp="0" showMasterPhAnim="0">
   <p:cSld>
     <p:spTree>
@@ -2394,6 +2290,110 @@
             <a:endParaRPr/>
           </a:p>
         </p:txBody>
+      </p:sp>
+    </p:spTree>
+  </p:cSld>
+  <p:clrMapOvr>
+    <a:masterClrMapping/>
+  </p:clrMapOvr>
+</p:notes>
+</file>
+
+<file path=ppt/notesSlides/notesSlide9.xml><?xml version="1.0" encoding="utf-8"?>
+<p:notes xmlns:a="http://schemas.openxmlformats.org/drawingml/2006/main" xmlns:r="http://schemas.openxmlformats.org/officeDocument/2006/relationships" xmlns:p="http://schemas.openxmlformats.org/presentationml/2006/main" showMasterSp="0" showMasterPhAnim="0">
+  <p:cSld>
+    <p:spTree>
+      <p:nvGrpSpPr>
+        <p:cNvPr id="1" name="Shape 211"/>
+        <p:cNvGrpSpPr/>
+        <p:nvPr/>
+      </p:nvGrpSpPr>
+      <p:grpSpPr>
+        <a:xfrm>
+          <a:off x="0" y="0"/>
+          <a:ext cx="0" cy="0"/>
+          <a:chOff x="0" y="0"/>
+          <a:chExt cx="0" cy="0"/>
+        </a:xfrm>
+      </p:grpSpPr>
+      <p:sp>
+        <p:nvSpPr>
+          <p:cNvPr id="212" name="Google Shape;212;p14:notes"/>
+          <p:cNvSpPr txBox="1">
+            <a:spLocks noGrp="1"/>
+          </p:cNvSpPr>
+          <p:nvPr>
+            <p:ph type="body" idx="1"/>
+          </p:nvPr>
+        </p:nvSpPr>
+        <p:spPr>
+          <a:xfrm>
+            <a:off x="914400" y="4343400"/>
+            <a:ext cx="5029200" cy="4114800"/>
+          </a:xfrm>
+          <a:prstGeom prst="rect">
+            <a:avLst/>
+          </a:prstGeom>
+        </p:spPr>
+        <p:txBody>
+          <a:bodyPr spcFirstLastPara="1" wrap="square" lIns="91425" tIns="45700" rIns="91425" bIns="45700" anchor="t" anchorCtr="0">
+            <a:noAutofit/>
+          </a:bodyPr>
+          <a:lstStyle/>
+          <a:p>
+            <a:pPr marL="0" lvl="0" indent="0" algn="l" rtl="0">
+              <a:spcBef>
+                <a:spcPts val="0"/>
+              </a:spcBef>
+              <a:spcAft>
+                <a:spcPts val="0"/>
+              </a:spcAft>
+              <a:buNone/>
+            </a:pPr>
+            <a:endParaRPr/>
+          </a:p>
+        </p:txBody>
+      </p:sp>
+      <p:sp>
+        <p:nvSpPr>
+          <p:cNvPr id="213" name="Google Shape;213;p14:notes"/>
+          <p:cNvSpPr>
+            <a:spLocks noGrp="1" noRot="1" noChangeAspect="1"/>
+          </p:cNvSpPr>
+          <p:nvPr>
+            <p:ph type="sldImg" idx="2"/>
+          </p:nvPr>
+        </p:nvSpPr>
+        <p:spPr>
+          <a:xfrm>
+            <a:off x="381000" y="685800"/>
+            <a:ext cx="6096000" cy="3429000"/>
+          </a:xfrm>
+          <a:custGeom>
+            <a:avLst/>
+            <a:gdLst/>
+            <a:ahLst/>
+            <a:cxnLst/>
+            <a:rect l="l" t="t" r="r" b="b"/>
+            <a:pathLst>
+              <a:path w="120000" h="120000" extrusionOk="0">
+                <a:moveTo>
+                  <a:pt x="0" y="0"/>
+                </a:moveTo>
+                <a:lnTo>
+                  <a:pt x="120000" y="0"/>
+                </a:lnTo>
+                <a:lnTo>
+                  <a:pt x="120000" y="120000"/>
+                </a:lnTo>
+                <a:lnTo>
+                  <a:pt x="0" y="120000"/>
+                </a:lnTo>
+                <a:close/>
+              </a:path>
+            </a:pathLst>
+          </a:custGeom>
+        </p:spPr>
       </p:sp>
     </p:spTree>
   </p:cSld>
@@ -10876,215 +10876,6 @@
   <p:cSld>
     <p:spTree>
       <p:nvGrpSpPr>
-        <p:cNvPr id="1" name="Shape 214"/>
-        <p:cNvGrpSpPr/>
-        <p:nvPr/>
-      </p:nvGrpSpPr>
-      <p:grpSpPr>
-        <a:xfrm>
-          <a:off x="0" y="0"/>
-          <a:ext cx="0" cy="0"/>
-          <a:chOff x="0" y="0"/>
-          <a:chExt cx="0" cy="0"/>
-        </a:xfrm>
-      </p:grpSpPr>
-      <p:sp>
-        <p:nvSpPr>
-          <p:cNvPr id="215" name="Google Shape;215;p14"/>
-          <p:cNvSpPr txBox="1">
-            <a:spLocks noGrp="1"/>
-          </p:cNvSpPr>
-          <p:nvPr>
-            <p:ph type="title"/>
-          </p:nvPr>
-        </p:nvSpPr>
-        <p:spPr>
-          <a:xfrm>
-            <a:off x="1689100" y="355600"/>
-            <a:ext cx="21005800" cy="2286000"/>
-          </a:xfrm>
-          <a:prstGeom prst="rect">
-            <a:avLst/>
-          </a:prstGeom>
-          <a:noFill/>
-          <a:ln>
-            <a:noFill/>
-          </a:ln>
-        </p:spPr>
-        <p:txBody>
-          <a:bodyPr spcFirstLastPara="1" wrap="square" lIns="50800" tIns="50800" rIns="50800" bIns="50800" anchor="ctr" anchorCtr="0">
-            <a:normAutofit/>
-          </a:bodyPr>
-          <a:lstStyle/>
-          <a:p>
-            <a:pPr marL="0" marR="0" lvl="0" indent="0" algn="ctr" rtl="0">
-              <a:lnSpc>
-                <a:spcPct val="100000"/>
-              </a:lnSpc>
-              <a:spcBef>
-                <a:spcPts val="0"/>
-              </a:spcBef>
-              <a:spcAft>
-                <a:spcPts val="0"/>
-              </a:spcAft>
-              <a:buClr>
-                <a:srgbClr val="000000"/>
-              </a:buClr>
-              <a:buSzPts val="9520"/>
-              <a:buFont typeface="Helvetica Neue"/>
-              <a:buNone/>
-            </a:pPr>
-            <a:r>
-              <a:rPr lang="en-US" sz="8000" dirty="0"/>
-              <a:t>Summary of process to add a feature</a:t>
-            </a:r>
-            <a:endParaRPr sz="8000" dirty="0"/>
-          </a:p>
-        </p:txBody>
-      </p:sp>
-      <p:sp>
-        <p:nvSpPr>
-          <p:cNvPr id="216" name="Google Shape;216;p14"/>
-          <p:cNvSpPr txBox="1">
-            <a:spLocks noGrp="1"/>
-          </p:cNvSpPr>
-          <p:nvPr>
-            <p:ph type="body" idx="1"/>
-          </p:nvPr>
-        </p:nvSpPr>
-        <p:spPr>
-          <a:xfrm>
-            <a:off x="1689100" y="3098800"/>
-            <a:ext cx="21005800" cy="9296400"/>
-          </a:xfrm>
-          <a:prstGeom prst="rect">
-            <a:avLst/>
-          </a:prstGeom>
-          <a:noFill/>
-          <a:ln>
-            <a:noFill/>
-          </a:ln>
-        </p:spPr>
-        <p:txBody>
-          <a:bodyPr spcFirstLastPara="1" wrap="square" lIns="50800" tIns="50800" rIns="50800" bIns="50800" anchor="ctr" anchorCtr="0">
-            <a:normAutofit/>
-          </a:bodyPr>
-          <a:lstStyle/>
-          <a:p>
-            <a:pPr marL="457200" lvl="0" indent="-518160" algn="l" rtl="0">
-              <a:lnSpc>
-                <a:spcPct val="100000"/>
-              </a:lnSpc>
-              <a:spcBef>
-                <a:spcPts val="0"/>
-              </a:spcBef>
-              <a:spcAft>
-                <a:spcPts val="0"/>
-              </a:spcAft>
-              <a:buSzPts val="4560"/>
-              <a:buAutoNum type="arabicPeriod"/>
-            </a:pPr>
-            <a:r>
-              <a:rPr lang="en-US" sz="4560" dirty="0"/>
-              <a:t>Pull latest code from develop branch.</a:t>
-            </a:r>
-            <a:endParaRPr dirty="0"/>
-          </a:p>
-          <a:p>
-            <a:pPr marL="457200" lvl="0" indent="-518160" algn="l" rtl="0">
-              <a:lnSpc>
-                <a:spcPct val="100000"/>
-              </a:lnSpc>
-              <a:spcBef>
-                <a:spcPts val="0"/>
-              </a:spcBef>
-              <a:spcAft>
-                <a:spcPts val="0"/>
-              </a:spcAft>
-              <a:buSzPts val="4560"/>
-              <a:buAutoNum type="arabicPeriod"/>
-            </a:pPr>
-            <a:r>
-              <a:rPr lang="en-US" sz="4560" dirty="0"/>
-              <a:t>Create feature branch from develop branch.</a:t>
-            </a:r>
-            <a:endParaRPr sz="4560" dirty="0"/>
-          </a:p>
-          <a:p>
-            <a:pPr marL="457200" lvl="0" indent="-518160" algn="l" rtl="0">
-              <a:lnSpc>
-                <a:spcPct val="100000"/>
-              </a:lnSpc>
-              <a:spcBef>
-                <a:spcPts val="0"/>
-              </a:spcBef>
-              <a:spcAft>
-                <a:spcPts val="0"/>
-              </a:spcAft>
-              <a:buSzPts val="4560"/>
-              <a:buAutoNum type="arabicPeriod"/>
-            </a:pPr>
-            <a:r>
-              <a:rPr lang="en-US" sz="4560" dirty="0"/>
-              <a:t>Make your changes, stage, commit, then push to GitHub.</a:t>
-            </a:r>
-            <a:endParaRPr sz="4560" dirty="0"/>
-          </a:p>
-          <a:p>
-            <a:pPr marL="457200" lvl="0" indent="-518160" algn="l" rtl="0">
-              <a:lnSpc>
-                <a:spcPct val="100000"/>
-              </a:lnSpc>
-              <a:spcBef>
-                <a:spcPts val="0"/>
-              </a:spcBef>
-              <a:spcAft>
-                <a:spcPts val="0"/>
-              </a:spcAft>
-              <a:buSzPts val="4560"/>
-              <a:buAutoNum type="arabicPeriod"/>
-            </a:pPr>
-            <a:r>
-              <a:rPr lang="en-US" sz="4560" dirty="0"/>
-              <a:t>Submit pull request on GitHub &amp; merge into develop.</a:t>
-            </a:r>
-            <a:endParaRPr sz="4560" dirty="0"/>
-          </a:p>
-          <a:p>
-            <a:pPr marL="457200" lvl="0" indent="-518160" algn="l" rtl="0">
-              <a:lnSpc>
-                <a:spcPct val="100000"/>
-              </a:lnSpc>
-              <a:spcBef>
-                <a:spcPts val="0"/>
-              </a:spcBef>
-              <a:spcAft>
-                <a:spcPts val="0"/>
-              </a:spcAft>
-              <a:buSzPts val="4560"/>
-              <a:buAutoNum type="arabicPeriod"/>
-            </a:pPr>
-            <a:r>
-              <a:rPr lang="en-US" sz="4560" dirty="0"/>
-              <a:t>Repeat until enough features have been merged into develop, then make a pull request from develop -&gt; main.</a:t>
-            </a:r>
-            <a:endParaRPr sz="4560" dirty="0"/>
-          </a:p>
-        </p:txBody>
-      </p:sp>
-    </p:spTree>
-  </p:cSld>
-  <p:clrMapOvr>
-    <a:masterClrMapping/>
-  </p:clrMapOvr>
-</p:sld>
-</file>
-
-<file path=ppt/slides/slide11.xml><?xml version="1.0" encoding="utf-8"?>
-<p:sld xmlns:a="http://schemas.openxmlformats.org/drawingml/2006/main" xmlns:r="http://schemas.openxmlformats.org/officeDocument/2006/relationships" xmlns:p="http://schemas.openxmlformats.org/presentationml/2006/main">
-  <p:cSld>
-    <p:spTree>
-      <p:nvGrpSpPr>
         <p:cNvPr id="1" name="Shape 95"/>
         <p:cNvGrpSpPr/>
         <p:nvPr/>
@@ -11517,7 +11308,7 @@
 </p:sld>
 </file>
 
-<file path=ppt/slides/slide12.xml><?xml version="1.0" encoding="utf-8"?>
+<file path=ppt/slides/slide11.xml><?xml version="1.0" encoding="utf-8"?>
 <p:sld xmlns:a="http://schemas.openxmlformats.org/drawingml/2006/main" xmlns:r="http://schemas.openxmlformats.org/officeDocument/2006/relationships" xmlns:p="http://schemas.openxmlformats.org/presentationml/2006/main">
   <p:cSld>
     <p:spTree>
@@ -11582,7 +11373,7 @@
 </p:sld>
 </file>
 
-<file path=ppt/slides/slide13.xml><?xml version="1.0" encoding="utf-8"?>
+<file path=ppt/slides/slide12.xml><?xml version="1.0" encoding="utf-8"?>
 <p:sld xmlns:a="http://schemas.openxmlformats.org/drawingml/2006/main" xmlns:r="http://schemas.openxmlformats.org/officeDocument/2006/relationships" xmlns:p="http://schemas.openxmlformats.org/presentationml/2006/main">
   <p:cSld>
     <p:spTree>
@@ -11892,7 +11683,7 @@
 </p:sld>
 </file>
 
-<file path=ppt/slides/slide14.xml><?xml version="1.0" encoding="utf-8"?>
+<file path=ppt/slides/slide13.xml><?xml version="1.0" encoding="utf-8"?>
 <p:sld xmlns:a="http://schemas.openxmlformats.org/drawingml/2006/main" xmlns:r="http://schemas.openxmlformats.org/officeDocument/2006/relationships" xmlns:p="http://schemas.openxmlformats.org/presentationml/2006/main">
   <p:cSld>
     <p:spTree>
@@ -12006,7 +11797,7 @@
 </p:sld>
 </file>
 
-<file path=ppt/slides/slide15.xml><?xml version="1.0" encoding="utf-8"?>
+<file path=ppt/slides/slide14.xml><?xml version="1.0" encoding="utf-8"?>
 <p:sld xmlns:a="http://schemas.openxmlformats.org/drawingml/2006/main" xmlns:r="http://schemas.openxmlformats.org/officeDocument/2006/relationships" xmlns:p="http://schemas.openxmlformats.org/presentationml/2006/main">
   <p:cSld>
     <p:spTree>
@@ -12270,7 +12061,7 @@
 </p:sld>
 </file>
 
-<file path=ppt/slides/slide16.xml><?xml version="1.0" encoding="utf-8"?>
+<file path=ppt/slides/slide15.xml><?xml version="1.0" encoding="utf-8"?>
 <p:sld xmlns:a="http://schemas.openxmlformats.org/drawingml/2006/main" xmlns:r="http://schemas.openxmlformats.org/officeDocument/2006/relationships" xmlns:p="http://schemas.openxmlformats.org/presentationml/2006/main">
   <p:cSld>
     <p:spTree>
@@ -12534,7 +12325,7 @@
 </p:sld>
 </file>
 
-<file path=ppt/slides/slide2.xml><?xml version="1.0" encoding="utf-8"?>
+<file path=ppt/slides/slide16.xml><?xml version="1.0" encoding="utf-8"?>
 <p:sld xmlns:a="http://schemas.openxmlformats.org/drawingml/2006/main" xmlns:r="http://schemas.openxmlformats.org/officeDocument/2006/relationships" xmlns:p="http://schemas.openxmlformats.org/presentationml/2006/main">
   <p:cSld>
     <p:spTree>
@@ -12748,7 +12539,7 @@
 </p:sld>
 </file>
 
-<file path=ppt/slides/slide3.xml><?xml version="1.0" encoding="utf-8"?>
+<file path=ppt/slides/slide2.xml><?xml version="1.0" encoding="utf-8"?>
 <p:sld xmlns:a="http://schemas.openxmlformats.org/drawingml/2006/main" xmlns:r="http://schemas.openxmlformats.org/officeDocument/2006/relationships" xmlns:p="http://schemas.openxmlformats.org/presentationml/2006/main">
   <p:cSld>
     <p:spTree>
@@ -12873,7 +12664,7 @@
 </p:sld>
 </file>
 
-<file path=ppt/slides/slide4.xml><?xml version="1.0" encoding="utf-8"?>
+<file path=ppt/slides/slide3.xml><?xml version="1.0" encoding="utf-8"?>
 <p:sld xmlns:a="http://schemas.openxmlformats.org/drawingml/2006/main" xmlns:r="http://schemas.openxmlformats.org/officeDocument/2006/relationships" xmlns:p="http://schemas.openxmlformats.org/presentationml/2006/main">
   <p:cSld>
     <p:spTree>
@@ -13082,7 +12873,7 @@
 </p:sld>
 </file>
 
-<file path=ppt/slides/slide5.xml><?xml version="1.0" encoding="utf-8"?>
+<file path=ppt/slides/slide4.xml><?xml version="1.0" encoding="utf-8"?>
 <p:sld xmlns:a="http://schemas.openxmlformats.org/drawingml/2006/main" xmlns:r="http://schemas.openxmlformats.org/officeDocument/2006/relationships" xmlns:p="http://schemas.openxmlformats.org/presentationml/2006/main">
   <p:cSld>
     <p:spTree>
@@ -13340,7 +13131,7 @@
 </p:sld>
 </file>
 
-<file path=ppt/slides/slide6.xml><?xml version="1.0" encoding="utf-8"?>
+<file path=ppt/slides/slide5.xml><?xml version="1.0" encoding="utf-8"?>
 <p:sld xmlns:a="http://schemas.openxmlformats.org/drawingml/2006/main" xmlns:r="http://schemas.openxmlformats.org/officeDocument/2006/relationships" xmlns:p="http://schemas.openxmlformats.org/presentationml/2006/main">
   <p:cSld>
     <p:spTree>
@@ -13890,7 +13681,7 @@
 </p:sld>
 </file>
 
-<file path=ppt/slides/slide7.xml><?xml version="1.0" encoding="utf-8"?>
+<file path=ppt/slides/slide6.xml><?xml version="1.0" encoding="utf-8"?>
 <p:sld xmlns:a="http://schemas.openxmlformats.org/drawingml/2006/main" xmlns:r="http://schemas.openxmlformats.org/officeDocument/2006/relationships" xmlns:p="http://schemas.openxmlformats.org/presentationml/2006/main">
   <p:cSld>
     <p:spTree>
@@ -14872,7 +14663,7 @@
 </p:sld>
 </file>
 
-<file path=ppt/slides/slide8.xml><?xml version="1.0" encoding="utf-8"?>
+<file path=ppt/slides/slide7.xml><?xml version="1.0" encoding="utf-8"?>
 <p:sld xmlns:a="http://schemas.openxmlformats.org/drawingml/2006/main" xmlns:r="http://schemas.openxmlformats.org/officeDocument/2006/relationships" xmlns:p="http://schemas.openxmlformats.org/presentationml/2006/main">
   <p:cSld>
     <p:spTree>
@@ -14986,8 +14777,8 @@
         </p:nvSpPr>
         <p:spPr>
           <a:xfrm>
-            <a:off x="14670332" y="9328104"/>
-            <a:ext cx="6849715" cy="2974872"/>
+            <a:off x="14670332" y="10583134"/>
+            <a:ext cx="7146925" cy="1719842"/>
           </a:xfrm>
           <a:prstGeom prst="rect">
             <a:avLst/>
@@ -15765,7 +15556,7 @@
         </p:nvSpPr>
         <p:spPr>
           <a:xfrm>
-            <a:off x="16157955" y="9480056"/>
+            <a:off x="16281957" y="9188915"/>
             <a:ext cx="3673798" cy="630942"/>
           </a:xfrm>
           <a:prstGeom prst="rect">
@@ -15799,7 +15590,7 @@
 </p:sld>
 </file>
 
-<file path=ppt/slides/slide9.xml><?xml version="1.0" encoding="utf-8"?>
+<file path=ppt/slides/slide8.xml><?xml version="1.0" encoding="utf-8"?>
 <p:sld xmlns:a="http://schemas.openxmlformats.org/drawingml/2006/main" xmlns:r="http://schemas.openxmlformats.org/officeDocument/2006/relationships" xmlns:p="http://schemas.openxmlformats.org/presentationml/2006/main">
   <p:cSld>
     <p:spTree>
@@ -15855,6 +15646,215 @@
               <a:t>DEMO!</a:t>
             </a:r>
             <a:endParaRPr/>
+          </a:p>
+        </p:txBody>
+      </p:sp>
+    </p:spTree>
+  </p:cSld>
+  <p:clrMapOvr>
+    <a:masterClrMapping/>
+  </p:clrMapOvr>
+</p:sld>
+</file>
+
+<file path=ppt/slides/slide9.xml><?xml version="1.0" encoding="utf-8"?>
+<p:sld xmlns:a="http://schemas.openxmlformats.org/drawingml/2006/main" xmlns:r="http://schemas.openxmlformats.org/officeDocument/2006/relationships" xmlns:p="http://schemas.openxmlformats.org/presentationml/2006/main">
+  <p:cSld>
+    <p:spTree>
+      <p:nvGrpSpPr>
+        <p:cNvPr id="1" name="Shape 214"/>
+        <p:cNvGrpSpPr/>
+        <p:nvPr/>
+      </p:nvGrpSpPr>
+      <p:grpSpPr>
+        <a:xfrm>
+          <a:off x="0" y="0"/>
+          <a:ext cx="0" cy="0"/>
+          <a:chOff x="0" y="0"/>
+          <a:chExt cx="0" cy="0"/>
+        </a:xfrm>
+      </p:grpSpPr>
+      <p:sp>
+        <p:nvSpPr>
+          <p:cNvPr id="215" name="Google Shape;215;p14"/>
+          <p:cNvSpPr txBox="1">
+            <a:spLocks noGrp="1"/>
+          </p:cNvSpPr>
+          <p:nvPr>
+            <p:ph type="title"/>
+          </p:nvPr>
+        </p:nvSpPr>
+        <p:spPr>
+          <a:xfrm>
+            <a:off x="1689100" y="355600"/>
+            <a:ext cx="21005800" cy="2286000"/>
+          </a:xfrm>
+          <a:prstGeom prst="rect">
+            <a:avLst/>
+          </a:prstGeom>
+          <a:noFill/>
+          <a:ln>
+            <a:noFill/>
+          </a:ln>
+        </p:spPr>
+        <p:txBody>
+          <a:bodyPr spcFirstLastPara="1" wrap="square" lIns="50800" tIns="50800" rIns="50800" bIns="50800" anchor="ctr" anchorCtr="0">
+            <a:normAutofit/>
+          </a:bodyPr>
+          <a:lstStyle/>
+          <a:p>
+            <a:pPr marL="0" marR="0" lvl="0" indent="0" algn="ctr" rtl="0">
+              <a:lnSpc>
+                <a:spcPct val="100000"/>
+              </a:lnSpc>
+              <a:spcBef>
+                <a:spcPts val="0"/>
+              </a:spcBef>
+              <a:spcAft>
+                <a:spcPts val="0"/>
+              </a:spcAft>
+              <a:buClr>
+                <a:srgbClr val="000000"/>
+              </a:buClr>
+              <a:buSzPts val="9520"/>
+              <a:buFont typeface="Helvetica Neue"/>
+              <a:buNone/>
+            </a:pPr>
+            <a:r>
+              <a:rPr lang="en-US" sz="8000" dirty="0"/>
+              <a:t>Summary of process to add a feature</a:t>
+            </a:r>
+            <a:endParaRPr sz="8000" dirty="0"/>
+          </a:p>
+        </p:txBody>
+      </p:sp>
+      <p:sp>
+        <p:nvSpPr>
+          <p:cNvPr id="216" name="Google Shape;216;p14"/>
+          <p:cNvSpPr txBox="1">
+            <a:spLocks noGrp="1"/>
+          </p:cNvSpPr>
+          <p:nvPr>
+            <p:ph type="body" idx="1"/>
+          </p:nvPr>
+        </p:nvSpPr>
+        <p:spPr>
+          <a:xfrm>
+            <a:off x="1689100" y="3098800"/>
+            <a:ext cx="21005800" cy="9296400"/>
+          </a:xfrm>
+          <a:prstGeom prst="rect">
+            <a:avLst/>
+          </a:prstGeom>
+          <a:noFill/>
+          <a:ln>
+            <a:noFill/>
+          </a:ln>
+        </p:spPr>
+        <p:txBody>
+          <a:bodyPr spcFirstLastPara="1" wrap="square" lIns="50800" tIns="50800" rIns="50800" bIns="50800" anchor="ctr" anchorCtr="0">
+            <a:normAutofit/>
+          </a:bodyPr>
+          <a:lstStyle/>
+          <a:p>
+            <a:pPr marL="457200" lvl="0" indent="-518160" algn="l" rtl="0">
+              <a:lnSpc>
+                <a:spcPct val="100000"/>
+              </a:lnSpc>
+              <a:spcBef>
+                <a:spcPts val="0"/>
+              </a:spcBef>
+              <a:spcAft>
+                <a:spcPts val="0"/>
+              </a:spcAft>
+              <a:buSzPts val="4560"/>
+              <a:buAutoNum type="arabicPeriod"/>
+            </a:pPr>
+            <a:r>
+              <a:rPr lang="en-US" sz="4560" dirty="0"/>
+              <a:t>Pull latest code from develop branch.</a:t>
+            </a:r>
+            <a:endParaRPr dirty="0"/>
+          </a:p>
+          <a:p>
+            <a:pPr marL="457200" lvl="0" indent="-518160" algn="l" rtl="0">
+              <a:lnSpc>
+                <a:spcPct val="100000"/>
+              </a:lnSpc>
+              <a:spcBef>
+                <a:spcPts val="0"/>
+              </a:spcBef>
+              <a:spcAft>
+                <a:spcPts val="0"/>
+              </a:spcAft>
+              <a:buSzPts val="4560"/>
+              <a:buAutoNum type="arabicPeriod"/>
+            </a:pPr>
+            <a:r>
+              <a:rPr lang="en-US" sz="4560" dirty="0"/>
+              <a:t>Create feature branch from develop branch.</a:t>
+            </a:r>
+            <a:endParaRPr sz="4560" dirty="0"/>
+          </a:p>
+          <a:p>
+            <a:pPr marL="457200" lvl="0" indent="-518160" algn="l" rtl="0">
+              <a:lnSpc>
+                <a:spcPct val="100000"/>
+              </a:lnSpc>
+              <a:spcBef>
+                <a:spcPts val="0"/>
+              </a:spcBef>
+              <a:spcAft>
+                <a:spcPts val="0"/>
+              </a:spcAft>
+              <a:buSzPts val="4560"/>
+              <a:buAutoNum type="arabicPeriod"/>
+            </a:pPr>
+            <a:r>
+              <a:rPr lang="en-US" sz="4560" dirty="0"/>
+              <a:t>Make your changes, stage, commit, then push to GitHub.</a:t>
+            </a:r>
+            <a:endParaRPr sz="4560" dirty="0"/>
+          </a:p>
+          <a:p>
+            <a:pPr marL="457200" lvl="0" indent="-518160" algn="l" rtl="0">
+              <a:lnSpc>
+                <a:spcPct val="100000"/>
+              </a:lnSpc>
+              <a:spcBef>
+                <a:spcPts val="0"/>
+              </a:spcBef>
+              <a:spcAft>
+                <a:spcPts val="0"/>
+              </a:spcAft>
+              <a:buSzPts val="4560"/>
+              <a:buAutoNum type="arabicPeriod"/>
+            </a:pPr>
+            <a:r>
+              <a:rPr lang="en-US" sz="4560" dirty="0"/>
+              <a:t>Submit pull request on GitHub &amp; merge into develop.</a:t>
+            </a:r>
+            <a:endParaRPr sz="4560" dirty="0"/>
+          </a:p>
+          <a:p>
+            <a:pPr marL="457200" lvl="0" indent="-518160" algn="l" rtl="0">
+              <a:lnSpc>
+                <a:spcPct val="100000"/>
+              </a:lnSpc>
+              <a:spcBef>
+                <a:spcPts val="0"/>
+              </a:spcBef>
+              <a:spcAft>
+                <a:spcPts val="0"/>
+              </a:spcAft>
+              <a:buSzPts val="4560"/>
+              <a:buAutoNum type="arabicPeriod"/>
+            </a:pPr>
+            <a:r>
+              <a:rPr lang="en-US" sz="4560" dirty="0"/>
+              <a:t>Repeat until enough features have been merged into develop, then make a pull request from develop -&gt; main.</a:t>
+            </a:r>
+            <a:endParaRPr sz="4560" dirty="0"/>
           </a:p>
         </p:txBody>
       </p:sp>

--- a/Day1/gitflow.pptx
+++ b/Day1/gitflow.pptx
@@ -5,7 +5,7 @@
     <p:sldMasterId id="2147483648" r:id="rId1"/>
   </p:sldMasterIdLst>
   <p:notesMasterIdLst>
-    <p:notesMasterId r:id="rId18"/>
+    <p:notesMasterId r:id="rId19"/>
   </p:notesMasterIdLst>
   <p:sldIdLst>
     <p:sldId id="256" r:id="rId2"/>
@@ -15,39 +15,40 @@
     <p:sldId id="268" r:id="rId6"/>
     <p:sldId id="290" r:id="rId7"/>
     <p:sldId id="272" r:id="rId8"/>
-    <p:sldId id="273" r:id="rId9"/>
-    <p:sldId id="274" r:id="rId10"/>
-    <p:sldId id="291" r:id="rId11"/>
-    <p:sldId id="289" r:id="rId12"/>
-    <p:sldId id="262" r:id="rId13"/>
-    <p:sldId id="269" r:id="rId14"/>
-    <p:sldId id="270" r:id="rId15"/>
-    <p:sldId id="271" r:id="rId16"/>
-    <p:sldId id="257" r:id="rId17"/>
+    <p:sldId id="292" r:id="rId9"/>
+    <p:sldId id="273" r:id="rId10"/>
+    <p:sldId id="274" r:id="rId11"/>
+    <p:sldId id="291" r:id="rId12"/>
+    <p:sldId id="289" r:id="rId13"/>
+    <p:sldId id="262" r:id="rId14"/>
+    <p:sldId id="269" r:id="rId15"/>
+    <p:sldId id="270" r:id="rId16"/>
+    <p:sldId id="271" r:id="rId17"/>
+    <p:sldId id="257" r:id="rId18"/>
   </p:sldIdLst>
   <p:sldSz cx="24384000" cy="13716000"/>
   <p:notesSz cx="6858000" cy="9144000"/>
   <p:embeddedFontLst>
     <p:embeddedFont>
       <p:font typeface="Calibri" panose="020F0502020204030204" pitchFamily="34" charset="0"/>
-      <p:regular r:id="rId19"/>
-      <p:bold r:id="rId20"/>
-      <p:italic r:id="rId21"/>
-      <p:boldItalic r:id="rId22"/>
+      <p:regular r:id="rId20"/>
+      <p:bold r:id="rId21"/>
+      <p:italic r:id="rId22"/>
+      <p:boldItalic r:id="rId23"/>
     </p:embeddedFont>
     <p:embeddedFont>
       <p:font typeface="Helvetica Neue" panose="02000503000000020004" pitchFamily="2" charset="0"/>
-      <p:regular r:id="rId23"/>
-      <p:bold r:id="rId24"/>
-      <p:italic r:id="rId25"/>
-      <p:boldItalic r:id="rId26"/>
+      <p:regular r:id="rId24"/>
+      <p:bold r:id="rId25"/>
+      <p:italic r:id="rId26"/>
+      <p:boldItalic r:id="rId27"/>
     </p:embeddedFont>
     <p:embeddedFont>
       <p:font typeface="Helvetica Neue Light" panose="02000403000000020004" pitchFamily="2" charset="0"/>
-      <p:regular r:id="rId27"/>
-      <p:bold r:id="rId28"/>
-      <p:italic r:id="rId29"/>
-      <p:boldItalic r:id="rId30"/>
+      <p:regular r:id="rId28"/>
+      <p:bold r:id="rId29"/>
+      <p:italic r:id="rId30"/>
+      <p:boldItalic r:id="rId31"/>
     </p:embeddedFont>
   </p:embeddedFontLst>
   <p:defaultTextStyle>
@@ -284,7 +285,7 @@
       <p15:sldGuideLst xmlns:p15="http://schemas.microsoft.com/office/powerpoint/2012/main"/>
     </p:ext>
     <p:ext uri="http://customooxmlschemas.google.com/">
-      <go:slidesCustomData xmlns="" xmlns:mc="http://schemas.openxmlformats.org/markup-compatibility/2006" xmlns:mv="urn:schemas-microsoft-com:mac:vml" xmlns:c="http://schemas.openxmlformats.org/drawingml/2006/chart" xmlns:dgm="http://schemas.openxmlformats.org/drawingml/2006/diagram" xmlns:o="urn:schemas-microsoft-com:office:office" xmlns:v="urn:schemas-microsoft-com:vml" xmlns:pvml="urn:schemas-microsoft-com:office:powerpoint" xmlns:com="http://schemas.openxmlformats.org/drawingml/2006/compatibility" xmlns:p14="http://schemas.microsoft.com/office/powerpoint/2010/main" xmlns:p15="http://schemas.microsoft.com/office/powerpoint/2012/main" xmlns:ahyp="http://schemas.microsoft.com/office/drawing/2018/hyperlinkcolor" xmlns:go="http://customooxmlschemas.google.com/" r:id="rId32" roundtripDataSignature="AMtx7mhACr3GF+oaOhhGKWHfbSq2XX1c1g=="/>
+      <go:slidesCustomData xmlns:go="http://customooxmlschemas.google.com/" xmlns:ahyp="http://schemas.microsoft.com/office/drawing/2018/hyperlinkcolor" xmlns:p15="http://schemas.microsoft.com/office/powerpoint/2012/main" xmlns:p14="http://schemas.microsoft.com/office/powerpoint/2010/main" xmlns:com="http://schemas.openxmlformats.org/drawingml/2006/compatibility" xmlns:pvml="urn:schemas-microsoft-com:office:powerpoint" xmlns:v="urn:schemas-microsoft-com:vml" xmlns:o="urn:schemas-microsoft-com:office:office" xmlns:dgm="http://schemas.openxmlformats.org/drawingml/2006/diagram" xmlns:c="http://schemas.openxmlformats.org/drawingml/2006/chart" xmlns:mv="urn:schemas-microsoft-com:mac:vml" xmlns:mc="http://schemas.openxmlformats.org/markup-compatibility/2006" xmlns="" r:id="rId32" roundtripDataSignature="AMtx7mhACr3GF+oaOhhGKWHfbSq2XX1c1g=="/>
     </p:ext>
   </p:extLst>
 </p:presentation>
@@ -906,6 +907,110 @@
   <p:cSld>
     <p:spTree>
       <p:nvGrpSpPr>
+        <p:cNvPr id="1" name="Shape 211"/>
+        <p:cNvGrpSpPr/>
+        <p:nvPr/>
+      </p:nvGrpSpPr>
+      <p:grpSpPr>
+        <a:xfrm>
+          <a:off x="0" y="0"/>
+          <a:ext cx="0" cy="0"/>
+          <a:chOff x="0" y="0"/>
+          <a:chExt cx="0" cy="0"/>
+        </a:xfrm>
+      </p:grpSpPr>
+      <p:sp>
+        <p:nvSpPr>
+          <p:cNvPr id="212" name="Google Shape;212;p14:notes"/>
+          <p:cNvSpPr txBox="1">
+            <a:spLocks noGrp="1"/>
+          </p:cNvSpPr>
+          <p:nvPr>
+            <p:ph type="body" idx="1"/>
+          </p:nvPr>
+        </p:nvSpPr>
+        <p:spPr>
+          <a:xfrm>
+            <a:off x="914400" y="4343400"/>
+            <a:ext cx="5029200" cy="4114800"/>
+          </a:xfrm>
+          <a:prstGeom prst="rect">
+            <a:avLst/>
+          </a:prstGeom>
+        </p:spPr>
+        <p:txBody>
+          <a:bodyPr spcFirstLastPara="1" wrap="square" lIns="91425" tIns="45700" rIns="91425" bIns="45700" anchor="t" anchorCtr="0">
+            <a:noAutofit/>
+          </a:bodyPr>
+          <a:lstStyle/>
+          <a:p>
+            <a:pPr marL="0" lvl="0" indent="0" algn="l" rtl="0">
+              <a:spcBef>
+                <a:spcPts val="0"/>
+              </a:spcBef>
+              <a:spcAft>
+                <a:spcPts val="0"/>
+              </a:spcAft>
+              <a:buNone/>
+            </a:pPr>
+            <a:endParaRPr/>
+          </a:p>
+        </p:txBody>
+      </p:sp>
+      <p:sp>
+        <p:nvSpPr>
+          <p:cNvPr id="213" name="Google Shape;213;p14:notes"/>
+          <p:cNvSpPr>
+            <a:spLocks noGrp="1" noRot="1" noChangeAspect="1"/>
+          </p:cNvSpPr>
+          <p:nvPr>
+            <p:ph type="sldImg" idx="2"/>
+          </p:nvPr>
+        </p:nvSpPr>
+        <p:spPr>
+          <a:xfrm>
+            <a:off x="381000" y="685800"/>
+            <a:ext cx="6096000" cy="3429000"/>
+          </a:xfrm>
+          <a:custGeom>
+            <a:avLst/>
+            <a:gdLst/>
+            <a:ahLst/>
+            <a:cxnLst/>
+            <a:rect l="l" t="t" r="r" b="b"/>
+            <a:pathLst>
+              <a:path w="120000" h="120000" extrusionOk="0">
+                <a:moveTo>
+                  <a:pt x="0" y="0"/>
+                </a:moveTo>
+                <a:lnTo>
+                  <a:pt x="120000" y="0"/>
+                </a:lnTo>
+                <a:lnTo>
+                  <a:pt x="120000" y="120000"/>
+                </a:lnTo>
+                <a:lnTo>
+                  <a:pt x="0" y="120000"/>
+                </a:lnTo>
+                <a:close/>
+              </a:path>
+            </a:pathLst>
+          </a:custGeom>
+        </p:spPr>
+      </p:sp>
+    </p:spTree>
+  </p:cSld>
+  <p:clrMapOvr>
+    <a:masterClrMapping/>
+  </p:clrMapOvr>
+</p:notes>
+</file>
+
+<file path=ppt/notesSlides/notesSlide11.xml><?xml version="1.0" encoding="utf-8"?>
+<p:notes xmlns:a="http://schemas.openxmlformats.org/drawingml/2006/main" xmlns:r="http://schemas.openxmlformats.org/officeDocument/2006/relationships" xmlns:p="http://schemas.openxmlformats.org/presentationml/2006/main" showMasterSp="0" showMasterPhAnim="0">
+  <p:cSld>
+    <p:spTree>
+      <p:nvGrpSpPr>
         <p:cNvPr id="1" name="Shape 92"/>
         <p:cNvGrpSpPr/>
         <p:nvPr/>
@@ -1010,7 +1115,7 @@
 </p:notes>
 </file>
 
-<file path=ppt/notesSlides/notesSlide11.xml><?xml version="1.0" encoding="utf-8"?>
+<file path=ppt/notesSlides/notesSlide12.xml><?xml version="1.0" encoding="utf-8"?>
 <p:notes xmlns:a="http://schemas.openxmlformats.org/drawingml/2006/main" xmlns:r="http://schemas.openxmlformats.org/officeDocument/2006/relationships" xmlns:p="http://schemas.openxmlformats.org/presentationml/2006/main" showMasterSp="0" showMasterPhAnim="0">
   <p:cSld>
     <p:spTree>
@@ -1150,7 +1255,7 @@
 </p:notes>
 </file>
 
-<file path=ppt/notesSlides/notesSlide12.xml><?xml version="1.0" encoding="utf-8"?>
+<file path=ppt/notesSlides/notesSlide13.xml><?xml version="1.0" encoding="utf-8"?>
 <p:notes xmlns:a="http://schemas.openxmlformats.org/drawingml/2006/main" xmlns:r="http://schemas.openxmlformats.org/officeDocument/2006/relationships" xmlns:p="http://schemas.openxmlformats.org/presentationml/2006/main" showMasterSp="0" showMasterPhAnim="0">
   <p:cSld>
     <p:spTree>
@@ -1254,7 +1359,7 @@
 </p:notes>
 </file>
 
-<file path=ppt/notesSlides/notesSlide13.xml><?xml version="1.0" encoding="utf-8"?>
+<file path=ppt/notesSlides/notesSlide14.xml><?xml version="1.0" encoding="utf-8"?>
 <p:notes xmlns:a="http://schemas.openxmlformats.org/drawingml/2006/main" xmlns:r="http://schemas.openxmlformats.org/officeDocument/2006/relationships" xmlns:p="http://schemas.openxmlformats.org/presentationml/2006/main" showMasterSp="0" showMasterPhAnim="0">
   <p:cSld>
     <p:spTree>
@@ -1358,7 +1463,7 @@
 </p:notes>
 </file>
 
-<file path=ppt/notesSlides/notesSlide14.xml><?xml version="1.0" encoding="utf-8"?>
+<file path=ppt/notesSlides/notesSlide15.xml><?xml version="1.0" encoding="utf-8"?>
 <p:notes xmlns:a="http://schemas.openxmlformats.org/drawingml/2006/main" xmlns:r="http://schemas.openxmlformats.org/officeDocument/2006/relationships" xmlns:p="http://schemas.openxmlformats.org/presentationml/2006/main" showMasterSp="0" showMasterPhAnim="0">
   <p:cSld>
     <p:spTree>
@@ -1462,7 +1567,7 @@
 </p:notes>
 </file>
 
-<file path=ppt/notesSlides/notesSlide15.xml><?xml version="1.0" encoding="utf-8"?>
+<file path=ppt/notesSlides/notesSlide16.xml><?xml version="1.0" encoding="utf-8"?>
 <p:notes xmlns:a="http://schemas.openxmlformats.org/drawingml/2006/main" xmlns:r="http://schemas.openxmlformats.org/officeDocument/2006/relationships" xmlns:p="http://schemas.openxmlformats.org/presentationml/2006/main" showMasterSp="0" showMasterPhAnim="0">
   <p:cSld>
     <p:spTree>
@@ -2142,7 +2247,7 @@
               </a:spcAft>
               <a:buNone/>
             </a:pPr>
-            <a:endParaRPr/>
+            <a:endParaRPr dirty="0"/>
           </a:p>
         </p:txBody>
       </p:sp>
@@ -2196,6 +2301,115 @@
 </file>
 
 <file path=ppt/notesSlides/notesSlide8.xml><?xml version="1.0" encoding="utf-8"?>
+<p:notes xmlns:a="http://schemas.openxmlformats.org/drawingml/2006/main" xmlns:r="http://schemas.openxmlformats.org/officeDocument/2006/relationships" xmlns:p="http://schemas.openxmlformats.org/presentationml/2006/main" showMasterSp="0" showMasterPhAnim="0">
+  <p:cSld>
+    <p:spTree>
+      <p:nvGrpSpPr>
+        <p:cNvPr id="1" name="Shape 193"/>
+        <p:cNvGrpSpPr/>
+        <p:nvPr/>
+      </p:nvGrpSpPr>
+      <p:grpSpPr>
+        <a:xfrm>
+          <a:off x="0" y="0"/>
+          <a:ext cx="0" cy="0"/>
+          <a:chOff x="0" y="0"/>
+          <a:chExt cx="0" cy="0"/>
+        </a:xfrm>
+      </p:grpSpPr>
+      <p:sp>
+        <p:nvSpPr>
+          <p:cNvPr id="194" name="Google Shape;194;p13:notes"/>
+          <p:cNvSpPr txBox="1">
+            <a:spLocks noGrp="1"/>
+          </p:cNvSpPr>
+          <p:nvPr>
+            <p:ph type="body" idx="1"/>
+          </p:nvPr>
+        </p:nvSpPr>
+        <p:spPr>
+          <a:xfrm>
+            <a:off x="914400" y="4343400"/>
+            <a:ext cx="5029200" cy="4114800"/>
+          </a:xfrm>
+          <a:prstGeom prst="rect">
+            <a:avLst/>
+          </a:prstGeom>
+        </p:spPr>
+        <p:txBody>
+          <a:bodyPr spcFirstLastPara="1" wrap="square" lIns="91425" tIns="45700" rIns="91425" bIns="45700" anchor="t" anchorCtr="0">
+            <a:noAutofit/>
+          </a:bodyPr>
+          <a:lstStyle/>
+          <a:p>
+            <a:pPr marL="0" lvl="0" indent="0" algn="l" rtl="0">
+              <a:spcBef>
+                <a:spcPts val="0"/>
+              </a:spcBef>
+              <a:spcAft>
+                <a:spcPts val="0"/>
+              </a:spcAft>
+              <a:buNone/>
+            </a:pPr>
+            <a:endParaRPr/>
+          </a:p>
+        </p:txBody>
+      </p:sp>
+      <p:sp>
+        <p:nvSpPr>
+          <p:cNvPr id="195" name="Google Shape;195;p13:notes"/>
+          <p:cNvSpPr>
+            <a:spLocks noGrp="1" noRot="1" noChangeAspect="1"/>
+          </p:cNvSpPr>
+          <p:nvPr>
+            <p:ph type="sldImg" idx="2"/>
+          </p:nvPr>
+        </p:nvSpPr>
+        <p:spPr>
+          <a:xfrm>
+            <a:off x="381000" y="685800"/>
+            <a:ext cx="6096000" cy="3429000"/>
+          </a:xfrm>
+          <a:custGeom>
+            <a:avLst/>
+            <a:gdLst/>
+            <a:ahLst/>
+            <a:cxnLst/>
+            <a:rect l="l" t="t" r="r" b="b"/>
+            <a:pathLst>
+              <a:path w="120000" h="120000" extrusionOk="0">
+                <a:moveTo>
+                  <a:pt x="0" y="0"/>
+                </a:moveTo>
+                <a:lnTo>
+                  <a:pt x="120000" y="0"/>
+                </a:lnTo>
+                <a:lnTo>
+                  <a:pt x="120000" y="120000"/>
+                </a:lnTo>
+                <a:lnTo>
+                  <a:pt x="0" y="120000"/>
+                </a:lnTo>
+                <a:close/>
+              </a:path>
+            </a:pathLst>
+          </a:custGeom>
+        </p:spPr>
+      </p:sp>
+    </p:spTree>
+    <p:extLst>
+      <p:ext uri="{BB962C8B-B14F-4D97-AF65-F5344CB8AC3E}">
+        <p14:creationId xmlns:p14="http://schemas.microsoft.com/office/powerpoint/2010/main" val="744880146"/>
+      </p:ext>
+    </p:extLst>
+  </p:cSld>
+  <p:clrMapOvr>
+    <a:masterClrMapping/>
+  </p:clrMapOvr>
+</p:notes>
+</file>
+
+<file path=ppt/notesSlides/notesSlide9.xml><?xml version="1.0" encoding="utf-8"?>
 <p:notes xmlns:a="http://schemas.openxmlformats.org/drawingml/2006/main" xmlns:r="http://schemas.openxmlformats.org/officeDocument/2006/relationships" xmlns:p="http://schemas.openxmlformats.org/presentationml/2006/main" showMasterSp="0" showMasterPhAnim="0">
   <p:cSld>
     <p:spTree>
@@ -2290,110 +2504,6 @@
             <a:endParaRPr/>
           </a:p>
         </p:txBody>
-      </p:sp>
-    </p:spTree>
-  </p:cSld>
-  <p:clrMapOvr>
-    <a:masterClrMapping/>
-  </p:clrMapOvr>
-</p:notes>
-</file>
-
-<file path=ppt/notesSlides/notesSlide9.xml><?xml version="1.0" encoding="utf-8"?>
-<p:notes xmlns:a="http://schemas.openxmlformats.org/drawingml/2006/main" xmlns:r="http://schemas.openxmlformats.org/officeDocument/2006/relationships" xmlns:p="http://schemas.openxmlformats.org/presentationml/2006/main" showMasterSp="0" showMasterPhAnim="0">
-  <p:cSld>
-    <p:spTree>
-      <p:nvGrpSpPr>
-        <p:cNvPr id="1" name="Shape 211"/>
-        <p:cNvGrpSpPr/>
-        <p:nvPr/>
-      </p:nvGrpSpPr>
-      <p:grpSpPr>
-        <a:xfrm>
-          <a:off x="0" y="0"/>
-          <a:ext cx="0" cy="0"/>
-          <a:chOff x="0" y="0"/>
-          <a:chExt cx="0" cy="0"/>
-        </a:xfrm>
-      </p:grpSpPr>
-      <p:sp>
-        <p:nvSpPr>
-          <p:cNvPr id="212" name="Google Shape;212;p14:notes"/>
-          <p:cNvSpPr txBox="1">
-            <a:spLocks noGrp="1"/>
-          </p:cNvSpPr>
-          <p:nvPr>
-            <p:ph type="body" idx="1"/>
-          </p:nvPr>
-        </p:nvSpPr>
-        <p:spPr>
-          <a:xfrm>
-            <a:off x="914400" y="4343400"/>
-            <a:ext cx="5029200" cy="4114800"/>
-          </a:xfrm>
-          <a:prstGeom prst="rect">
-            <a:avLst/>
-          </a:prstGeom>
-        </p:spPr>
-        <p:txBody>
-          <a:bodyPr spcFirstLastPara="1" wrap="square" lIns="91425" tIns="45700" rIns="91425" bIns="45700" anchor="t" anchorCtr="0">
-            <a:noAutofit/>
-          </a:bodyPr>
-          <a:lstStyle/>
-          <a:p>
-            <a:pPr marL="0" lvl="0" indent="0" algn="l" rtl="0">
-              <a:spcBef>
-                <a:spcPts val="0"/>
-              </a:spcBef>
-              <a:spcAft>
-                <a:spcPts val="0"/>
-              </a:spcAft>
-              <a:buNone/>
-            </a:pPr>
-            <a:endParaRPr/>
-          </a:p>
-        </p:txBody>
-      </p:sp>
-      <p:sp>
-        <p:nvSpPr>
-          <p:cNvPr id="213" name="Google Shape;213;p14:notes"/>
-          <p:cNvSpPr>
-            <a:spLocks noGrp="1" noRot="1" noChangeAspect="1"/>
-          </p:cNvSpPr>
-          <p:nvPr>
-            <p:ph type="sldImg" idx="2"/>
-          </p:nvPr>
-        </p:nvSpPr>
-        <p:spPr>
-          <a:xfrm>
-            <a:off x="381000" y="685800"/>
-            <a:ext cx="6096000" cy="3429000"/>
-          </a:xfrm>
-          <a:custGeom>
-            <a:avLst/>
-            <a:gdLst/>
-            <a:ahLst/>
-            <a:cxnLst/>
-            <a:rect l="l" t="t" r="r" b="b"/>
-            <a:pathLst>
-              <a:path w="120000" h="120000" extrusionOk="0">
-                <a:moveTo>
-                  <a:pt x="0" y="0"/>
-                </a:moveTo>
-                <a:lnTo>
-                  <a:pt x="120000" y="0"/>
-                </a:lnTo>
-                <a:lnTo>
-                  <a:pt x="120000" y="120000"/>
-                </a:lnTo>
-                <a:lnTo>
-                  <a:pt x="0" y="120000"/>
-                </a:lnTo>
-                <a:close/>
-              </a:path>
-            </a:pathLst>
-          </a:custGeom>
-        </p:spPr>
       </p:sp>
     </p:spTree>
   </p:cSld>
@@ -4428,7 +4538,7 @@
           <a:p>
             <a:fld id="{34073DC1-AB27-4363-9845-555972D7C4F0}" type="datetimeFigureOut">
               <a:rPr lang="en-US" smtClean="0"/>
-              <a:t>7/5/23</a:t>
+              <a:t>7/6/23</a:t>
             </a:fld>
             <a:endParaRPr lang="en-US"/>
           </a:p>
@@ -10876,6 +10986,215 @@
   <p:cSld>
     <p:spTree>
       <p:nvGrpSpPr>
+        <p:cNvPr id="1" name="Shape 214"/>
+        <p:cNvGrpSpPr/>
+        <p:nvPr/>
+      </p:nvGrpSpPr>
+      <p:grpSpPr>
+        <a:xfrm>
+          <a:off x="0" y="0"/>
+          <a:ext cx="0" cy="0"/>
+          <a:chOff x="0" y="0"/>
+          <a:chExt cx="0" cy="0"/>
+        </a:xfrm>
+      </p:grpSpPr>
+      <p:sp>
+        <p:nvSpPr>
+          <p:cNvPr id="215" name="Google Shape;215;p14"/>
+          <p:cNvSpPr txBox="1">
+            <a:spLocks noGrp="1"/>
+          </p:cNvSpPr>
+          <p:nvPr>
+            <p:ph type="title"/>
+          </p:nvPr>
+        </p:nvSpPr>
+        <p:spPr>
+          <a:xfrm>
+            <a:off x="1689100" y="355600"/>
+            <a:ext cx="21005800" cy="2286000"/>
+          </a:xfrm>
+          <a:prstGeom prst="rect">
+            <a:avLst/>
+          </a:prstGeom>
+          <a:noFill/>
+          <a:ln>
+            <a:noFill/>
+          </a:ln>
+        </p:spPr>
+        <p:txBody>
+          <a:bodyPr spcFirstLastPara="1" wrap="square" lIns="50800" tIns="50800" rIns="50800" bIns="50800" anchor="ctr" anchorCtr="0">
+            <a:normAutofit/>
+          </a:bodyPr>
+          <a:lstStyle/>
+          <a:p>
+            <a:pPr marL="0" marR="0" lvl="0" indent="0" algn="ctr" rtl="0">
+              <a:lnSpc>
+                <a:spcPct val="100000"/>
+              </a:lnSpc>
+              <a:spcBef>
+                <a:spcPts val="0"/>
+              </a:spcBef>
+              <a:spcAft>
+                <a:spcPts val="0"/>
+              </a:spcAft>
+              <a:buClr>
+                <a:srgbClr val="000000"/>
+              </a:buClr>
+              <a:buSzPts val="9520"/>
+              <a:buFont typeface="Helvetica Neue"/>
+              <a:buNone/>
+            </a:pPr>
+            <a:r>
+              <a:rPr lang="en-US" sz="8000" dirty="0"/>
+              <a:t>Summary of process to add a feature</a:t>
+            </a:r>
+            <a:endParaRPr sz="8000" dirty="0"/>
+          </a:p>
+        </p:txBody>
+      </p:sp>
+      <p:sp>
+        <p:nvSpPr>
+          <p:cNvPr id="216" name="Google Shape;216;p14"/>
+          <p:cNvSpPr txBox="1">
+            <a:spLocks noGrp="1"/>
+          </p:cNvSpPr>
+          <p:nvPr>
+            <p:ph type="body" idx="1"/>
+          </p:nvPr>
+        </p:nvSpPr>
+        <p:spPr>
+          <a:xfrm>
+            <a:off x="1689100" y="3098800"/>
+            <a:ext cx="21005800" cy="9296400"/>
+          </a:xfrm>
+          <a:prstGeom prst="rect">
+            <a:avLst/>
+          </a:prstGeom>
+          <a:noFill/>
+          <a:ln>
+            <a:noFill/>
+          </a:ln>
+        </p:spPr>
+        <p:txBody>
+          <a:bodyPr spcFirstLastPara="1" wrap="square" lIns="50800" tIns="50800" rIns="50800" bIns="50800" anchor="ctr" anchorCtr="0">
+            <a:normAutofit/>
+          </a:bodyPr>
+          <a:lstStyle/>
+          <a:p>
+            <a:pPr marL="457200" lvl="0" indent="-518160" algn="l" rtl="0">
+              <a:lnSpc>
+                <a:spcPct val="100000"/>
+              </a:lnSpc>
+              <a:spcBef>
+                <a:spcPts val="0"/>
+              </a:spcBef>
+              <a:spcAft>
+                <a:spcPts val="0"/>
+              </a:spcAft>
+              <a:buSzPts val="4560"/>
+              <a:buAutoNum type="arabicPeriod"/>
+            </a:pPr>
+            <a:r>
+              <a:rPr lang="en-US" sz="4560" dirty="0"/>
+              <a:t>Pull latest code from develop branch.</a:t>
+            </a:r>
+            <a:endParaRPr dirty="0"/>
+          </a:p>
+          <a:p>
+            <a:pPr marL="457200" lvl="0" indent="-518160" algn="l" rtl="0">
+              <a:lnSpc>
+                <a:spcPct val="100000"/>
+              </a:lnSpc>
+              <a:spcBef>
+                <a:spcPts val="0"/>
+              </a:spcBef>
+              <a:spcAft>
+                <a:spcPts val="0"/>
+              </a:spcAft>
+              <a:buSzPts val="4560"/>
+              <a:buAutoNum type="arabicPeriod"/>
+            </a:pPr>
+            <a:r>
+              <a:rPr lang="en-US" sz="4560" dirty="0"/>
+              <a:t>Create feature branch from develop branch.</a:t>
+            </a:r>
+            <a:endParaRPr sz="4560" dirty="0"/>
+          </a:p>
+          <a:p>
+            <a:pPr marL="457200" lvl="0" indent="-518160" algn="l" rtl="0">
+              <a:lnSpc>
+                <a:spcPct val="100000"/>
+              </a:lnSpc>
+              <a:spcBef>
+                <a:spcPts val="0"/>
+              </a:spcBef>
+              <a:spcAft>
+                <a:spcPts val="0"/>
+              </a:spcAft>
+              <a:buSzPts val="4560"/>
+              <a:buAutoNum type="arabicPeriod"/>
+            </a:pPr>
+            <a:r>
+              <a:rPr lang="en-US" sz="4560" dirty="0"/>
+              <a:t>Make your changes, stage, commit, then push to GitHub.</a:t>
+            </a:r>
+            <a:endParaRPr sz="4560" dirty="0"/>
+          </a:p>
+          <a:p>
+            <a:pPr marL="457200" lvl="0" indent="-518160" algn="l" rtl="0">
+              <a:lnSpc>
+                <a:spcPct val="100000"/>
+              </a:lnSpc>
+              <a:spcBef>
+                <a:spcPts val="0"/>
+              </a:spcBef>
+              <a:spcAft>
+                <a:spcPts val="0"/>
+              </a:spcAft>
+              <a:buSzPts val="4560"/>
+              <a:buAutoNum type="arabicPeriod"/>
+            </a:pPr>
+            <a:r>
+              <a:rPr lang="en-US" sz="4560" dirty="0"/>
+              <a:t>Submit pull request on GitHub &amp; merge into develop.</a:t>
+            </a:r>
+            <a:endParaRPr sz="4560" dirty="0"/>
+          </a:p>
+          <a:p>
+            <a:pPr marL="457200" lvl="0" indent="-518160" algn="l" rtl="0">
+              <a:lnSpc>
+                <a:spcPct val="100000"/>
+              </a:lnSpc>
+              <a:spcBef>
+                <a:spcPts val="0"/>
+              </a:spcBef>
+              <a:spcAft>
+                <a:spcPts val="0"/>
+              </a:spcAft>
+              <a:buSzPts val="4560"/>
+              <a:buAutoNum type="arabicPeriod"/>
+            </a:pPr>
+            <a:r>
+              <a:rPr lang="en-US" sz="4560" dirty="0"/>
+              <a:t>Repeat until enough features have been merged into develop, then make a pull request from develop -&gt; main.</a:t>
+            </a:r>
+            <a:endParaRPr sz="4560" dirty="0"/>
+          </a:p>
+        </p:txBody>
+      </p:sp>
+    </p:spTree>
+  </p:cSld>
+  <p:clrMapOvr>
+    <a:masterClrMapping/>
+  </p:clrMapOvr>
+</p:sld>
+</file>
+
+<file path=ppt/slides/slide11.xml><?xml version="1.0" encoding="utf-8"?>
+<p:sld xmlns:a="http://schemas.openxmlformats.org/drawingml/2006/main" xmlns:r="http://schemas.openxmlformats.org/officeDocument/2006/relationships" xmlns:p="http://schemas.openxmlformats.org/presentationml/2006/main">
+  <p:cSld>
+    <p:spTree>
+      <p:nvGrpSpPr>
         <p:cNvPr id="1" name="Shape 95"/>
         <p:cNvGrpSpPr/>
         <p:nvPr/>
@@ -11308,7 +11627,7 @@
 </p:sld>
 </file>
 
-<file path=ppt/slides/slide11.xml><?xml version="1.0" encoding="utf-8"?>
+<file path=ppt/slides/slide12.xml><?xml version="1.0" encoding="utf-8"?>
 <p:sld xmlns:a="http://schemas.openxmlformats.org/drawingml/2006/main" xmlns:r="http://schemas.openxmlformats.org/officeDocument/2006/relationships" xmlns:p="http://schemas.openxmlformats.org/presentationml/2006/main">
   <p:cSld>
     <p:spTree>
@@ -11373,7 +11692,7 @@
 </p:sld>
 </file>
 
-<file path=ppt/slides/slide12.xml><?xml version="1.0" encoding="utf-8"?>
+<file path=ppt/slides/slide13.xml><?xml version="1.0" encoding="utf-8"?>
 <p:sld xmlns:a="http://schemas.openxmlformats.org/drawingml/2006/main" xmlns:r="http://schemas.openxmlformats.org/officeDocument/2006/relationships" xmlns:p="http://schemas.openxmlformats.org/presentationml/2006/main">
   <p:cSld>
     <p:spTree>
@@ -11683,7 +12002,7 @@
 </p:sld>
 </file>
 
-<file path=ppt/slides/slide13.xml><?xml version="1.0" encoding="utf-8"?>
+<file path=ppt/slides/slide14.xml><?xml version="1.0" encoding="utf-8"?>
 <p:sld xmlns:a="http://schemas.openxmlformats.org/drawingml/2006/main" xmlns:r="http://schemas.openxmlformats.org/officeDocument/2006/relationships" xmlns:p="http://schemas.openxmlformats.org/presentationml/2006/main">
   <p:cSld>
     <p:spTree>
@@ -11797,7 +12116,7 @@
 </p:sld>
 </file>
 
-<file path=ppt/slides/slide14.xml><?xml version="1.0" encoding="utf-8"?>
+<file path=ppt/slides/slide15.xml><?xml version="1.0" encoding="utf-8"?>
 <p:sld xmlns:a="http://schemas.openxmlformats.org/drawingml/2006/main" xmlns:r="http://schemas.openxmlformats.org/officeDocument/2006/relationships" xmlns:p="http://schemas.openxmlformats.org/presentationml/2006/main">
   <p:cSld>
     <p:spTree>
@@ -12061,7 +12380,7 @@
 </p:sld>
 </file>
 
-<file path=ppt/slides/slide15.xml><?xml version="1.0" encoding="utf-8"?>
+<file path=ppt/slides/slide16.xml><?xml version="1.0" encoding="utf-8"?>
 <p:sld xmlns:a="http://schemas.openxmlformats.org/drawingml/2006/main" xmlns:r="http://schemas.openxmlformats.org/officeDocument/2006/relationships" xmlns:p="http://schemas.openxmlformats.org/presentationml/2006/main">
   <p:cSld>
     <p:spTree>
@@ -12325,7 +12644,7 @@
 </p:sld>
 </file>
 
-<file path=ppt/slides/slide16.xml><?xml version="1.0" encoding="utf-8"?>
+<file path=ppt/slides/slide17.xml><?xml version="1.0" encoding="utf-8"?>
 <p:sld xmlns:a="http://schemas.openxmlformats.org/drawingml/2006/main" xmlns:r="http://schemas.openxmlformats.org/officeDocument/2006/relationships" xmlns:p="http://schemas.openxmlformats.org/presentationml/2006/main">
   <p:cSld>
     <p:spTree>
@@ -14664,6 +14983,1181 @@
 </file>
 
 <file path=ppt/slides/slide7.xml><?xml version="1.0" encoding="utf-8"?>
+<p:sld xmlns:a="http://schemas.openxmlformats.org/drawingml/2006/main" xmlns:r="http://schemas.openxmlformats.org/officeDocument/2006/relationships" xmlns:p="http://schemas.openxmlformats.org/presentationml/2006/main">
+  <p:cSld>
+    <p:spTree>
+      <p:nvGrpSpPr>
+        <p:cNvPr id="1" name="Shape 196"/>
+        <p:cNvGrpSpPr/>
+        <p:nvPr/>
+      </p:nvGrpSpPr>
+      <p:grpSpPr>
+        <a:xfrm>
+          <a:off x="0" y="0"/>
+          <a:ext cx="0" cy="0"/>
+          <a:chOff x="0" y="0"/>
+          <a:chExt cx="0" cy="0"/>
+        </a:xfrm>
+      </p:grpSpPr>
+      <p:pic>
+        <p:nvPicPr>
+          <p:cNvPr id="197" name="Google Shape;197;p13" descr="Screenshot 2020-06-05 12.22.34.png"/>
+          <p:cNvPicPr preferRelativeResize="0"/>
+          <p:nvPr/>
+        </p:nvPicPr>
+        <p:blipFill rotWithShape="1">
+          <a:blip r:embed="rId3">
+            <a:alphaModFix/>
+          </a:blip>
+          <a:srcRect b="11825"/>
+          <a:stretch/>
+        </p:blipFill>
+        <p:spPr>
+          <a:xfrm>
+            <a:off x="2566743" y="2541399"/>
+            <a:ext cx="19250514" cy="9765931"/>
+          </a:xfrm>
+          <a:prstGeom prst="rect">
+            <a:avLst/>
+          </a:prstGeom>
+          <a:noFill/>
+          <a:ln>
+            <a:noFill/>
+          </a:ln>
+        </p:spPr>
+      </p:pic>
+      <p:sp>
+        <p:nvSpPr>
+          <p:cNvPr id="198" name="Google Shape;198;p13"/>
+          <p:cNvSpPr txBox="1">
+            <a:spLocks noGrp="1"/>
+          </p:cNvSpPr>
+          <p:nvPr>
+            <p:ph type="title"/>
+          </p:nvPr>
+        </p:nvSpPr>
+        <p:spPr>
+          <a:xfrm>
+            <a:off x="1689100" y="355600"/>
+            <a:ext cx="21005800" cy="2286000"/>
+          </a:xfrm>
+          <a:prstGeom prst="rect">
+            <a:avLst/>
+          </a:prstGeom>
+          <a:noFill/>
+          <a:ln>
+            <a:noFill/>
+          </a:ln>
+        </p:spPr>
+        <p:txBody>
+          <a:bodyPr spcFirstLastPara="1" wrap="square" lIns="50800" tIns="50800" rIns="50800" bIns="50800" anchor="ctr" anchorCtr="0">
+            <a:normAutofit/>
+          </a:bodyPr>
+          <a:lstStyle/>
+          <a:p>
+            <a:pPr marL="0" lvl="0" indent="0" algn="ctr" rtl="0">
+              <a:lnSpc>
+                <a:spcPct val="100000"/>
+              </a:lnSpc>
+              <a:spcBef>
+                <a:spcPts val="0"/>
+              </a:spcBef>
+              <a:spcAft>
+                <a:spcPts val="0"/>
+              </a:spcAft>
+              <a:buClr>
+                <a:srgbClr val="000000"/>
+              </a:buClr>
+              <a:buSzPts val="11200"/>
+              <a:buFont typeface="Helvetica Neue"/>
+              <a:buNone/>
+            </a:pPr>
+            <a:r>
+              <a:rPr lang="en-US" sz="7200" b="0" i="0" u="none" strike="noStrike" cap="none" dirty="0">
+                <a:solidFill>
+                  <a:srgbClr val="000000"/>
+                </a:solidFill>
+                <a:latin typeface="Helvetica Neue"/>
+                <a:ea typeface="Helvetica Neue"/>
+                <a:cs typeface="Helvetica Neue"/>
+                <a:sym typeface="Helvetica Neue"/>
+              </a:rPr>
+              <a:t>4. Merge into main</a:t>
+            </a:r>
+            <a:endParaRPr sz="7200" dirty="0"/>
+          </a:p>
+        </p:txBody>
+      </p:sp>
+      <p:sp>
+        <p:nvSpPr>
+          <p:cNvPr id="199" name="Google Shape;199;p13"/>
+          <p:cNvSpPr/>
+          <p:nvPr/>
+        </p:nvSpPr>
+        <p:spPr>
+          <a:xfrm>
+            <a:off x="12708494" y="10630047"/>
+            <a:ext cx="7146925" cy="1719842"/>
+          </a:xfrm>
+          <a:prstGeom prst="rect">
+            <a:avLst/>
+          </a:prstGeom>
+          <a:solidFill>
+            <a:srgbClr val="F5F5F5"/>
+          </a:solidFill>
+          <a:ln>
+            <a:noFill/>
+          </a:ln>
+        </p:spPr>
+        <p:txBody>
+          <a:bodyPr spcFirstLastPara="1" wrap="square" lIns="0" tIns="0" rIns="0" bIns="0" anchor="ctr" anchorCtr="0">
+            <a:noAutofit/>
+          </a:bodyPr>
+          <a:lstStyle/>
+          <a:p>
+            <a:pPr marL="0" marR="0" lvl="0" indent="0" algn="ctr" rtl="0">
+              <a:lnSpc>
+                <a:spcPct val="100000"/>
+              </a:lnSpc>
+              <a:spcBef>
+                <a:spcPts val="0"/>
+              </a:spcBef>
+              <a:spcAft>
+                <a:spcPts val="0"/>
+              </a:spcAft>
+              <a:buClr>
+                <a:srgbClr val="FFFFFF"/>
+              </a:buClr>
+              <a:buSzPts val="3200"/>
+              <a:buFont typeface="Helvetica Neue"/>
+              <a:buNone/>
+            </a:pPr>
+            <a:endParaRPr sz="3200" b="0" i="0" u="none" strike="noStrike" cap="none">
+              <a:solidFill>
+                <a:srgbClr val="FFFFFF"/>
+              </a:solidFill>
+              <a:latin typeface="Helvetica Neue"/>
+              <a:ea typeface="Helvetica Neue"/>
+              <a:cs typeface="Helvetica Neue"/>
+              <a:sym typeface="Helvetica Neue"/>
+            </a:endParaRPr>
+          </a:p>
+        </p:txBody>
+      </p:sp>
+      <p:sp>
+        <p:nvSpPr>
+          <p:cNvPr id="200" name="Google Shape;200;p13"/>
+          <p:cNvSpPr/>
+          <p:nvPr/>
+        </p:nvSpPr>
+        <p:spPr>
+          <a:xfrm>
+            <a:off x="8956802" y="5734935"/>
+            <a:ext cx="2729938" cy="2246130"/>
+          </a:xfrm>
+          <a:prstGeom prst="rect">
+            <a:avLst/>
+          </a:prstGeom>
+          <a:solidFill>
+            <a:srgbClr val="F5F5F5"/>
+          </a:solidFill>
+          <a:ln>
+            <a:noFill/>
+          </a:ln>
+        </p:spPr>
+        <p:txBody>
+          <a:bodyPr spcFirstLastPara="1" wrap="square" lIns="0" tIns="0" rIns="0" bIns="0" anchor="ctr" anchorCtr="0">
+            <a:noAutofit/>
+          </a:bodyPr>
+          <a:lstStyle/>
+          <a:p>
+            <a:pPr marL="0" marR="0" lvl="0" indent="0" algn="ctr" rtl="0">
+              <a:lnSpc>
+                <a:spcPct val="100000"/>
+              </a:lnSpc>
+              <a:spcBef>
+                <a:spcPts val="0"/>
+              </a:spcBef>
+              <a:spcAft>
+                <a:spcPts val="0"/>
+              </a:spcAft>
+              <a:buClr>
+                <a:srgbClr val="FFFFFF"/>
+              </a:buClr>
+              <a:buSzPts val="3200"/>
+              <a:buFont typeface="Helvetica Neue"/>
+              <a:buNone/>
+            </a:pPr>
+            <a:endParaRPr sz="3200" b="0" i="0" u="none" strike="noStrike" cap="none">
+              <a:solidFill>
+                <a:srgbClr val="FFFFFF"/>
+              </a:solidFill>
+              <a:latin typeface="Helvetica Neue"/>
+              <a:ea typeface="Helvetica Neue"/>
+              <a:cs typeface="Helvetica Neue"/>
+              <a:sym typeface="Helvetica Neue"/>
+            </a:endParaRPr>
+          </a:p>
+        </p:txBody>
+      </p:sp>
+      <p:sp>
+        <p:nvSpPr>
+          <p:cNvPr id="203" name="Google Shape;203;p13"/>
+          <p:cNvSpPr txBox="1"/>
+          <p:nvPr/>
+        </p:nvSpPr>
+        <p:spPr>
+          <a:xfrm>
+            <a:off x="3506109" y="3215894"/>
+            <a:ext cx="1264921" cy="548134"/>
+          </a:xfrm>
+          <a:prstGeom prst="rect">
+            <a:avLst/>
+          </a:prstGeom>
+          <a:solidFill>
+            <a:srgbClr val="B3E3FF"/>
+          </a:solidFill>
+          <a:ln>
+            <a:noFill/>
+          </a:ln>
+        </p:spPr>
+        <p:txBody>
+          <a:bodyPr spcFirstLastPara="1" wrap="square" lIns="50800" tIns="50800" rIns="50800" bIns="50800" anchor="ctr" anchorCtr="0">
+            <a:spAutoFit/>
+          </a:bodyPr>
+          <a:lstStyle/>
+          <a:p>
+            <a:pPr marL="0" marR="0" lvl="0" indent="0" algn="ctr" rtl="0">
+              <a:lnSpc>
+                <a:spcPct val="100000"/>
+              </a:lnSpc>
+              <a:spcBef>
+                <a:spcPts val="0"/>
+              </a:spcBef>
+              <a:spcAft>
+                <a:spcPts val="0"/>
+              </a:spcAft>
+              <a:buClr>
+                <a:srgbClr val="000000"/>
+              </a:buClr>
+              <a:buSzPts val="3000"/>
+              <a:buFont typeface="Helvetica Neue"/>
+              <a:buNone/>
+            </a:pPr>
+            <a:r>
+              <a:rPr lang="en-US" sz="3000" b="0" i="0" u="none" strike="noStrike" cap="none">
+                <a:solidFill>
+                  <a:srgbClr val="000000"/>
+                </a:solidFill>
+                <a:latin typeface="Helvetica Neue"/>
+                <a:ea typeface="Helvetica Neue"/>
+                <a:cs typeface="Helvetica Neue"/>
+                <a:sym typeface="Helvetica Neue"/>
+              </a:rPr>
+              <a:t>Main   </a:t>
+            </a:r>
+            <a:endParaRPr/>
+          </a:p>
+        </p:txBody>
+      </p:sp>
+      <p:sp>
+        <p:nvSpPr>
+          <p:cNvPr id="10" name="Rectangle 9">
+            <a:extLst>
+              <a:ext uri="{FF2B5EF4-FFF2-40B4-BE49-F238E27FC236}">
+                <a16:creationId xmlns:a16="http://schemas.microsoft.com/office/drawing/2014/main" id="{51F4AA09-C08B-5848-8FB7-C74D7A5FCF27}"/>
+              </a:ext>
+            </a:extLst>
+          </p:cNvPr>
+          <p:cNvSpPr/>
+          <p:nvPr/>
+        </p:nvSpPr>
+        <p:spPr>
+          <a:xfrm>
+            <a:off x="3029288" y="10428456"/>
+            <a:ext cx="5601761" cy="1874519"/>
+          </a:xfrm>
+          <a:prstGeom prst="rect">
+            <a:avLst/>
+          </a:prstGeom>
+          <a:solidFill>
+            <a:srgbClr val="F5F5F5"/>
+          </a:solidFill>
+          <a:ln>
+            <a:noFill/>
+          </a:ln>
+        </p:spPr>
+        <p:style>
+          <a:lnRef idx="2">
+            <a:schemeClr val="accent1">
+              <a:shade val="50000"/>
+            </a:schemeClr>
+          </a:lnRef>
+          <a:fillRef idx="1">
+            <a:schemeClr val="accent1"/>
+          </a:fillRef>
+          <a:effectRef idx="0">
+            <a:schemeClr val="accent1"/>
+          </a:effectRef>
+          <a:fontRef idx="minor">
+            <a:schemeClr val="lt1"/>
+          </a:fontRef>
+        </p:style>
+        <p:txBody>
+          <a:bodyPr rtlCol="0" anchor="ctr"/>
+          <a:lstStyle/>
+          <a:p>
+            <a:pPr algn="ctr"/>
+            <a:endParaRPr lang="en-US" dirty="0"/>
+          </a:p>
+        </p:txBody>
+      </p:sp>
+      <p:sp>
+        <p:nvSpPr>
+          <p:cNvPr id="11" name="Rectangle 10">
+            <a:extLst>
+              <a:ext uri="{FF2B5EF4-FFF2-40B4-BE49-F238E27FC236}">
+                <a16:creationId xmlns:a16="http://schemas.microsoft.com/office/drawing/2014/main" id="{8B1407B6-8D8F-F747-98F5-D43EB86F87CE}"/>
+              </a:ext>
+            </a:extLst>
+          </p:cNvPr>
+          <p:cNvSpPr/>
+          <p:nvPr/>
+        </p:nvSpPr>
+        <p:spPr>
+          <a:xfrm>
+            <a:off x="6806307" y="8896942"/>
+            <a:ext cx="1266745" cy="1829445"/>
+          </a:xfrm>
+          <a:prstGeom prst="rect">
+            <a:avLst/>
+          </a:prstGeom>
+          <a:solidFill>
+            <a:srgbClr val="F5F5F5"/>
+          </a:solidFill>
+          <a:ln>
+            <a:noFill/>
+          </a:ln>
+        </p:spPr>
+        <p:style>
+          <a:lnRef idx="2">
+            <a:schemeClr val="accent1">
+              <a:shade val="50000"/>
+            </a:schemeClr>
+          </a:lnRef>
+          <a:fillRef idx="1">
+            <a:schemeClr val="accent1"/>
+          </a:fillRef>
+          <a:effectRef idx="0">
+            <a:schemeClr val="accent1"/>
+          </a:effectRef>
+          <a:fontRef idx="minor">
+            <a:schemeClr val="lt1"/>
+          </a:fontRef>
+        </p:style>
+        <p:txBody>
+          <a:bodyPr rtlCol="0" anchor="ctr"/>
+          <a:lstStyle/>
+          <a:p>
+            <a:pPr algn="ctr"/>
+            <a:endParaRPr lang="en-US" dirty="0"/>
+          </a:p>
+        </p:txBody>
+      </p:sp>
+      <p:cxnSp>
+        <p:nvCxnSpPr>
+          <p:cNvPr id="12" name="Straight Connector 11">
+            <a:extLst>
+              <a:ext uri="{FF2B5EF4-FFF2-40B4-BE49-F238E27FC236}">
+                <a16:creationId xmlns:a16="http://schemas.microsoft.com/office/drawing/2014/main" id="{34A23E5E-0B14-7B4F-8E65-0E8DEAF3CF45}"/>
+              </a:ext>
+            </a:extLst>
+          </p:cNvPr>
+          <p:cNvCxnSpPr>
+            <a:cxnSpLocks/>
+          </p:cNvCxnSpPr>
+          <p:nvPr/>
+        </p:nvCxnSpPr>
+        <p:spPr>
+          <a:xfrm flipH="1">
+            <a:off x="6732165" y="9984662"/>
+            <a:ext cx="1800028" cy="0"/>
+          </a:xfrm>
+          <a:prstGeom prst="line">
+            <a:avLst/>
+          </a:prstGeom>
+          <a:ln w="107950">
+            <a:solidFill>
+              <a:srgbClr val="414141"/>
+            </a:solidFill>
+          </a:ln>
+        </p:spPr>
+        <p:style>
+          <a:lnRef idx="1">
+            <a:schemeClr val="accent1"/>
+          </a:lnRef>
+          <a:fillRef idx="0">
+            <a:schemeClr val="accent1"/>
+          </a:fillRef>
+          <a:effectRef idx="0">
+            <a:schemeClr val="accent1"/>
+          </a:effectRef>
+          <a:fontRef idx="minor">
+            <a:schemeClr val="tx1"/>
+          </a:fontRef>
+        </p:style>
+      </p:cxnSp>
+      <p:sp>
+        <p:nvSpPr>
+          <p:cNvPr id="13" name="Rectangle 12">
+            <a:extLst>
+              <a:ext uri="{FF2B5EF4-FFF2-40B4-BE49-F238E27FC236}">
+                <a16:creationId xmlns:a16="http://schemas.microsoft.com/office/drawing/2014/main" id="{06577297-76D3-FA47-8F9B-15AABC1AC8D9}"/>
+              </a:ext>
+            </a:extLst>
+          </p:cNvPr>
+          <p:cNvSpPr/>
+          <p:nvPr/>
+        </p:nvSpPr>
+        <p:spPr>
+          <a:xfrm>
+            <a:off x="9688398" y="7981065"/>
+            <a:ext cx="1266745" cy="1096386"/>
+          </a:xfrm>
+          <a:prstGeom prst="rect">
+            <a:avLst/>
+          </a:prstGeom>
+          <a:solidFill>
+            <a:srgbClr val="F5F5F5"/>
+          </a:solidFill>
+          <a:ln>
+            <a:noFill/>
+          </a:ln>
+        </p:spPr>
+        <p:style>
+          <a:lnRef idx="2">
+            <a:schemeClr val="accent1">
+              <a:shade val="50000"/>
+            </a:schemeClr>
+          </a:lnRef>
+          <a:fillRef idx="1">
+            <a:schemeClr val="accent1"/>
+          </a:fillRef>
+          <a:effectRef idx="0">
+            <a:schemeClr val="accent1"/>
+          </a:effectRef>
+          <a:fontRef idx="minor">
+            <a:schemeClr val="lt1"/>
+          </a:fontRef>
+        </p:style>
+        <p:txBody>
+          <a:bodyPr rtlCol="0" anchor="ctr"/>
+          <a:lstStyle/>
+          <a:p>
+            <a:pPr algn="ctr"/>
+            <a:endParaRPr lang="en-US" dirty="0"/>
+          </a:p>
+        </p:txBody>
+      </p:sp>
+      <p:cxnSp>
+        <p:nvCxnSpPr>
+          <p:cNvPr id="14" name="Straight Connector 13">
+            <a:extLst>
+              <a:ext uri="{FF2B5EF4-FFF2-40B4-BE49-F238E27FC236}">
+                <a16:creationId xmlns:a16="http://schemas.microsoft.com/office/drawing/2014/main" id="{4FD0EBA6-9D64-8747-8299-EF34C821E23F}"/>
+              </a:ext>
+            </a:extLst>
+          </p:cNvPr>
+          <p:cNvCxnSpPr>
+            <a:cxnSpLocks/>
+          </p:cNvCxnSpPr>
+          <p:nvPr/>
+        </p:nvCxnSpPr>
+        <p:spPr>
+          <a:xfrm flipH="1">
+            <a:off x="9446470" y="8512998"/>
+            <a:ext cx="1800028" cy="0"/>
+          </a:xfrm>
+          <a:prstGeom prst="line">
+            <a:avLst/>
+          </a:prstGeom>
+          <a:ln w="107950">
+            <a:solidFill>
+              <a:srgbClr val="414141"/>
+            </a:solidFill>
+          </a:ln>
+        </p:spPr>
+        <p:style>
+          <a:lnRef idx="1">
+            <a:schemeClr val="accent1"/>
+          </a:lnRef>
+          <a:fillRef idx="0">
+            <a:schemeClr val="accent1"/>
+          </a:fillRef>
+          <a:effectRef idx="0">
+            <a:schemeClr val="accent1"/>
+          </a:effectRef>
+          <a:fontRef idx="minor">
+            <a:schemeClr val="tx1"/>
+          </a:fontRef>
+        </p:style>
+      </p:cxnSp>
+      <p:sp>
+        <p:nvSpPr>
+          <p:cNvPr id="15" name="Rectangle 14">
+            <a:extLst>
+              <a:ext uri="{FF2B5EF4-FFF2-40B4-BE49-F238E27FC236}">
+                <a16:creationId xmlns:a16="http://schemas.microsoft.com/office/drawing/2014/main" id="{E2347BE9-0939-EC4C-A0CF-BCFCDB9219B6}"/>
+              </a:ext>
+            </a:extLst>
+          </p:cNvPr>
+          <p:cNvSpPr/>
+          <p:nvPr/>
+        </p:nvSpPr>
+        <p:spPr>
+          <a:xfrm>
+            <a:off x="9713669" y="9500617"/>
+            <a:ext cx="1266745" cy="1096386"/>
+          </a:xfrm>
+          <a:prstGeom prst="rect">
+            <a:avLst/>
+          </a:prstGeom>
+          <a:solidFill>
+            <a:srgbClr val="F5F5F5"/>
+          </a:solidFill>
+          <a:ln>
+            <a:noFill/>
+          </a:ln>
+        </p:spPr>
+        <p:style>
+          <a:lnRef idx="2">
+            <a:schemeClr val="accent1">
+              <a:shade val="50000"/>
+            </a:schemeClr>
+          </a:lnRef>
+          <a:fillRef idx="1">
+            <a:schemeClr val="accent1"/>
+          </a:fillRef>
+          <a:effectRef idx="0">
+            <a:schemeClr val="accent1"/>
+          </a:effectRef>
+          <a:fontRef idx="minor">
+            <a:schemeClr val="lt1"/>
+          </a:fontRef>
+        </p:style>
+        <p:txBody>
+          <a:bodyPr rtlCol="0" anchor="ctr"/>
+          <a:lstStyle/>
+          <a:p>
+            <a:pPr algn="ctr"/>
+            <a:endParaRPr lang="en-US" dirty="0"/>
+          </a:p>
+        </p:txBody>
+      </p:sp>
+      <p:cxnSp>
+        <p:nvCxnSpPr>
+          <p:cNvPr id="16" name="Straight Connector 15">
+            <a:extLst>
+              <a:ext uri="{FF2B5EF4-FFF2-40B4-BE49-F238E27FC236}">
+                <a16:creationId xmlns:a16="http://schemas.microsoft.com/office/drawing/2014/main" id="{8E619E55-491C-5F42-92DF-0EC0D778BCB4}"/>
+              </a:ext>
+            </a:extLst>
+          </p:cNvPr>
+          <p:cNvCxnSpPr>
+            <a:cxnSpLocks/>
+          </p:cNvCxnSpPr>
+          <p:nvPr/>
+        </p:nvCxnSpPr>
+        <p:spPr>
+          <a:xfrm flipH="1">
+            <a:off x="9500014" y="9954434"/>
+            <a:ext cx="1800028" cy="0"/>
+          </a:xfrm>
+          <a:prstGeom prst="line">
+            <a:avLst/>
+          </a:prstGeom>
+          <a:ln w="107950">
+            <a:solidFill>
+              <a:srgbClr val="414141"/>
+            </a:solidFill>
+          </a:ln>
+        </p:spPr>
+        <p:style>
+          <a:lnRef idx="1">
+            <a:schemeClr val="accent1"/>
+          </a:lnRef>
+          <a:fillRef idx="0">
+            <a:schemeClr val="accent1"/>
+          </a:fillRef>
+          <a:effectRef idx="0">
+            <a:schemeClr val="accent1"/>
+          </a:effectRef>
+          <a:fontRef idx="minor">
+            <a:schemeClr val="tx1"/>
+          </a:fontRef>
+        </p:style>
+      </p:cxnSp>
+      <p:sp>
+        <p:nvSpPr>
+          <p:cNvPr id="18" name="Rectangle 17">
+            <a:extLst>
+              <a:ext uri="{FF2B5EF4-FFF2-40B4-BE49-F238E27FC236}">
+                <a16:creationId xmlns:a16="http://schemas.microsoft.com/office/drawing/2014/main" id="{1E40074E-3C11-4F4E-B750-19551E3EE30C}"/>
+              </a:ext>
+            </a:extLst>
+          </p:cNvPr>
+          <p:cNvSpPr/>
+          <p:nvPr/>
+        </p:nvSpPr>
+        <p:spPr>
+          <a:xfrm>
+            <a:off x="11762970" y="10395371"/>
+            <a:ext cx="4646803" cy="1874519"/>
+          </a:xfrm>
+          <a:prstGeom prst="rect">
+            <a:avLst/>
+          </a:prstGeom>
+          <a:solidFill>
+            <a:srgbClr val="F5F5F5"/>
+          </a:solidFill>
+          <a:ln>
+            <a:noFill/>
+          </a:ln>
+        </p:spPr>
+        <p:style>
+          <a:lnRef idx="2">
+            <a:schemeClr val="accent1">
+              <a:shade val="50000"/>
+            </a:schemeClr>
+          </a:lnRef>
+          <a:fillRef idx="1">
+            <a:schemeClr val="accent1"/>
+          </a:fillRef>
+          <a:effectRef idx="0">
+            <a:schemeClr val="accent1"/>
+          </a:effectRef>
+          <a:fontRef idx="minor">
+            <a:schemeClr val="lt1"/>
+          </a:fontRef>
+        </p:style>
+        <p:txBody>
+          <a:bodyPr rtlCol="0" anchor="ctr"/>
+          <a:lstStyle/>
+          <a:p>
+            <a:pPr algn="ctr"/>
+            <a:endParaRPr lang="en-US" dirty="0"/>
+          </a:p>
+        </p:txBody>
+      </p:sp>
+      <p:sp>
+        <p:nvSpPr>
+          <p:cNvPr id="19" name="Rectangle 18">
+            <a:extLst>
+              <a:ext uri="{FF2B5EF4-FFF2-40B4-BE49-F238E27FC236}">
+                <a16:creationId xmlns:a16="http://schemas.microsoft.com/office/drawing/2014/main" id="{39F72549-CD58-DA47-B664-DA16198CEFEE}"/>
+              </a:ext>
+            </a:extLst>
+          </p:cNvPr>
+          <p:cNvSpPr/>
+          <p:nvPr/>
+        </p:nvSpPr>
+        <p:spPr>
+          <a:xfrm>
+            <a:off x="12088018" y="10070140"/>
+            <a:ext cx="1652349" cy="1874519"/>
+          </a:xfrm>
+          <a:prstGeom prst="rect">
+            <a:avLst/>
+          </a:prstGeom>
+          <a:solidFill>
+            <a:srgbClr val="F5F5F5"/>
+          </a:solidFill>
+          <a:ln>
+            <a:noFill/>
+          </a:ln>
+        </p:spPr>
+        <p:style>
+          <a:lnRef idx="2">
+            <a:schemeClr val="accent1">
+              <a:shade val="50000"/>
+            </a:schemeClr>
+          </a:lnRef>
+          <a:fillRef idx="1">
+            <a:schemeClr val="accent1"/>
+          </a:fillRef>
+          <a:effectRef idx="0">
+            <a:schemeClr val="accent1"/>
+          </a:effectRef>
+          <a:fontRef idx="minor">
+            <a:schemeClr val="lt1"/>
+          </a:fontRef>
+        </p:style>
+        <p:txBody>
+          <a:bodyPr rtlCol="0" anchor="ctr"/>
+          <a:lstStyle/>
+          <a:p>
+            <a:pPr algn="ctr"/>
+            <a:endParaRPr lang="en-US" dirty="0"/>
+          </a:p>
+        </p:txBody>
+      </p:sp>
+      <p:cxnSp>
+        <p:nvCxnSpPr>
+          <p:cNvPr id="20" name="Google Shape;202;p13">
+            <a:extLst>
+              <a:ext uri="{FF2B5EF4-FFF2-40B4-BE49-F238E27FC236}">
+                <a16:creationId xmlns:a16="http://schemas.microsoft.com/office/drawing/2014/main" id="{154699A9-7FCA-724C-91DE-741CE2808BD0}"/>
+              </a:ext>
+            </a:extLst>
+          </p:cNvPr>
+          <p:cNvCxnSpPr>
+            <a:cxnSpLocks/>
+          </p:cNvCxnSpPr>
+          <p:nvPr/>
+        </p:nvCxnSpPr>
+        <p:spPr>
+          <a:xfrm flipV="1">
+            <a:off x="11846816" y="10220006"/>
+            <a:ext cx="2040960" cy="1012762"/>
+          </a:xfrm>
+          <a:prstGeom prst="straightConnector1">
+            <a:avLst/>
+          </a:prstGeom>
+          <a:noFill/>
+          <a:ln w="127000" cap="flat" cmpd="sng">
+            <a:solidFill>
+              <a:srgbClr val="FF0000"/>
+            </a:solidFill>
+            <a:prstDash val="solid"/>
+            <a:miter lim="400000"/>
+            <a:headEnd type="none" w="sm" len="sm"/>
+            <a:tailEnd type="triangle" w="med" len="med"/>
+          </a:ln>
+        </p:spPr>
+      </p:cxnSp>
+      <p:cxnSp>
+        <p:nvCxnSpPr>
+          <p:cNvPr id="22" name="Google Shape;202;p13">
+            <a:extLst>
+              <a:ext uri="{FF2B5EF4-FFF2-40B4-BE49-F238E27FC236}">
+                <a16:creationId xmlns:a16="http://schemas.microsoft.com/office/drawing/2014/main" id="{FA55A6E1-E3E8-174F-8801-F6292B1C214A}"/>
+              </a:ext>
+            </a:extLst>
+          </p:cNvPr>
+          <p:cNvCxnSpPr>
+            <a:cxnSpLocks/>
+          </p:cNvCxnSpPr>
+          <p:nvPr/>
+        </p:nvCxnSpPr>
+        <p:spPr>
+          <a:xfrm flipV="1">
+            <a:off x="14670332" y="8723546"/>
+            <a:ext cx="2961294" cy="1103078"/>
+          </a:xfrm>
+          <a:prstGeom prst="straightConnector1">
+            <a:avLst/>
+          </a:prstGeom>
+          <a:noFill/>
+          <a:ln w="127000" cap="flat" cmpd="sng">
+            <a:solidFill>
+              <a:srgbClr val="FF0000"/>
+            </a:solidFill>
+            <a:prstDash val="solid"/>
+            <a:miter lim="400000"/>
+            <a:headEnd type="none" w="sm" len="sm"/>
+            <a:tailEnd type="triangle" w="med" len="med"/>
+          </a:ln>
+        </p:spPr>
+      </p:cxnSp>
+      <p:sp>
+        <p:nvSpPr>
+          <p:cNvPr id="25" name="Rectangle 24">
+            <a:extLst>
+              <a:ext uri="{FF2B5EF4-FFF2-40B4-BE49-F238E27FC236}">
+                <a16:creationId xmlns:a16="http://schemas.microsoft.com/office/drawing/2014/main" id="{530E4166-F09F-234C-B97D-A7F2252828B9}"/>
+              </a:ext>
+            </a:extLst>
+          </p:cNvPr>
+          <p:cNvSpPr/>
+          <p:nvPr/>
+        </p:nvSpPr>
+        <p:spPr>
+          <a:xfrm>
+            <a:off x="12086799" y="2735613"/>
+            <a:ext cx="3532909" cy="1508695"/>
+          </a:xfrm>
+          <a:prstGeom prst="rect">
+            <a:avLst/>
+          </a:prstGeom>
+          <a:solidFill>
+            <a:srgbClr val="F5F5F5"/>
+          </a:solidFill>
+          <a:ln>
+            <a:noFill/>
+          </a:ln>
+        </p:spPr>
+        <p:style>
+          <a:lnRef idx="2">
+            <a:schemeClr val="accent1">
+              <a:shade val="50000"/>
+            </a:schemeClr>
+          </a:lnRef>
+          <a:fillRef idx="1">
+            <a:schemeClr val="accent1"/>
+          </a:fillRef>
+          <a:effectRef idx="0">
+            <a:schemeClr val="accent1"/>
+          </a:effectRef>
+          <a:fontRef idx="minor">
+            <a:schemeClr val="lt1"/>
+          </a:fontRef>
+        </p:style>
+        <p:txBody>
+          <a:bodyPr rtlCol="0" anchor="ctr"/>
+          <a:lstStyle/>
+          <a:p>
+            <a:pPr algn="ctr"/>
+            <a:endParaRPr lang="en-US" dirty="0"/>
+          </a:p>
+        </p:txBody>
+      </p:sp>
+      <p:sp>
+        <p:nvSpPr>
+          <p:cNvPr id="23" name="TextBox 22">
+            <a:extLst>
+              <a:ext uri="{FF2B5EF4-FFF2-40B4-BE49-F238E27FC236}">
+                <a16:creationId xmlns:a16="http://schemas.microsoft.com/office/drawing/2014/main" id="{3EC0232B-692F-834C-B3DC-E9F8F5633EAC}"/>
+              </a:ext>
+            </a:extLst>
+          </p:cNvPr>
+          <p:cNvSpPr txBox="1"/>
+          <p:nvPr/>
+        </p:nvSpPr>
+        <p:spPr>
+          <a:xfrm>
+            <a:off x="13121340" y="10839471"/>
+            <a:ext cx="3673798" cy="630942"/>
+          </a:xfrm>
+          <a:prstGeom prst="rect">
+            <a:avLst/>
+          </a:prstGeom>
+          <a:noFill/>
+        </p:spPr>
+        <p:txBody>
+          <a:bodyPr wrap="square" rtlCol="0">
+            <a:spAutoFit/>
+          </a:bodyPr>
+          <a:lstStyle/>
+          <a:p>
+            <a:pPr algn="ctr"/>
+            <a:r>
+              <a:rPr lang="en-US" sz="3500" dirty="0">
+                <a:solidFill>
+                  <a:srgbClr val="FF0000"/>
+                </a:solidFill>
+              </a:rPr>
+              <a:t>Pull Request # 1</a:t>
+            </a:r>
+          </a:p>
+        </p:txBody>
+      </p:sp>
+      <p:sp>
+        <p:nvSpPr>
+          <p:cNvPr id="24" name="TextBox 23">
+            <a:extLst>
+              <a:ext uri="{FF2B5EF4-FFF2-40B4-BE49-F238E27FC236}">
+                <a16:creationId xmlns:a16="http://schemas.microsoft.com/office/drawing/2014/main" id="{150370D1-A4F5-F249-8F76-7AE51C7517DC}"/>
+              </a:ext>
+            </a:extLst>
+          </p:cNvPr>
+          <p:cNvSpPr txBox="1"/>
+          <p:nvPr/>
+        </p:nvSpPr>
+        <p:spPr>
+          <a:xfrm>
+            <a:off x="16281957" y="9188915"/>
+            <a:ext cx="3673798" cy="630942"/>
+          </a:xfrm>
+          <a:prstGeom prst="rect">
+            <a:avLst/>
+          </a:prstGeom>
+          <a:noFill/>
+        </p:spPr>
+        <p:txBody>
+          <a:bodyPr wrap="square" rtlCol="0">
+            <a:spAutoFit/>
+          </a:bodyPr>
+          <a:lstStyle/>
+          <a:p>
+            <a:pPr algn="ctr"/>
+            <a:r>
+              <a:rPr lang="en-US" sz="3500" dirty="0">
+                <a:solidFill>
+                  <a:srgbClr val="FF0000"/>
+                </a:solidFill>
+              </a:rPr>
+              <a:t>Pull Request # 2</a:t>
+            </a:r>
+          </a:p>
+        </p:txBody>
+      </p:sp>
+      <p:sp>
+        <p:nvSpPr>
+          <p:cNvPr id="21" name="Google Shape;199;p13">
+            <a:extLst>
+              <a:ext uri="{FF2B5EF4-FFF2-40B4-BE49-F238E27FC236}">
+                <a16:creationId xmlns:a16="http://schemas.microsoft.com/office/drawing/2014/main" id="{9BC44007-4E89-9C4D-B447-1561F1AB97B2}"/>
+              </a:ext>
+            </a:extLst>
+          </p:cNvPr>
+          <p:cNvSpPr/>
+          <p:nvPr/>
+        </p:nvSpPr>
+        <p:spPr>
+          <a:xfrm>
+            <a:off x="19997020" y="9425510"/>
+            <a:ext cx="1582693" cy="1719842"/>
+          </a:xfrm>
+          <a:prstGeom prst="rect">
+            <a:avLst/>
+          </a:prstGeom>
+          <a:solidFill>
+            <a:srgbClr val="F5F5F5"/>
+          </a:solidFill>
+          <a:ln>
+            <a:noFill/>
+          </a:ln>
+        </p:spPr>
+        <p:txBody>
+          <a:bodyPr spcFirstLastPara="1" wrap="square" lIns="0" tIns="0" rIns="0" bIns="0" anchor="ctr" anchorCtr="0">
+            <a:noAutofit/>
+          </a:bodyPr>
+          <a:lstStyle/>
+          <a:p>
+            <a:pPr marL="0" marR="0" lvl="0" indent="0" algn="ctr" rtl="0">
+              <a:lnSpc>
+                <a:spcPct val="100000"/>
+              </a:lnSpc>
+              <a:spcBef>
+                <a:spcPts val="0"/>
+              </a:spcBef>
+              <a:spcAft>
+                <a:spcPts val="0"/>
+              </a:spcAft>
+              <a:buClr>
+                <a:srgbClr val="FFFFFF"/>
+              </a:buClr>
+              <a:buSzPts val="3200"/>
+              <a:buFont typeface="Helvetica Neue"/>
+              <a:buNone/>
+            </a:pPr>
+            <a:endParaRPr sz="3200" b="0" i="0" u="none" strike="noStrike" cap="none">
+              <a:solidFill>
+                <a:srgbClr val="FFFFFF"/>
+              </a:solidFill>
+              <a:latin typeface="Helvetica Neue"/>
+              <a:ea typeface="Helvetica Neue"/>
+              <a:cs typeface="Helvetica Neue"/>
+              <a:sym typeface="Helvetica Neue"/>
+            </a:endParaRPr>
+          </a:p>
+        </p:txBody>
+      </p:sp>
+      <p:sp>
+        <p:nvSpPr>
+          <p:cNvPr id="26" name="Google Shape;199;p13">
+            <a:extLst>
+              <a:ext uri="{FF2B5EF4-FFF2-40B4-BE49-F238E27FC236}">
+                <a16:creationId xmlns:a16="http://schemas.microsoft.com/office/drawing/2014/main" id="{3DC17FAF-C005-B44D-B3BA-3149D0B8CF30}"/>
+              </a:ext>
+            </a:extLst>
+          </p:cNvPr>
+          <p:cNvSpPr/>
+          <p:nvPr/>
+        </p:nvSpPr>
+        <p:spPr>
+          <a:xfrm>
+            <a:off x="14740293" y="9888970"/>
+            <a:ext cx="6718819" cy="810189"/>
+          </a:xfrm>
+          <a:prstGeom prst="rect">
+            <a:avLst/>
+          </a:prstGeom>
+          <a:solidFill>
+            <a:srgbClr val="F5F5F5"/>
+          </a:solidFill>
+          <a:ln>
+            <a:noFill/>
+          </a:ln>
+        </p:spPr>
+        <p:txBody>
+          <a:bodyPr spcFirstLastPara="1" wrap="square" lIns="0" tIns="0" rIns="0" bIns="0" anchor="ctr" anchorCtr="0">
+            <a:noAutofit/>
+          </a:bodyPr>
+          <a:lstStyle/>
+          <a:p>
+            <a:pPr marL="0" marR="0" lvl="0" indent="0" algn="ctr" rtl="0">
+              <a:lnSpc>
+                <a:spcPct val="100000"/>
+              </a:lnSpc>
+              <a:spcBef>
+                <a:spcPts val="0"/>
+              </a:spcBef>
+              <a:spcAft>
+                <a:spcPts val="0"/>
+              </a:spcAft>
+              <a:buClr>
+                <a:srgbClr val="FFFFFF"/>
+              </a:buClr>
+              <a:buSzPts val="3200"/>
+              <a:buFont typeface="Helvetica Neue"/>
+              <a:buNone/>
+            </a:pPr>
+            <a:endParaRPr sz="3200" b="0" i="0" u="none" strike="noStrike" cap="none">
+              <a:solidFill>
+                <a:srgbClr val="FFFFFF"/>
+              </a:solidFill>
+              <a:latin typeface="Helvetica Neue"/>
+              <a:ea typeface="Helvetica Neue"/>
+              <a:cs typeface="Helvetica Neue"/>
+              <a:sym typeface="Helvetica Neue"/>
+            </a:endParaRPr>
+          </a:p>
+        </p:txBody>
+      </p:sp>
+      <p:sp>
+        <p:nvSpPr>
+          <p:cNvPr id="27" name="Google Shape;199;p13">
+            <a:extLst>
+              <a:ext uri="{FF2B5EF4-FFF2-40B4-BE49-F238E27FC236}">
+                <a16:creationId xmlns:a16="http://schemas.microsoft.com/office/drawing/2014/main" id="{092CD0F6-BE09-2C41-BF04-1D74EAEC5B93}"/>
+              </a:ext>
+            </a:extLst>
+          </p:cNvPr>
+          <p:cNvSpPr/>
+          <p:nvPr/>
+        </p:nvSpPr>
+        <p:spPr>
+          <a:xfrm>
+            <a:off x="19983164" y="10014332"/>
+            <a:ext cx="1582693" cy="1719842"/>
+          </a:xfrm>
+          <a:prstGeom prst="rect">
+            <a:avLst/>
+          </a:prstGeom>
+          <a:solidFill>
+            <a:srgbClr val="F5F5F5"/>
+          </a:solidFill>
+          <a:ln>
+            <a:noFill/>
+          </a:ln>
+        </p:spPr>
+        <p:txBody>
+          <a:bodyPr spcFirstLastPara="1" wrap="square" lIns="0" tIns="0" rIns="0" bIns="0" anchor="ctr" anchorCtr="0">
+            <a:noAutofit/>
+          </a:bodyPr>
+          <a:lstStyle/>
+          <a:p>
+            <a:pPr marL="0" marR="0" lvl="0" indent="0" algn="ctr" rtl="0">
+              <a:lnSpc>
+                <a:spcPct val="100000"/>
+              </a:lnSpc>
+              <a:spcBef>
+                <a:spcPts val="0"/>
+              </a:spcBef>
+              <a:spcAft>
+                <a:spcPts val="0"/>
+              </a:spcAft>
+              <a:buClr>
+                <a:srgbClr val="FFFFFF"/>
+              </a:buClr>
+              <a:buSzPts val="3200"/>
+              <a:buFont typeface="Helvetica Neue"/>
+              <a:buNone/>
+            </a:pPr>
+            <a:endParaRPr sz="3200" b="0" i="0" u="none" strike="noStrike" cap="none">
+              <a:solidFill>
+                <a:srgbClr val="FFFFFF"/>
+              </a:solidFill>
+              <a:latin typeface="Helvetica Neue"/>
+              <a:ea typeface="Helvetica Neue"/>
+              <a:cs typeface="Helvetica Neue"/>
+              <a:sym typeface="Helvetica Neue"/>
+            </a:endParaRPr>
+          </a:p>
+        </p:txBody>
+      </p:sp>
+      <p:sp>
+        <p:nvSpPr>
+          <p:cNvPr id="28" name="Google Shape;199;p13">
+            <a:extLst>
+              <a:ext uri="{FF2B5EF4-FFF2-40B4-BE49-F238E27FC236}">
+                <a16:creationId xmlns:a16="http://schemas.microsoft.com/office/drawing/2014/main" id="{24B332C4-F9C7-1744-897A-A168B479FCDA}"/>
+              </a:ext>
+            </a:extLst>
+          </p:cNvPr>
+          <p:cNvSpPr/>
+          <p:nvPr/>
+        </p:nvSpPr>
+        <p:spPr>
+          <a:xfrm>
+            <a:off x="18808396" y="7361692"/>
+            <a:ext cx="2771318" cy="1719842"/>
+          </a:xfrm>
+          <a:prstGeom prst="rect">
+            <a:avLst/>
+          </a:prstGeom>
+          <a:solidFill>
+            <a:srgbClr val="F5F5F5"/>
+          </a:solidFill>
+          <a:ln>
+            <a:noFill/>
+          </a:ln>
+        </p:spPr>
+        <p:txBody>
+          <a:bodyPr spcFirstLastPara="1" wrap="square" lIns="0" tIns="0" rIns="0" bIns="0" anchor="ctr" anchorCtr="0">
+            <a:noAutofit/>
+          </a:bodyPr>
+          <a:lstStyle/>
+          <a:p>
+            <a:pPr marL="0" marR="0" lvl="0" indent="0" algn="ctr" rtl="0">
+              <a:lnSpc>
+                <a:spcPct val="100000"/>
+              </a:lnSpc>
+              <a:spcBef>
+                <a:spcPts val="0"/>
+              </a:spcBef>
+              <a:spcAft>
+                <a:spcPts val="0"/>
+              </a:spcAft>
+              <a:buClr>
+                <a:srgbClr val="FFFFFF"/>
+              </a:buClr>
+              <a:buSzPts val="3200"/>
+              <a:buFont typeface="Helvetica Neue"/>
+              <a:buNone/>
+            </a:pPr>
+            <a:endParaRPr sz="3200" b="0" i="0" u="none" strike="noStrike" cap="none">
+              <a:solidFill>
+                <a:srgbClr val="FFFFFF"/>
+              </a:solidFill>
+              <a:latin typeface="Helvetica Neue"/>
+              <a:ea typeface="Helvetica Neue"/>
+              <a:cs typeface="Helvetica Neue"/>
+              <a:sym typeface="Helvetica Neue"/>
+            </a:endParaRPr>
+          </a:p>
+        </p:txBody>
+      </p:sp>
+    </p:spTree>
+  </p:cSld>
+  <p:clrMapOvr>
+    <a:masterClrMapping/>
+  </p:clrMapOvr>
+</p:sld>
+</file>
+
+<file path=ppt/slides/slide8.xml><?xml version="1.0" encoding="utf-8"?>
 <p:sld xmlns:a="http://schemas.openxmlformats.org/drawingml/2006/main" xmlns:r="http://schemas.openxmlformats.org/officeDocument/2006/relationships" xmlns:p="http://schemas.openxmlformats.org/presentationml/2006/main">
   <p:cSld>
     <p:spTree>
@@ -15583,6 +17077,11 @@
         </p:txBody>
       </p:sp>
     </p:spTree>
+    <p:extLst>
+      <p:ext uri="{BB962C8B-B14F-4D97-AF65-F5344CB8AC3E}">
+        <p14:creationId xmlns:p14="http://schemas.microsoft.com/office/powerpoint/2010/main" val="2495907393"/>
+      </p:ext>
+    </p:extLst>
   </p:cSld>
   <p:clrMapOvr>
     <a:masterClrMapping/>
@@ -15590,7 +17089,7 @@
 </p:sld>
 </file>
 
-<file path=ppt/slides/slide8.xml><?xml version="1.0" encoding="utf-8"?>
+<file path=ppt/slides/slide9.xml><?xml version="1.0" encoding="utf-8"?>
 <p:sld xmlns:a="http://schemas.openxmlformats.org/drawingml/2006/main" xmlns:r="http://schemas.openxmlformats.org/officeDocument/2006/relationships" xmlns:p="http://schemas.openxmlformats.org/presentationml/2006/main">
   <p:cSld>
     <p:spTree>
@@ -15646,215 +17145,6 @@
               <a:t>DEMO!</a:t>
             </a:r>
             <a:endParaRPr/>
-          </a:p>
-        </p:txBody>
-      </p:sp>
-    </p:spTree>
-  </p:cSld>
-  <p:clrMapOvr>
-    <a:masterClrMapping/>
-  </p:clrMapOvr>
-</p:sld>
-</file>
-
-<file path=ppt/slides/slide9.xml><?xml version="1.0" encoding="utf-8"?>
-<p:sld xmlns:a="http://schemas.openxmlformats.org/drawingml/2006/main" xmlns:r="http://schemas.openxmlformats.org/officeDocument/2006/relationships" xmlns:p="http://schemas.openxmlformats.org/presentationml/2006/main">
-  <p:cSld>
-    <p:spTree>
-      <p:nvGrpSpPr>
-        <p:cNvPr id="1" name="Shape 214"/>
-        <p:cNvGrpSpPr/>
-        <p:nvPr/>
-      </p:nvGrpSpPr>
-      <p:grpSpPr>
-        <a:xfrm>
-          <a:off x="0" y="0"/>
-          <a:ext cx="0" cy="0"/>
-          <a:chOff x="0" y="0"/>
-          <a:chExt cx="0" cy="0"/>
-        </a:xfrm>
-      </p:grpSpPr>
-      <p:sp>
-        <p:nvSpPr>
-          <p:cNvPr id="215" name="Google Shape;215;p14"/>
-          <p:cNvSpPr txBox="1">
-            <a:spLocks noGrp="1"/>
-          </p:cNvSpPr>
-          <p:nvPr>
-            <p:ph type="title"/>
-          </p:nvPr>
-        </p:nvSpPr>
-        <p:spPr>
-          <a:xfrm>
-            <a:off x="1689100" y="355600"/>
-            <a:ext cx="21005800" cy="2286000"/>
-          </a:xfrm>
-          <a:prstGeom prst="rect">
-            <a:avLst/>
-          </a:prstGeom>
-          <a:noFill/>
-          <a:ln>
-            <a:noFill/>
-          </a:ln>
-        </p:spPr>
-        <p:txBody>
-          <a:bodyPr spcFirstLastPara="1" wrap="square" lIns="50800" tIns="50800" rIns="50800" bIns="50800" anchor="ctr" anchorCtr="0">
-            <a:normAutofit/>
-          </a:bodyPr>
-          <a:lstStyle/>
-          <a:p>
-            <a:pPr marL="0" marR="0" lvl="0" indent="0" algn="ctr" rtl="0">
-              <a:lnSpc>
-                <a:spcPct val="100000"/>
-              </a:lnSpc>
-              <a:spcBef>
-                <a:spcPts val="0"/>
-              </a:spcBef>
-              <a:spcAft>
-                <a:spcPts val="0"/>
-              </a:spcAft>
-              <a:buClr>
-                <a:srgbClr val="000000"/>
-              </a:buClr>
-              <a:buSzPts val="9520"/>
-              <a:buFont typeface="Helvetica Neue"/>
-              <a:buNone/>
-            </a:pPr>
-            <a:r>
-              <a:rPr lang="en-US" sz="8000" dirty="0"/>
-              <a:t>Summary of process to add a feature</a:t>
-            </a:r>
-            <a:endParaRPr sz="8000" dirty="0"/>
-          </a:p>
-        </p:txBody>
-      </p:sp>
-      <p:sp>
-        <p:nvSpPr>
-          <p:cNvPr id="216" name="Google Shape;216;p14"/>
-          <p:cNvSpPr txBox="1">
-            <a:spLocks noGrp="1"/>
-          </p:cNvSpPr>
-          <p:nvPr>
-            <p:ph type="body" idx="1"/>
-          </p:nvPr>
-        </p:nvSpPr>
-        <p:spPr>
-          <a:xfrm>
-            <a:off x="1689100" y="3098800"/>
-            <a:ext cx="21005800" cy="9296400"/>
-          </a:xfrm>
-          <a:prstGeom prst="rect">
-            <a:avLst/>
-          </a:prstGeom>
-          <a:noFill/>
-          <a:ln>
-            <a:noFill/>
-          </a:ln>
-        </p:spPr>
-        <p:txBody>
-          <a:bodyPr spcFirstLastPara="1" wrap="square" lIns="50800" tIns="50800" rIns="50800" bIns="50800" anchor="ctr" anchorCtr="0">
-            <a:normAutofit/>
-          </a:bodyPr>
-          <a:lstStyle/>
-          <a:p>
-            <a:pPr marL="457200" lvl="0" indent="-518160" algn="l" rtl="0">
-              <a:lnSpc>
-                <a:spcPct val="100000"/>
-              </a:lnSpc>
-              <a:spcBef>
-                <a:spcPts val="0"/>
-              </a:spcBef>
-              <a:spcAft>
-                <a:spcPts val="0"/>
-              </a:spcAft>
-              <a:buSzPts val="4560"/>
-              <a:buAutoNum type="arabicPeriod"/>
-            </a:pPr>
-            <a:r>
-              <a:rPr lang="en-US" sz="4560" dirty="0"/>
-              <a:t>Pull latest code from develop branch.</a:t>
-            </a:r>
-            <a:endParaRPr dirty="0"/>
-          </a:p>
-          <a:p>
-            <a:pPr marL="457200" lvl="0" indent="-518160" algn="l" rtl="0">
-              <a:lnSpc>
-                <a:spcPct val="100000"/>
-              </a:lnSpc>
-              <a:spcBef>
-                <a:spcPts val="0"/>
-              </a:spcBef>
-              <a:spcAft>
-                <a:spcPts val="0"/>
-              </a:spcAft>
-              <a:buSzPts val="4560"/>
-              <a:buAutoNum type="arabicPeriod"/>
-            </a:pPr>
-            <a:r>
-              <a:rPr lang="en-US" sz="4560" dirty="0"/>
-              <a:t>Create feature branch from develop branch.</a:t>
-            </a:r>
-            <a:endParaRPr sz="4560" dirty="0"/>
-          </a:p>
-          <a:p>
-            <a:pPr marL="457200" lvl="0" indent="-518160" algn="l" rtl="0">
-              <a:lnSpc>
-                <a:spcPct val="100000"/>
-              </a:lnSpc>
-              <a:spcBef>
-                <a:spcPts val="0"/>
-              </a:spcBef>
-              <a:spcAft>
-                <a:spcPts val="0"/>
-              </a:spcAft>
-              <a:buSzPts val="4560"/>
-              <a:buAutoNum type="arabicPeriod"/>
-            </a:pPr>
-            <a:r>
-              <a:rPr lang="en-US" sz="4560" dirty="0"/>
-              <a:t>Make your changes, stage, commit, then push to GitHub.</a:t>
-            </a:r>
-            <a:endParaRPr sz="4560" dirty="0"/>
-          </a:p>
-          <a:p>
-            <a:pPr marL="457200" lvl="0" indent="-518160" algn="l" rtl="0">
-              <a:lnSpc>
-                <a:spcPct val="100000"/>
-              </a:lnSpc>
-              <a:spcBef>
-                <a:spcPts val="0"/>
-              </a:spcBef>
-              <a:spcAft>
-                <a:spcPts val="0"/>
-              </a:spcAft>
-              <a:buSzPts val="4560"/>
-              <a:buAutoNum type="arabicPeriod"/>
-            </a:pPr>
-            <a:r>
-              <a:rPr lang="en-US" sz="4560" dirty="0"/>
-              <a:t>Submit pull request on GitHub &amp; merge into develop.</a:t>
-            </a:r>
-            <a:endParaRPr sz="4560" dirty="0"/>
-          </a:p>
-          <a:p>
-            <a:pPr marL="457200" lvl="0" indent="-518160" algn="l" rtl="0">
-              <a:lnSpc>
-                <a:spcPct val="100000"/>
-              </a:lnSpc>
-              <a:spcBef>
-                <a:spcPts val="0"/>
-              </a:spcBef>
-              <a:spcAft>
-                <a:spcPts val="0"/>
-              </a:spcAft>
-              <a:buSzPts val="4560"/>
-              <a:buAutoNum type="arabicPeriod"/>
-            </a:pPr>
-            <a:r>
-              <a:rPr lang="en-US" sz="4560" dirty="0"/>
-              <a:t>Repeat until enough features have been merged into develop, then make a pull request from develop -&gt; main.</a:t>
-            </a:r>
-            <a:endParaRPr sz="4560" dirty="0"/>
           </a:p>
         </p:txBody>
       </p:sp>

--- a/Day1/gitflow.pptx
+++ b/Day1/gitflow.pptx
@@ -14681,7 +14681,7 @@
         </p:nvSpPr>
         <p:spPr>
           <a:xfrm>
-            <a:off x="12088018" y="10070140"/>
+            <a:off x="12088018" y="10028576"/>
             <a:ext cx="1652349" cy="1874519"/>
           </a:xfrm>
           <a:prstGeom prst="rect">
@@ -15663,7 +15663,7 @@
         </p:nvSpPr>
         <p:spPr>
           <a:xfrm>
-            <a:off x="12088018" y="10070140"/>
+            <a:off x="12088018" y="10028576"/>
             <a:ext cx="1652349" cy="1874519"/>
           </a:xfrm>
           <a:prstGeom prst="rect">
@@ -16838,7 +16838,7 @@
         </p:nvSpPr>
         <p:spPr>
           <a:xfrm>
-            <a:off x="12088018" y="10070140"/>
+            <a:off x="12088018" y="10028576"/>
             <a:ext cx="1652349" cy="1874519"/>
           </a:xfrm>
           <a:prstGeom prst="rect">

--- a/Day1/gitflow.pptx
+++ b/Day1/gitflow.pptx
@@ -5,7 +5,7 @@
     <p:sldMasterId id="2147483648" r:id="rId1"/>
   </p:sldMasterIdLst>
   <p:notesMasterIdLst>
-    <p:notesMasterId r:id="rId19"/>
+    <p:notesMasterId r:id="rId21"/>
   </p:notesMasterIdLst>
   <p:sldIdLst>
     <p:sldId id="256" r:id="rId2"/>
@@ -16,39 +16,41 @@
     <p:sldId id="290" r:id="rId7"/>
     <p:sldId id="272" r:id="rId8"/>
     <p:sldId id="292" r:id="rId9"/>
-    <p:sldId id="273" r:id="rId10"/>
-    <p:sldId id="274" r:id="rId11"/>
-    <p:sldId id="291" r:id="rId12"/>
-    <p:sldId id="289" r:id="rId13"/>
-    <p:sldId id="262" r:id="rId14"/>
-    <p:sldId id="269" r:id="rId15"/>
-    <p:sldId id="270" r:id="rId16"/>
-    <p:sldId id="271" r:id="rId17"/>
-    <p:sldId id="257" r:id="rId18"/>
+    <p:sldId id="293" r:id="rId10"/>
+    <p:sldId id="283" r:id="rId11"/>
+    <p:sldId id="273" r:id="rId12"/>
+    <p:sldId id="274" r:id="rId13"/>
+    <p:sldId id="291" r:id="rId14"/>
+    <p:sldId id="289" r:id="rId15"/>
+    <p:sldId id="262" r:id="rId16"/>
+    <p:sldId id="269" r:id="rId17"/>
+    <p:sldId id="270" r:id="rId18"/>
+    <p:sldId id="271" r:id="rId19"/>
+    <p:sldId id="257" r:id="rId20"/>
   </p:sldIdLst>
   <p:sldSz cx="24384000" cy="13716000"/>
   <p:notesSz cx="6858000" cy="9144000"/>
   <p:embeddedFontLst>
     <p:embeddedFont>
       <p:font typeface="Calibri" panose="020F0502020204030204" pitchFamily="34" charset="0"/>
-      <p:regular r:id="rId20"/>
-      <p:bold r:id="rId21"/>
-      <p:italic r:id="rId22"/>
-      <p:boldItalic r:id="rId23"/>
+      <p:regular r:id="rId22"/>
+      <p:bold r:id="rId23"/>
+      <p:italic r:id="rId24"/>
+      <p:boldItalic r:id="rId25"/>
     </p:embeddedFont>
     <p:embeddedFont>
       <p:font typeface="Helvetica Neue" panose="02000503000000020004" pitchFamily="2" charset="0"/>
-      <p:regular r:id="rId24"/>
-      <p:bold r:id="rId25"/>
-      <p:italic r:id="rId26"/>
-      <p:boldItalic r:id="rId27"/>
+      <p:regular r:id="rId26"/>
+      <p:bold r:id="rId27"/>
+      <p:italic r:id="rId28"/>
+      <p:boldItalic r:id="rId29"/>
     </p:embeddedFont>
     <p:embeddedFont>
       <p:font typeface="Helvetica Neue Light" panose="02000403000000020004" pitchFamily="2" charset="0"/>
-      <p:regular r:id="rId28"/>
-      <p:bold r:id="rId29"/>
-      <p:italic r:id="rId30"/>
-      <p:boldItalic r:id="rId31"/>
+      <p:regular r:id="rId30"/>
+      <p:bold r:id="rId31"/>
+      <p:italic r:id="rId32"/>
+      <p:boldItalic r:id="rId33"/>
     </p:embeddedFont>
   </p:embeddedFontLst>
   <p:defaultTextStyle>
@@ -285,7 +287,7 @@
       <p15:sldGuideLst xmlns:p15="http://schemas.microsoft.com/office/powerpoint/2012/main"/>
     </p:ext>
     <p:ext uri="http://customooxmlschemas.google.com/">
-      <go:slidesCustomData xmlns:go="http://customooxmlschemas.google.com/" xmlns:ahyp="http://schemas.microsoft.com/office/drawing/2018/hyperlinkcolor" xmlns:p15="http://schemas.microsoft.com/office/powerpoint/2012/main" xmlns:p14="http://schemas.microsoft.com/office/powerpoint/2010/main" xmlns:com="http://schemas.openxmlformats.org/drawingml/2006/compatibility" xmlns:pvml="urn:schemas-microsoft-com:office:powerpoint" xmlns:v="urn:schemas-microsoft-com:vml" xmlns:o="urn:schemas-microsoft-com:office:office" xmlns:dgm="http://schemas.openxmlformats.org/drawingml/2006/diagram" xmlns:c="http://schemas.openxmlformats.org/drawingml/2006/chart" xmlns:mv="urn:schemas-microsoft-com:mac:vml" xmlns:mc="http://schemas.openxmlformats.org/markup-compatibility/2006" xmlns="" r:id="rId32" roundtripDataSignature="AMtx7mhACr3GF+oaOhhGKWHfbSq2XX1c1g=="/>
+      <go:slidesCustomData xmlns:go="http://customooxmlschemas.google.com/" xmlns:ahyp="http://schemas.microsoft.com/office/drawing/2018/hyperlinkcolor" xmlns:p15="http://schemas.microsoft.com/office/powerpoint/2012/main" xmlns:p14="http://schemas.microsoft.com/office/powerpoint/2010/main" xmlns:com="http://schemas.openxmlformats.org/drawingml/2006/compatibility" xmlns:pvml="urn:schemas-microsoft-com:office:powerpoint" xmlns:v="urn:schemas-microsoft-com:vml" xmlns:o="urn:schemas-microsoft-com:office:office" xmlns:dgm="http://schemas.openxmlformats.org/drawingml/2006/diagram" xmlns:c="http://schemas.openxmlformats.org/drawingml/2006/chart" xmlns:mv="urn:schemas-microsoft-com:mac:vml" xmlns:mc="http://schemas.openxmlformats.org/markup-compatibility/2006" xmlns="" r:id="rId34" roundtripDataSignature="AMtx7mhACr3GF+oaOhhGKWHfbSq2XX1c1g=="/>
     </p:ext>
   </p:extLst>
 </p:presentation>
@@ -907,6 +909,110 @@
   <p:cSld>
     <p:spTree>
       <p:nvGrpSpPr>
+        <p:cNvPr id="1" name="Shape 205"/>
+        <p:cNvGrpSpPr/>
+        <p:nvPr/>
+      </p:nvGrpSpPr>
+      <p:grpSpPr>
+        <a:xfrm>
+          <a:off x="0" y="0"/>
+          <a:ext cx="0" cy="0"/>
+          <a:chOff x="0" y="0"/>
+          <a:chExt cx="0" cy="0"/>
+        </a:xfrm>
+      </p:grpSpPr>
+      <p:sp>
+        <p:nvSpPr>
+          <p:cNvPr id="206" name="Google Shape;206;g1347d530a7d_1_6:notes"/>
+          <p:cNvSpPr>
+            <a:spLocks noGrp="1" noRot="1" noChangeAspect="1"/>
+          </p:cNvSpPr>
+          <p:nvPr>
+            <p:ph type="sldImg" idx="2"/>
+          </p:nvPr>
+        </p:nvSpPr>
+        <p:spPr>
+          <a:xfrm>
+            <a:off x="381000" y="685800"/>
+            <a:ext cx="6096000" cy="3429000"/>
+          </a:xfrm>
+          <a:custGeom>
+            <a:avLst/>
+            <a:gdLst/>
+            <a:ahLst/>
+            <a:cxnLst/>
+            <a:rect l="l" t="t" r="r" b="b"/>
+            <a:pathLst>
+              <a:path w="120000" h="120000" extrusionOk="0">
+                <a:moveTo>
+                  <a:pt x="0" y="0"/>
+                </a:moveTo>
+                <a:lnTo>
+                  <a:pt x="120000" y="0"/>
+                </a:lnTo>
+                <a:lnTo>
+                  <a:pt x="120000" y="120000"/>
+                </a:lnTo>
+                <a:lnTo>
+                  <a:pt x="0" y="120000"/>
+                </a:lnTo>
+                <a:close/>
+              </a:path>
+            </a:pathLst>
+          </a:custGeom>
+        </p:spPr>
+      </p:sp>
+      <p:sp>
+        <p:nvSpPr>
+          <p:cNvPr id="207" name="Google Shape;207;g1347d530a7d_1_6:notes"/>
+          <p:cNvSpPr txBox="1">
+            <a:spLocks noGrp="1"/>
+          </p:cNvSpPr>
+          <p:nvPr>
+            <p:ph type="body" idx="1"/>
+          </p:nvPr>
+        </p:nvSpPr>
+        <p:spPr>
+          <a:xfrm>
+            <a:off x="914400" y="4343400"/>
+            <a:ext cx="5029200" cy="4114800"/>
+          </a:xfrm>
+          <a:prstGeom prst="rect">
+            <a:avLst/>
+          </a:prstGeom>
+        </p:spPr>
+        <p:txBody>
+          <a:bodyPr spcFirstLastPara="1" wrap="square" lIns="91425" tIns="45700" rIns="91425" bIns="45700" anchor="t" anchorCtr="0">
+            <a:noAutofit/>
+          </a:bodyPr>
+          <a:lstStyle/>
+          <a:p>
+            <a:pPr marL="0" lvl="0" indent="0" algn="l" rtl="0">
+              <a:spcBef>
+                <a:spcPts val="0"/>
+              </a:spcBef>
+              <a:spcAft>
+                <a:spcPts val="0"/>
+              </a:spcAft>
+              <a:buNone/>
+            </a:pPr>
+            <a:endParaRPr/>
+          </a:p>
+        </p:txBody>
+      </p:sp>
+    </p:spTree>
+  </p:cSld>
+  <p:clrMapOvr>
+    <a:masterClrMapping/>
+  </p:clrMapOvr>
+</p:notes>
+</file>
+
+<file path=ppt/notesSlides/notesSlide11.xml><?xml version="1.0" encoding="utf-8"?>
+<p:notes xmlns:a="http://schemas.openxmlformats.org/drawingml/2006/main" xmlns:r="http://schemas.openxmlformats.org/officeDocument/2006/relationships" xmlns:p="http://schemas.openxmlformats.org/presentationml/2006/main" showMasterSp="0" showMasterPhAnim="0">
+  <p:cSld>
+    <p:spTree>
+      <p:nvGrpSpPr>
         <p:cNvPr id="1" name="Shape 211"/>
         <p:cNvGrpSpPr/>
         <p:nvPr/>
@@ -1006,7 +1112,7 @@
 </p:notes>
 </file>
 
-<file path=ppt/notesSlides/notesSlide11.xml><?xml version="1.0" encoding="utf-8"?>
+<file path=ppt/notesSlides/notesSlide12.xml><?xml version="1.0" encoding="utf-8"?>
 <p:notes xmlns:a="http://schemas.openxmlformats.org/drawingml/2006/main" xmlns:r="http://schemas.openxmlformats.org/officeDocument/2006/relationships" xmlns:p="http://schemas.openxmlformats.org/presentationml/2006/main" showMasterSp="0" showMasterPhAnim="0">
   <p:cSld>
     <p:spTree>
@@ -1115,7 +1221,7 @@
 </p:notes>
 </file>
 
-<file path=ppt/notesSlides/notesSlide12.xml><?xml version="1.0" encoding="utf-8"?>
+<file path=ppt/notesSlides/notesSlide13.xml><?xml version="1.0" encoding="utf-8"?>
 <p:notes xmlns:a="http://schemas.openxmlformats.org/drawingml/2006/main" xmlns:r="http://schemas.openxmlformats.org/officeDocument/2006/relationships" xmlns:p="http://schemas.openxmlformats.org/presentationml/2006/main" showMasterSp="0" showMasterPhAnim="0">
   <p:cSld>
     <p:spTree>
@@ -1255,7 +1361,7 @@
 </p:notes>
 </file>
 
-<file path=ppt/notesSlides/notesSlide13.xml><?xml version="1.0" encoding="utf-8"?>
+<file path=ppt/notesSlides/notesSlide14.xml><?xml version="1.0" encoding="utf-8"?>
 <p:notes xmlns:a="http://schemas.openxmlformats.org/drawingml/2006/main" xmlns:r="http://schemas.openxmlformats.org/officeDocument/2006/relationships" xmlns:p="http://schemas.openxmlformats.org/presentationml/2006/main" showMasterSp="0" showMasterPhAnim="0">
   <p:cSld>
     <p:spTree>
@@ -1359,7 +1465,7 @@
 </p:notes>
 </file>
 
-<file path=ppt/notesSlides/notesSlide14.xml><?xml version="1.0" encoding="utf-8"?>
+<file path=ppt/notesSlides/notesSlide15.xml><?xml version="1.0" encoding="utf-8"?>
 <p:notes xmlns:a="http://schemas.openxmlformats.org/drawingml/2006/main" xmlns:r="http://schemas.openxmlformats.org/officeDocument/2006/relationships" xmlns:p="http://schemas.openxmlformats.org/presentationml/2006/main" showMasterSp="0" showMasterPhAnim="0">
   <p:cSld>
     <p:spTree>
@@ -1463,7 +1569,7 @@
 </p:notes>
 </file>
 
-<file path=ppt/notesSlides/notesSlide15.xml><?xml version="1.0" encoding="utf-8"?>
+<file path=ppt/notesSlides/notesSlide16.xml><?xml version="1.0" encoding="utf-8"?>
 <p:notes xmlns:a="http://schemas.openxmlformats.org/drawingml/2006/main" xmlns:r="http://schemas.openxmlformats.org/officeDocument/2006/relationships" xmlns:p="http://schemas.openxmlformats.org/presentationml/2006/main" showMasterSp="0" showMasterPhAnim="0">
   <p:cSld>
     <p:spTree>
@@ -1567,7 +1673,7 @@
 </p:notes>
 </file>
 
-<file path=ppt/notesSlides/notesSlide16.xml><?xml version="1.0" encoding="utf-8"?>
+<file path=ppt/notesSlides/notesSlide17.xml><?xml version="1.0" encoding="utf-8"?>
 <p:notes xmlns:a="http://schemas.openxmlformats.org/drawingml/2006/main" xmlns:r="http://schemas.openxmlformats.org/officeDocument/2006/relationships" xmlns:p="http://schemas.openxmlformats.org/presentationml/2006/main" showMasterSp="0" showMasterPhAnim="0">
   <p:cSld>
     <p:spTree>
@@ -2414,7 +2520,7 @@
   <p:cSld>
     <p:spTree>
       <p:nvGrpSpPr>
-        <p:cNvPr id="1" name="Shape 205"/>
+        <p:cNvPr id="1" name="Shape 96"/>
         <p:cNvGrpSpPr/>
         <p:nvPr/>
       </p:nvGrpSpPr>
@@ -2428,7 +2534,45 @@
       </p:grpSpPr>
       <p:sp>
         <p:nvSpPr>
-          <p:cNvPr id="206" name="Google Shape;206;g1347d530a7d_1_6:notes"/>
+          <p:cNvPr id="97" name="Google Shape;97;p3:notes"/>
+          <p:cNvSpPr txBox="1">
+            <a:spLocks noGrp="1"/>
+          </p:cNvSpPr>
+          <p:nvPr>
+            <p:ph type="body" idx="1"/>
+          </p:nvPr>
+        </p:nvSpPr>
+        <p:spPr>
+          <a:xfrm>
+            <a:off x="914400" y="4343400"/>
+            <a:ext cx="5029200" cy="4114800"/>
+          </a:xfrm>
+          <a:prstGeom prst="rect">
+            <a:avLst/>
+          </a:prstGeom>
+        </p:spPr>
+        <p:txBody>
+          <a:bodyPr spcFirstLastPara="1" wrap="square" lIns="91425" tIns="45700" rIns="91425" bIns="45700" anchor="t" anchorCtr="0">
+            <a:noAutofit/>
+          </a:bodyPr>
+          <a:lstStyle/>
+          <a:p>
+            <a:pPr marL="0" lvl="0" indent="0" algn="l" rtl="0">
+              <a:spcBef>
+                <a:spcPts val="0"/>
+              </a:spcBef>
+              <a:spcAft>
+                <a:spcPts val="0"/>
+              </a:spcAft>
+              <a:buNone/>
+            </a:pPr>
+            <a:endParaRPr/>
+          </a:p>
+        </p:txBody>
+      </p:sp>
+      <p:sp>
+        <p:nvSpPr>
+          <p:cNvPr id="98" name="Google Shape;98;p3:notes"/>
           <p:cNvSpPr>
             <a:spLocks noGrp="1" noRot="1" noChangeAspect="1"/>
           </p:cNvSpPr>
@@ -2467,45 +2611,12 @@
           </a:custGeom>
         </p:spPr>
       </p:sp>
-      <p:sp>
-        <p:nvSpPr>
-          <p:cNvPr id="207" name="Google Shape;207;g1347d530a7d_1_6:notes"/>
-          <p:cNvSpPr txBox="1">
-            <a:spLocks noGrp="1"/>
-          </p:cNvSpPr>
-          <p:nvPr>
-            <p:ph type="body" idx="1"/>
-          </p:nvPr>
-        </p:nvSpPr>
-        <p:spPr>
-          <a:xfrm>
-            <a:off x="914400" y="4343400"/>
-            <a:ext cx="5029200" cy="4114800"/>
-          </a:xfrm>
-          <a:prstGeom prst="rect">
-            <a:avLst/>
-          </a:prstGeom>
-        </p:spPr>
-        <p:txBody>
-          <a:bodyPr spcFirstLastPara="1" wrap="square" lIns="91425" tIns="45700" rIns="91425" bIns="45700" anchor="t" anchorCtr="0">
-            <a:noAutofit/>
-          </a:bodyPr>
-          <a:lstStyle/>
-          <a:p>
-            <a:pPr marL="0" lvl="0" indent="0" algn="l" rtl="0">
-              <a:spcBef>
-                <a:spcPts val="0"/>
-              </a:spcBef>
-              <a:spcAft>
-                <a:spcPts val="0"/>
-              </a:spcAft>
-              <a:buNone/>
-            </a:pPr>
-            <a:endParaRPr/>
-          </a:p>
-        </p:txBody>
-      </p:sp>
     </p:spTree>
+    <p:extLst>
+      <p:ext uri="{BB962C8B-B14F-4D97-AF65-F5344CB8AC3E}">
+        <p14:creationId xmlns:p14="http://schemas.microsoft.com/office/powerpoint/2010/main" val="31036007"/>
+      </p:ext>
+    </p:extLst>
   </p:cSld>
   <p:clrMapOvr>
     <a:masterClrMapping/>
@@ -10986,6 +11097,190 @@
   <p:cSld>
     <p:spTree>
       <p:nvGrpSpPr>
+        <p:cNvPr id="1" name=""/>
+        <p:cNvGrpSpPr/>
+        <p:nvPr/>
+      </p:nvGrpSpPr>
+      <p:grpSpPr>
+        <a:xfrm>
+          <a:off x="0" y="0"/>
+          <a:ext cx="0" cy="0"/>
+          <a:chOff x="0" y="0"/>
+          <a:chExt cx="0" cy="0"/>
+        </a:xfrm>
+      </p:grpSpPr>
+      <p:sp>
+        <p:nvSpPr>
+          <p:cNvPr id="2" name="Title 1">
+            <a:extLst>
+              <a:ext uri="{FF2B5EF4-FFF2-40B4-BE49-F238E27FC236}">
+                <a16:creationId xmlns:a16="http://schemas.microsoft.com/office/drawing/2014/main" id="{63BC65CB-CE34-7921-710D-43A849AFE70F}"/>
+              </a:ext>
+            </a:extLst>
+          </p:cNvPr>
+          <p:cNvSpPr>
+            <a:spLocks noGrp="1"/>
+          </p:cNvSpPr>
+          <p:nvPr>
+            <p:ph type="title"/>
+          </p:nvPr>
+        </p:nvSpPr>
+        <p:spPr/>
+        <p:txBody>
+          <a:bodyPr/>
+          <a:lstStyle/>
+          <a:p>
+            <a:r>
+              <a:rPr lang="en-US" dirty="0"/>
+              <a:t>Demo: </a:t>
+            </a:r>
+            <a:r>
+              <a:rPr lang="en-US" dirty="0" err="1"/>
+              <a:t>Gitflow</a:t>
+            </a:r>
+            <a:endParaRPr lang="en-US" dirty="0"/>
+          </a:p>
+        </p:txBody>
+      </p:sp>
+      <p:sp>
+        <p:nvSpPr>
+          <p:cNvPr id="3" name="Content Placeholder 2">
+            <a:extLst>
+              <a:ext uri="{FF2B5EF4-FFF2-40B4-BE49-F238E27FC236}">
+                <a16:creationId xmlns:a16="http://schemas.microsoft.com/office/drawing/2014/main" id="{20B3C4B5-3F2C-9124-5614-B88120BBF446}"/>
+              </a:ext>
+            </a:extLst>
+          </p:cNvPr>
+          <p:cNvSpPr>
+            <a:spLocks noGrp="1"/>
+          </p:cNvSpPr>
+          <p:nvPr>
+            <p:ph idx="1"/>
+          </p:nvPr>
+        </p:nvSpPr>
+        <p:spPr/>
+        <p:txBody>
+          <a:bodyPr>
+            <a:normAutofit/>
+          </a:bodyPr>
+          <a:lstStyle/>
+          <a:p>
+            <a:pPr marL="0" indent="0">
+              <a:buNone/>
+            </a:pPr>
+            <a:r>
+              <a:rPr lang="en-US" dirty="0"/>
+              <a:t>In the demo, you will learn how to:</a:t>
+            </a:r>
+          </a:p>
+          <a:p>
+            <a:pPr marL="1143000" lvl="1" indent="-685800"/>
+            <a:endParaRPr lang="en-US" dirty="0"/>
+          </a:p>
+          <a:p>
+            <a:pPr lvl="1"/>
+            <a:endParaRPr lang="en-US" dirty="0"/>
+          </a:p>
+          <a:p>
+            <a:pPr marL="0" indent="0">
+              <a:buNone/>
+            </a:pPr>
+            <a:r>
+              <a:rPr lang="en-US" dirty="0"/>
+              <a:t>Try to type along with me as we walk through the demo. However, don’t worry if you get stuck! We’ll have time at the end to work on the demo in groups. </a:t>
+            </a:r>
+          </a:p>
+          <a:p>
+            <a:pPr lvl="1"/>
+            <a:endParaRPr lang="en-US" dirty="0"/>
+          </a:p>
+        </p:txBody>
+      </p:sp>
+    </p:spTree>
+    <p:extLst>
+      <p:ext uri="{BB962C8B-B14F-4D97-AF65-F5344CB8AC3E}">
+        <p14:creationId xmlns:p14="http://schemas.microsoft.com/office/powerpoint/2010/main" val="4271051084"/>
+      </p:ext>
+    </p:extLst>
+  </p:cSld>
+  <p:clrMapOvr>
+    <a:masterClrMapping/>
+  </p:clrMapOvr>
+</p:sld>
+</file>
+
+<file path=ppt/slides/slide11.xml><?xml version="1.0" encoding="utf-8"?>
+<p:sld xmlns:a="http://schemas.openxmlformats.org/drawingml/2006/main" xmlns:r="http://schemas.openxmlformats.org/officeDocument/2006/relationships" xmlns:p="http://schemas.openxmlformats.org/presentationml/2006/main">
+  <p:cSld>
+    <p:spTree>
+      <p:nvGrpSpPr>
+        <p:cNvPr id="1" name="Shape 208"/>
+        <p:cNvGrpSpPr/>
+        <p:nvPr/>
+      </p:nvGrpSpPr>
+      <p:grpSpPr>
+        <a:xfrm>
+          <a:off x="0" y="0"/>
+          <a:ext cx="0" cy="0"/>
+          <a:chOff x="0" y="0"/>
+          <a:chExt cx="0" cy="0"/>
+        </a:xfrm>
+      </p:grpSpPr>
+      <p:sp>
+        <p:nvSpPr>
+          <p:cNvPr id="209" name="Google Shape;209;g1347d530a7d_1_6"/>
+          <p:cNvSpPr txBox="1">
+            <a:spLocks noGrp="1"/>
+          </p:cNvSpPr>
+          <p:nvPr>
+            <p:ph type="body" idx="1"/>
+          </p:nvPr>
+        </p:nvSpPr>
+        <p:spPr>
+          <a:xfrm>
+            <a:off x="1689100" y="3149600"/>
+            <a:ext cx="21005700" cy="9296400"/>
+          </a:xfrm>
+          <a:prstGeom prst="rect">
+            <a:avLst/>
+          </a:prstGeom>
+        </p:spPr>
+        <p:txBody>
+          <a:bodyPr spcFirstLastPara="1" wrap="square" lIns="50800" tIns="50800" rIns="50800" bIns="50800" anchor="ctr" anchorCtr="0">
+            <a:normAutofit/>
+          </a:bodyPr>
+          <a:lstStyle/>
+          <a:p>
+            <a:pPr marL="0" lvl="0" indent="0" algn="l" rtl="0">
+              <a:spcBef>
+                <a:spcPts val="5900"/>
+              </a:spcBef>
+              <a:spcAft>
+                <a:spcPts val="0"/>
+              </a:spcAft>
+              <a:buNone/>
+            </a:pPr>
+            <a:r>
+              <a:rPr lang="en-US" dirty="0"/>
+              <a:t>DEMO!</a:t>
+            </a:r>
+            <a:endParaRPr dirty="0"/>
+          </a:p>
+        </p:txBody>
+      </p:sp>
+    </p:spTree>
+  </p:cSld>
+  <p:clrMapOvr>
+    <a:masterClrMapping/>
+  </p:clrMapOvr>
+</p:sld>
+</file>
+
+<file path=ppt/slides/slide12.xml><?xml version="1.0" encoding="utf-8"?>
+<p:sld xmlns:a="http://schemas.openxmlformats.org/drawingml/2006/main" xmlns:r="http://schemas.openxmlformats.org/officeDocument/2006/relationships" xmlns:p="http://schemas.openxmlformats.org/presentationml/2006/main">
+  <p:cSld>
+    <p:spTree>
+      <p:nvGrpSpPr>
         <p:cNvPr id="1" name="Shape 214"/>
         <p:cNvGrpSpPr/>
         <p:nvPr/>
@@ -11190,7 +11485,7 @@
 </p:sld>
 </file>
 
-<file path=ppt/slides/slide11.xml><?xml version="1.0" encoding="utf-8"?>
+<file path=ppt/slides/slide13.xml><?xml version="1.0" encoding="utf-8"?>
 <p:sld xmlns:a="http://schemas.openxmlformats.org/drawingml/2006/main" xmlns:r="http://schemas.openxmlformats.org/officeDocument/2006/relationships" xmlns:p="http://schemas.openxmlformats.org/presentationml/2006/main">
   <p:cSld>
     <p:spTree>
@@ -11627,7 +11922,7 @@
 </p:sld>
 </file>
 
-<file path=ppt/slides/slide12.xml><?xml version="1.0" encoding="utf-8"?>
+<file path=ppt/slides/slide14.xml><?xml version="1.0" encoding="utf-8"?>
 <p:sld xmlns:a="http://schemas.openxmlformats.org/drawingml/2006/main" xmlns:r="http://schemas.openxmlformats.org/officeDocument/2006/relationships" xmlns:p="http://schemas.openxmlformats.org/presentationml/2006/main">
   <p:cSld>
     <p:spTree>
@@ -11692,7 +11987,7 @@
 </p:sld>
 </file>
 
-<file path=ppt/slides/slide13.xml><?xml version="1.0" encoding="utf-8"?>
+<file path=ppt/slides/slide15.xml><?xml version="1.0" encoding="utf-8"?>
 <p:sld xmlns:a="http://schemas.openxmlformats.org/drawingml/2006/main" xmlns:r="http://schemas.openxmlformats.org/officeDocument/2006/relationships" xmlns:p="http://schemas.openxmlformats.org/presentationml/2006/main">
   <p:cSld>
     <p:spTree>
@@ -12002,7 +12297,7 @@
 </p:sld>
 </file>
 
-<file path=ppt/slides/slide14.xml><?xml version="1.0" encoding="utf-8"?>
+<file path=ppt/slides/slide16.xml><?xml version="1.0" encoding="utf-8"?>
 <p:sld xmlns:a="http://schemas.openxmlformats.org/drawingml/2006/main" xmlns:r="http://schemas.openxmlformats.org/officeDocument/2006/relationships" xmlns:p="http://schemas.openxmlformats.org/presentationml/2006/main">
   <p:cSld>
     <p:spTree>
@@ -12116,7 +12411,7 @@
 </p:sld>
 </file>
 
-<file path=ppt/slides/slide15.xml><?xml version="1.0" encoding="utf-8"?>
+<file path=ppt/slides/slide17.xml><?xml version="1.0" encoding="utf-8"?>
 <p:sld xmlns:a="http://schemas.openxmlformats.org/drawingml/2006/main" xmlns:r="http://schemas.openxmlformats.org/officeDocument/2006/relationships" xmlns:p="http://schemas.openxmlformats.org/presentationml/2006/main">
   <p:cSld>
     <p:spTree>
@@ -12380,7 +12675,7 @@
 </p:sld>
 </file>
 
-<file path=ppt/slides/slide16.xml><?xml version="1.0" encoding="utf-8"?>
+<file path=ppt/slides/slide18.xml><?xml version="1.0" encoding="utf-8"?>
 <p:sld xmlns:a="http://schemas.openxmlformats.org/drawingml/2006/main" xmlns:r="http://schemas.openxmlformats.org/officeDocument/2006/relationships" xmlns:p="http://schemas.openxmlformats.org/presentationml/2006/main">
   <p:cSld>
     <p:spTree>
@@ -12644,7 +12939,7 @@
 </p:sld>
 </file>
 
-<file path=ppt/slides/slide17.xml><?xml version="1.0" encoding="utf-8"?>
+<file path=ppt/slides/slide19.xml><?xml version="1.0" encoding="utf-8"?>
 <p:sld xmlns:a="http://schemas.openxmlformats.org/drawingml/2006/main" xmlns:r="http://schemas.openxmlformats.org/officeDocument/2006/relationships" xmlns:p="http://schemas.openxmlformats.org/presentationml/2006/main">
   <p:cSld>
     <p:spTree>
@@ -17094,7 +17389,7 @@
   <p:cSld>
     <p:spTree>
       <p:nvGrpSpPr>
-        <p:cNvPr id="1" name="Shape 208"/>
+        <p:cNvPr id="1" name="Shape 99"/>
         <p:cNvGrpSpPr/>
         <p:nvPr/>
       </p:nvGrpSpPr>
@@ -17108,7 +17403,65 @@
       </p:grpSpPr>
       <p:sp>
         <p:nvSpPr>
-          <p:cNvPr id="209" name="Google Shape;209;g1347d530a7d_1_6"/>
+          <p:cNvPr id="100" name="Google Shape;100;p3"/>
+          <p:cNvSpPr txBox="1">
+            <a:spLocks noGrp="1"/>
+          </p:cNvSpPr>
+          <p:nvPr>
+            <p:ph type="title"/>
+          </p:nvPr>
+        </p:nvSpPr>
+        <p:spPr>
+          <a:xfrm>
+            <a:off x="1689100" y="355600"/>
+            <a:ext cx="21005800" cy="2286000"/>
+          </a:xfrm>
+          <a:prstGeom prst="rect">
+            <a:avLst/>
+          </a:prstGeom>
+          <a:noFill/>
+          <a:ln>
+            <a:noFill/>
+          </a:ln>
+        </p:spPr>
+        <p:txBody>
+          <a:bodyPr spcFirstLastPara="1" wrap="square" lIns="50800" tIns="50800" rIns="50800" bIns="50800" anchor="ctr" anchorCtr="0">
+            <a:normAutofit/>
+          </a:bodyPr>
+          <a:lstStyle/>
+          <a:p>
+            <a:pPr marL="0" marR="0" lvl="0" indent="0" algn="ctr" rtl="0">
+              <a:lnSpc>
+                <a:spcPct val="100000"/>
+              </a:lnSpc>
+              <a:spcBef>
+                <a:spcPts val="0"/>
+              </a:spcBef>
+              <a:spcAft>
+                <a:spcPts val="0"/>
+              </a:spcAft>
+              <a:buClr>
+                <a:srgbClr val="000000"/>
+              </a:buClr>
+              <a:buSzPts val="8848"/>
+              <a:buFont typeface="Helvetica Neue"/>
+              <a:buNone/>
+            </a:pPr>
+            <a:r>
+              <a:rPr lang="en-US" sz="8000" dirty="0"/>
+              <a:t>Demo: </a:t>
+            </a:r>
+            <a:r>
+              <a:rPr lang="en-US" sz="8000" dirty="0" err="1"/>
+              <a:t>Gitflow</a:t>
+            </a:r>
+            <a:endParaRPr sz="8000" dirty="0"/>
+          </a:p>
+        </p:txBody>
+      </p:sp>
+      <p:sp>
+        <p:nvSpPr>
+          <p:cNvPr id="101" name="Google Shape;101;p3"/>
           <p:cNvSpPr txBox="1">
             <a:spLocks noGrp="1"/>
           </p:cNvSpPr>
@@ -17118,37 +17471,96 @@
         </p:nvSpPr>
         <p:spPr>
           <a:xfrm>
-            <a:off x="1689100" y="3149600"/>
-            <a:ext cx="21005700" cy="9296400"/>
+            <a:off x="1689100" y="2641600"/>
+            <a:ext cx="21005800" cy="9494982"/>
           </a:xfrm>
           <a:prstGeom prst="rect">
             <a:avLst/>
           </a:prstGeom>
+          <a:noFill/>
+          <a:ln>
+            <a:noFill/>
+          </a:ln>
         </p:spPr>
         <p:txBody>
           <a:bodyPr spcFirstLastPara="1" wrap="square" lIns="50800" tIns="50800" rIns="50800" bIns="50800" anchor="ctr" anchorCtr="0">
-            <a:normAutofit/>
+            <a:normAutofit fontScale="92500" lnSpcReduction="10000"/>
           </a:bodyPr>
           <a:lstStyle/>
           <a:p>
             <a:pPr marL="0" lvl="0" indent="0" algn="l" rtl="0">
-              <a:spcBef>
-                <a:spcPts val="5900"/>
-              </a:spcBef>
-              <a:spcAft>
-                <a:spcPts val="0"/>
-              </a:spcAft>
+              <a:lnSpc>
+                <a:spcPct val="100000"/>
+              </a:lnSpc>
+              <a:spcBef>
+                <a:spcPts val="0"/>
+              </a:spcBef>
+              <a:spcAft>
+                <a:spcPts val="0"/>
+              </a:spcAft>
+              <a:buClr>
+                <a:srgbClr val="000000"/>
+              </a:buClr>
+              <a:buSzPts val="6000"/>
               <a:buNone/>
             </a:pPr>
             <a:r>
-              <a:rPr lang="en-US"/>
-              <a:t>DEMO!</a:t>
+              <a:rPr lang="en-US" sz="5800" dirty="0"/>
+              <a:t>In this demo, you will learn how to:</a:t>
             </a:r>
-            <a:endParaRPr/>
+            <a:endParaRPr lang="en-US" sz="4800" dirty="0"/>
+          </a:p>
+          <a:p>
+            <a:pPr marL="1092200" lvl="1" indent="-635000"/>
+            <a:r>
+              <a:rPr lang="en-US" dirty="0"/>
+              <a:t>Create and manipulate multiple branches within a git repo (main, develop, feature)</a:t>
+            </a:r>
+            <a:endParaRPr dirty="0"/>
+          </a:p>
+          <a:p>
+            <a:pPr marL="1092200" lvl="1" indent="-635000"/>
+            <a:r>
+              <a:rPr lang="en-US" dirty="0"/>
+              <a:t>How to use these branches in a “standard” git workflow</a:t>
+            </a:r>
+          </a:p>
+          <a:p>
+            <a:pPr marL="1092200" lvl="1" indent="-635000"/>
+            <a:r>
+              <a:rPr lang="en-US" dirty="0"/>
+              <a:t>Submit a pull request on </a:t>
+            </a:r>
+            <a:r>
+              <a:rPr lang="en-US" dirty="0" err="1"/>
+              <a:t>Github</a:t>
+            </a:r>
+            <a:r>
+              <a:rPr lang="en-US" dirty="0"/>
+              <a:t> to merge two branches</a:t>
+            </a:r>
+          </a:p>
+          <a:p>
+            <a:pPr marL="1092200" lvl="1" indent="-635000"/>
+            <a:endParaRPr lang="en-US" dirty="0"/>
+          </a:p>
+          <a:p>
+            <a:pPr marL="0" indent="0">
+              <a:buNone/>
+            </a:pPr>
+            <a:r>
+              <a:rPr lang="en-US" sz="5800" dirty="0"/>
+              <a:t>Try to type along with me as we walk through the demo. However, don’t worry if you get stuck!</a:t>
+            </a:r>
           </a:p>
         </p:txBody>
       </p:sp>
     </p:spTree>
+    <p:extLst>
+      <p:ext uri="{BB962C8B-B14F-4D97-AF65-F5344CB8AC3E}">
+        <p14:creationId xmlns:p14="http://schemas.microsoft.com/office/powerpoint/2010/main" val="503865505"/>
+      </p:ext>
+    </p:extLst>
   </p:cSld>
   <p:clrMapOvr>
     <a:masterClrMapping/>

--- a/Day1/gitflow.pptx
+++ b/Day1/gitflow.pptx
@@ -5,7 +5,7 @@
     <p:sldMasterId id="2147483648" r:id="rId1"/>
   </p:sldMasterIdLst>
   <p:notesMasterIdLst>
-    <p:notesMasterId r:id="rId21"/>
+    <p:notesMasterId r:id="rId20"/>
   </p:notesMasterIdLst>
   <p:sldIdLst>
     <p:sldId id="256" r:id="rId2"/>
@@ -17,40 +17,39 @@
     <p:sldId id="272" r:id="rId8"/>
     <p:sldId id="292" r:id="rId9"/>
     <p:sldId id="293" r:id="rId10"/>
-    <p:sldId id="283" r:id="rId11"/>
-    <p:sldId id="273" r:id="rId12"/>
-    <p:sldId id="274" r:id="rId13"/>
-    <p:sldId id="291" r:id="rId14"/>
-    <p:sldId id="289" r:id="rId15"/>
-    <p:sldId id="262" r:id="rId16"/>
-    <p:sldId id="269" r:id="rId17"/>
-    <p:sldId id="270" r:id="rId18"/>
-    <p:sldId id="271" r:id="rId19"/>
-    <p:sldId id="257" r:id="rId20"/>
+    <p:sldId id="274" r:id="rId11"/>
+    <p:sldId id="291" r:id="rId12"/>
+    <p:sldId id="294" r:id="rId13"/>
+    <p:sldId id="289" r:id="rId14"/>
+    <p:sldId id="262" r:id="rId15"/>
+    <p:sldId id="269" r:id="rId16"/>
+    <p:sldId id="270" r:id="rId17"/>
+    <p:sldId id="271" r:id="rId18"/>
+    <p:sldId id="257" r:id="rId19"/>
   </p:sldIdLst>
   <p:sldSz cx="24384000" cy="13716000"/>
   <p:notesSz cx="6858000" cy="9144000"/>
   <p:embeddedFontLst>
     <p:embeddedFont>
       <p:font typeface="Calibri" panose="020F0502020204030204" pitchFamily="34" charset="0"/>
-      <p:regular r:id="rId22"/>
-      <p:bold r:id="rId23"/>
-      <p:italic r:id="rId24"/>
-      <p:boldItalic r:id="rId25"/>
+      <p:regular r:id="rId21"/>
+      <p:bold r:id="rId22"/>
+      <p:italic r:id="rId23"/>
+      <p:boldItalic r:id="rId24"/>
     </p:embeddedFont>
     <p:embeddedFont>
       <p:font typeface="Helvetica Neue" panose="02000503000000020004" pitchFamily="2" charset="0"/>
-      <p:regular r:id="rId26"/>
-      <p:bold r:id="rId27"/>
-      <p:italic r:id="rId28"/>
-      <p:boldItalic r:id="rId29"/>
+      <p:regular r:id="rId25"/>
+      <p:bold r:id="rId26"/>
+      <p:italic r:id="rId27"/>
+      <p:boldItalic r:id="rId28"/>
     </p:embeddedFont>
     <p:embeddedFont>
       <p:font typeface="Helvetica Neue Light" panose="02000403000000020004" pitchFamily="2" charset="0"/>
-      <p:regular r:id="rId30"/>
-      <p:bold r:id="rId31"/>
-      <p:italic r:id="rId32"/>
-      <p:boldItalic r:id="rId33"/>
+      <p:regular r:id="rId29"/>
+      <p:bold r:id="rId30"/>
+      <p:italic r:id="rId31"/>
+      <p:boldItalic r:id="rId32"/>
     </p:embeddedFont>
   </p:embeddedFontLst>
   <p:defaultTextStyle>
@@ -287,7 +286,7 @@
       <p15:sldGuideLst xmlns:p15="http://schemas.microsoft.com/office/powerpoint/2012/main"/>
     </p:ext>
     <p:ext uri="http://customooxmlschemas.google.com/">
-      <go:slidesCustomData xmlns:go="http://customooxmlschemas.google.com/" xmlns:ahyp="http://schemas.microsoft.com/office/drawing/2018/hyperlinkcolor" xmlns:p15="http://schemas.microsoft.com/office/powerpoint/2012/main" xmlns:p14="http://schemas.microsoft.com/office/powerpoint/2010/main" xmlns:com="http://schemas.openxmlformats.org/drawingml/2006/compatibility" xmlns:pvml="urn:schemas-microsoft-com:office:powerpoint" xmlns:v="urn:schemas-microsoft-com:vml" xmlns:o="urn:schemas-microsoft-com:office:office" xmlns:dgm="http://schemas.openxmlformats.org/drawingml/2006/diagram" xmlns:c="http://schemas.openxmlformats.org/drawingml/2006/chart" xmlns:mv="urn:schemas-microsoft-com:mac:vml" xmlns:mc="http://schemas.openxmlformats.org/markup-compatibility/2006" xmlns="" r:id="rId34" roundtripDataSignature="AMtx7mhACr3GF+oaOhhGKWHfbSq2XX1c1g=="/>
+      <go:slidesCustomData xmlns:go="http://customooxmlschemas.google.com/" xmlns:ahyp="http://schemas.microsoft.com/office/drawing/2018/hyperlinkcolor" xmlns:p15="http://schemas.microsoft.com/office/powerpoint/2012/main" xmlns:p14="http://schemas.microsoft.com/office/powerpoint/2010/main" xmlns:com="http://schemas.openxmlformats.org/drawingml/2006/compatibility" xmlns:pvml="urn:schemas-microsoft-com:office:powerpoint" xmlns:v="urn:schemas-microsoft-com:vml" xmlns:o="urn:schemas-microsoft-com:office:office" xmlns:dgm="http://schemas.openxmlformats.org/drawingml/2006/diagram" xmlns:c="http://schemas.openxmlformats.org/drawingml/2006/chart" xmlns:mv="urn:schemas-microsoft-com:mac:vml" xmlns:mc="http://schemas.openxmlformats.org/markup-compatibility/2006" xmlns="" r:id="rId33" roundtripDataSignature="AMtx7mhACr3GF+oaOhhGKWHfbSq2XX1c1g=="/>
     </p:ext>
   </p:extLst>
 </p:presentation>
@@ -909,110 +908,6 @@
   <p:cSld>
     <p:spTree>
       <p:nvGrpSpPr>
-        <p:cNvPr id="1" name="Shape 205"/>
-        <p:cNvGrpSpPr/>
-        <p:nvPr/>
-      </p:nvGrpSpPr>
-      <p:grpSpPr>
-        <a:xfrm>
-          <a:off x="0" y="0"/>
-          <a:ext cx="0" cy="0"/>
-          <a:chOff x="0" y="0"/>
-          <a:chExt cx="0" cy="0"/>
-        </a:xfrm>
-      </p:grpSpPr>
-      <p:sp>
-        <p:nvSpPr>
-          <p:cNvPr id="206" name="Google Shape;206;g1347d530a7d_1_6:notes"/>
-          <p:cNvSpPr>
-            <a:spLocks noGrp="1" noRot="1" noChangeAspect="1"/>
-          </p:cNvSpPr>
-          <p:nvPr>
-            <p:ph type="sldImg" idx="2"/>
-          </p:nvPr>
-        </p:nvSpPr>
-        <p:spPr>
-          <a:xfrm>
-            <a:off x="381000" y="685800"/>
-            <a:ext cx="6096000" cy="3429000"/>
-          </a:xfrm>
-          <a:custGeom>
-            <a:avLst/>
-            <a:gdLst/>
-            <a:ahLst/>
-            <a:cxnLst/>
-            <a:rect l="l" t="t" r="r" b="b"/>
-            <a:pathLst>
-              <a:path w="120000" h="120000" extrusionOk="0">
-                <a:moveTo>
-                  <a:pt x="0" y="0"/>
-                </a:moveTo>
-                <a:lnTo>
-                  <a:pt x="120000" y="0"/>
-                </a:lnTo>
-                <a:lnTo>
-                  <a:pt x="120000" y="120000"/>
-                </a:lnTo>
-                <a:lnTo>
-                  <a:pt x="0" y="120000"/>
-                </a:lnTo>
-                <a:close/>
-              </a:path>
-            </a:pathLst>
-          </a:custGeom>
-        </p:spPr>
-      </p:sp>
-      <p:sp>
-        <p:nvSpPr>
-          <p:cNvPr id="207" name="Google Shape;207;g1347d530a7d_1_6:notes"/>
-          <p:cNvSpPr txBox="1">
-            <a:spLocks noGrp="1"/>
-          </p:cNvSpPr>
-          <p:nvPr>
-            <p:ph type="body" idx="1"/>
-          </p:nvPr>
-        </p:nvSpPr>
-        <p:spPr>
-          <a:xfrm>
-            <a:off x="914400" y="4343400"/>
-            <a:ext cx="5029200" cy="4114800"/>
-          </a:xfrm>
-          <a:prstGeom prst="rect">
-            <a:avLst/>
-          </a:prstGeom>
-        </p:spPr>
-        <p:txBody>
-          <a:bodyPr spcFirstLastPara="1" wrap="square" lIns="91425" tIns="45700" rIns="91425" bIns="45700" anchor="t" anchorCtr="0">
-            <a:noAutofit/>
-          </a:bodyPr>
-          <a:lstStyle/>
-          <a:p>
-            <a:pPr marL="0" lvl="0" indent="0" algn="l" rtl="0">
-              <a:spcBef>
-                <a:spcPts val="0"/>
-              </a:spcBef>
-              <a:spcAft>
-                <a:spcPts val="0"/>
-              </a:spcAft>
-              <a:buNone/>
-            </a:pPr>
-            <a:endParaRPr/>
-          </a:p>
-        </p:txBody>
-      </p:sp>
-    </p:spTree>
-  </p:cSld>
-  <p:clrMapOvr>
-    <a:masterClrMapping/>
-  </p:clrMapOvr>
-</p:notes>
-</file>
-
-<file path=ppt/notesSlides/notesSlide11.xml><?xml version="1.0" encoding="utf-8"?>
-<p:notes xmlns:a="http://schemas.openxmlformats.org/drawingml/2006/main" xmlns:r="http://schemas.openxmlformats.org/officeDocument/2006/relationships" xmlns:p="http://schemas.openxmlformats.org/presentationml/2006/main" showMasterSp="0" showMasterPhAnim="0">
-  <p:cSld>
-    <p:spTree>
-      <p:nvGrpSpPr>
         <p:cNvPr id="1" name="Shape 211"/>
         <p:cNvGrpSpPr/>
         <p:nvPr/>
@@ -1112,7 +1007,7 @@
 </p:notes>
 </file>
 
-<file path=ppt/notesSlides/notesSlide12.xml><?xml version="1.0" encoding="utf-8"?>
+<file path=ppt/notesSlides/notesSlide11.xml><?xml version="1.0" encoding="utf-8"?>
 <p:notes xmlns:a="http://schemas.openxmlformats.org/drawingml/2006/main" xmlns:r="http://schemas.openxmlformats.org/officeDocument/2006/relationships" xmlns:p="http://schemas.openxmlformats.org/presentationml/2006/main" showMasterSp="0" showMasterPhAnim="0">
   <p:cSld>
     <p:spTree>
@@ -1212,6 +1107,115 @@
     <p:extLst>
       <p:ext uri="{BB962C8B-B14F-4D97-AF65-F5344CB8AC3E}">
         <p14:creationId xmlns:p14="http://schemas.microsoft.com/office/powerpoint/2010/main" val="1895333862"/>
+      </p:ext>
+    </p:extLst>
+  </p:cSld>
+  <p:clrMapOvr>
+    <a:masterClrMapping/>
+  </p:clrMapOvr>
+</p:notes>
+</file>
+
+<file path=ppt/notesSlides/notesSlide12.xml><?xml version="1.0" encoding="utf-8"?>
+<p:notes xmlns:a="http://schemas.openxmlformats.org/drawingml/2006/main" xmlns:r="http://schemas.openxmlformats.org/officeDocument/2006/relationships" xmlns:p="http://schemas.openxmlformats.org/presentationml/2006/main" showMasterSp="0" showMasterPhAnim="0">
+  <p:cSld>
+    <p:spTree>
+      <p:nvGrpSpPr>
+        <p:cNvPr id="1" name="Shape 92"/>
+        <p:cNvGrpSpPr/>
+        <p:nvPr/>
+      </p:nvGrpSpPr>
+      <p:grpSpPr>
+        <a:xfrm>
+          <a:off x="0" y="0"/>
+          <a:ext cx="0" cy="0"/>
+          <a:chOff x="0" y="0"/>
+          <a:chExt cx="0" cy="0"/>
+        </a:xfrm>
+      </p:grpSpPr>
+      <p:sp>
+        <p:nvSpPr>
+          <p:cNvPr id="93" name="Google Shape;93;p3:notes"/>
+          <p:cNvSpPr txBox="1">
+            <a:spLocks noGrp="1"/>
+          </p:cNvSpPr>
+          <p:nvPr>
+            <p:ph type="body" idx="1"/>
+          </p:nvPr>
+        </p:nvSpPr>
+        <p:spPr>
+          <a:xfrm>
+            <a:off x="685800" y="4343400"/>
+            <a:ext cx="5486400" cy="4114800"/>
+          </a:xfrm>
+          <a:prstGeom prst="rect">
+            <a:avLst/>
+          </a:prstGeom>
+        </p:spPr>
+        <p:txBody>
+          <a:bodyPr spcFirstLastPara="1" wrap="square" lIns="91425" tIns="91425" rIns="91425" bIns="91425" anchor="t" anchorCtr="0">
+            <a:noAutofit/>
+          </a:bodyPr>
+          <a:lstStyle/>
+          <a:p>
+            <a:pPr marL="0" lvl="0" indent="0" algn="l" rtl="0">
+              <a:spcBef>
+                <a:spcPts val="0"/>
+              </a:spcBef>
+              <a:spcAft>
+                <a:spcPts val="0"/>
+              </a:spcAft>
+              <a:buNone/>
+            </a:pPr>
+            <a:endParaRPr/>
+          </a:p>
+        </p:txBody>
+      </p:sp>
+      <p:sp>
+        <p:nvSpPr>
+          <p:cNvPr id="94" name="Google Shape;94;p3:notes"/>
+          <p:cNvSpPr>
+            <a:spLocks noGrp="1" noRot="1" noChangeAspect="1"/>
+          </p:cNvSpPr>
+          <p:nvPr>
+            <p:ph type="sldImg" idx="2"/>
+          </p:nvPr>
+        </p:nvSpPr>
+        <p:spPr>
+          <a:xfrm>
+            <a:off x="381000" y="685800"/>
+            <a:ext cx="6096000" cy="3429000"/>
+          </a:xfrm>
+          <a:custGeom>
+            <a:avLst/>
+            <a:gdLst/>
+            <a:ahLst/>
+            <a:cxnLst/>
+            <a:rect l="l" t="t" r="r" b="b"/>
+            <a:pathLst>
+              <a:path w="120000" h="120000" extrusionOk="0">
+                <a:moveTo>
+                  <a:pt x="0" y="0"/>
+                </a:moveTo>
+                <a:lnTo>
+                  <a:pt x="120000" y="0"/>
+                </a:lnTo>
+                <a:lnTo>
+                  <a:pt x="120000" y="120000"/>
+                </a:lnTo>
+                <a:lnTo>
+                  <a:pt x="0" y="120000"/>
+                </a:lnTo>
+                <a:close/>
+              </a:path>
+            </a:pathLst>
+          </a:custGeom>
+        </p:spPr>
+      </p:sp>
+    </p:spTree>
+    <p:extLst>
+      <p:ext uri="{BB962C8B-B14F-4D97-AF65-F5344CB8AC3E}">
+        <p14:creationId xmlns:p14="http://schemas.microsoft.com/office/powerpoint/2010/main" val="1796064178"/>
       </p:ext>
     </p:extLst>
   </p:cSld>
@@ -2566,7 +2570,7 @@
               </a:spcAft>
               <a:buNone/>
             </a:pPr>
-            <a:endParaRPr/>
+            <a:endParaRPr dirty="0"/>
           </a:p>
         </p:txBody>
       </p:sp>
@@ -11097,190 +11101,6 @@
   <p:cSld>
     <p:spTree>
       <p:nvGrpSpPr>
-        <p:cNvPr id="1" name=""/>
-        <p:cNvGrpSpPr/>
-        <p:nvPr/>
-      </p:nvGrpSpPr>
-      <p:grpSpPr>
-        <a:xfrm>
-          <a:off x="0" y="0"/>
-          <a:ext cx="0" cy="0"/>
-          <a:chOff x="0" y="0"/>
-          <a:chExt cx="0" cy="0"/>
-        </a:xfrm>
-      </p:grpSpPr>
-      <p:sp>
-        <p:nvSpPr>
-          <p:cNvPr id="2" name="Title 1">
-            <a:extLst>
-              <a:ext uri="{FF2B5EF4-FFF2-40B4-BE49-F238E27FC236}">
-                <a16:creationId xmlns:a16="http://schemas.microsoft.com/office/drawing/2014/main" id="{63BC65CB-CE34-7921-710D-43A849AFE70F}"/>
-              </a:ext>
-            </a:extLst>
-          </p:cNvPr>
-          <p:cNvSpPr>
-            <a:spLocks noGrp="1"/>
-          </p:cNvSpPr>
-          <p:nvPr>
-            <p:ph type="title"/>
-          </p:nvPr>
-        </p:nvSpPr>
-        <p:spPr/>
-        <p:txBody>
-          <a:bodyPr/>
-          <a:lstStyle/>
-          <a:p>
-            <a:r>
-              <a:rPr lang="en-US" dirty="0"/>
-              <a:t>Demo: </a:t>
-            </a:r>
-            <a:r>
-              <a:rPr lang="en-US" dirty="0" err="1"/>
-              <a:t>Gitflow</a:t>
-            </a:r>
-            <a:endParaRPr lang="en-US" dirty="0"/>
-          </a:p>
-        </p:txBody>
-      </p:sp>
-      <p:sp>
-        <p:nvSpPr>
-          <p:cNvPr id="3" name="Content Placeholder 2">
-            <a:extLst>
-              <a:ext uri="{FF2B5EF4-FFF2-40B4-BE49-F238E27FC236}">
-                <a16:creationId xmlns:a16="http://schemas.microsoft.com/office/drawing/2014/main" id="{20B3C4B5-3F2C-9124-5614-B88120BBF446}"/>
-              </a:ext>
-            </a:extLst>
-          </p:cNvPr>
-          <p:cNvSpPr>
-            <a:spLocks noGrp="1"/>
-          </p:cNvSpPr>
-          <p:nvPr>
-            <p:ph idx="1"/>
-          </p:nvPr>
-        </p:nvSpPr>
-        <p:spPr/>
-        <p:txBody>
-          <a:bodyPr>
-            <a:normAutofit/>
-          </a:bodyPr>
-          <a:lstStyle/>
-          <a:p>
-            <a:pPr marL="0" indent="0">
-              <a:buNone/>
-            </a:pPr>
-            <a:r>
-              <a:rPr lang="en-US" dirty="0"/>
-              <a:t>In the demo, you will learn how to:</a:t>
-            </a:r>
-          </a:p>
-          <a:p>
-            <a:pPr marL="1143000" lvl="1" indent="-685800"/>
-            <a:endParaRPr lang="en-US" dirty="0"/>
-          </a:p>
-          <a:p>
-            <a:pPr lvl="1"/>
-            <a:endParaRPr lang="en-US" dirty="0"/>
-          </a:p>
-          <a:p>
-            <a:pPr marL="0" indent="0">
-              <a:buNone/>
-            </a:pPr>
-            <a:r>
-              <a:rPr lang="en-US" dirty="0"/>
-              <a:t>Try to type along with me as we walk through the demo. However, don’t worry if you get stuck! We’ll have time at the end to work on the demo in groups. </a:t>
-            </a:r>
-          </a:p>
-          <a:p>
-            <a:pPr lvl="1"/>
-            <a:endParaRPr lang="en-US" dirty="0"/>
-          </a:p>
-        </p:txBody>
-      </p:sp>
-    </p:spTree>
-    <p:extLst>
-      <p:ext uri="{BB962C8B-B14F-4D97-AF65-F5344CB8AC3E}">
-        <p14:creationId xmlns:p14="http://schemas.microsoft.com/office/powerpoint/2010/main" val="4271051084"/>
-      </p:ext>
-    </p:extLst>
-  </p:cSld>
-  <p:clrMapOvr>
-    <a:masterClrMapping/>
-  </p:clrMapOvr>
-</p:sld>
-</file>
-
-<file path=ppt/slides/slide11.xml><?xml version="1.0" encoding="utf-8"?>
-<p:sld xmlns:a="http://schemas.openxmlformats.org/drawingml/2006/main" xmlns:r="http://schemas.openxmlformats.org/officeDocument/2006/relationships" xmlns:p="http://schemas.openxmlformats.org/presentationml/2006/main">
-  <p:cSld>
-    <p:spTree>
-      <p:nvGrpSpPr>
-        <p:cNvPr id="1" name="Shape 208"/>
-        <p:cNvGrpSpPr/>
-        <p:nvPr/>
-      </p:nvGrpSpPr>
-      <p:grpSpPr>
-        <a:xfrm>
-          <a:off x="0" y="0"/>
-          <a:ext cx="0" cy="0"/>
-          <a:chOff x="0" y="0"/>
-          <a:chExt cx="0" cy="0"/>
-        </a:xfrm>
-      </p:grpSpPr>
-      <p:sp>
-        <p:nvSpPr>
-          <p:cNvPr id="209" name="Google Shape;209;g1347d530a7d_1_6"/>
-          <p:cNvSpPr txBox="1">
-            <a:spLocks noGrp="1"/>
-          </p:cNvSpPr>
-          <p:nvPr>
-            <p:ph type="body" idx="1"/>
-          </p:nvPr>
-        </p:nvSpPr>
-        <p:spPr>
-          <a:xfrm>
-            <a:off x="1689100" y="3149600"/>
-            <a:ext cx="21005700" cy="9296400"/>
-          </a:xfrm>
-          <a:prstGeom prst="rect">
-            <a:avLst/>
-          </a:prstGeom>
-        </p:spPr>
-        <p:txBody>
-          <a:bodyPr spcFirstLastPara="1" wrap="square" lIns="50800" tIns="50800" rIns="50800" bIns="50800" anchor="ctr" anchorCtr="0">
-            <a:normAutofit/>
-          </a:bodyPr>
-          <a:lstStyle/>
-          <a:p>
-            <a:pPr marL="0" lvl="0" indent="0" algn="l" rtl="0">
-              <a:spcBef>
-                <a:spcPts val="5900"/>
-              </a:spcBef>
-              <a:spcAft>
-                <a:spcPts val="0"/>
-              </a:spcAft>
-              <a:buNone/>
-            </a:pPr>
-            <a:r>
-              <a:rPr lang="en-US" dirty="0"/>
-              <a:t>DEMO!</a:t>
-            </a:r>
-            <a:endParaRPr dirty="0"/>
-          </a:p>
-        </p:txBody>
-      </p:sp>
-    </p:spTree>
-  </p:cSld>
-  <p:clrMapOvr>
-    <a:masterClrMapping/>
-  </p:clrMapOvr>
-</p:sld>
-</file>
-
-<file path=ppt/slides/slide12.xml><?xml version="1.0" encoding="utf-8"?>
-<p:sld xmlns:a="http://schemas.openxmlformats.org/drawingml/2006/main" xmlns:r="http://schemas.openxmlformats.org/officeDocument/2006/relationships" xmlns:p="http://schemas.openxmlformats.org/presentationml/2006/main">
-  <p:cSld>
-    <p:spTree>
-      <p:nvGrpSpPr>
         <p:cNvPr id="1" name="Shape 214"/>
         <p:cNvGrpSpPr/>
         <p:nvPr/>
@@ -11485,7 +11305,7 @@
 </p:sld>
 </file>
 
-<file path=ppt/slides/slide13.xml><?xml version="1.0" encoding="utf-8"?>
+<file path=ppt/slides/slide11.xml><?xml version="1.0" encoding="utf-8"?>
 <p:sld xmlns:a="http://schemas.openxmlformats.org/drawingml/2006/main" xmlns:r="http://schemas.openxmlformats.org/officeDocument/2006/relationships" xmlns:p="http://schemas.openxmlformats.org/presentationml/2006/main">
   <p:cSld>
     <p:spTree>
@@ -11922,7 +11742,286 @@
 </p:sld>
 </file>
 
-<file path=ppt/slides/slide14.xml><?xml version="1.0" encoding="utf-8"?>
+<file path=ppt/slides/slide12.xml><?xml version="1.0" encoding="utf-8"?>
+<p:sld xmlns:a="http://schemas.openxmlformats.org/drawingml/2006/main" xmlns:r="http://schemas.openxmlformats.org/officeDocument/2006/relationships" xmlns:p="http://schemas.openxmlformats.org/presentationml/2006/main">
+  <p:cSld>
+    <p:spTree>
+      <p:nvGrpSpPr>
+        <p:cNvPr id="1" name="Shape 95"/>
+        <p:cNvGrpSpPr/>
+        <p:nvPr/>
+      </p:nvGrpSpPr>
+      <p:grpSpPr>
+        <a:xfrm>
+          <a:off x="0" y="0"/>
+          <a:ext cx="0" cy="0"/>
+          <a:chOff x="0" y="0"/>
+          <a:chExt cx="0" cy="0"/>
+        </a:xfrm>
+      </p:grpSpPr>
+      <p:sp>
+        <p:nvSpPr>
+          <p:cNvPr id="96" name="Google Shape;96;p3"/>
+          <p:cNvSpPr txBox="1">
+            <a:spLocks noGrp="1"/>
+          </p:cNvSpPr>
+          <p:nvPr>
+            <p:ph type="title"/>
+          </p:nvPr>
+        </p:nvSpPr>
+        <p:spPr>
+          <a:xfrm>
+            <a:off x="1676400" y="730251"/>
+            <a:ext cx="21031200" cy="2651126"/>
+          </a:xfrm>
+          <a:prstGeom prst="rect">
+            <a:avLst/>
+          </a:prstGeom>
+          <a:noFill/>
+          <a:ln>
+            <a:noFill/>
+          </a:ln>
+        </p:spPr>
+        <p:txBody>
+          <a:bodyPr spcFirstLastPara="1" wrap="square" lIns="182850" tIns="91400" rIns="182850" bIns="91400" anchor="ctr" anchorCtr="0">
+            <a:normAutofit/>
+          </a:bodyPr>
+          <a:lstStyle/>
+          <a:p>
+            <a:pPr algn="l">
+              <a:lnSpc>
+                <a:spcPct val="90000"/>
+              </a:lnSpc>
+              <a:buClr>
+                <a:schemeClr val="dk1"/>
+              </a:buClr>
+              <a:buSzPts val="4000"/>
+            </a:pPr>
+            <a:r>
+              <a:rPr lang="en-US" sz="8000" dirty="0"/>
+              <a:t>Short “Homework” activity</a:t>
+            </a:r>
+            <a:endParaRPr dirty="0"/>
+          </a:p>
+        </p:txBody>
+      </p:sp>
+      <p:sp>
+        <p:nvSpPr>
+          <p:cNvPr id="97" name="Google Shape;97;p3"/>
+          <p:cNvSpPr txBox="1">
+            <a:spLocks noGrp="1"/>
+          </p:cNvSpPr>
+          <p:nvPr>
+            <p:ph type="body" idx="1"/>
+          </p:nvPr>
+        </p:nvSpPr>
+        <p:spPr>
+          <a:xfrm>
+            <a:off x="1676399" y="3651250"/>
+            <a:ext cx="18876819" cy="8702676"/>
+          </a:xfrm>
+          <a:prstGeom prst="rect">
+            <a:avLst/>
+          </a:prstGeom>
+          <a:noFill/>
+          <a:ln>
+            <a:noFill/>
+          </a:ln>
+        </p:spPr>
+        <p:txBody>
+          <a:bodyPr spcFirstLastPara="1" wrap="square" lIns="182850" tIns="91400" rIns="182850" bIns="91400" anchor="t" anchorCtr="0">
+            <a:normAutofit/>
+          </a:bodyPr>
+          <a:lstStyle/>
+          <a:p>
+            <a:pPr marL="0" indent="0">
+              <a:lnSpc>
+                <a:spcPct val="90000"/>
+              </a:lnSpc>
+              <a:spcBef>
+                <a:spcPts val="2000"/>
+              </a:spcBef>
+              <a:buClr>
+                <a:schemeClr val="dk1"/>
+              </a:buClr>
+              <a:buSzPct val="100000"/>
+              <a:buNone/>
+            </a:pPr>
+            <a:endParaRPr lang="en-US" dirty="0">
+              <a:latin typeface="Courier New"/>
+              <a:ea typeface="Courier New"/>
+              <a:cs typeface="Courier New"/>
+              <a:sym typeface="Courier New"/>
+            </a:endParaRPr>
+          </a:p>
+          <a:p>
+            <a:pPr indent="-457200">
+              <a:lnSpc>
+                <a:spcPct val="90000"/>
+              </a:lnSpc>
+              <a:spcBef>
+                <a:spcPts val="2000"/>
+              </a:spcBef>
+              <a:buClr>
+                <a:schemeClr val="dk1"/>
+              </a:buClr>
+              <a:buSzPct val="100000"/>
+            </a:pPr>
+            <a:r>
+              <a:rPr lang="en-US" dirty="0"/>
+              <a:t>Make sure you can “git pull” the most recent version of the </a:t>
+            </a:r>
+            <a:r>
+              <a:rPr lang="en-US" dirty="0" err="1"/>
+              <a:t>codeastro</a:t>
+            </a:r>
+            <a:r>
+              <a:rPr lang="en-US" dirty="0"/>
+              <a:t> repo (main branch)</a:t>
+            </a:r>
+          </a:p>
+          <a:p>
+            <a:pPr indent="-457200">
+              <a:lnSpc>
+                <a:spcPct val="90000"/>
+              </a:lnSpc>
+              <a:spcBef>
+                <a:spcPts val="2000"/>
+              </a:spcBef>
+              <a:buClr>
+                <a:schemeClr val="dk1"/>
+              </a:buClr>
+              <a:buSzPct val="100000"/>
+            </a:pPr>
+            <a:endParaRPr lang="en-US" dirty="0"/>
+          </a:p>
+          <a:p>
+            <a:pPr indent="-457200">
+              <a:lnSpc>
+                <a:spcPct val="90000"/>
+              </a:lnSpc>
+              <a:spcBef>
+                <a:spcPts val="2000"/>
+              </a:spcBef>
+              <a:buClr>
+                <a:schemeClr val="dk1"/>
+              </a:buClr>
+              <a:buSzPct val="100000"/>
+            </a:pPr>
+            <a:r>
+              <a:rPr lang="en-US" dirty="0"/>
+              <a:t>If you have local changes that you could like to save, you can do the following:</a:t>
+            </a:r>
+          </a:p>
+          <a:p>
+            <a:pPr marL="0" indent="0">
+              <a:lnSpc>
+                <a:spcPct val="90000"/>
+              </a:lnSpc>
+              <a:spcBef>
+                <a:spcPts val="2000"/>
+              </a:spcBef>
+              <a:buClr>
+                <a:schemeClr val="dk1"/>
+              </a:buClr>
+              <a:buSzPct val="100000"/>
+              <a:buNone/>
+            </a:pPr>
+            <a:r>
+              <a:rPr lang="en-US" dirty="0">
+                <a:latin typeface="Courier New"/>
+                <a:ea typeface="Courier New"/>
+                <a:cs typeface="Courier New"/>
+                <a:sym typeface="Courier New"/>
+              </a:rPr>
+              <a:t>	&gt; git stash</a:t>
+            </a:r>
+          </a:p>
+          <a:p>
+            <a:pPr marL="0" indent="0">
+              <a:lnSpc>
+                <a:spcPct val="90000"/>
+              </a:lnSpc>
+              <a:spcBef>
+                <a:spcPts val="2000"/>
+              </a:spcBef>
+              <a:buClr>
+                <a:schemeClr val="dk1"/>
+              </a:buClr>
+              <a:buSzPct val="100000"/>
+              <a:buNone/>
+            </a:pPr>
+            <a:r>
+              <a:rPr lang="en-US" dirty="0">
+                <a:latin typeface="Courier New"/>
+                <a:ea typeface="Courier New"/>
+                <a:cs typeface="Courier New"/>
+                <a:sym typeface="Courier New"/>
+              </a:rPr>
+              <a:t>	&gt; git pull origin main</a:t>
+            </a:r>
+          </a:p>
+          <a:p>
+            <a:pPr marL="0" indent="0">
+              <a:lnSpc>
+                <a:spcPct val="90000"/>
+              </a:lnSpc>
+              <a:spcBef>
+                <a:spcPts val="2000"/>
+              </a:spcBef>
+              <a:buClr>
+                <a:schemeClr val="dk1"/>
+              </a:buClr>
+              <a:buSzPct val="100000"/>
+              <a:buNone/>
+            </a:pPr>
+            <a:r>
+              <a:rPr lang="en-US" dirty="0">
+                <a:latin typeface="Courier New"/>
+                <a:ea typeface="Courier New"/>
+                <a:cs typeface="Courier New"/>
+                <a:sym typeface="Courier New"/>
+              </a:rPr>
+              <a:t>	&gt; git stash apply</a:t>
+            </a:r>
+          </a:p>
+          <a:p>
+            <a:pPr marL="0" indent="0">
+              <a:lnSpc>
+                <a:spcPct val="90000"/>
+              </a:lnSpc>
+              <a:spcBef>
+                <a:spcPts val="2000"/>
+              </a:spcBef>
+              <a:buClr>
+                <a:schemeClr val="dk1"/>
+              </a:buClr>
+              <a:buSzPct val="100000"/>
+              <a:buNone/>
+            </a:pPr>
+            <a:endParaRPr dirty="0">
+              <a:latin typeface="Courier New"/>
+              <a:ea typeface="Courier New"/>
+              <a:cs typeface="Courier New"/>
+              <a:sym typeface="Courier New"/>
+            </a:endParaRPr>
+          </a:p>
+        </p:txBody>
+      </p:sp>
+    </p:spTree>
+    <p:extLst>
+      <p:ext uri="{BB962C8B-B14F-4D97-AF65-F5344CB8AC3E}">
+        <p14:creationId xmlns:p14="http://schemas.microsoft.com/office/powerpoint/2010/main" val="2248961911"/>
+      </p:ext>
+    </p:extLst>
+  </p:cSld>
+  <p:clrMapOvr>
+    <a:masterClrMapping/>
+  </p:clrMapOvr>
+</p:sld>
+</file>
+
+<file path=ppt/slides/slide13.xml><?xml version="1.0" encoding="utf-8"?>
 <p:sld xmlns:a="http://schemas.openxmlformats.org/drawingml/2006/main" xmlns:r="http://schemas.openxmlformats.org/officeDocument/2006/relationships" xmlns:p="http://schemas.openxmlformats.org/presentationml/2006/main">
   <p:cSld>
     <p:spTree>
@@ -11987,7 +12086,7 @@
 </p:sld>
 </file>
 
-<file path=ppt/slides/slide15.xml><?xml version="1.0" encoding="utf-8"?>
+<file path=ppt/slides/slide14.xml><?xml version="1.0" encoding="utf-8"?>
 <p:sld xmlns:a="http://schemas.openxmlformats.org/drawingml/2006/main" xmlns:r="http://schemas.openxmlformats.org/officeDocument/2006/relationships" xmlns:p="http://schemas.openxmlformats.org/presentationml/2006/main">
   <p:cSld>
     <p:spTree>
@@ -12297,7 +12396,7 @@
 </p:sld>
 </file>
 
-<file path=ppt/slides/slide16.xml><?xml version="1.0" encoding="utf-8"?>
+<file path=ppt/slides/slide15.xml><?xml version="1.0" encoding="utf-8"?>
 <p:sld xmlns:a="http://schemas.openxmlformats.org/drawingml/2006/main" xmlns:r="http://schemas.openxmlformats.org/officeDocument/2006/relationships" xmlns:p="http://schemas.openxmlformats.org/presentationml/2006/main">
   <p:cSld>
     <p:spTree>
@@ -12411,7 +12510,7 @@
 </p:sld>
 </file>
 
-<file path=ppt/slides/slide17.xml><?xml version="1.0" encoding="utf-8"?>
+<file path=ppt/slides/slide16.xml><?xml version="1.0" encoding="utf-8"?>
 <p:sld xmlns:a="http://schemas.openxmlformats.org/drawingml/2006/main" xmlns:r="http://schemas.openxmlformats.org/officeDocument/2006/relationships" xmlns:p="http://schemas.openxmlformats.org/presentationml/2006/main">
   <p:cSld>
     <p:spTree>
@@ -12675,7 +12774,7 @@
 </p:sld>
 </file>
 
-<file path=ppt/slides/slide18.xml><?xml version="1.0" encoding="utf-8"?>
+<file path=ppt/slides/slide17.xml><?xml version="1.0" encoding="utf-8"?>
 <p:sld xmlns:a="http://schemas.openxmlformats.org/drawingml/2006/main" xmlns:r="http://schemas.openxmlformats.org/officeDocument/2006/relationships" xmlns:p="http://schemas.openxmlformats.org/presentationml/2006/main">
   <p:cSld>
     <p:spTree>
@@ -12939,7 +13038,7 @@
 </p:sld>
 </file>
 
-<file path=ppt/slides/slide19.xml><?xml version="1.0" encoding="utf-8"?>
+<file path=ppt/slides/slide18.xml><?xml version="1.0" encoding="utf-8"?>
 <p:sld xmlns:a="http://schemas.openxmlformats.org/drawingml/2006/main" xmlns:r="http://schemas.openxmlformats.org/officeDocument/2006/relationships" xmlns:p="http://schemas.openxmlformats.org/presentationml/2006/main">
   <p:cSld>
     <p:spTree>

--- a/Day1/gitflow.pptx
+++ b/Day1/gitflow.pptx
@@ -11251,9 +11251,8 @@
             </a:pPr>
             <a:r>
               <a:rPr lang="en-US" sz="4560" dirty="0"/>
-              <a:t>Make your changes, stage, commit, then push to GitHub.</a:t>
+              <a:t>Make your changes, stage, commit, then push to feature branch</a:t>
             </a:r>
-            <a:endParaRPr sz="4560" dirty="0"/>
           </a:p>
           <a:p>
             <a:pPr marL="457200" lvl="0" indent="-518160" algn="l" rtl="0">
@@ -11271,7 +11270,7 @@
             </a:pPr>
             <a:r>
               <a:rPr lang="en-US" sz="4560" dirty="0"/>
-              <a:t>Submit pull request on GitHub &amp; merge into develop.</a:t>
+              <a:t>Submit pull request on GitHub &amp; merge feature into develop.</a:t>
             </a:r>
             <a:endParaRPr sz="4560" dirty="0"/>
           </a:p>

--- a/Day1/gitflow.pptx
+++ b/Day1/gitflow.pptx
@@ -9,47 +9,40 @@
   </p:notesMasterIdLst>
   <p:sldIdLst>
     <p:sldId id="256" r:id="rId2"/>
-    <p:sldId id="260" r:id="rId3"/>
-    <p:sldId id="261" r:id="rId4"/>
-    <p:sldId id="265" r:id="rId5"/>
-    <p:sldId id="268" r:id="rId6"/>
-    <p:sldId id="290" r:id="rId7"/>
-    <p:sldId id="272" r:id="rId8"/>
-    <p:sldId id="292" r:id="rId9"/>
-    <p:sldId id="293" r:id="rId10"/>
-    <p:sldId id="274" r:id="rId11"/>
-    <p:sldId id="291" r:id="rId12"/>
-    <p:sldId id="294" r:id="rId13"/>
-    <p:sldId id="289" r:id="rId14"/>
-    <p:sldId id="262" r:id="rId15"/>
-    <p:sldId id="269" r:id="rId16"/>
-    <p:sldId id="270" r:id="rId17"/>
-    <p:sldId id="271" r:id="rId18"/>
-    <p:sldId id="257" r:id="rId19"/>
+    <p:sldId id="257" r:id="rId3"/>
+    <p:sldId id="260" r:id="rId4"/>
+    <p:sldId id="261" r:id="rId5"/>
+    <p:sldId id="265" r:id="rId6"/>
+    <p:sldId id="268" r:id="rId7"/>
+    <p:sldId id="290" r:id="rId8"/>
+    <p:sldId id="272" r:id="rId9"/>
+    <p:sldId id="292" r:id="rId10"/>
+    <p:sldId id="293" r:id="rId11"/>
+    <p:sldId id="274" r:id="rId12"/>
+    <p:sldId id="291" r:id="rId13"/>
+    <p:sldId id="262" r:id="rId14"/>
+    <p:sldId id="294" r:id="rId15"/>
+    <p:sldId id="289" r:id="rId16"/>
+    <p:sldId id="269" r:id="rId17"/>
+    <p:sldId id="270" r:id="rId18"/>
+    <p:sldId id="271" r:id="rId19"/>
   </p:sldIdLst>
   <p:sldSz cx="24384000" cy="13716000"/>
   <p:notesSz cx="6858000" cy="9144000"/>
   <p:embeddedFontLst>
     <p:embeddedFont>
-      <p:font typeface="Calibri" panose="020F0502020204030204" pitchFamily="34" charset="0"/>
+      <p:font typeface="Helvetica Neue" panose="02000503000000020004" pitchFamily="2" charset="0"/>
       <p:regular r:id="rId21"/>
       <p:bold r:id="rId22"/>
       <p:italic r:id="rId23"/>
       <p:boldItalic r:id="rId24"/>
     </p:embeddedFont>
     <p:embeddedFont>
-      <p:font typeface="Helvetica Neue" panose="02000503000000020004" pitchFamily="2" charset="0"/>
+      <p:font typeface="Helvetica Neue Light" panose="02000403000000020004" pitchFamily="2" charset="0"/>
       <p:regular r:id="rId25"/>
       <p:bold r:id="rId26"/>
       <p:italic r:id="rId27"/>
       <p:boldItalic r:id="rId28"/>
-    </p:embeddedFont>
-    <p:embeddedFont>
-      <p:font typeface="Helvetica Neue Light" panose="02000403000000020004" pitchFamily="2" charset="0"/>
-      <p:regular r:id="rId29"/>
-      <p:bold r:id="rId30"/>
-      <p:italic r:id="rId31"/>
-      <p:boldItalic r:id="rId32"/>
     </p:embeddedFont>
   </p:embeddedFontLst>
   <p:defaultTextStyle>
@@ -286,7 +279,7 @@
       <p15:sldGuideLst xmlns:p15="http://schemas.microsoft.com/office/powerpoint/2012/main"/>
     </p:ext>
     <p:ext uri="http://customooxmlschemas.google.com/">
-      <go:slidesCustomData xmlns:go="http://customooxmlschemas.google.com/" xmlns:ahyp="http://schemas.microsoft.com/office/drawing/2018/hyperlinkcolor" xmlns:p15="http://schemas.microsoft.com/office/powerpoint/2012/main" xmlns:p14="http://schemas.microsoft.com/office/powerpoint/2010/main" xmlns:com="http://schemas.openxmlformats.org/drawingml/2006/compatibility" xmlns:pvml="urn:schemas-microsoft-com:office:powerpoint" xmlns:v="urn:schemas-microsoft-com:vml" xmlns:o="urn:schemas-microsoft-com:office:office" xmlns:dgm="http://schemas.openxmlformats.org/drawingml/2006/diagram" xmlns:c="http://schemas.openxmlformats.org/drawingml/2006/chart" xmlns:mv="urn:schemas-microsoft-com:mac:vml" xmlns:mc="http://schemas.openxmlformats.org/markup-compatibility/2006" xmlns="" r:id="rId33" roundtripDataSignature="AMtx7mhACr3GF+oaOhhGKWHfbSq2XX1c1g=="/>
+      <go:slidesCustomData xmlns="" xmlns:mc="http://schemas.openxmlformats.org/markup-compatibility/2006" xmlns:mv="urn:schemas-microsoft-com:mac:vml" xmlns:c="http://schemas.openxmlformats.org/drawingml/2006/chart" xmlns:dgm="http://schemas.openxmlformats.org/drawingml/2006/diagram" xmlns:o="urn:schemas-microsoft-com:office:office" xmlns:v="urn:schemas-microsoft-com:vml" xmlns:pvml="urn:schemas-microsoft-com:office:powerpoint" xmlns:com="http://schemas.openxmlformats.org/drawingml/2006/compatibility" xmlns:p14="http://schemas.microsoft.com/office/powerpoint/2010/main" xmlns:p15="http://schemas.microsoft.com/office/powerpoint/2012/main" xmlns:ahyp="http://schemas.microsoft.com/office/drawing/2018/hyperlinkcolor" xmlns:go="http://customooxmlschemas.google.com/" r:id="rId33" roundtripDataSignature="AMtx7mhACr3GF+oaOhhGKWHfbSq2XX1c1g=="/>
     </p:ext>
   </p:extLst>
 </p:presentation>
@@ -908,6 +901,115 @@
   <p:cSld>
     <p:spTree>
       <p:nvGrpSpPr>
+        <p:cNvPr id="1" name="Shape 96"/>
+        <p:cNvGrpSpPr/>
+        <p:nvPr/>
+      </p:nvGrpSpPr>
+      <p:grpSpPr>
+        <a:xfrm>
+          <a:off x="0" y="0"/>
+          <a:ext cx="0" cy="0"/>
+          <a:chOff x="0" y="0"/>
+          <a:chExt cx="0" cy="0"/>
+        </a:xfrm>
+      </p:grpSpPr>
+      <p:sp>
+        <p:nvSpPr>
+          <p:cNvPr id="97" name="Google Shape;97;p3:notes"/>
+          <p:cNvSpPr txBox="1">
+            <a:spLocks noGrp="1"/>
+          </p:cNvSpPr>
+          <p:nvPr>
+            <p:ph type="body" idx="1"/>
+          </p:nvPr>
+        </p:nvSpPr>
+        <p:spPr>
+          <a:xfrm>
+            <a:off x="914400" y="4343400"/>
+            <a:ext cx="5029200" cy="4114800"/>
+          </a:xfrm>
+          <a:prstGeom prst="rect">
+            <a:avLst/>
+          </a:prstGeom>
+        </p:spPr>
+        <p:txBody>
+          <a:bodyPr spcFirstLastPara="1" wrap="square" lIns="91425" tIns="45700" rIns="91425" bIns="45700" anchor="t" anchorCtr="0">
+            <a:noAutofit/>
+          </a:bodyPr>
+          <a:lstStyle/>
+          <a:p>
+            <a:pPr marL="0" lvl="0" indent="0" algn="l" rtl="0">
+              <a:spcBef>
+                <a:spcPts val="0"/>
+              </a:spcBef>
+              <a:spcAft>
+                <a:spcPts val="0"/>
+              </a:spcAft>
+              <a:buNone/>
+            </a:pPr>
+            <a:endParaRPr dirty="0"/>
+          </a:p>
+        </p:txBody>
+      </p:sp>
+      <p:sp>
+        <p:nvSpPr>
+          <p:cNvPr id="98" name="Google Shape;98;p3:notes"/>
+          <p:cNvSpPr>
+            <a:spLocks noGrp="1" noRot="1" noChangeAspect="1"/>
+          </p:cNvSpPr>
+          <p:nvPr>
+            <p:ph type="sldImg" idx="2"/>
+          </p:nvPr>
+        </p:nvSpPr>
+        <p:spPr>
+          <a:xfrm>
+            <a:off x="381000" y="685800"/>
+            <a:ext cx="6096000" cy="3429000"/>
+          </a:xfrm>
+          <a:custGeom>
+            <a:avLst/>
+            <a:gdLst/>
+            <a:ahLst/>
+            <a:cxnLst/>
+            <a:rect l="l" t="t" r="r" b="b"/>
+            <a:pathLst>
+              <a:path w="120000" h="120000" extrusionOk="0">
+                <a:moveTo>
+                  <a:pt x="0" y="0"/>
+                </a:moveTo>
+                <a:lnTo>
+                  <a:pt x="120000" y="0"/>
+                </a:lnTo>
+                <a:lnTo>
+                  <a:pt x="120000" y="120000"/>
+                </a:lnTo>
+                <a:lnTo>
+                  <a:pt x="0" y="120000"/>
+                </a:lnTo>
+                <a:close/>
+              </a:path>
+            </a:pathLst>
+          </a:custGeom>
+        </p:spPr>
+      </p:sp>
+    </p:spTree>
+    <p:extLst>
+      <p:ext uri="{BB962C8B-B14F-4D97-AF65-F5344CB8AC3E}">
+        <p14:creationId xmlns:p14="http://schemas.microsoft.com/office/powerpoint/2010/main" val="31036007"/>
+      </p:ext>
+    </p:extLst>
+  </p:cSld>
+  <p:clrMapOvr>
+    <a:masterClrMapping/>
+  </p:clrMapOvr>
+</p:notes>
+</file>
+
+<file path=ppt/notesSlides/notesSlide11.xml><?xml version="1.0" encoding="utf-8"?>
+<p:notes xmlns:a="http://schemas.openxmlformats.org/drawingml/2006/main" xmlns:r="http://schemas.openxmlformats.org/officeDocument/2006/relationships" xmlns:p="http://schemas.openxmlformats.org/presentationml/2006/main" showMasterSp="0" showMasterPhAnim="0">
+  <p:cSld>
+    <p:spTree>
+      <p:nvGrpSpPr>
         <p:cNvPr id="1" name="Shape 211"/>
         <p:cNvGrpSpPr/>
         <p:nvPr/>
@@ -1007,7 +1109,7 @@
 </p:notes>
 </file>
 
-<file path=ppt/notesSlides/notesSlide11.xml><?xml version="1.0" encoding="utf-8"?>
+<file path=ppt/notesSlides/notesSlide12.xml><?xml version="1.0" encoding="utf-8"?>
 <p:notes xmlns:a="http://schemas.openxmlformats.org/drawingml/2006/main" xmlns:r="http://schemas.openxmlformats.org/officeDocument/2006/relationships" xmlns:p="http://schemas.openxmlformats.org/presentationml/2006/main" showMasterSp="0" showMasterPhAnim="0">
   <p:cSld>
     <p:spTree>
@@ -1107,115 +1209,6 @@
     <p:extLst>
       <p:ext uri="{BB962C8B-B14F-4D97-AF65-F5344CB8AC3E}">
         <p14:creationId xmlns:p14="http://schemas.microsoft.com/office/powerpoint/2010/main" val="1895333862"/>
-      </p:ext>
-    </p:extLst>
-  </p:cSld>
-  <p:clrMapOvr>
-    <a:masterClrMapping/>
-  </p:clrMapOvr>
-</p:notes>
-</file>
-
-<file path=ppt/notesSlides/notesSlide12.xml><?xml version="1.0" encoding="utf-8"?>
-<p:notes xmlns:a="http://schemas.openxmlformats.org/drawingml/2006/main" xmlns:r="http://schemas.openxmlformats.org/officeDocument/2006/relationships" xmlns:p="http://schemas.openxmlformats.org/presentationml/2006/main" showMasterSp="0" showMasterPhAnim="0">
-  <p:cSld>
-    <p:spTree>
-      <p:nvGrpSpPr>
-        <p:cNvPr id="1" name="Shape 92"/>
-        <p:cNvGrpSpPr/>
-        <p:nvPr/>
-      </p:nvGrpSpPr>
-      <p:grpSpPr>
-        <a:xfrm>
-          <a:off x="0" y="0"/>
-          <a:ext cx="0" cy="0"/>
-          <a:chOff x="0" y="0"/>
-          <a:chExt cx="0" cy="0"/>
-        </a:xfrm>
-      </p:grpSpPr>
-      <p:sp>
-        <p:nvSpPr>
-          <p:cNvPr id="93" name="Google Shape;93;p3:notes"/>
-          <p:cNvSpPr txBox="1">
-            <a:spLocks noGrp="1"/>
-          </p:cNvSpPr>
-          <p:nvPr>
-            <p:ph type="body" idx="1"/>
-          </p:nvPr>
-        </p:nvSpPr>
-        <p:spPr>
-          <a:xfrm>
-            <a:off x="685800" y="4343400"/>
-            <a:ext cx="5486400" cy="4114800"/>
-          </a:xfrm>
-          <a:prstGeom prst="rect">
-            <a:avLst/>
-          </a:prstGeom>
-        </p:spPr>
-        <p:txBody>
-          <a:bodyPr spcFirstLastPara="1" wrap="square" lIns="91425" tIns="91425" rIns="91425" bIns="91425" anchor="t" anchorCtr="0">
-            <a:noAutofit/>
-          </a:bodyPr>
-          <a:lstStyle/>
-          <a:p>
-            <a:pPr marL="0" lvl="0" indent="0" algn="l" rtl="0">
-              <a:spcBef>
-                <a:spcPts val="0"/>
-              </a:spcBef>
-              <a:spcAft>
-                <a:spcPts val="0"/>
-              </a:spcAft>
-              <a:buNone/>
-            </a:pPr>
-            <a:endParaRPr/>
-          </a:p>
-        </p:txBody>
-      </p:sp>
-      <p:sp>
-        <p:nvSpPr>
-          <p:cNvPr id="94" name="Google Shape;94;p3:notes"/>
-          <p:cNvSpPr>
-            <a:spLocks noGrp="1" noRot="1" noChangeAspect="1"/>
-          </p:cNvSpPr>
-          <p:nvPr>
-            <p:ph type="sldImg" idx="2"/>
-          </p:nvPr>
-        </p:nvSpPr>
-        <p:spPr>
-          <a:xfrm>
-            <a:off x="381000" y="685800"/>
-            <a:ext cx="6096000" cy="3429000"/>
-          </a:xfrm>
-          <a:custGeom>
-            <a:avLst/>
-            <a:gdLst/>
-            <a:ahLst/>
-            <a:cxnLst/>
-            <a:rect l="l" t="t" r="r" b="b"/>
-            <a:pathLst>
-              <a:path w="120000" h="120000" extrusionOk="0">
-                <a:moveTo>
-                  <a:pt x="0" y="0"/>
-                </a:moveTo>
-                <a:lnTo>
-                  <a:pt x="120000" y="0"/>
-                </a:lnTo>
-                <a:lnTo>
-                  <a:pt x="120000" y="120000"/>
-                </a:lnTo>
-                <a:lnTo>
-                  <a:pt x="0" y="120000"/>
-                </a:lnTo>
-                <a:close/>
-              </a:path>
-            </a:pathLst>
-          </a:custGeom>
-        </p:spPr>
-      </p:sp>
-    </p:spTree>
-    <p:extLst>
-      <p:ext uri="{BB962C8B-B14F-4D97-AF65-F5344CB8AC3E}">
-        <p14:creationId xmlns:p14="http://schemas.microsoft.com/office/powerpoint/2010/main" val="1796064178"/>
       </p:ext>
     </p:extLst>
   </p:cSld>
@@ -1370,6 +1363,115 @@
   <p:cSld>
     <p:spTree>
       <p:nvGrpSpPr>
+        <p:cNvPr id="1" name="Shape 92"/>
+        <p:cNvGrpSpPr/>
+        <p:nvPr/>
+      </p:nvGrpSpPr>
+      <p:grpSpPr>
+        <a:xfrm>
+          <a:off x="0" y="0"/>
+          <a:ext cx="0" cy="0"/>
+          <a:chOff x="0" y="0"/>
+          <a:chExt cx="0" cy="0"/>
+        </a:xfrm>
+      </p:grpSpPr>
+      <p:sp>
+        <p:nvSpPr>
+          <p:cNvPr id="93" name="Google Shape;93;p3:notes"/>
+          <p:cNvSpPr txBox="1">
+            <a:spLocks noGrp="1"/>
+          </p:cNvSpPr>
+          <p:nvPr>
+            <p:ph type="body" idx="1"/>
+          </p:nvPr>
+        </p:nvSpPr>
+        <p:spPr>
+          <a:xfrm>
+            <a:off x="685800" y="4343400"/>
+            <a:ext cx="5486400" cy="4114800"/>
+          </a:xfrm>
+          <a:prstGeom prst="rect">
+            <a:avLst/>
+          </a:prstGeom>
+        </p:spPr>
+        <p:txBody>
+          <a:bodyPr spcFirstLastPara="1" wrap="square" lIns="91425" tIns="91425" rIns="91425" bIns="91425" anchor="t" anchorCtr="0">
+            <a:noAutofit/>
+          </a:bodyPr>
+          <a:lstStyle/>
+          <a:p>
+            <a:pPr marL="0" lvl="0" indent="0" algn="l" rtl="0">
+              <a:spcBef>
+                <a:spcPts val="0"/>
+              </a:spcBef>
+              <a:spcAft>
+                <a:spcPts val="0"/>
+              </a:spcAft>
+              <a:buNone/>
+            </a:pPr>
+            <a:endParaRPr/>
+          </a:p>
+        </p:txBody>
+      </p:sp>
+      <p:sp>
+        <p:nvSpPr>
+          <p:cNvPr id="94" name="Google Shape;94;p3:notes"/>
+          <p:cNvSpPr>
+            <a:spLocks noGrp="1" noRot="1" noChangeAspect="1"/>
+          </p:cNvSpPr>
+          <p:nvPr>
+            <p:ph type="sldImg" idx="2"/>
+          </p:nvPr>
+        </p:nvSpPr>
+        <p:spPr>
+          <a:xfrm>
+            <a:off x="381000" y="685800"/>
+            <a:ext cx="6096000" cy="3429000"/>
+          </a:xfrm>
+          <a:custGeom>
+            <a:avLst/>
+            <a:gdLst/>
+            <a:ahLst/>
+            <a:cxnLst/>
+            <a:rect l="l" t="t" r="r" b="b"/>
+            <a:pathLst>
+              <a:path w="120000" h="120000" extrusionOk="0">
+                <a:moveTo>
+                  <a:pt x="0" y="0"/>
+                </a:moveTo>
+                <a:lnTo>
+                  <a:pt x="120000" y="0"/>
+                </a:lnTo>
+                <a:lnTo>
+                  <a:pt x="120000" y="120000"/>
+                </a:lnTo>
+                <a:lnTo>
+                  <a:pt x="0" y="120000"/>
+                </a:lnTo>
+                <a:close/>
+              </a:path>
+            </a:pathLst>
+          </a:custGeom>
+        </p:spPr>
+      </p:sp>
+    </p:spTree>
+    <p:extLst>
+      <p:ext uri="{BB962C8B-B14F-4D97-AF65-F5344CB8AC3E}">
+        <p14:creationId xmlns:p14="http://schemas.microsoft.com/office/powerpoint/2010/main" val="1796064178"/>
+      </p:ext>
+    </p:extLst>
+  </p:cSld>
+  <p:clrMapOvr>
+    <a:masterClrMapping/>
+  </p:clrMapOvr>
+</p:notes>
+</file>
+
+<file path=ppt/notesSlides/notesSlide15.xml><?xml version="1.0" encoding="utf-8"?>
+<p:notes xmlns:a="http://schemas.openxmlformats.org/drawingml/2006/main" xmlns:r="http://schemas.openxmlformats.org/officeDocument/2006/relationships" xmlns:p="http://schemas.openxmlformats.org/presentationml/2006/main" showMasterSp="0" showMasterPhAnim="0">
+  <p:cSld>
+    <p:spTree>
+      <p:nvGrpSpPr>
         <p:cNvPr id="1" name="Shape 170"/>
         <p:cNvGrpSpPr/>
         <p:nvPr/>
@@ -1469,7 +1571,7 @@
 </p:notes>
 </file>
 
-<file path=ppt/notesSlides/notesSlide15.xml><?xml version="1.0" encoding="utf-8"?>
+<file path=ppt/notesSlides/notesSlide16.xml><?xml version="1.0" encoding="utf-8"?>
 <p:notes xmlns:a="http://schemas.openxmlformats.org/drawingml/2006/main" xmlns:r="http://schemas.openxmlformats.org/officeDocument/2006/relationships" xmlns:p="http://schemas.openxmlformats.org/presentationml/2006/main" showMasterSp="0" showMasterPhAnim="0">
   <p:cSld>
     <p:spTree>
@@ -1573,7 +1675,7 @@
 </p:notes>
 </file>
 
-<file path=ppt/notesSlides/notesSlide16.xml><?xml version="1.0" encoding="utf-8"?>
+<file path=ppt/notesSlides/notesSlide17.xml><?xml version="1.0" encoding="utf-8"?>
 <p:notes xmlns:a="http://schemas.openxmlformats.org/drawingml/2006/main" xmlns:r="http://schemas.openxmlformats.org/officeDocument/2006/relationships" xmlns:p="http://schemas.openxmlformats.org/presentationml/2006/main" showMasterSp="0" showMasterPhAnim="0">
   <p:cSld>
     <p:spTree>
@@ -1677,7 +1779,7 @@
 </p:notes>
 </file>
 
-<file path=ppt/notesSlides/notesSlide17.xml><?xml version="1.0" encoding="utf-8"?>
+<file path=ppt/notesSlides/notesSlide2.xml><?xml version="1.0" encoding="utf-8"?>
 <p:notes xmlns:a="http://schemas.openxmlformats.org/drawingml/2006/main" xmlns:r="http://schemas.openxmlformats.org/officeDocument/2006/relationships" xmlns:p="http://schemas.openxmlformats.org/presentationml/2006/main" showMasterSp="0" showMasterPhAnim="0">
   <p:cSld>
     <p:spTree>
@@ -1781,7 +1883,7 @@
 </p:notes>
 </file>
 
-<file path=ppt/notesSlides/notesSlide2.xml><?xml version="1.0" encoding="utf-8"?>
+<file path=ppt/notesSlides/notesSlide3.xml><?xml version="1.0" encoding="utf-8"?>
 <p:notes xmlns:a="http://schemas.openxmlformats.org/drawingml/2006/main" xmlns:r="http://schemas.openxmlformats.org/officeDocument/2006/relationships" xmlns:p="http://schemas.openxmlformats.org/presentationml/2006/main" showMasterSp="0" showMasterPhAnim="0">
   <p:cSld>
     <p:spTree>
@@ -1885,7 +1987,7 @@
 </p:notes>
 </file>
 
-<file path=ppt/notesSlides/notesSlide3.xml><?xml version="1.0" encoding="utf-8"?>
+<file path=ppt/notesSlides/notesSlide4.xml><?xml version="1.0" encoding="utf-8"?>
 <p:notes xmlns:a="http://schemas.openxmlformats.org/drawingml/2006/main" xmlns:r="http://schemas.openxmlformats.org/officeDocument/2006/relationships" xmlns:p="http://schemas.openxmlformats.org/presentationml/2006/main" showMasterSp="0" showMasterPhAnim="0">
   <p:cSld>
     <p:spTree>
@@ -1989,7 +2091,7 @@
 </p:notes>
 </file>
 
-<file path=ppt/notesSlides/notesSlide4.xml><?xml version="1.0" encoding="utf-8"?>
+<file path=ppt/notesSlides/notesSlide5.xml><?xml version="1.0" encoding="utf-8"?>
 <p:notes xmlns:a="http://schemas.openxmlformats.org/drawingml/2006/main" xmlns:r="http://schemas.openxmlformats.org/officeDocument/2006/relationships" xmlns:p="http://schemas.openxmlformats.org/presentationml/2006/main" showMasterSp="0" showMasterPhAnim="0">
   <p:cSld>
     <p:spTree>
@@ -2093,7 +2195,7 @@
 </p:notes>
 </file>
 
-<file path=ppt/notesSlides/notesSlide5.xml><?xml version="1.0" encoding="utf-8"?>
+<file path=ppt/notesSlides/notesSlide6.xml><?xml version="1.0" encoding="utf-8"?>
 <p:notes xmlns:a="http://schemas.openxmlformats.org/drawingml/2006/main" xmlns:r="http://schemas.openxmlformats.org/officeDocument/2006/relationships" xmlns:p="http://schemas.openxmlformats.org/presentationml/2006/main" showMasterSp="0" showMasterPhAnim="0">
   <p:cSld>
     <p:spTree>
@@ -2197,7 +2299,7 @@
 </p:notes>
 </file>
 
-<file path=ppt/notesSlides/notesSlide6.xml><?xml version="1.0" encoding="utf-8"?>
+<file path=ppt/notesSlides/notesSlide7.xml><?xml version="1.0" encoding="utf-8"?>
 <p:notes xmlns:a="http://schemas.openxmlformats.org/drawingml/2006/main" xmlns:r="http://schemas.openxmlformats.org/officeDocument/2006/relationships" xmlns:p="http://schemas.openxmlformats.org/presentationml/2006/main" showMasterSp="0" showMasterPhAnim="0">
   <p:cSld>
     <p:spTree>
@@ -2306,7 +2408,7 @@
 </p:notes>
 </file>
 
-<file path=ppt/notesSlides/notesSlide7.xml><?xml version="1.0" encoding="utf-8"?>
+<file path=ppt/notesSlides/notesSlide8.xml><?xml version="1.0" encoding="utf-8"?>
 <p:notes xmlns:a="http://schemas.openxmlformats.org/drawingml/2006/main" xmlns:r="http://schemas.openxmlformats.org/officeDocument/2006/relationships" xmlns:p="http://schemas.openxmlformats.org/presentationml/2006/main" showMasterSp="0" showMasterPhAnim="0">
   <p:cSld>
     <p:spTree>
@@ -2410,7 +2512,7 @@
 </p:notes>
 </file>
 
-<file path=ppt/notesSlides/notesSlide8.xml><?xml version="1.0" encoding="utf-8"?>
+<file path=ppt/notesSlides/notesSlide9.xml><?xml version="1.0" encoding="utf-8"?>
 <p:notes xmlns:a="http://schemas.openxmlformats.org/drawingml/2006/main" xmlns:r="http://schemas.openxmlformats.org/officeDocument/2006/relationships" xmlns:p="http://schemas.openxmlformats.org/presentationml/2006/main" showMasterSp="0" showMasterPhAnim="0">
   <p:cSld>
     <p:spTree>
@@ -2510,115 +2612,6 @@
     <p:extLst>
       <p:ext uri="{BB962C8B-B14F-4D97-AF65-F5344CB8AC3E}">
         <p14:creationId xmlns:p14="http://schemas.microsoft.com/office/powerpoint/2010/main" val="744880146"/>
-      </p:ext>
-    </p:extLst>
-  </p:cSld>
-  <p:clrMapOvr>
-    <a:masterClrMapping/>
-  </p:clrMapOvr>
-</p:notes>
-</file>
-
-<file path=ppt/notesSlides/notesSlide9.xml><?xml version="1.0" encoding="utf-8"?>
-<p:notes xmlns:a="http://schemas.openxmlformats.org/drawingml/2006/main" xmlns:r="http://schemas.openxmlformats.org/officeDocument/2006/relationships" xmlns:p="http://schemas.openxmlformats.org/presentationml/2006/main" showMasterSp="0" showMasterPhAnim="0">
-  <p:cSld>
-    <p:spTree>
-      <p:nvGrpSpPr>
-        <p:cNvPr id="1" name="Shape 96"/>
-        <p:cNvGrpSpPr/>
-        <p:nvPr/>
-      </p:nvGrpSpPr>
-      <p:grpSpPr>
-        <a:xfrm>
-          <a:off x="0" y="0"/>
-          <a:ext cx="0" cy="0"/>
-          <a:chOff x="0" y="0"/>
-          <a:chExt cx="0" cy="0"/>
-        </a:xfrm>
-      </p:grpSpPr>
-      <p:sp>
-        <p:nvSpPr>
-          <p:cNvPr id="97" name="Google Shape;97;p3:notes"/>
-          <p:cNvSpPr txBox="1">
-            <a:spLocks noGrp="1"/>
-          </p:cNvSpPr>
-          <p:nvPr>
-            <p:ph type="body" idx="1"/>
-          </p:nvPr>
-        </p:nvSpPr>
-        <p:spPr>
-          <a:xfrm>
-            <a:off x="914400" y="4343400"/>
-            <a:ext cx="5029200" cy="4114800"/>
-          </a:xfrm>
-          <a:prstGeom prst="rect">
-            <a:avLst/>
-          </a:prstGeom>
-        </p:spPr>
-        <p:txBody>
-          <a:bodyPr spcFirstLastPara="1" wrap="square" lIns="91425" tIns="45700" rIns="91425" bIns="45700" anchor="t" anchorCtr="0">
-            <a:noAutofit/>
-          </a:bodyPr>
-          <a:lstStyle/>
-          <a:p>
-            <a:pPr marL="0" lvl="0" indent="0" algn="l" rtl="0">
-              <a:spcBef>
-                <a:spcPts val="0"/>
-              </a:spcBef>
-              <a:spcAft>
-                <a:spcPts val="0"/>
-              </a:spcAft>
-              <a:buNone/>
-            </a:pPr>
-            <a:endParaRPr dirty="0"/>
-          </a:p>
-        </p:txBody>
-      </p:sp>
-      <p:sp>
-        <p:nvSpPr>
-          <p:cNvPr id="98" name="Google Shape;98;p3:notes"/>
-          <p:cNvSpPr>
-            <a:spLocks noGrp="1" noRot="1" noChangeAspect="1"/>
-          </p:cNvSpPr>
-          <p:nvPr>
-            <p:ph type="sldImg" idx="2"/>
-          </p:nvPr>
-        </p:nvSpPr>
-        <p:spPr>
-          <a:xfrm>
-            <a:off x="381000" y="685800"/>
-            <a:ext cx="6096000" cy="3429000"/>
-          </a:xfrm>
-          <a:custGeom>
-            <a:avLst/>
-            <a:gdLst/>
-            <a:ahLst/>
-            <a:cxnLst/>
-            <a:rect l="l" t="t" r="r" b="b"/>
-            <a:pathLst>
-              <a:path w="120000" h="120000" extrusionOk="0">
-                <a:moveTo>
-                  <a:pt x="0" y="0"/>
-                </a:moveTo>
-                <a:lnTo>
-                  <a:pt x="120000" y="0"/>
-                </a:lnTo>
-                <a:lnTo>
-                  <a:pt x="120000" y="120000"/>
-                </a:lnTo>
-                <a:lnTo>
-                  <a:pt x="0" y="120000"/>
-                </a:lnTo>
-                <a:close/>
-              </a:path>
-            </a:pathLst>
-          </a:custGeom>
-        </p:spPr>
-      </p:sp>
-    </p:spTree>
-    <p:extLst>
-      <p:ext uri="{BB962C8B-B14F-4D97-AF65-F5344CB8AC3E}">
-        <p14:creationId xmlns:p14="http://schemas.microsoft.com/office/powerpoint/2010/main" val="31036007"/>
       </p:ext>
     </p:extLst>
   </p:cSld>
@@ -4653,7 +4646,7 @@
           <a:p>
             <a:fld id="{34073DC1-AB27-4363-9845-555972D7C4F0}" type="datetimeFigureOut">
               <a:rPr lang="en-US" smtClean="0"/>
-              <a:t>7/6/23</a:t>
+              <a:t>7/5/24</a:t>
             </a:fld>
             <a:endParaRPr lang="en-US"/>
           </a:p>
@@ -11083,7 +11076,7 @@
           <a:p>
             <a:r>
               <a:rPr lang="en-US" dirty="0"/>
-              <a:t>Code/Astro 2023</a:t>
+              <a:t>Code/Astro 2024</a:t>
             </a:r>
           </a:p>
         </p:txBody>
@@ -11097,6 +11090,184 @@
 </file>
 
 <file path=ppt/slides/slide10.xml><?xml version="1.0" encoding="utf-8"?>
+<p:sld xmlns:a="http://schemas.openxmlformats.org/drawingml/2006/main" xmlns:r="http://schemas.openxmlformats.org/officeDocument/2006/relationships" xmlns:p="http://schemas.openxmlformats.org/presentationml/2006/main">
+  <p:cSld>
+    <p:spTree>
+      <p:nvGrpSpPr>
+        <p:cNvPr id="1" name="Shape 99"/>
+        <p:cNvGrpSpPr/>
+        <p:nvPr/>
+      </p:nvGrpSpPr>
+      <p:grpSpPr>
+        <a:xfrm>
+          <a:off x="0" y="0"/>
+          <a:ext cx="0" cy="0"/>
+          <a:chOff x="0" y="0"/>
+          <a:chExt cx="0" cy="0"/>
+        </a:xfrm>
+      </p:grpSpPr>
+      <p:sp>
+        <p:nvSpPr>
+          <p:cNvPr id="100" name="Google Shape;100;p3"/>
+          <p:cNvSpPr txBox="1">
+            <a:spLocks noGrp="1"/>
+          </p:cNvSpPr>
+          <p:nvPr>
+            <p:ph type="title"/>
+          </p:nvPr>
+        </p:nvSpPr>
+        <p:spPr>
+          <a:xfrm>
+            <a:off x="1689100" y="355600"/>
+            <a:ext cx="21005800" cy="2286000"/>
+          </a:xfrm>
+          <a:prstGeom prst="rect">
+            <a:avLst/>
+          </a:prstGeom>
+          <a:noFill/>
+          <a:ln>
+            <a:noFill/>
+          </a:ln>
+        </p:spPr>
+        <p:txBody>
+          <a:bodyPr spcFirstLastPara="1" wrap="square" lIns="50800" tIns="50800" rIns="50800" bIns="50800" anchor="ctr" anchorCtr="0">
+            <a:normAutofit/>
+          </a:bodyPr>
+          <a:lstStyle/>
+          <a:p>
+            <a:pPr marL="0" marR="0" lvl="0" indent="0" algn="ctr" rtl="0">
+              <a:lnSpc>
+                <a:spcPct val="100000"/>
+              </a:lnSpc>
+              <a:spcBef>
+                <a:spcPts val="0"/>
+              </a:spcBef>
+              <a:spcAft>
+                <a:spcPts val="0"/>
+              </a:spcAft>
+              <a:buClr>
+                <a:srgbClr val="000000"/>
+              </a:buClr>
+              <a:buSzPts val="8848"/>
+              <a:buFont typeface="Helvetica Neue"/>
+              <a:buNone/>
+            </a:pPr>
+            <a:r>
+              <a:rPr lang="en-US" sz="8000" dirty="0"/>
+              <a:t>Demo: </a:t>
+            </a:r>
+            <a:r>
+              <a:rPr lang="en-US" sz="8000" dirty="0" err="1"/>
+              <a:t>Gitflow</a:t>
+            </a:r>
+            <a:endParaRPr sz="8000" dirty="0"/>
+          </a:p>
+        </p:txBody>
+      </p:sp>
+      <p:sp>
+        <p:nvSpPr>
+          <p:cNvPr id="101" name="Google Shape;101;p3"/>
+          <p:cNvSpPr txBox="1">
+            <a:spLocks noGrp="1"/>
+          </p:cNvSpPr>
+          <p:nvPr>
+            <p:ph type="body" idx="1"/>
+          </p:nvPr>
+        </p:nvSpPr>
+        <p:spPr>
+          <a:xfrm>
+            <a:off x="1689100" y="2641600"/>
+            <a:ext cx="21005800" cy="9494982"/>
+          </a:xfrm>
+          <a:prstGeom prst="rect">
+            <a:avLst/>
+          </a:prstGeom>
+          <a:noFill/>
+          <a:ln>
+            <a:noFill/>
+          </a:ln>
+        </p:spPr>
+        <p:txBody>
+          <a:bodyPr spcFirstLastPara="1" wrap="square" lIns="50800" tIns="50800" rIns="50800" bIns="50800" anchor="ctr" anchorCtr="0">
+            <a:normAutofit/>
+          </a:bodyPr>
+          <a:lstStyle/>
+          <a:p>
+            <a:pPr marL="0" lvl="0" indent="0" algn="l" rtl="0">
+              <a:lnSpc>
+                <a:spcPct val="100000"/>
+              </a:lnSpc>
+              <a:spcBef>
+                <a:spcPts val="0"/>
+              </a:spcBef>
+              <a:spcAft>
+                <a:spcPts val="0"/>
+              </a:spcAft>
+              <a:buClr>
+                <a:srgbClr val="000000"/>
+              </a:buClr>
+              <a:buSzPts val="6000"/>
+              <a:buNone/>
+            </a:pPr>
+            <a:r>
+              <a:rPr lang="en-US" sz="5800" dirty="0"/>
+              <a:t>In this demo, you will learn how to:</a:t>
+            </a:r>
+            <a:endParaRPr lang="en-US" sz="4800" dirty="0"/>
+          </a:p>
+          <a:p>
+            <a:pPr marL="1092200" lvl="1" indent="-635000"/>
+            <a:r>
+              <a:rPr lang="en-US" dirty="0"/>
+              <a:t>Raise an issue in a repository.</a:t>
+            </a:r>
+          </a:p>
+          <a:p>
+            <a:pPr marL="1092200" lvl="1" indent="-635000"/>
+            <a:r>
+              <a:rPr lang="en-US" dirty="0"/>
+              <a:t>Create and manipulate multiple branches within a git repo (main, develop, feature)</a:t>
+            </a:r>
+            <a:endParaRPr dirty="0"/>
+          </a:p>
+          <a:p>
+            <a:pPr marL="1092200" lvl="1" indent="-635000"/>
+            <a:r>
+              <a:rPr lang="en-US" dirty="0"/>
+              <a:t>How to use these branches in a “standard” git workflow</a:t>
+            </a:r>
+          </a:p>
+          <a:p>
+            <a:pPr marL="1092200" lvl="1" indent="-635000"/>
+            <a:r>
+              <a:rPr lang="en-US" dirty="0"/>
+              <a:t>Submit a pull request on </a:t>
+            </a:r>
+            <a:r>
+              <a:rPr lang="en-US" dirty="0" err="1"/>
+              <a:t>Github</a:t>
+            </a:r>
+            <a:r>
+              <a:rPr lang="en-US" dirty="0"/>
+              <a:t> to merge two branches</a:t>
+            </a:r>
+          </a:p>
+        </p:txBody>
+      </p:sp>
+    </p:spTree>
+    <p:extLst>
+      <p:ext uri="{BB962C8B-B14F-4D97-AF65-F5344CB8AC3E}">
+        <p14:creationId xmlns:p14="http://schemas.microsoft.com/office/powerpoint/2010/main" val="503865505"/>
+      </p:ext>
+    </p:extLst>
+  </p:cSld>
+  <p:clrMapOvr>
+    <a:masterClrMapping/>
+  </p:clrMapOvr>
+</p:sld>
+</file>
+
+<file path=ppt/slides/slide11.xml><?xml version="1.0" encoding="utf-8"?>
 <p:sld xmlns:a="http://schemas.openxmlformats.org/drawingml/2006/main" xmlns:r="http://schemas.openxmlformats.org/officeDocument/2006/relationships" xmlns:p="http://schemas.openxmlformats.org/presentationml/2006/main">
   <p:cSld>
     <p:spTree>
@@ -11211,7 +11382,7 @@
             </a:pPr>
             <a:r>
               <a:rPr lang="en-US" sz="4560" dirty="0"/>
-              <a:t>Pull latest code from develop branch.</a:t>
+              <a:t>Pull latest code from develop/main branch.</a:t>
             </a:r>
             <a:endParaRPr dirty="0"/>
           </a:p>
@@ -11231,7 +11402,7 @@
             </a:pPr>
             <a:r>
               <a:rPr lang="en-US" sz="4560" dirty="0"/>
-              <a:t>Create feature branch from develop branch.</a:t>
+              <a:t>Create feature branch from develop/main branch.</a:t>
             </a:r>
             <a:endParaRPr sz="4560" dirty="0"/>
           </a:p>
@@ -11270,7 +11441,7 @@
             </a:pPr>
             <a:r>
               <a:rPr lang="en-US" sz="4560" dirty="0"/>
-              <a:t>Submit pull request on GitHub &amp; merge feature into develop.</a:t>
+              <a:t>Submit pull request on GitHub &amp; merge feature into develop/main.</a:t>
             </a:r>
             <a:endParaRPr sz="4560" dirty="0"/>
           </a:p>
@@ -11290,7 +11461,7 @@
             </a:pPr>
             <a:r>
               <a:rPr lang="en-US" sz="4560" dirty="0"/>
-              <a:t>Repeat until enough features have been merged into develop, then make a pull request from develop -&gt; main.</a:t>
+              <a:t>(Repeat until enough features have been merged into develop, then make a pull request from develop -&gt; main.)</a:t>
             </a:r>
             <a:endParaRPr sz="4560" dirty="0"/>
           </a:p>
@@ -11304,7 +11475,7 @@
 </p:sld>
 </file>
 
-<file path=ppt/slides/slide11.xml><?xml version="1.0" encoding="utf-8"?>
+<file path=ppt/slides/slide12.xml><?xml version="1.0" encoding="utf-8"?>
 <p:sld xmlns:a="http://schemas.openxmlformats.org/drawingml/2006/main" xmlns:r="http://schemas.openxmlformats.org/officeDocument/2006/relationships" xmlns:p="http://schemas.openxmlformats.org/presentationml/2006/main">
   <p:cSld>
     <p:spTree>
@@ -11741,7 +11912,317 @@
 </p:sld>
 </file>
 
-<file path=ppt/slides/slide12.xml><?xml version="1.0" encoding="utf-8"?>
+<file path=ppt/slides/slide13.xml><?xml version="1.0" encoding="utf-8"?>
+<p:sld xmlns:a="http://schemas.openxmlformats.org/drawingml/2006/main" xmlns:r="http://schemas.openxmlformats.org/officeDocument/2006/relationships" xmlns:p="http://schemas.openxmlformats.org/presentationml/2006/main">
+  <p:cSld>
+    <p:spTree>
+      <p:nvGrpSpPr>
+        <p:cNvPr id="1" name="Shape 106"/>
+        <p:cNvGrpSpPr/>
+        <p:nvPr/>
+      </p:nvGrpSpPr>
+      <p:grpSpPr>
+        <a:xfrm>
+          <a:off x="0" y="0"/>
+          <a:ext cx="0" cy="0"/>
+          <a:chOff x="0" y="0"/>
+          <a:chExt cx="0" cy="0"/>
+        </a:xfrm>
+      </p:grpSpPr>
+      <p:sp>
+        <p:nvSpPr>
+          <p:cNvPr id="107" name="Google Shape;107;g1347d530a7d_1_0"/>
+          <p:cNvSpPr txBox="1">
+            <a:spLocks noGrp="1"/>
+          </p:cNvSpPr>
+          <p:nvPr>
+            <p:ph type="title"/>
+          </p:nvPr>
+        </p:nvSpPr>
+        <p:spPr>
+          <a:xfrm>
+            <a:off x="1689100" y="355600"/>
+            <a:ext cx="21005700" cy="2286000"/>
+          </a:xfrm>
+          <a:prstGeom prst="rect">
+            <a:avLst/>
+          </a:prstGeom>
+        </p:spPr>
+        <p:txBody>
+          <a:bodyPr spcFirstLastPara="1" wrap="square" lIns="50800" tIns="50800" rIns="50800" bIns="50800" anchor="ctr" anchorCtr="0">
+            <a:normAutofit/>
+          </a:bodyPr>
+          <a:lstStyle/>
+          <a:p>
+            <a:pPr marL="0" lvl="0" indent="0" algn="ctr" rtl="0">
+              <a:spcBef>
+                <a:spcPts val="0"/>
+              </a:spcBef>
+              <a:spcAft>
+                <a:spcPts val="0"/>
+              </a:spcAft>
+              <a:buNone/>
+            </a:pPr>
+            <a:r>
+              <a:rPr lang="en-US"/>
+              <a:t>Class-sourced Vocabulary List</a:t>
+            </a:r>
+            <a:endParaRPr/>
+          </a:p>
+        </p:txBody>
+      </p:sp>
+      <p:sp>
+        <p:nvSpPr>
+          <p:cNvPr id="108" name="Google Shape;108;g1347d530a7d_1_0"/>
+          <p:cNvSpPr txBox="1">
+            <a:spLocks noGrp="1"/>
+          </p:cNvSpPr>
+          <p:nvPr>
+            <p:ph type="body" idx="1"/>
+          </p:nvPr>
+        </p:nvSpPr>
+        <p:spPr>
+          <a:xfrm>
+            <a:off x="1689150" y="2641600"/>
+            <a:ext cx="21005700" cy="9296400"/>
+          </a:xfrm>
+          <a:prstGeom prst="rect">
+            <a:avLst/>
+          </a:prstGeom>
+        </p:spPr>
+        <p:txBody>
+          <a:bodyPr spcFirstLastPara="1" wrap="square" lIns="50800" tIns="50800" rIns="50800" bIns="50800" anchor="ctr" anchorCtr="0">
+            <a:normAutofit fontScale="92500"/>
+          </a:bodyPr>
+          <a:lstStyle/>
+          <a:p>
+            <a:pPr marL="457200" lvl="0" indent="-609600" algn="l" rtl="0">
+              <a:spcBef>
+                <a:spcPts val="5900"/>
+              </a:spcBef>
+              <a:spcAft>
+                <a:spcPts val="0"/>
+              </a:spcAft>
+              <a:buSzPts val="6000"/>
+              <a:buChar char="•"/>
+            </a:pPr>
+            <a:r>
+              <a:rPr lang="en-US" dirty="0"/>
+              <a:t>Git: version control system (mercurial)</a:t>
+            </a:r>
+            <a:endParaRPr dirty="0"/>
+          </a:p>
+          <a:p>
+            <a:pPr marL="457200" lvl="0" indent="-609600" algn="l" rtl="0">
+              <a:spcBef>
+                <a:spcPts val="0"/>
+              </a:spcBef>
+              <a:spcAft>
+                <a:spcPts val="0"/>
+              </a:spcAft>
+              <a:buSzPts val="6000"/>
+              <a:buChar char="•"/>
+            </a:pPr>
+            <a:r>
+              <a:rPr lang="en-US" dirty="0"/>
+              <a:t>GitHub: one choice for remote host for source-control projects (also see Gitlab/bitbucket</a:t>
+            </a:r>
+            <a:endParaRPr dirty="0"/>
+          </a:p>
+          <a:p>
+            <a:pPr marL="457200" lvl="0" indent="-609600" algn="l" rtl="0">
+              <a:spcBef>
+                <a:spcPts val="0"/>
+              </a:spcBef>
+              <a:spcAft>
+                <a:spcPts val="0"/>
+              </a:spcAft>
+              <a:buClr>
+                <a:schemeClr val="dk1"/>
+              </a:buClr>
+              <a:buSzPts val="6000"/>
+              <a:buChar char="•"/>
+            </a:pPr>
+            <a:r>
+              <a:rPr lang="en-US" dirty="0">
+                <a:solidFill>
+                  <a:schemeClr val="dk1"/>
+                </a:solidFill>
+              </a:rPr>
+              <a:t>source control: act of keeping track of history of code</a:t>
+            </a:r>
+            <a:endParaRPr dirty="0"/>
+          </a:p>
+          <a:p>
+            <a:pPr marL="457200" lvl="0" indent="-609600" algn="l" rtl="0">
+              <a:spcBef>
+                <a:spcPts val="0"/>
+              </a:spcBef>
+              <a:spcAft>
+                <a:spcPts val="0"/>
+              </a:spcAft>
+              <a:buSzPts val="6000"/>
+              <a:buChar char="•"/>
+            </a:pPr>
+            <a:r>
+              <a:rPr lang="en-US" dirty="0"/>
+              <a:t>repo (short for “repository”): version-controlled project, keeps track of changes</a:t>
+            </a:r>
+            <a:endParaRPr dirty="0"/>
+          </a:p>
+          <a:p>
+            <a:pPr marL="457200" lvl="0" indent="-609600" algn="l" rtl="0">
+              <a:spcBef>
+                <a:spcPts val="0"/>
+              </a:spcBef>
+              <a:spcAft>
+                <a:spcPts val="0"/>
+              </a:spcAft>
+              <a:buSzPts val="6000"/>
+              <a:buChar char="•"/>
+            </a:pPr>
+            <a:r>
+              <a:rPr lang="en-US" dirty="0"/>
+              <a:t>pull request: way to notify developers of particular changes, and stages the changes in one branch to be pulled into another</a:t>
+            </a:r>
+            <a:endParaRPr dirty="0"/>
+          </a:p>
+          <a:p>
+            <a:pPr marL="457200" lvl="0" indent="-609600" algn="l" rtl="0">
+              <a:spcBef>
+                <a:spcPts val="0"/>
+              </a:spcBef>
+              <a:spcAft>
+                <a:spcPts val="0"/>
+              </a:spcAft>
+              <a:buClr>
+                <a:schemeClr val="dk1"/>
+              </a:buClr>
+              <a:buSzPts val="6000"/>
+              <a:buChar char="•"/>
+            </a:pPr>
+            <a:r>
+              <a:rPr lang="en-US" dirty="0">
+                <a:solidFill>
+                  <a:schemeClr val="dk1"/>
+                </a:solidFill>
+              </a:rPr>
+              <a:t>commit: a change that adds a new “note” to current branch, like an object that holds information about who made commit, changes involved</a:t>
+            </a:r>
+            <a:endParaRPr dirty="0"/>
+          </a:p>
+          <a:p>
+            <a:pPr marL="457200" lvl="0" indent="-609600" algn="l" rtl="0">
+              <a:spcBef>
+                <a:spcPts val="0"/>
+              </a:spcBef>
+              <a:spcAft>
+                <a:spcPts val="0"/>
+              </a:spcAft>
+              <a:buSzPts val="6000"/>
+              <a:buChar char="•"/>
+            </a:pPr>
+            <a:r>
+              <a:rPr lang="en-US" dirty="0"/>
+              <a:t>branch: way to add new feature to code, might have  changes added relative to main/other branches</a:t>
+            </a:r>
+            <a:endParaRPr dirty="0"/>
+          </a:p>
+          <a:p>
+            <a:pPr marL="457200" lvl="0" indent="-609600" algn="l" rtl="0">
+              <a:spcBef>
+                <a:spcPts val="0"/>
+              </a:spcBef>
+              <a:spcAft>
+                <a:spcPts val="0"/>
+              </a:spcAft>
+              <a:buSzPts val="6000"/>
+              <a:buChar char="•"/>
+            </a:pPr>
+            <a:r>
+              <a:rPr lang="en-US" dirty="0"/>
+              <a:t>clone: local repo copy linked to remote </a:t>
+            </a:r>
+            <a:endParaRPr dirty="0"/>
+          </a:p>
+        </p:txBody>
+      </p:sp>
+      <p:sp>
+        <p:nvSpPr>
+          <p:cNvPr id="110" name="Google Shape;110;g1347d530a7d_1_0"/>
+          <p:cNvSpPr txBox="1"/>
+          <p:nvPr/>
+        </p:nvSpPr>
+        <p:spPr>
+          <a:xfrm>
+            <a:off x="12934475" y="11234600"/>
+            <a:ext cx="11254200" cy="2401200"/>
+          </a:xfrm>
+          <a:prstGeom prst="rect">
+            <a:avLst/>
+          </a:prstGeom>
+          <a:noFill/>
+          <a:ln w="9525" cap="flat" cmpd="sng">
+            <a:solidFill>
+              <a:schemeClr val="dk1"/>
+            </a:solidFill>
+            <a:prstDash val="solid"/>
+            <a:round/>
+            <a:headEnd type="none" w="sm" len="sm"/>
+            <a:tailEnd type="none" w="sm" len="sm"/>
+          </a:ln>
+        </p:spPr>
+        <p:txBody>
+          <a:bodyPr spcFirstLastPara="1" wrap="square" lIns="91425" tIns="91425" rIns="91425" bIns="91425" anchor="t" anchorCtr="0">
+            <a:spAutoFit/>
+          </a:bodyPr>
+          <a:lstStyle/>
+          <a:p>
+            <a:pPr marL="0" lvl="0" indent="0" algn="l" rtl="0">
+              <a:spcBef>
+                <a:spcPts val="0"/>
+              </a:spcBef>
+              <a:spcAft>
+                <a:spcPts val="0"/>
+              </a:spcAft>
+              <a:buNone/>
+            </a:pPr>
+            <a:r>
+              <a:rPr lang="en-US" sz="3600" u="sng">
+                <a:latin typeface="Helvetica Neue"/>
+                <a:ea typeface="Helvetica Neue"/>
+                <a:cs typeface="Helvetica Neue"/>
+                <a:sym typeface="Helvetica Neue"/>
+              </a:rPr>
+              <a:t>Code/Astro vocab list</a:t>
+            </a:r>
+            <a:r>
+              <a:rPr lang="en-US" sz="3600">
+                <a:latin typeface="Helvetica Neue"/>
+                <a:ea typeface="Helvetica Neue"/>
+                <a:cs typeface="Helvetica Neue"/>
+                <a:sym typeface="Helvetica Neue"/>
+              </a:rPr>
+              <a:t>: https://docs.google.com/document/d/1HuzcZbUOdDht9Q2Y5RB7d7THucwVZrZAPkskCw9u9XE/edit?usp=sharing</a:t>
+            </a:r>
+            <a:endParaRPr sz="3600">
+              <a:latin typeface="Helvetica Neue"/>
+              <a:ea typeface="Helvetica Neue"/>
+              <a:cs typeface="Helvetica Neue"/>
+              <a:sym typeface="Helvetica Neue"/>
+            </a:endParaRPr>
+          </a:p>
+        </p:txBody>
+      </p:sp>
+    </p:spTree>
+  </p:cSld>
+  <p:clrMapOvr>
+    <a:masterClrMapping/>
+  </p:clrMapOvr>
+</p:sld>
+</file>
+
+<file path=ppt/slides/slide14.xml><?xml version="1.0" encoding="utf-8"?>
 <p:sld xmlns:a="http://schemas.openxmlformats.org/drawingml/2006/main" xmlns:r="http://schemas.openxmlformats.org/officeDocument/2006/relationships" xmlns:p="http://schemas.openxmlformats.org/presentationml/2006/main">
   <p:cSld>
     <p:spTree>
@@ -12020,7 +12501,7 @@
 </p:sld>
 </file>
 
-<file path=ppt/slides/slide13.xml><?xml version="1.0" encoding="utf-8"?>
+<file path=ppt/slides/slide15.xml><?xml version="1.0" encoding="utf-8"?>
 <p:sld xmlns:a="http://schemas.openxmlformats.org/drawingml/2006/main" xmlns:r="http://schemas.openxmlformats.org/officeDocument/2006/relationships" xmlns:p="http://schemas.openxmlformats.org/presentationml/2006/main">
   <p:cSld>
     <p:spTree>
@@ -12085,317 +12566,7 @@
 </p:sld>
 </file>
 
-<file path=ppt/slides/slide14.xml><?xml version="1.0" encoding="utf-8"?>
-<p:sld xmlns:a="http://schemas.openxmlformats.org/drawingml/2006/main" xmlns:r="http://schemas.openxmlformats.org/officeDocument/2006/relationships" xmlns:p="http://schemas.openxmlformats.org/presentationml/2006/main">
-  <p:cSld>
-    <p:spTree>
-      <p:nvGrpSpPr>
-        <p:cNvPr id="1" name="Shape 106"/>
-        <p:cNvGrpSpPr/>
-        <p:nvPr/>
-      </p:nvGrpSpPr>
-      <p:grpSpPr>
-        <a:xfrm>
-          <a:off x="0" y="0"/>
-          <a:ext cx="0" cy="0"/>
-          <a:chOff x="0" y="0"/>
-          <a:chExt cx="0" cy="0"/>
-        </a:xfrm>
-      </p:grpSpPr>
-      <p:sp>
-        <p:nvSpPr>
-          <p:cNvPr id="107" name="Google Shape;107;g1347d530a7d_1_0"/>
-          <p:cNvSpPr txBox="1">
-            <a:spLocks noGrp="1"/>
-          </p:cNvSpPr>
-          <p:nvPr>
-            <p:ph type="title"/>
-          </p:nvPr>
-        </p:nvSpPr>
-        <p:spPr>
-          <a:xfrm>
-            <a:off x="1689100" y="355600"/>
-            <a:ext cx="21005700" cy="2286000"/>
-          </a:xfrm>
-          <a:prstGeom prst="rect">
-            <a:avLst/>
-          </a:prstGeom>
-        </p:spPr>
-        <p:txBody>
-          <a:bodyPr spcFirstLastPara="1" wrap="square" lIns="50800" tIns="50800" rIns="50800" bIns="50800" anchor="ctr" anchorCtr="0">
-            <a:normAutofit/>
-          </a:bodyPr>
-          <a:lstStyle/>
-          <a:p>
-            <a:pPr marL="0" lvl="0" indent="0" algn="ctr" rtl="0">
-              <a:spcBef>
-                <a:spcPts val="0"/>
-              </a:spcBef>
-              <a:spcAft>
-                <a:spcPts val="0"/>
-              </a:spcAft>
-              <a:buNone/>
-            </a:pPr>
-            <a:r>
-              <a:rPr lang="en-US"/>
-              <a:t>Class-sourced Vocabulary List</a:t>
-            </a:r>
-            <a:endParaRPr/>
-          </a:p>
-        </p:txBody>
-      </p:sp>
-      <p:sp>
-        <p:nvSpPr>
-          <p:cNvPr id="108" name="Google Shape;108;g1347d530a7d_1_0"/>
-          <p:cNvSpPr txBox="1">
-            <a:spLocks noGrp="1"/>
-          </p:cNvSpPr>
-          <p:nvPr>
-            <p:ph type="body" idx="1"/>
-          </p:nvPr>
-        </p:nvSpPr>
-        <p:spPr>
-          <a:xfrm>
-            <a:off x="1689150" y="2641600"/>
-            <a:ext cx="21005700" cy="9296400"/>
-          </a:xfrm>
-          <a:prstGeom prst="rect">
-            <a:avLst/>
-          </a:prstGeom>
-        </p:spPr>
-        <p:txBody>
-          <a:bodyPr spcFirstLastPara="1" wrap="square" lIns="50800" tIns="50800" rIns="50800" bIns="50800" anchor="ctr" anchorCtr="0">
-            <a:normAutofit fontScale="92500"/>
-          </a:bodyPr>
-          <a:lstStyle/>
-          <a:p>
-            <a:pPr marL="457200" lvl="0" indent="-609600" algn="l" rtl="0">
-              <a:spcBef>
-                <a:spcPts val="5900"/>
-              </a:spcBef>
-              <a:spcAft>
-                <a:spcPts val="0"/>
-              </a:spcAft>
-              <a:buSzPts val="6000"/>
-              <a:buChar char="•"/>
-            </a:pPr>
-            <a:r>
-              <a:rPr lang="en-US"/>
-              <a:t>Git: version control system (mercurial)</a:t>
-            </a:r>
-            <a:endParaRPr/>
-          </a:p>
-          <a:p>
-            <a:pPr marL="457200" lvl="0" indent="-609600" algn="l" rtl="0">
-              <a:spcBef>
-                <a:spcPts val="0"/>
-              </a:spcBef>
-              <a:spcAft>
-                <a:spcPts val="0"/>
-              </a:spcAft>
-              <a:buSzPts val="6000"/>
-              <a:buChar char="•"/>
-            </a:pPr>
-            <a:r>
-              <a:rPr lang="en-US"/>
-              <a:t>GitHub: one choice for remote host for source-control projects (also see Gitlab/bitbucket</a:t>
-            </a:r>
-            <a:endParaRPr/>
-          </a:p>
-          <a:p>
-            <a:pPr marL="457200" lvl="0" indent="-609600" algn="l" rtl="0">
-              <a:spcBef>
-                <a:spcPts val="0"/>
-              </a:spcBef>
-              <a:spcAft>
-                <a:spcPts val="0"/>
-              </a:spcAft>
-              <a:buClr>
-                <a:schemeClr val="dk1"/>
-              </a:buClr>
-              <a:buSzPts val="6000"/>
-              <a:buChar char="•"/>
-            </a:pPr>
-            <a:r>
-              <a:rPr lang="en-US">
-                <a:solidFill>
-                  <a:schemeClr val="dk1"/>
-                </a:solidFill>
-              </a:rPr>
-              <a:t>source control: act of keeping track of history of code</a:t>
-            </a:r>
-            <a:endParaRPr/>
-          </a:p>
-          <a:p>
-            <a:pPr marL="457200" lvl="0" indent="-609600" algn="l" rtl="0">
-              <a:spcBef>
-                <a:spcPts val="0"/>
-              </a:spcBef>
-              <a:spcAft>
-                <a:spcPts val="0"/>
-              </a:spcAft>
-              <a:buSzPts val="6000"/>
-              <a:buChar char="•"/>
-            </a:pPr>
-            <a:r>
-              <a:rPr lang="en-US"/>
-              <a:t>repo (short for “repository”): version-controlled project, keeps track of changes</a:t>
-            </a:r>
-            <a:endParaRPr/>
-          </a:p>
-          <a:p>
-            <a:pPr marL="457200" lvl="0" indent="-609600" algn="l" rtl="0">
-              <a:spcBef>
-                <a:spcPts val="0"/>
-              </a:spcBef>
-              <a:spcAft>
-                <a:spcPts val="0"/>
-              </a:spcAft>
-              <a:buSzPts val="6000"/>
-              <a:buChar char="•"/>
-            </a:pPr>
-            <a:r>
-              <a:rPr lang="en-US"/>
-              <a:t>pull request: way to notify developers of particular changes, and stages the changes in one branch to be pulled into another</a:t>
-            </a:r>
-            <a:endParaRPr/>
-          </a:p>
-          <a:p>
-            <a:pPr marL="457200" lvl="0" indent="-609600" algn="l" rtl="0">
-              <a:spcBef>
-                <a:spcPts val="0"/>
-              </a:spcBef>
-              <a:spcAft>
-                <a:spcPts val="0"/>
-              </a:spcAft>
-              <a:buClr>
-                <a:schemeClr val="dk1"/>
-              </a:buClr>
-              <a:buSzPts val="6000"/>
-              <a:buChar char="•"/>
-            </a:pPr>
-            <a:r>
-              <a:rPr lang="en-US">
-                <a:solidFill>
-                  <a:schemeClr val="dk1"/>
-                </a:solidFill>
-              </a:rPr>
-              <a:t>commit: a change that adds a new “note” to current branch, like an object that holds iformatio about who made commit, changes involved</a:t>
-            </a:r>
-            <a:endParaRPr/>
-          </a:p>
-          <a:p>
-            <a:pPr marL="457200" lvl="0" indent="-609600" algn="l" rtl="0">
-              <a:spcBef>
-                <a:spcPts val="0"/>
-              </a:spcBef>
-              <a:spcAft>
-                <a:spcPts val="0"/>
-              </a:spcAft>
-              <a:buSzPts val="6000"/>
-              <a:buChar char="•"/>
-            </a:pPr>
-            <a:r>
-              <a:rPr lang="en-US"/>
-              <a:t>branch: way to add new feature to code, might have  changes added relative to main/other branchs</a:t>
-            </a:r>
-            <a:endParaRPr/>
-          </a:p>
-          <a:p>
-            <a:pPr marL="457200" lvl="0" indent="-609600" algn="l" rtl="0">
-              <a:spcBef>
-                <a:spcPts val="0"/>
-              </a:spcBef>
-              <a:spcAft>
-                <a:spcPts val="0"/>
-              </a:spcAft>
-              <a:buSzPts val="6000"/>
-              <a:buChar char="•"/>
-            </a:pPr>
-            <a:r>
-              <a:rPr lang="en-US"/>
-              <a:t>clone: local repo copy linked to remote </a:t>
-            </a:r>
-            <a:endParaRPr/>
-          </a:p>
-        </p:txBody>
-      </p:sp>
-      <p:sp>
-        <p:nvSpPr>
-          <p:cNvPr id="110" name="Google Shape;110;g1347d530a7d_1_0"/>
-          <p:cNvSpPr txBox="1"/>
-          <p:nvPr/>
-        </p:nvSpPr>
-        <p:spPr>
-          <a:xfrm>
-            <a:off x="12934475" y="11234600"/>
-            <a:ext cx="11254200" cy="2401200"/>
-          </a:xfrm>
-          <a:prstGeom prst="rect">
-            <a:avLst/>
-          </a:prstGeom>
-          <a:noFill/>
-          <a:ln w="9525" cap="flat" cmpd="sng">
-            <a:solidFill>
-              <a:schemeClr val="dk1"/>
-            </a:solidFill>
-            <a:prstDash val="solid"/>
-            <a:round/>
-            <a:headEnd type="none" w="sm" len="sm"/>
-            <a:tailEnd type="none" w="sm" len="sm"/>
-          </a:ln>
-        </p:spPr>
-        <p:txBody>
-          <a:bodyPr spcFirstLastPara="1" wrap="square" lIns="91425" tIns="91425" rIns="91425" bIns="91425" anchor="t" anchorCtr="0">
-            <a:spAutoFit/>
-          </a:bodyPr>
-          <a:lstStyle/>
-          <a:p>
-            <a:pPr marL="0" lvl="0" indent="0" algn="l" rtl="0">
-              <a:spcBef>
-                <a:spcPts val="0"/>
-              </a:spcBef>
-              <a:spcAft>
-                <a:spcPts val="0"/>
-              </a:spcAft>
-              <a:buNone/>
-            </a:pPr>
-            <a:r>
-              <a:rPr lang="en-US" sz="3600" u="sng">
-                <a:latin typeface="Helvetica Neue"/>
-                <a:ea typeface="Helvetica Neue"/>
-                <a:cs typeface="Helvetica Neue"/>
-                <a:sym typeface="Helvetica Neue"/>
-              </a:rPr>
-              <a:t>Code/Astro vocab list</a:t>
-            </a:r>
-            <a:r>
-              <a:rPr lang="en-US" sz="3600">
-                <a:latin typeface="Helvetica Neue"/>
-                <a:ea typeface="Helvetica Neue"/>
-                <a:cs typeface="Helvetica Neue"/>
-                <a:sym typeface="Helvetica Neue"/>
-              </a:rPr>
-              <a:t>: https://docs.google.com/document/d/1HuzcZbUOdDht9Q2Y5RB7d7THucwVZrZAPkskCw9u9XE/edit?usp=sharing</a:t>
-            </a:r>
-            <a:endParaRPr sz="3600">
-              <a:latin typeface="Helvetica Neue"/>
-              <a:ea typeface="Helvetica Neue"/>
-              <a:cs typeface="Helvetica Neue"/>
-              <a:sym typeface="Helvetica Neue"/>
-            </a:endParaRPr>
-          </a:p>
-        </p:txBody>
-      </p:sp>
-    </p:spTree>
-  </p:cSld>
-  <p:clrMapOvr>
-    <a:masterClrMapping/>
-  </p:clrMapOvr>
-</p:sld>
-</file>
-
-<file path=ppt/slides/slide15.xml><?xml version="1.0" encoding="utf-8"?>
+<file path=ppt/slides/slide16.xml><?xml version="1.0" encoding="utf-8"?>
 <p:sld xmlns:a="http://schemas.openxmlformats.org/drawingml/2006/main" xmlns:r="http://schemas.openxmlformats.org/officeDocument/2006/relationships" xmlns:p="http://schemas.openxmlformats.org/presentationml/2006/main">
   <p:cSld>
     <p:spTree>
@@ -12509,7 +12680,7 @@
 </p:sld>
 </file>
 
-<file path=ppt/slides/slide16.xml><?xml version="1.0" encoding="utf-8"?>
+<file path=ppt/slides/slide17.xml><?xml version="1.0" encoding="utf-8"?>
 <p:sld xmlns:a="http://schemas.openxmlformats.org/drawingml/2006/main" xmlns:r="http://schemas.openxmlformats.org/officeDocument/2006/relationships" xmlns:p="http://schemas.openxmlformats.org/presentationml/2006/main">
   <p:cSld>
     <p:spTree>
@@ -12773,7 +12944,7 @@
 </p:sld>
 </file>
 
-<file path=ppt/slides/slide17.xml><?xml version="1.0" encoding="utf-8"?>
+<file path=ppt/slides/slide18.xml><?xml version="1.0" encoding="utf-8"?>
 <p:sld xmlns:a="http://schemas.openxmlformats.org/drawingml/2006/main" xmlns:r="http://schemas.openxmlformats.org/officeDocument/2006/relationships" xmlns:p="http://schemas.openxmlformats.org/presentationml/2006/main">
   <p:cSld>
     <p:spTree>
@@ -13037,7 +13208,7 @@
 </p:sld>
 </file>
 
-<file path=ppt/slides/slide18.xml><?xml version="1.0" encoding="utf-8"?>
+<file path=ppt/slides/slide2.xml><?xml version="1.0" encoding="utf-8"?>
 <p:sld xmlns:a="http://schemas.openxmlformats.org/drawingml/2006/main" xmlns:r="http://schemas.openxmlformats.org/officeDocument/2006/relationships" xmlns:p="http://schemas.openxmlformats.org/presentationml/2006/main">
   <p:cSld>
     <p:spTree>
@@ -13251,7 +13422,7 @@
 </p:sld>
 </file>
 
-<file path=ppt/slides/slide2.xml><?xml version="1.0" encoding="utf-8"?>
+<file path=ppt/slides/slide3.xml><?xml version="1.0" encoding="utf-8"?>
 <p:sld xmlns:a="http://schemas.openxmlformats.org/drawingml/2006/main" xmlns:r="http://schemas.openxmlformats.org/officeDocument/2006/relationships" xmlns:p="http://schemas.openxmlformats.org/presentationml/2006/main">
   <p:cSld>
     <p:spTree>
@@ -13376,7 +13547,7 @@
 </p:sld>
 </file>
 
-<file path=ppt/slides/slide3.xml><?xml version="1.0" encoding="utf-8"?>
+<file path=ppt/slides/slide4.xml><?xml version="1.0" encoding="utf-8"?>
 <p:sld xmlns:a="http://schemas.openxmlformats.org/drawingml/2006/main" xmlns:r="http://schemas.openxmlformats.org/officeDocument/2006/relationships" xmlns:p="http://schemas.openxmlformats.org/presentationml/2006/main">
   <p:cSld>
     <p:spTree>
@@ -13585,7 +13756,7 @@
 </p:sld>
 </file>
 
-<file path=ppt/slides/slide4.xml><?xml version="1.0" encoding="utf-8"?>
+<file path=ppt/slides/slide5.xml><?xml version="1.0" encoding="utf-8"?>
 <p:sld xmlns:a="http://schemas.openxmlformats.org/drawingml/2006/main" xmlns:r="http://schemas.openxmlformats.org/officeDocument/2006/relationships" xmlns:p="http://schemas.openxmlformats.org/presentationml/2006/main">
   <p:cSld>
     <p:spTree>
@@ -13843,7 +14014,7 @@
 </p:sld>
 </file>
 
-<file path=ppt/slides/slide5.xml><?xml version="1.0" encoding="utf-8"?>
+<file path=ppt/slides/slide6.xml><?xml version="1.0" encoding="utf-8"?>
 <p:sld xmlns:a="http://schemas.openxmlformats.org/drawingml/2006/main" xmlns:r="http://schemas.openxmlformats.org/officeDocument/2006/relationships" xmlns:p="http://schemas.openxmlformats.org/presentationml/2006/main">
   <p:cSld>
     <p:spTree>
@@ -14393,7 +14564,7 @@
 </p:sld>
 </file>
 
-<file path=ppt/slides/slide6.xml><?xml version="1.0" encoding="utf-8"?>
+<file path=ppt/slides/slide7.xml><?xml version="1.0" encoding="utf-8"?>
 <p:sld xmlns:a="http://schemas.openxmlformats.org/drawingml/2006/main" xmlns:r="http://schemas.openxmlformats.org/officeDocument/2006/relationships" xmlns:p="http://schemas.openxmlformats.org/presentationml/2006/main">
   <p:cSld>
     <p:spTree>
@@ -15375,7 +15546,7 @@
 </p:sld>
 </file>
 
-<file path=ppt/slides/slide7.xml><?xml version="1.0" encoding="utf-8"?>
+<file path=ppt/slides/slide8.xml><?xml version="1.0" encoding="utf-8"?>
 <p:sld xmlns:a="http://schemas.openxmlformats.org/drawingml/2006/main" xmlns:r="http://schemas.openxmlformats.org/officeDocument/2006/relationships" xmlns:p="http://schemas.openxmlformats.org/presentationml/2006/main">
   <p:cSld>
     <p:spTree>
@@ -16550,7 +16721,7 @@
 </p:sld>
 </file>
 
-<file path=ppt/slides/slide8.xml><?xml version="1.0" encoding="utf-8"?>
+<file path=ppt/slides/slide9.xml><?xml version="1.0" encoding="utf-8"?>
 <p:sld xmlns:a="http://schemas.openxmlformats.org/drawingml/2006/main" xmlns:r="http://schemas.openxmlformats.org/officeDocument/2006/relationships" xmlns:p="http://schemas.openxmlformats.org/presentationml/2006/main">
   <p:cSld>
     <p:spTree>
@@ -17482,190 +17653,6 @@
 </p:sld>
 </file>
 
-<file path=ppt/slides/slide9.xml><?xml version="1.0" encoding="utf-8"?>
-<p:sld xmlns:a="http://schemas.openxmlformats.org/drawingml/2006/main" xmlns:r="http://schemas.openxmlformats.org/officeDocument/2006/relationships" xmlns:p="http://schemas.openxmlformats.org/presentationml/2006/main">
-  <p:cSld>
-    <p:spTree>
-      <p:nvGrpSpPr>
-        <p:cNvPr id="1" name="Shape 99"/>
-        <p:cNvGrpSpPr/>
-        <p:nvPr/>
-      </p:nvGrpSpPr>
-      <p:grpSpPr>
-        <a:xfrm>
-          <a:off x="0" y="0"/>
-          <a:ext cx="0" cy="0"/>
-          <a:chOff x="0" y="0"/>
-          <a:chExt cx="0" cy="0"/>
-        </a:xfrm>
-      </p:grpSpPr>
-      <p:sp>
-        <p:nvSpPr>
-          <p:cNvPr id="100" name="Google Shape;100;p3"/>
-          <p:cNvSpPr txBox="1">
-            <a:spLocks noGrp="1"/>
-          </p:cNvSpPr>
-          <p:nvPr>
-            <p:ph type="title"/>
-          </p:nvPr>
-        </p:nvSpPr>
-        <p:spPr>
-          <a:xfrm>
-            <a:off x="1689100" y="355600"/>
-            <a:ext cx="21005800" cy="2286000"/>
-          </a:xfrm>
-          <a:prstGeom prst="rect">
-            <a:avLst/>
-          </a:prstGeom>
-          <a:noFill/>
-          <a:ln>
-            <a:noFill/>
-          </a:ln>
-        </p:spPr>
-        <p:txBody>
-          <a:bodyPr spcFirstLastPara="1" wrap="square" lIns="50800" tIns="50800" rIns="50800" bIns="50800" anchor="ctr" anchorCtr="0">
-            <a:normAutofit/>
-          </a:bodyPr>
-          <a:lstStyle/>
-          <a:p>
-            <a:pPr marL="0" marR="0" lvl="0" indent="0" algn="ctr" rtl="0">
-              <a:lnSpc>
-                <a:spcPct val="100000"/>
-              </a:lnSpc>
-              <a:spcBef>
-                <a:spcPts val="0"/>
-              </a:spcBef>
-              <a:spcAft>
-                <a:spcPts val="0"/>
-              </a:spcAft>
-              <a:buClr>
-                <a:srgbClr val="000000"/>
-              </a:buClr>
-              <a:buSzPts val="8848"/>
-              <a:buFont typeface="Helvetica Neue"/>
-              <a:buNone/>
-            </a:pPr>
-            <a:r>
-              <a:rPr lang="en-US" sz="8000" dirty="0"/>
-              <a:t>Demo: </a:t>
-            </a:r>
-            <a:r>
-              <a:rPr lang="en-US" sz="8000" dirty="0" err="1"/>
-              <a:t>Gitflow</a:t>
-            </a:r>
-            <a:endParaRPr sz="8000" dirty="0"/>
-          </a:p>
-        </p:txBody>
-      </p:sp>
-      <p:sp>
-        <p:nvSpPr>
-          <p:cNvPr id="101" name="Google Shape;101;p3"/>
-          <p:cNvSpPr txBox="1">
-            <a:spLocks noGrp="1"/>
-          </p:cNvSpPr>
-          <p:nvPr>
-            <p:ph type="body" idx="1"/>
-          </p:nvPr>
-        </p:nvSpPr>
-        <p:spPr>
-          <a:xfrm>
-            <a:off x="1689100" y="2641600"/>
-            <a:ext cx="21005800" cy="9494982"/>
-          </a:xfrm>
-          <a:prstGeom prst="rect">
-            <a:avLst/>
-          </a:prstGeom>
-          <a:noFill/>
-          <a:ln>
-            <a:noFill/>
-          </a:ln>
-        </p:spPr>
-        <p:txBody>
-          <a:bodyPr spcFirstLastPara="1" wrap="square" lIns="50800" tIns="50800" rIns="50800" bIns="50800" anchor="ctr" anchorCtr="0">
-            <a:normAutofit fontScale="92500" lnSpcReduction="10000"/>
-          </a:bodyPr>
-          <a:lstStyle/>
-          <a:p>
-            <a:pPr marL="0" lvl="0" indent="0" algn="l" rtl="0">
-              <a:lnSpc>
-                <a:spcPct val="100000"/>
-              </a:lnSpc>
-              <a:spcBef>
-                <a:spcPts val="0"/>
-              </a:spcBef>
-              <a:spcAft>
-                <a:spcPts val="0"/>
-              </a:spcAft>
-              <a:buClr>
-                <a:srgbClr val="000000"/>
-              </a:buClr>
-              <a:buSzPts val="6000"/>
-              <a:buNone/>
-            </a:pPr>
-            <a:r>
-              <a:rPr lang="en-US" sz="5800" dirty="0"/>
-              <a:t>In this demo, you will learn how to:</a:t>
-            </a:r>
-            <a:endParaRPr lang="en-US" sz="4800" dirty="0"/>
-          </a:p>
-          <a:p>
-            <a:pPr marL="1092200" lvl="1" indent="-635000"/>
-            <a:r>
-              <a:rPr lang="en-US" dirty="0"/>
-              <a:t>Create and manipulate multiple branches within a git repo (main, develop, feature)</a:t>
-            </a:r>
-            <a:endParaRPr dirty="0"/>
-          </a:p>
-          <a:p>
-            <a:pPr marL="1092200" lvl="1" indent="-635000"/>
-            <a:r>
-              <a:rPr lang="en-US" dirty="0"/>
-              <a:t>How to use these branches in a “standard” git workflow</a:t>
-            </a:r>
-          </a:p>
-          <a:p>
-            <a:pPr marL="1092200" lvl="1" indent="-635000"/>
-            <a:r>
-              <a:rPr lang="en-US" dirty="0"/>
-              <a:t>Submit a pull request on </a:t>
-            </a:r>
-            <a:r>
-              <a:rPr lang="en-US" dirty="0" err="1"/>
-              <a:t>Github</a:t>
-            </a:r>
-            <a:r>
-              <a:rPr lang="en-US" dirty="0"/>
-              <a:t> to merge two branches</a:t>
-            </a:r>
-          </a:p>
-          <a:p>
-            <a:pPr marL="1092200" lvl="1" indent="-635000"/>
-            <a:endParaRPr lang="en-US" dirty="0"/>
-          </a:p>
-          <a:p>
-            <a:pPr marL="0" indent="0">
-              <a:buNone/>
-            </a:pPr>
-            <a:r>
-              <a:rPr lang="en-US" sz="5800" dirty="0"/>
-              <a:t>Try to type along with me as we walk through the demo. However, don’t worry if you get stuck!</a:t>
-            </a:r>
-          </a:p>
-        </p:txBody>
-      </p:sp>
-    </p:spTree>
-    <p:extLst>
-      <p:ext uri="{BB962C8B-B14F-4D97-AF65-F5344CB8AC3E}">
-        <p14:creationId xmlns:p14="http://schemas.microsoft.com/office/powerpoint/2010/main" val="503865505"/>
-      </p:ext>
-    </p:extLst>
-  </p:cSld>
-  <p:clrMapOvr>
-    <a:masterClrMapping/>
-  </p:clrMapOvr>
-</p:sld>
-</file>
-
 <file path=ppt/theme/theme1.xml><?xml version="1.0" encoding="utf-8"?>
 <a:theme xmlns:a="http://schemas.openxmlformats.org/drawingml/2006/main" name="White">
   <a:themeElements>

--- a/Day1/gitflow.pptx
+++ b/Day1/gitflow.pptx
@@ -5,7 +5,7 @@
     <p:sldMasterId id="2147483648" r:id="rId1"/>
   </p:sldMasterIdLst>
   <p:notesMasterIdLst>
-    <p:notesMasterId r:id="rId20"/>
+    <p:notesMasterId r:id="rId17"/>
   </p:notesMasterIdLst>
   <p:sldIdLst>
     <p:sldId id="256" r:id="rId2"/>
@@ -17,32 +17,29 @@
     <p:sldId id="290" r:id="rId8"/>
     <p:sldId id="272" r:id="rId9"/>
     <p:sldId id="292" r:id="rId10"/>
-    <p:sldId id="293" r:id="rId11"/>
-    <p:sldId id="274" r:id="rId12"/>
-    <p:sldId id="291" r:id="rId13"/>
-    <p:sldId id="262" r:id="rId14"/>
-    <p:sldId id="294" r:id="rId15"/>
-    <p:sldId id="289" r:id="rId16"/>
-    <p:sldId id="269" r:id="rId17"/>
-    <p:sldId id="270" r:id="rId18"/>
-    <p:sldId id="271" r:id="rId19"/>
+    <p:sldId id="295" r:id="rId11"/>
+    <p:sldId id="293" r:id="rId12"/>
+    <p:sldId id="274" r:id="rId13"/>
+    <p:sldId id="291" r:id="rId14"/>
+    <p:sldId id="262" r:id="rId15"/>
+    <p:sldId id="294" r:id="rId16"/>
   </p:sldIdLst>
   <p:sldSz cx="24384000" cy="13716000"/>
   <p:notesSz cx="6858000" cy="9144000"/>
   <p:embeddedFontLst>
     <p:embeddedFont>
       <p:font typeface="Helvetica Neue" panose="02000503000000020004" pitchFamily="2" charset="0"/>
-      <p:regular r:id="rId21"/>
-      <p:bold r:id="rId22"/>
-      <p:italic r:id="rId23"/>
-      <p:boldItalic r:id="rId24"/>
+      <p:regular r:id="rId18"/>
+      <p:bold r:id="rId19"/>
+      <p:italic r:id="rId20"/>
+      <p:boldItalic r:id="rId21"/>
     </p:embeddedFont>
     <p:embeddedFont>
       <p:font typeface="Helvetica Neue Light" panose="02000403000000020004" pitchFamily="2" charset="0"/>
-      <p:regular r:id="rId25"/>
-      <p:bold r:id="rId26"/>
-      <p:italic r:id="rId27"/>
-      <p:boldItalic r:id="rId28"/>
+      <p:regular r:id="rId22"/>
+      <p:bold r:id="rId23"/>
+      <p:italic r:id="rId24"/>
+      <p:boldItalic r:id="rId25"/>
     </p:embeddedFont>
   </p:embeddedFontLst>
   <p:defaultTextStyle>
@@ -901,6 +898,115 @@
   <p:cSld>
     <p:spTree>
       <p:nvGrpSpPr>
+        <p:cNvPr id="1" name="Shape 193"/>
+        <p:cNvGrpSpPr/>
+        <p:nvPr/>
+      </p:nvGrpSpPr>
+      <p:grpSpPr>
+        <a:xfrm>
+          <a:off x="0" y="0"/>
+          <a:ext cx="0" cy="0"/>
+          <a:chOff x="0" y="0"/>
+          <a:chExt cx="0" cy="0"/>
+        </a:xfrm>
+      </p:grpSpPr>
+      <p:sp>
+        <p:nvSpPr>
+          <p:cNvPr id="194" name="Google Shape;194;p13:notes"/>
+          <p:cNvSpPr txBox="1">
+            <a:spLocks noGrp="1"/>
+          </p:cNvSpPr>
+          <p:nvPr>
+            <p:ph type="body" idx="1"/>
+          </p:nvPr>
+        </p:nvSpPr>
+        <p:spPr>
+          <a:xfrm>
+            <a:off x="914400" y="4343400"/>
+            <a:ext cx="5029200" cy="4114800"/>
+          </a:xfrm>
+          <a:prstGeom prst="rect">
+            <a:avLst/>
+          </a:prstGeom>
+        </p:spPr>
+        <p:txBody>
+          <a:bodyPr spcFirstLastPara="1" wrap="square" lIns="91425" tIns="45700" rIns="91425" bIns="45700" anchor="t" anchorCtr="0">
+            <a:noAutofit/>
+          </a:bodyPr>
+          <a:lstStyle/>
+          <a:p>
+            <a:pPr marL="0" lvl="0" indent="0" algn="l" rtl="0">
+              <a:spcBef>
+                <a:spcPts val="0"/>
+              </a:spcBef>
+              <a:spcAft>
+                <a:spcPts val="0"/>
+              </a:spcAft>
+              <a:buNone/>
+            </a:pPr>
+            <a:endParaRPr/>
+          </a:p>
+        </p:txBody>
+      </p:sp>
+      <p:sp>
+        <p:nvSpPr>
+          <p:cNvPr id="195" name="Google Shape;195;p13:notes"/>
+          <p:cNvSpPr>
+            <a:spLocks noGrp="1" noRot="1" noChangeAspect="1"/>
+          </p:cNvSpPr>
+          <p:nvPr>
+            <p:ph type="sldImg" idx="2"/>
+          </p:nvPr>
+        </p:nvSpPr>
+        <p:spPr>
+          <a:xfrm>
+            <a:off x="381000" y="685800"/>
+            <a:ext cx="6096000" cy="3429000"/>
+          </a:xfrm>
+          <a:custGeom>
+            <a:avLst/>
+            <a:gdLst/>
+            <a:ahLst/>
+            <a:cxnLst/>
+            <a:rect l="l" t="t" r="r" b="b"/>
+            <a:pathLst>
+              <a:path w="120000" h="120000" extrusionOk="0">
+                <a:moveTo>
+                  <a:pt x="0" y="0"/>
+                </a:moveTo>
+                <a:lnTo>
+                  <a:pt x="120000" y="0"/>
+                </a:lnTo>
+                <a:lnTo>
+                  <a:pt x="120000" y="120000"/>
+                </a:lnTo>
+                <a:lnTo>
+                  <a:pt x="0" y="120000"/>
+                </a:lnTo>
+                <a:close/>
+              </a:path>
+            </a:pathLst>
+          </a:custGeom>
+        </p:spPr>
+      </p:sp>
+    </p:spTree>
+    <p:extLst>
+      <p:ext uri="{BB962C8B-B14F-4D97-AF65-F5344CB8AC3E}">
+        <p14:creationId xmlns:p14="http://schemas.microsoft.com/office/powerpoint/2010/main" val="498390696"/>
+      </p:ext>
+    </p:extLst>
+  </p:cSld>
+  <p:clrMapOvr>
+    <a:masterClrMapping/>
+  </p:clrMapOvr>
+</p:notes>
+</file>
+
+<file path=ppt/notesSlides/notesSlide11.xml><?xml version="1.0" encoding="utf-8"?>
+<p:notes xmlns:a="http://schemas.openxmlformats.org/drawingml/2006/main" xmlns:r="http://schemas.openxmlformats.org/officeDocument/2006/relationships" xmlns:p="http://schemas.openxmlformats.org/presentationml/2006/main" showMasterSp="0" showMasterPhAnim="0">
+  <p:cSld>
+    <p:spTree>
+      <p:nvGrpSpPr>
         <p:cNvPr id="1" name="Shape 96"/>
         <p:cNvGrpSpPr/>
         <p:nvPr/>
@@ -946,6 +1052,115 @@
                 <a:spcPts val="0"/>
               </a:spcAft>
               <a:buNone/>
+            </a:pPr>
+            <a:r>
+              <a:rPr lang="en-US" dirty="0"/>
+              <a:t>Demo tasks:</a:t>
+            </a:r>
+          </a:p>
+          <a:p>
+            <a:pPr marL="342900" lvl="0" indent="-342900" algn="l" rtl="0">
+              <a:spcBef>
+                <a:spcPts val="0"/>
+              </a:spcBef>
+              <a:spcAft>
+                <a:spcPts val="0"/>
+              </a:spcAft>
+              <a:buFontTx/>
+              <a:buChar char="-"/>
+            </a:pPr>
+            <a:r>
+              <a:rPr lang="en-US" dirty="0"/>
+              <a:t>Raise an issue in the </a:t>
+            </a:r>
+            <a:r>
+              <a:rPr lang="en-US" dirty="0" err="1"/>
+              <a:t>codeastro</a:t>
+            </a:r>
+            <a:r>
+              <a:rPr lang="en-US" dirty="0"/>
+              <a:t> repository</a:t>
+            </a:r>
+          </a:p>
+          <a:p>
+            <a:pPr marL="342900" lvl="0" indent="-342900" algn="l" rtl="0">
+              <a:spcBef>
+                <a:spcPts val="0"/>
+              </a:spcBef>
+              <a:spcAft>
+                <a:spcPts val="0"/>
+              </a:spcAft>
+              <a:buFontTx/>
+              <a:buChar char="-"/>
+            </a:pPr>
+            <a:r>
+              <a:rPr lang="en-US" dirty="0"/>
+              <a:t>Create a new repository from </a:t>
+            </a:r>
+            <a:r>
+              <a:rPr lang="en-US" dirty="0" err="1"/>
+              <a:t>github</a:t>
+            </a:r>
+            <a:endParaRPr lang="en-US" dirty="0"/>
+          </a:p>
+          <a:p>
+            <a:pPr marL="342900" lvl="0" indent="-342900" algn="l" rtl="0">
+              <a:spcBef>
+                <a:spcPts val="0"/>
+              </a:spcBef>
+              <a:spcAft>
+                <a:spcPts val="0"/>
+              </a:spcAft>
+              <a:buFontTx/>
+              <a:buChar char="-"/>
+            </a:pPr>
+            <a:r>
+              <a:rPr lang="en-US" dirty="0"/>
+              <a:t>Create main, develop, feature1, and feature2 branches</a:t>
+            </a:r>
+          </a:p>
+          <a:p>
+            <a:pPr marL="342900" lvl="0" indent="-342900" algn="l" rtl="0">
+              <a:spcBef>
+                <a:spcPts val="0"/>
+              </a:spcBef>
+              <a:spcAft>
+                <a:spcPts val="0"/>
+              </a:spcAft>
+              <a:buFontTx/>
+              <a:buChar char="-"/>
+            </a:pPr>
+            <a:r>
+              <a:rPr lang="en-US" dirty="0"/>
+              <a:t>Create PRs for feature1 and feature2 to develop</a:t>
+            </a:r>
+          </a:p>
+          <a:p>
+            <a:pPr marL="342900" lvl="0" indent="-342900" algn="l" rtl="0">
+              <a:spcBef>
+                <a:spcPts val="0"/>
+              </a:spcBef>
+              <a:spcAft>
+                <a:spcPts val="0"/>
+              </a:spcAft>
+              <a:buFontTx/>
+              <a:buChar char="-"/>
+            </a:pPr>
+            <a:r>
+              <a:rPr lang="en-US" dirty="0"/>
+              <a:t>Merge the PRs</a:t>
+            </a:r>
+          </a:p>
+          <a:p>
+            <a:pPr marL="342900" lvl="0" indent="-342900" algn="l" rtl="0">
+              <a:spcBef>
+                <a:spcPts val="0"/>
+              </a:spcBef>
+              <a:spcAft>
+                <a:spcPts val="0"/>
+              </a:spcAft>
+              <a:buFontTx/>
+              <a:buChar char="-"/>
             </a:pPr>
             <a:endParaRPr dirty="0"/>
           </a:p>
@@ -1005,7 +1220,7 @@
 </p:notes>
 </file>
 
-<file path=ppt/notesSlides/notesSlide11.xml><?xml version="1.0" encoding="utf-8"?>
+<file path=ppt/notesSlides/notesSlide12.xml><?xml version="1.0" encoding="utf-8"?>
 <p:notes xmlns:a="http://schemas.openxmlformats.org/drawingml/2006/main" xmlns:r="http://schemas.openxmlformats.org/officeDocument/2006/relationships" xmlns:p="http://schemas.openxmlformats.org/presentationml/2006/main" showMasterSp="0" showMasterPhAnim="0">
   <p:cSld>
     <p:spTree>
@@ -1109,7 +1324,7 @@
 </p:notes>
 </file>
 
-<file path=ppt/notesSlides/notesSlide12.xml><?xml version="1.0" encoding="utf-8"?>
+<file path=ppt/notesSlides/notesSlide13.xml><?xml version="1.0" encoding="utf-8"?>
 <p:notes xmlns:a="http://schemas.openxmlformats.org/drawingml/2006/main" xmlns:r="http://schemas.openxmlformats.org/officeDocument/2006/relationships" xmlns:p="http://schemas.openxmlformats.org/presentationml/2006/main" showMasterSp="0" showMasterPhAnim="0">
   <p:cSld>
     <p:spTree>
@@ -1218,7 +1433,7 @@
 </p:notes>
 </file>
 
-<file path=ppt/notesSlides/notesSlide13.xml><?xml version="1.0" encoding="utf-8"?>
+<file path=ppt/notesSlides/notesSlide14.xml><?xml version="1.0" encoding="utf-8"?>
 <p:notes xmlns:a="http://schemas.openxmlformats.org/drawingml/2006/main" xmlns:r="http://schemas.openxmlformats.org/officeDocument/2006/relationships" xmlns:p="http://schemas.openxmlformats.org/presentationml/2006/main" showMasterSp="0" showMasterPhAnim="0">
   <p:cSld>
     <p:spTree>
@@ -1311,10 +1526,10 @@
               <a:buNone/>
             </a:pPr>
             <a:r>
-              <a:rPr lang="en-US"/>
+              <a:rPr lang="en-US" dirty="0"/>
               <a:t>on zoom: use stack. </a:t>
             </a:r>
-            <a:endParaRPr/>
+            <a:endParaRPr dirty="0"/>
           </a:p>
           <a:p>
             <a:pPr marL="0" lvl="0" indent="0" algn="l" rtl="0">
@@ -1327,10 +1542,10 @@
               <a:buNone/>
             </a:pPr>
             <a:r>
-              <a:rPr lang="en-US"/>
+              <a:rPr lang="en-US" dirty="0"/>
               <a:t>IRL: raise hand. </a:t>
             </a:r>
-            <a:endParaRPr/>
+            <a:endParaRPr dirty="0"/>
           </a:p>
           <a:p>
             <a:pPr marL="0" lvl="0" indent="0" algn="l" rtl="0">
@@ -1343,10 +1558,22 @@
               <a:buNone/>
             </a:pPr>
             <a:r>
-              <a:rPr lang="en-US"/>
-              <a:t>Alternate btwn zoom &amp; irl</a:t>
+              <a:rPr lang="en-US" dirty="0"/>
+              <a:t>Alternate </a:t>
             </a:r>
-            <a:endParaRPr/>
+            <a:r>
+              <a:rPr lang="en-US" dirty="0" err="1"/>
+              <a:t>btwn</a:t>
+            </a:r>
+            <a:r>
+              <a:rPr lang="en-US" dirty="0"/>
+              <a:t> zoom &amp; </a:t>
+            </a:r>
+            <a:r>
+              <a:rPr lang="en-US" dirty="0" err="1"/>
+              <a:t>irl</a:t>
+            </a:r>
+            <a:endParaRPr dirty="0"/>
           </a:p>
         </p:txBody>
       </p:sp>
@@ -1358,7 +1585,7 @@
 </p:notes>
 </file>
 
-<file path=ppt/notesSlides/notesSlide14.xml><?xml version="1.0" encoding="utf-8"?>
+<file path=ppt/notesSlides/notesSlide15.xml><?xml version="1.0" encoding="utf-8"?>
 <p:notes xmlns:a="http://schemas.openxmlformats.org/drawingml/2006/main" xmlns:r="http://schemas.openxmlformats.org/officeDocument/2006/relationships" xmlns:p="http://schemas.openxmlformats.org/presentationml/2006/main" showMasterSp="0" showMasterPhAnim="0">
   <p:cSld>
     <p:spTree>
@@ -1460,318 +1687,6 @@
         <p14:creationId xmlns:p14="http://schemas.microsoft.com/office/powerpoint/2010/main" val="1796064178"/>
       </p:ext>
     </p:extLst>
-  </p:cSld>
-  <p:clrMapOvr>
-    <a:masterClrMapping/>
-  </p:clrMapOvr>
-</p:notes>
-</file>
-
-<file path=ppt/notesSlides/notesSlide15.xml><?xml version="1.0" encoding="utf-8"?>
-<p:notes xmlns:a="http://schemas.openxmlformats.org/drawingml/2006/main" xmlns:r="http://schemas.openxmlformats.org/officeDocument/2006/relationships" xmlns:p="http://schemas.openxmlformats.org/presentationml/2006/main" showMasterSp="0" showMasterPhAnim="0">
-  <p:cSld>
-    <p:spTree>
-      <p:nvGrpSpPr>
-        <p:cNvPr id="1" name="Shape 170"/>
-        <p:cNvGrpSpPr/>
-        <p:nvPr/>
-      </p:nvGrpSpPr>
-      <p:grpSpPr>
-        <a:xfrm>
-          <a:off x="0" y="0"/>
-          <a:ext cx="0" cy="0"/>
-          <a:chOff x="0" y="0"/>
-          <a:chExt cx="0" cy="0"/>
-        </a:xfrm>
-      </p:grpSpPr>
-      <p:sp>
-        <p:nvSpPr>
-          <p:cNvPr id="171" name="Google Shape;171;p10:notes"/>
-          <p:cNvSpPr txBox="1">
-            <a:spLocks noGrp="1"/>
-          </p:cNvSpPr>
-          <p:nvPr>
-            <p:ph type="body" idx="1"/>
-          </p:nvPr>
-        </p:nvSpPr>
-        <p:spPr>
-          <a:xfrm>
-            <a:off x="914400" y="4343400"/>
-            <a:ext cx="5029200" cy="4114800"/>
-          </a:xfrm>
-          <a:prstGeom prst="rect">
-            <a:avLst/>
-          </a:prstGeom>
-        </p:spPr>
-        <p:txBody>
-          <a:bodyPr spcFirstLastPara="1" wrap="square" lIns="91425" tIns="45700" rIns="91425" bIns="45700" anchor="t" anchorCtr="0">
-            <a:noAutofit/>
-          </a:bodyPr>
-          <a:lstStyle/>
-          <a:p>
-            <a:pPr marL="0" lvl="0" indent="0" algn="l" rtl="0">
-              <a:spcBef>
-                <a:spcPts val="0"/>
-              </a:spcBef>
-              <a:spcAft>
-                <a:spcPts val="0"/>
-              </a:spcAft>
-              <a:buNone/>
-            </a:pPr>
-            <a:endParaRPr/>
-          </a:p>
-        </p:txBody>
-      </p:sp>
-      <p:sp>
-        <p:nvSpPr>
-          <p:cNvPr id="172" name="Google Shape;172;p10:notes"/>
-          <p:cNvSpPr>
-            <a:spLocks noGrp="1" noRot="1" noChangeAspect="1"/>
-          </p:cNvSpPr>
-          <p:nvPr>
-            <p:ph type="sldImg" idx="2"/>
-          </p:nvPr>
-        </p:nvSpPr>
-        <p:spPr>
-          <a:xfrm>
-            <a:off x="381000" y="685800"/>
-            <a:ext cx="6096000" cy="3429000"/>
-          </a:xfrm>
-          <a:custGeom>
-            <a:avLst/>
-            <a:gdLst/>
-            <a:ahLst/>
-            <a:cxnLst/>
-            <a:rect l="l" t="t" r="r" b="b"/>
-            <a:pathLst>
-              <a:path w="120000" h="120000" extrusionOk="0">
-                <a:moveTo>
-                  <a:pt x="0" y="0"/>
-                </a:moveTo>
-                <a:lnTo>
-                  <a:pt x="120000" y="0"/>
-                </a:lnTo>
-                <a:lnTo>
-                  <a:pt x="120000" y="120000"/>
-                </a:lnTo>
-                <a:lnTo>
-                  <a:pt x="0" y="120000"/>
-                </a:lnTo>
-                <a:close/>
-              </a:path>
-            </a:pathLst>
-          </a:custGeom>
-        </p:spPr>
-      </p:sp>
-    </p:spTree>
-  </p:cSld>
-  <p:clrMapOvr>
-    <a:masterClrMapping/>
-  </p:clrMapOvr>
-</p:notes>
-</file>
-
-<file path=ppt/notesSlides/notesSlide16.xml><?xml version="1.0" encoding="utf-8"?>
-<p:notes xmlns:a="http://schemas.openxmlformats.org/drawingml/2006/main" xmlns:r="http://schemas.openxmlformats.org/officeDocument/2006/relationships" xmlns:p="http://schemas.openxmlformats.org/presentationml/2006/main" showMasterSp="0" showMasterPhAnim="0">
-  <p:cSld>
-    <p:spTree>
-      <p:nvGrpSpPr>
-        <p:cNvPr id="1" name="Shape 177"/>
-        <p:cNvGrpSpPr/>
-        <p:nvPr/>
-      </p:nvGrpSpPr>
-      <p:grpSpPr>
-        <a:xfrm>
-          <a:off x="0" y="0"/>
-          <a:ext cx="0" cy="0"/>
-          <a:chOff x="0" y="0"/>
-          <a:chExt cx="0" cy="0"/>
-        </a:xfrm>
-      </p:grpSpPr>
-      <p:sp>
-        <p:nvSpPr>
-          <p:cNvPr id="178" name="Google Shape;178;p11:notes"/>
-          <p:cNvSpPr txBox="1">
-            <a:spLocks noGrp="1"/>
-          </p:cNvSpPr>
-          <p:nvPr>
-            <p:ph type="body" idx="1"/>
-          </p:nvPr>
-        </p:nvSpPr>
-        <p:spPr>
-          <a:xfrm>
-            <a:off x="914400" y="4343400"/>
-            <a:ext cx="5029200" cy="4114800"/>
-          </a:xfrm>
-          <a:prstGeom prst="rect">
-            <a:avLst/>
-          </a:prstGeom>
-        </p:spPr>
-        <p:txBody>
-          <a:bodyPr spcFirstLastPara="1" wrap="square" lIns="91425" tIns="45700" rIns="91425" bIns="45700" anchor="t" anchorCtr="0">
-            <a:noAutofit/>
-          </a:bodyPr>
-          <a:lstStyle/>
-          <a:p>
-            <a:pPr marL="0" lvl="0" indent="0" algn="l" rtl="0">
-              <a:spcBef>
-                <a:spcPts val="0"/>
-              </a:spcBef>
-              <a:spcAft>
-                <a:spcPts val="0"/>
-              </a:spcAft>
-              <a:buNone/>
-            </a:pPr>
-            <a:endParaRPr/>
-          </a:p>
-        </p:txBody>
-      </p:sp>
-      <p:sp>
-        <p:nvSpPr>
-          <p:cNvPr id="179" name="Google Shape;179;p11:notes"/>
-          <p:cNvSpPr>
-            <a:spLocks noGrp="1" noRot="1" noChangeAspect="1"/>
-          </p:cNvSpPr>
-          <p:nvPr>
-            <p:ph type="sldImg" idx="2"/>
-          </p:nvPr>
-        </p:nvSpPr>
-        <p:spPr>
-          <a:xfrm>
-            <a:off x="381000" y="685800"/>
-            <a:ext cx="6096000" cy="3429000"/>
-          </a:xfrm>
-          <a:custGeom>
-            <a:avLst/>
-            <a:gdLst/>
-            <a:ahLst/>
-            <a:cxnLst/>
-            <a:rect l="l" t="t" r="r" b="b"/>
-            <a:pathLst>
-              <a:path w="120000" h="120000" extrusionOk="0">
-                <a:moveTo>
-                  <a:pt x="0" y="0"/>
-                </a:moveTo>
-                <a:lnTo>
-                  <a:pt x="120000" y="0"/>
-                </a:lnTo>
-                <a:lnTo>
-                  <a:pt x="120000" y="120000"/>
-                </a:lnTo>
-                <a:lnTo>
-                  <a:pt x="0" y="120000"/>
-                </a:lnTo>
-                <a:close/>
-              </a:path>
-            </a:pathLst>
-          </a:custGeom>
-        </p:spPr>
-      </p:sp>
-    </p:spTree>
-  </p:cSld>
-  <p:clrMapOvr>
-    <a:masterClrMapping/>
-  </p:clrMapOvr>
-</p:notes>
-</file>
-
-<file path=ppt/notesSlides/notesSlide17.xml><?xml version="1.0" encoding="utf-8"?>
-<p:notes xmlns:a="http://schemas.openxmlformats.org/drawingml/2006/main" xmlns:r="http://schemas.openxmlformats.org/officeDocument/2006/relationships" xmlns:p="http://schemas.openxmlformats.org/presentationml/2006/main" showMasterSp="0" showMasterPhAnim="0">
-  <p:cSld>
-    <p:spTree>
-      <p:nvGrpSpPr>
-        <p:cNvPr id="1" name="Shape 185"/>
-        <p:cNvGrpSpPr/>
-        <p:nvPr/>
-      </p:nvGrpSpPr>
-      <p:grpSpPr>
-        <a:xfrm>
-          <a:off x="0" y="0"/>
-          <a:ext cx="0" cy="0"/>
-          <a:chOff x="0" y="0"/>
-          <a:chExt cx="0" cy="0"/>
-        </a:xfrm>
-      </p:grpSpPr>
-      <p:sp>
-        <p:nvSpPr>
-          <p:cNvPr id="186" name="Google Shape;186;p12:notes"/>
-          <p:cNvSpPr txBox="1">
-            <a:spLocks noGrp="1"/>
-          </p:cNvSpPr>
-          <p:nvPr>
-            <p:ph type="body" idx="1"/>
-          </p:nvPr>
-        </p:nvSpPr>
-        <p:spPr>
-          <a:xfrm>
-            <a:off x="914400" y="4343400"/>
-            <a:ext cx="5029200" cy="4114800"/>
-          </a:xfrm>
-          <a:prstGeom prst="rect">
-            <a:avLst/>
-          </a:prstGeom>
-        </p:spPr>
-        <p:txBody>
-          <a:bodyPr spcFirstLastPara="1" wrap="square" lIns="91425" tIns="45700" rIns="91425" bIns="45700" anchor="t" anchorCtr="0">
-            <a:noAutofit/>
-          </a:bodyPr>
-          <a:lstStyle/>
-          <a:p>
-            <a:pPr marL="0" lvl="0" indent="0" algn="l" rtl="0">
-              <a:spcBef>
-                <a:spcPts val="0"/>
-              </a:spcBef>
-              <a:spcAft>
-                <a:spcPts val="0"/>
-              </a:spcAft>
-              <a:buNone/>
-            </a:pPr>
-            <a:endParaRPr/>
-          </a:p>
-        </p:txBody>
-      </p:sp>
-      <p:sp>
-        <p:nvSpPr>
-          <p:cNvPr id="187" name="Google Shape;187;p12:notes"/>
-          <p:cNvSpPr>
-            <a:spLocks noGrp="1" noRot="1" noChangeAspect="1"/>
-          </p:cNvSpPr>
-          <p:nvPr>
-            <p:ph type="sldImg" idx="2"/>
-          </p:nvPr>
-        </p:nvSpPr>
-        <p:spPr>
-          <a:xfrm>
-            <a:off x="381000" y="685800"/>
-            <a:ext cx="6096000" cy="3429000"/>
-          </a:xfrm>
-          <a:custGeom>
-            <a:avLst/>
-            <a:gdLst/>
-            <a:ahLst/>
-            <a:cxnLst/>
-            <a:rect l="l" t="t" r="r" b="b"/>
-            <a:pathLst>
-              <a:path w="120000" h="120000" extrusionOk="0">
-                <a:moveTo>
-                  <a:pt x="0" y="0"/>
-                </a:moveTo>
-                <a:lnTo>
-                  <a:pt x="120000" y="0"/>
-                </a:lnTo>
-                <a:lnTo>
-                  <a:pt x="120000" y="120000"/>
-                </a:lnTo>
-                <a:lnTo>
-                  <a:pt x="0" y="120000"/>
-                </a:lnTo>
-                <a:close/>
-              </a:path>
-            </a:pathLst>
-          </a:custGeom>
-        </p:spPr>
-      </p:sp>
-    </p:spTree>
   </p:cSld>
   <p:clrMapOvr>
     <a:masterClrMapping/>
@@ -10788,10 +10703,14 @@
           <a:lstStyle/>
           <a:p>
             <a:r>
-              <a:rPr lang="en-US" dirty="0" err="1"/>
+              <a:rPr lang="en-US" dirty="0" err="1">
+                <a:latin typeface="+mn-lt"/>
+              </a:rPr>
               <a:t>Gitflow</a:t>
             </a:r>
-            <a:endParaRPr lang="en-US" dirty="0"/>
+            <a:endParaRPr lang="en-US" dirty="0">
+              <a:latin typeface="+mn-lt"/>
+            </a:endParaRPr>
           </a:p>
         </p:txBody>
       </p:sp>
@@ -11075,7 +10994,9 @@
           </a:lstStyle>
           <a:p>
             <a:r>
-              <a:rPr lang="en-US" dirty="0"/>
+              <a:rPr lang="en-US" dirty="0">
+                <a:latin typeface="+mn-lt"/>
+              </a:rPr>
               <a:t>Code/Astro 2024</a:t>
             </a:r>
           </a:p>
@@ -11090,6 +11011,945 @@
 </file>
 
 <file path=ppt/slides/slide10.xml><?xml version="1.0" encoding="utf-8"?>
+<p:sld xmlns:a="http://schemas.openxmlformats.org/drawingml/2006/main" xmlns:r="http://schemas.openxmlformats.org/officeDocument/2006/relationships" xmlns:p="http://schemas.openxmlformats.org/presentationml/2006/main">
+  <p:cSld>
+    <p:spTree>
+      <p:nvGrpSpPr>
+        <p:cNvPr id="1" name="Shape 196"/>
+        <p:cNvGrpSpPr/>
+        <p:nvPr/>
+      </p:nvGrpSpPr>
+      <p:grpSpPr>
+        <a:xfrm>
+          <a:off x="0" y="0"/>
+          <a:ext cx="0" cy="0"/>
+          <a:chOff x="0" y="0"/>
+          <a:chExt cx="0" cy="0"/>
+        </a:xfrm>
+      </p:grpSpPr>
+      <p:pic>
+        <p:nvPicPr>
+          <p:cNvPr id="197" name="Google Shape;197;p13" descr="Screenshot 2020-06-05 12.22.34.png"/>
+          <p:cNvPicPr preferRelativeResize="0"/>
+          <p:nvPr/>
+        </p:nvPicPr>
+        <p:blipFill rotWithShape="1">
+          <a:blip r:embed="rId3">
+            <a:alphaModFix/>
+          </a:blip>
+          <a:srcRect b="11825"/>
+          <a:stretch/>
+        </p:blipFill>
+        <p:spPr>
+          <a:xfrm>
+            <a:off x="2566743" y="2541399"/>
+            <a:ext cx="19250514" cy="9765931"/>
+          </a:xfrm>
+          <a:prstGeom prst="rect">
+            <a:avLst/>
+          </a:prstGeom>
+          <a:noFill/>
+          <a:ln>
+            <a:noFill/>
+          </a:ln>
+        </p:spPr>
+      </p:pic>
+      <p:sp>
+        <p:nvSpPr>
+          <p:cNvPr id="198" name="Google Shape;198;p13"/>
+          <p:cNvSpPr txBox="1">
+            <a:spLocks noGrp="1"/>
+          </p:cNvSpPr>
+          <p:nvPr>
+            <p:ph type="title"/>
+          </p:nvPr>
+        </p:nvSpPr>
+        <p:spPr>
+          <a:xfrm>
+            <a:off x="1689100" y="355600"/>
+            <a:ext cx="21005800" cy="2286000"/>
+          </a:xfrm>
+          <a:prstGeom prst="rect">
+            <a:avLst/>
+          </a:prstGeom>
+          <a:noFill/>
+          <a:ln>
+            <a:noFill/>
+          </a:ln>
+        </p:spPr>
+        <p:txBody>
+          <a:bodyPr spcFirstLastPara="1" wrap="square" lIns="50800" tIns="50800" rIns="50800" bIns="50800" anchor="ctr" anchorCtr="0">
+            <a:normAutofit/>
+          </a:bodyPr>
+          <a:lstStyle/>
+          <a:p>
+            <a:pPr marL="0" lvl="0" indent="0" algn="ctr" rtl="0">
+              <a:lnSpc>
+                <a:spcPct val="100000"/>
+              </a:lnSpc>
+              <a:spcBef>
+                <a:spcPts val="0"/>
+              </a:spcBef>
+              <a:spcAft>
+                <a:spcPts val="0"/>
+              </a:spcAft>
+              <a:buClr>
+                <a:srgbClr val="000000"/>
+              </a:buClr>
+              <a:buSzPts val="11200"/>
+              <a:buFont typeface="Helvetica Neue"/>
+              <a:buNone/>
+            </a:pPr>
+            <a:r>
+              <a:rPr lang="en-US" sz="7200" b="0" i="0" u="none" strike="noStrike" cap="none" dirty="0">
+                <a:solidFill>
+                  <a:srgbClr val="000000"/>
+                </a:solidFill>
+                <a:latin typeface="+mn-lt"/>
+                <a:ea typeface="Helvetica Neue"/>
+                <a:cs typeface="Helvetica Neue"/>
+                <a:sym typeface="Helvetica Neue"/>
+              </a:rPr>
+              <a:t>4. Merge into main</a:t>
+            </a:r>
+            <a:endParaRPr sz="7200" dirty="0">
+              <a:latin typeface="+mn-lt"/>
+            </a:endParaRPr>
+          </a:p>
+        </p:txBody>
+      </p:sp>
+      <p:sp>
+        <p:nvSpPr>
+          <p:cNvPr id="199" name="Google Shape;199;p13"/>
+          <p:cNvSpPr/>
+          <p:nvPr/>
+        </p:nvSpPr>
+        <p:spPr>
+          <a:xfrm>
+            <a:off x="14670332" y="10583134"/>
+            <a:ext cx="7146925" cy="1719842"/>
+          </a:xfrm>
+          <a:prstGeom prst="rect">
+            <a:avLst/>
+          </a:prstGeom>
+          <a:solidFill>
+            <a:srgbClr val="F5F5F5"/>
+          </a:solidFill>
+          <a:ln>
+            <a:noFill/>
+          </a:ln>
+        </p:spPr>
+        <p:txBody>
+          <a:bodyPr spcFirstLastPara="1" wrap="square" lIns="0" tIns="0" rIns="0" bIns="0" anchor="ctr" anchorCtr="0">
+            <a:noAutofit/>
+          </a:bodyPr>
+          <a:lstStyle/>
+          <a:p>
+            <a:pPr marL="0" marR="0" lvl="0" indent="0" algn="ctr" rtl="0">
+              <a:lnSpc>
+                <a:spcPct val="100000"/>
+              </a:lnSpc>
+              <a:spcBef>
+                <a:spcPts val="0"/>
+              </a:spcBef>
+              <a:spcAft>
+                <a:spcPts val="0"/>
+              </a:spcAft>
+              <a:buClr>
+                <a:srgbClr val="FFFFFF"/>
+              </a:buClr>
+              <a:buSzPts val="3200"/>
+              <a:buFont typeface="Helvetica Neue"/>
+              <a:buNone/>
+            </a:pPr>
+            <a:endParaRPr sz="3200" b="0" i="0" u="none" strike="noStrike" cap="none">
+              <a:solidFill>
+                <a:srgbClr val="FFFFFF"/>
+              </a:solidFill>
+              <a:latin typeface="Helvetica Neue"/>
+              <a:ea typeface="Helvetica Neue"/>
+              <a:cs typeface="Helvetica Neue"/>
+              <a:sym typeface="Helvetica Neue"/>
+            </a:endParaRPr>
+          </a:p>
+        </p:txBody>
+      </p:sp>
+      <p:sp>
+        <p:nvSpPr>
+          <p:cNvPr id="200" name="Google Shape;200;p13"/>
+          <p:cNvSpPr/>
+          <p:nvPr/>
+        </p:nvSpPr>
+        <p:spPr>
+          <a:xfrm>
+            <a:off x="8956802" y="5734935"/>
+            <a:ext cx="2729938" cy="2246130"/>
+          </a:xfrm>
+          <a:prstGeom prst="rect">
+            <a:avLst/>
+          </a:prstGeom>
+          <a:solidFill>
+            <a:srgbClr val="F5F5F5"/>
+          </a:solidFill>
+          <a:ln>
+            <a:noFill/>
+          </a:ln>
+        </p:spPr>
+        <p:txBody>
+          <a:bodyPr spcFirstLastPara="1" wrap="square" lIns="0" tIns="0" rIns="0" bIns="0" anchor="ctr" anchorCtr="0">
+            <a:noAutofit/>
+          </a:bodyPr>
+          <a:lstStyle/>
+          <a:p>
+            <a:pPr marL="0" marR="0" lvl="0" indent="0" algn="ctr" rtl="0">
+              <a:lnSpc>
+                <a:spcPct val="100000"/>
+              </a:lnSpc>
+              <a:spcBef>
+                <a:spcPts val="0"/>
+              </a:spcBef>
+              <a:spcAft>
+                <a:spcPts val="0"/>
+              </a:spcAft>
+              <a:buClr>
+                <a:srgbClr val="FFFFFF"/>
+              </a:buClr>
+              <a:buSzPts val="3200"/>
+              <a:buFont typeface="Helvetica Neue"/>
+              <a:buNone/>
+            </a:pPr>
+            <a:endParaRPr sz="3200" b="0" i="0" u="none" strike="noStrike" cap="none">
+              <a:solidFill>
+                <a:srgbClr val="FFFFFF"/>
+              </a:solidFill>
+              <a:latin typeface="Helvetica Neue"/>
+              <a:ea typeface="Helvetica Neue"/>
+              <a:cs typeface="Helvetica Neue"/>
+              <a:sym typeface="Helvetica Neue"/>
+            </a:endParaRPr>
+          </a:p>
+        </p:txBody>
+      </p:sp>
+      <p:sp>
+        <p:nvSpPr>
+          <p:cNvPr id="203" name="Google Shape;203;p13"/>
+          <p:cNvSpPr txBox="1"/>
+          <p:nvPr/>
+        </p:nvSpPr>
+        <p:spPr>
+          <a:xfrm>
+            <a:off x="3506109" y="3215894"/>
+            <a:ext cx="1264921" cy="548134"/>
+          </a:xfrm>
+          <a:prstGeom prst="rect">
+            <a:avLst/>
+          </a:prstGeom>
+          <a:solidFill>
+            <a:srgbClr val="B3E3FF"/>
+          </a:solidFill>
+          <a:ln>
+            <a:noFill/>
+          </a:ln>
+        </p:spPr>
+        <p:txBody>
+          <a:bodyPr spcFirstLastPara="1" wrap="square" lIns="50800" tIns="50800" rIns="50800" bIns="50800" anchor="ctr" anchorCtr="0">
+            <a:spAutoFit/>
+          </a:bodyPr>
+          <a:lstStyle/>
+          <a:p>
+            <a:pPr marL="0" marR="0" lvl="0" indent="0" algn="ctr" rtl="0">
+              <a:lnSpc>
+                <a:spcPct val="100000"/>
+              </a:lnSpc>
+              <a:spcBef>
+                <a:spcPts val="0"/>
+              </a:spcBef>
+              <a:spcAft>
+                <a:spcPts val="0"/>
+              </a:spcAft>
+              <a:buClr>
+                <a:srgbClr val="000000"/>
+              </a:buClr>
+              <a:buSzPts val="3000"/>
+              <a:buFont typeface="Helvetica Neue"/>
+              <a:buNone/>
+            </a:pPr>
+            <a:r>
+              <a:rPr lang="en-US" sz="3000" b="0" i="0" u="none" strike="noStrike" cap="none" dirty="0">
+                <a:solidFill>
+                  <a:srgbClr val="000000"/>
+                </a:solidFill>
+                <a:latin typeface="Helvetica Neue"/>
+                <a:ea typeface="Helvetica Neue"/>
+                <a:cs typeface="Helvetica Neue"/>
+                <a:sym typeface="Helvetica Neue"/>
+              </a:rPr>
+              <a:t>Main   </a:t>
+            </a:r>
+            <a:endParaRPr dirty="0"/>
+          </a:p>
+        </p:txBody>
+      </p:sp>
+      <p:sp>
+        <p:nvSpPr>
+          <p:cNvPr id="10" name="Rectangle 9">
+            <a:extLst>
+              <a:ext uri="{FF2B5EF4-FFF2-40B4-BE49-F238E27FC236}">
+                <a16:creationId xmlns:a16="http://schemas.microsoft.com/office/drawing/2014/main" id="{51F4AA09-C08B-5848-8FB7-C74D7A5FCF27}"/>
+              </a:ext>
+            </a:extLst>
+          </p:cNvPr>
+          <p:cNvSpPr/>
+          <p:nvPr/>
+        </p:nvSpPr>
+        <p:spPr>
+          <a:xfrm>
+            <a:off x="3029288" y="10428456"/>
+            <a:ext cx="5601761" cy="1874519"/>
+          </a:xfrm>
+          <a:prstGeom prst="rect">
+            <a:avLst/>
+          </a:prstGeom>
+          <a:solidFill>
+            <a:srgbClr val="F5F5F5"/>
+          </a:solidFill>
+          <a:ln>
+            <a:noFill/>
+          </a:ln>
+        </p:spPr>
+        <p:style>
+          <a:lnRef idx="2">
+            <a:schemeClr val="accent1">
+              <a:shade val="50000"/>
+            </a:schemeClr>
+          </a:lnRef>
+          <a:fillRef idx="1">
+            <a:schemeClr val="accent1"/>
+          </a:fillRef>
+          <a:effectRef idx="0">
+            <a:schemeClr val="accent1"/>
+          </a:effectRef>
+          <a:fontRef idx="minor">
+            <a:schemeClr val="lt1"/>
+          </a:fontRef>
+        </p:style>
+        <p:txBody>
+          <a:bodyPr rtlCol="0" anchor="ctr"/>
+          <a:lstStyle/>
+          <a:p>
+            <a:pPr algn="ctr"/>
+            <a:endParaRPr lang="en-US" dirty="0"/>
+          </a:p>
+        </p:txBody>
+      </p:sp>
+      <p:sp>
+        <p:nvSpPr>
+          <p:cNvPr id="11" name="Rectangle 10">
+            <a:extLst>
+              <a:ext uri="{FF2B5EF4-FFF2-40B4-BE49-F238E27FC236}">
+                <a16:creationId xmlns:a16="http://schemas.microsoft.com/office/drawing/2014/main" id="{8B1407B6-8D8F-F747-98F5-D43EB86F87CE}"/>
+              </a:ext>
+            </a:extLst>
+          </p:cNvPr>
+          <p:cNvSpPr/>
+          <p:nvPr/>
+        </p:nvSpPr>
+        <p:spPr>
+          <a:xfrm>
+            <a:off x="6806307" y="8896942"/>
+            <a:ext cx="1266745" cy="1829445"/>
+          </a:xfrm>
+          <a:prstGeom prst="rect">
+            <a:avLst/>
+          </a:prstGeom>
+          <a:solidFill>
+            <a:srgbClr val="F5F5F5"/>
+          </a:solidFill>
+          <a:ln>
+            <a:noFill/>
+          </a:ln>
+        </p:spPr>
+        <p:style>
+          <a:lnRef idx="2">
+            <a:schemeClr val="accent1">
+              <a:shade val="50000"/>
+            </a:schemeClr>
+          </a:lnRef>
+          <a:fillRef idx="1">
+            <a:schemeClr val="accent1"/>
+          </a:fillRef>
+          <a:effectRef idx="0">
+            <a:schemeClr val="accent1"/>
+          </a:effectRef>
+          <a:fontRef idx="minor">
+            <a:schemeClr val="lt1"/>
+          </a:fontRef>
+        </p:style>
+        <p:txBody>
+          <a:bodyPr rtlCol="0" anchor="ctr"/>
+          <a:lstStyle/>
+          <a:p>
+            <a:pPr algn="ctr"/>
+            <a:endParaRPr lang="en-US" dirty="0"/>
+          </a:p>
+        </p:txBody>
+      </p:sp>
+      <p:cxnSp>
+        <p:nvCxnSpPr>
+          <p:cNvPr id="12" name="Straight Connector 11">
+            <a:extLst>
+              <a:ext uri="{FF2B5EF4-FFF2-40B4-BE49-F238E27FC236}">
+                <a16:creationId xmlns:a16="http://schemas.microsoft.com/office/drawing/2014/main" id="{34A23E5E-0B14-7B4F-8E65-0E8DEAF3CF45}"/>
+              </a:ext>
+            </a:extLst>
+          </p:cNvPr>
+          <p:cNvCxnSpPr>
+            <a:cxnSpLocks/>
+          </p:cNvCxnSpPr>
+          <p:nvPr/>
+        </p:nvCxnSpPr>
+        <p:spPr>
+          <a:xfrm flipH="1">
+            <a:off x="6732165" y="9984662"/>
+            <a:ext cx="1800028" cy="0"/>
+          </a:xfrm>
+          <a:prstGeom prst="line">
+            <a:avLst/>
+          </a:prstGeom>
+          <a:ln w="107950">
+            <a:solidFill>
+              <a:srgbClr val="414141"/>
+            </a:solidFill>
+          </a:ln>
+        </p:spPr>
+        <p:style>
+          <a:lnRef idx="1">
+            <a:schemeClr val="accent1"/>
+          </a:lnRef>
+          <a:fillRef idx="0">
+            <a:schemeClr val="accent1"/>
+          </a:fillRef>
+          <a:effectRef idx="0">
+            <a:schemeClr val="accent1"/>
+          </a:effectRef>
+          <a:fontRef idx="minor">
+            <a:schemeClr val="tx1"/>
+          </a:fontRef>
+        </p:style>
+      </p:cxnSp>
+      <p:sp>
+        <p:nvSpPr>
+          <p:cNvPr id="13" name="Rectangle 12">
+            <a:extLst>
+              <a:ext uri="{FF2B5EF4-FFF2-40B4-BE49-F238E27FC236}">
+                <a16:creationId xmlns:a16="http://schemas.microsoft.com/office/drawing/2014/main" id="{06577297-76D3-FA47-8F9B-15AABC1AC8D9}"/>
+              </a:ext>
+            </a:extLst>
+          </p:cNvPr>
+          <p:cNvSpPr/>
+          <p:nvPr/>
+        </p:nvSpPr>
+        <p:spPr>
+          <a:xfrm>
+            <a:off x="9688398" y="7981065"/>
+            <a:ext cx="1266745" cy="1096386"/>
+          </a:xfrm>
+          <a:prstGeom prst="rect">
+            <a:avLst/>
+          </a:prstGeom>
+          <a:solidFill>
+            <a:srgbClr val="F5F5F5"/>
+          </a:solidFill>
+          <a:ln>
+            <a:noFill/>
+          </a:ln>
+        </p:spPr>
+        <p:style>
+          <a:lnRef idx="2">
+            <a:schemeClr val="accent1">
+              <a:shade val="50000"/>
+            </a:schemeClr>
+          </a:lnRef>
+          <a:fillRef idx="1">
+            <a:schemeClr val="accent1"/>
+          </a:fillRef>
+          <a:effectRef idx="0">
+            <a:schemeClr val="accent1"/>
+          </a:effectRef>
+          <a:fontRef idx="minor">
+            <a:schemeClr val="lt1"/>
+          </a:fontRef>
+        </p:style>
+        <p:txBody>
+          <a:bodyPr rtlCol="0" anchor="ctr"/>
+          <a:lstStyle/>
+          <a:p>
+            <a:pPr algn="ctr"/>
+            <a:endParaRPr lang="en-US" dirty="0"/>
+          </a:p>
+        </p:txBody>
+      </p:sp>
+      <p:cxnSp>
+        <p:nvCxnSpPr>
+          <p:cNvPr id="14" name="Straight Connector 13">
+            <a:extLst>
+              <a:ext uri="{FF2B5EF4-FFF2-40B4-BE49-F238E27FC236}">
+                <a16:creationId xmlns:a16="http://schemas.microsoft.com/office/drawing/2014/main" id="{4FD0EBA6-9D64-8747-8299-EF34C821E23F}"/>
+              </a:ext>
+            </a:extLst>
+          </p:cNvPr>
+          <p:cNvCxnSpPr>
+            <a:cxnSpLocks/>
+          </p:cNvCxnSpPr>
+          <p:nvPr/>
+        </p:nvCxnSpPr>
+        <p:spPr>
+          <a:xfrm flipH="1">
+            <a:off x="9446470" y="8512998"/>
+            <a:ext cx="1800028" cy="0"/>
+          </a:xfrm>
+          <a:prstGeom prst="line">
+            <a:avLst/>
+          </a:prstGeom>
+          <a:ln w="107950">
+            <a:solidFill>
+              <a:srgbClr val="414141"/>
+            </a:solidFill>
+          </a:ln>
+        </p:spPr>
+        <p:style>
+          <a:lnRef idx="1">
+            <a:schemeClr val="accent1"/>
+          </a:lnRef>
+          <a:fillRef idx="0">
+            <a:schemeClr val="accent1"/>
+          </a:fillRef>
+          <a:effectRef idx="0">
+            <a:schemeClr val="accent1"/>
+          </a:effectRef>
+          <a:fontRef idx="minor">
+            <a:schemeClr val="tx1"/>
+          </a:fontRef>
+        </p:style>
+      </p:cxnSp>
+      <p:sp>
+        <p:nvSpPr>
+          <p:cNvPr id="15" name="Rectangle 14">
+            <a:extLst>
+              <a:ext uri="{FF2B5EF4-FFF2-40B4-BE49-F238E27FC236}">
+                <a16:creationId xmlns:a16="http://schemas.microsoft.com/office/drawing/2014/main" id="{E2347BE9-0939-EC4C-A0CF-BCFCDB9219B6}"/>
+              </a:ext>
+            </a:extLst>
+          </p:cNvPr>
+          <p:cNvSpPr/>
+          <p:nvPr/>
+        </p:nvSpPr>
+        <p:spPr>
+          <a:xfrm>
+            <a:off x="9713669" y="9500617"/>
+            <a:ext cx="1266745" cy="1096386"/>
+          </a:xfrm>
+          <a:prstGeom prst="rect">
+            <a:avLst/>
+          </a:prstGeom>
+          <a:solidFill>
+            <a:srgbClr val="F5F5F5"/>
+          </a:solidFill>
+          <a:ln>
+            <a:noFill/>
+          </a:ln>
+        </p:spPr>
+        <p:style>
+          <a:lnRef idx="2">
+            <a:schemeClr val="accent1">
+              <a:shade val="50000"/>
+            </a:schemeClr>
+          </a:lnRef>
+          <a:fillRef idx="1">
+            <a:schemeClr val="accent1"/>
+          </a:fillRef>
+          <a:effectRef idx="0">
+            <a:schemeClr val="accent1"/>
+          </a:effectRef>
+          <a:fontRef idx="minor">
+            <a:schemeClr val="lt1"/>
+          </a:fontRef>
+        </p:style>
+        <p:txBody>
+          <a:bodyPr rtlCol="0" anchor="ctr"/>
+          <a:lstStyle/>
+          <a:p>
+            <a:pPr algn="ctr"/>
+            <a:endParaRPr lang="en-US" dirty="0"/>
+          </a:p>
+        </p:txBody>
+      </p:sp>
+      <p:cxnSp>
+        <p:nvCxnSpPr>
+          <p:cNvPr id="16" name="Straight Connector 15">
+            <a:extLst>
+              <a:ext uri="{FF2B5EF4-FFF2-40B4-BE49-F238E27FC236}">
+                <a16:creationId xmlns:a16="http://schemas.microsoft.com/office/drawing/2014/main" id="{8E619E55-491C-5F42-92DF-0EC0D778BCB4}"/>
+              </a:ext>
+            </a:extLst>
+          </p:cNvPr>
+          <p:cNvCxnSpPr>
+            <a:cxnSpLocks/>
+          </p:cNvCxnSpPr>
+          <p:nvPr/>
+        </p:nvCxnSpPr>
+        <p:spPr>
+          <a:xfrm flipH="1">
+            <a:off x="9500014" y="9954434"/>
+            <a:ext cx="1800028" cy="0"/>
+          </a:xfrm>
+          <a:prstGeom prst="line">
+            <a:avLst/>
+          </a:prstGeom>
+          <a:ln w="107950">
+            <a:solidFill>
+              <a:srgbClr val="414141"/>
+            </a:solidFill>
+          </a:ln>
+        </p:spPr>
+        <p:style>
+          <a:lnRef idx="1">
+            <a:schemeClr val="accent1"/>
+          </a:lnRef>
+          <a:fillRef idx="0">
+            <a:schemeClr val="accent1"/>
+          </a:fillRef>
+          <a:effectRef idx="0">
+            <a:schemeClr val="accent1"/>
+          </a:effectRef>
+          <a:fontRef idx="minor">
+            <a:schemeClr val="tx1"/>
+          </a:fontRef>
+        </p:style>
+      </p:cxnSp>
+      <p:sp>
+        <p:nvSpPr>
+          <p:cNvPr id="18" name="Rectangle 17">
+            <a:extLst>
+              <a:ext uri="{FF2B5EF4-FFF2-40B4-BE49-F238E27FC236}">
+                <a16:creationId xmlns:a16="http://schemas.microsoft.com/office/drawing/2014/main" id="{1E40074E-3C11-4F4E-B750-19551E3EE30C}"/>
+              </a:ext>
+            </a:extLst>
+          </p:cNvPr>
+          <p:cNvSpPr/>
+          <p:nvPr/>
+        </p:nvSpPr>
+        <p:spPr>
+          <a:xfrm>
+            <a:off x="11762970" y="10395371"/>
+            <a:ext cx="4646803" cy="1874519"/>
+          </a:xfrm>
+          <a:prstGeom prst="rect">
+            <a:avLst/>
+          </a:prstGeom>
+          <a:solidFill>
+            <a:srgbClr val="F5F5F5"/>
+          </a:solidFill>
+          <a:ln>
+            <a:noFill/>
+          </a:ln>
+        </p:spPr>
+        <p:style>
+          <a:lnRef idx="2">
+            <a:schemeClr val="accent1">
+              <a:shade val="50000"/>
+            </a:schemeClr>
+          </a:lnRef>
+          <a:fillRef idx="1">
+            <a:schemeClr val="accent1"/>
+          </a:fillRef>
+          <a:effectRef idx="0">
+            <a:schemeClr val="accent1"/>
+          </a:effectRef>
+          <a:fontRef idx="minor">
+            <a:schemeClr val="lt1"/>
+          </a:fontRef>
+        </p:style>
+        <p:txBody>
+          <a:bodyPr rtlCol="0" anchor="ctr"/>
+          <a:lstStyle/>
+          <a:p>
+            <a:pPr algn="ctr"/>
+            <a:endParaRPr lang="en-US" dirty="0"/>
+          </a:p>
+        </p:txBody>
+      </p:sp>
+      <p:sp>
+        <p:nvSpPr>
+          <p:cNvPr id="19" name="Rectangle 18">
+            <a:extLst>
+              <a:ext uri="{FF2B5EF4-FFF2-40B4-BE49-F238E27FC236}">
+                <a16:creationId xmlns:a16="http://schemas.microsoft.com/office/drawing/2014/main" id="{39F72549-CD58-DA47-B664-DA16198CEFEE}"/>
+              </a:ext>
+            </a:extLst>
+          </p:cNvPr>
+          <p:cNvSpPr/>
+          <p:nvPr/>
+        </p:nvSpPr>
+        <p:spPr>
+          <a:xfrm>
+            <a:off x="12088018" y="10028576"/>
+            <a:ext cx="1652349" cy="1874519"/>
+          </a:xfrm>
+          <a:prstGeom prst="rect">
+            <a:avLst/>
+          </a:prstGeom>
+          <a:solidFill>
+            <a:srgbClr val="F5F5F5"/>
+          </a:solidFill>
+          <a:ln>
+            <a:noFill/>
+          </a:ln>
+        </p:spPr>
+        <p:style>
+          <a:lnRef idx="2">
+            <a:schemeClr val="accent1">
+              <a:shade val="50000"/>
+            </a:schemeClr>
+          </a:lnRef>
+          <a:fillRef idx="1">
+            <a:schemeClr val="accent1"/>
+          </a:fillRef>
+          <a:effectRef idx="0">
+            <a:schemeClr val="accent1"/>
+          </a:effectRef>
+          <a:fontRef idx="minor">
+            <a:schemeClr val="lt1"/>
+          </a:fontRef>
+        </p:style>
+        <p:txBody>
+          <a:bodyPr rtlCol="0" anchor="ctr"/>
+          <a:lstStyle/>
+          <a:p>
+            <a:pPr algn="ctr"/>
+            <a:endParaRPr lang="en-US" dirty="0"/>
+          </a:p>
+        </p:txBody>
+      </p:sp>
+      <p:sp>
+        <p:nvSpPr>
+          <p:cNvPr id="25" name="Rectangle 24">
+            <a:extLst>
+              <a:ext uri="{FF2B5EF4-FFF2-40B4-BE49-F238E27FC236}">
+                <a16:creationId xmlns:a16="http://schemas.microsoft.com/office/drawing/2014/main" id="{530E4166-F09F-234C-B97D-A7F2252828B9}"/>
+              </a:ext>
+            </a:extLst>
+          </p:cNvPr>
+          <p:cNvSpPr/>
+          <p:nvPr/>
+        </p:nvSpPr>
+        <p:spPr>
+          <a:xfrm>
+            <a:off x="12086799" y="2735613"/>
+            <a:ext cx="3532909" cy="1508695"/>
+          </a:xfrm>
+          <a:prstGeom prst="rect">
+            <a:avLst/>
+          </a:prstGeom>
+          <a:solidFill>
+            <a:srgbClr val="F5F5F5"/>
+          </a:solidFill>
+          <a:ln>
+            <a:noFill/>
+          </a:ln>
+        </p:spPr>
+        <p:style>
+          <a:lnRef idx="2">
+            <a:schemeClr val="accent1">
+              <a:shade val="50000"/>
+            </a:schemeClr>
+          </a:lnRef>
+          <a:fillRef idx="1">
+            <a:schemeClr val="accent1"/>
+          </a:fillRef>
+          <a:effectRef idx="0">
+            <a:schemeClr val="accent1"/>
+          </a:effectRef>
+          <a:fontRef idx="minor">
+            <a:schemeClr val="lt1"/>
+          </a:fontRef>
+        </p:style>
+        <p:txBody>
+          <a:bodyPr rtlCol="0" anchor="ctr"/>
+          <a:lstStyle/>
+          <a:p>
+            <a:pPr algn="ctr"/>
+            <a:endParaRPr lang="en-US" dirty="0"/>
+          </a:p>
+        </p:txBody>
+      </p:sp>
+      <p:sp>
+        <p:nvSpPr>
+          <p:cNvPr id="2" name="Google Shape;101;p3">
+            <a:extLst>
+              <a:ext uri="{FF2B5EF4-FFF2-40B4-BE49-F238E27FC236}">
+                <a16:creationId xmlns:a16="http://schemas.microsoft.com/office/drawing/2014/main" id="{D97C0ACD-A8D7-3CBC-4EB0-999038BE8D54}"/>
+              </a:ext>
+            </a:extLst>
+          </p:cNvPr>
+          <p:cNvSpPr txBox="1">
+            <a:spLocks noGrp="1"/>
+          </p:cNvSpPr>
+          <p:nvPr>
+            <p:ph type="body" idx="1"/>
+          </p:nvPr>
+        </p:nvSpPr>
+        <p:spPr>
+          <a:xfrm>
+            <a:off x="2574357" y="2503958"/>
+            <a:ext cx="19242900" cy="9765931"/>
+          </a:xfrm>
+          <a:prstGeom prst="rect">
+            <a:avLst/>
+          </a:prstGeom>
+          <a:solidFill>
+            <a:schemeClr val="bg1">
+              <a:lumMod val="85000"/>
+              <a:alpha val="70364"/>
+            </a:schemeClr>
+          </a:solidFill>
+          <a:ln>
+            <a:noFill/>
+          </a:ln>
+        </p:spPr>
+        <p:txBody>
+          <a:bodyPr spcFirstLastPara="1" wrap="square" lIns="50800" tIns="50800" rIns="50800" bIns="50800" anchor="ctr" anchorCtr="0">
+            <a:normAutofit/>
+          </a:bodyPr>
+          <a:lstStyle/>
+          <a:p>
+            <a:pPr marL="635000" lvl="0" indent="-635000" algn="l" rtl="0">
+              <a:lnSpc>
+                <a:spcPct val="100000"/>
+              </a:lnSpc>
+              <a:spcBef>
+                <a:spcPts val="0"/>
+              </a:spcBef>
+              <a:spcAft>
+                <a:spcPts val="0"/>
+              </a:spcAft>
+              <a:buClr>
+                <a:srgbClr val="000000"/>
+              </a:buClr>
+              <a:buSzPts val="6000"/>
+              <a:buFont typeface="Helvetica Neue"/>
+              <a:buChar char="•"/>
+            </a:pPr>
+            <a:r>
+              <a:rPr lang="en-US" sz="4800" dirty="0">
+                <a:latin typeface="+mn-lt"/>
+              </a:rPr>
+              <a:t>Allows for multi-user development and testing</a:t>
+            </a:r>
+            <a:endParaRPr dirty="0">
+              <a:latin typeface="+mn-lt"/>
+            </a:endParaRPr>
+          </a:p>
+          <a:p>
+            <a:pPr marL="635000" lvl="0" indent="-635000" algn="l" rtl="0">
+              <a:lnSpc>
+                <a:spcPct val="100000"/>
+              </a:lnSpc>
+              <a:spcBef>
+                <a:spcPts val="5900"/>
+              </a:spcBef>
+              <a:spcAft>
+                <a:spcPts val="0"/>
+              </a:spcAft>
+              <a:buClr>
+                <a:srgbClr val="000000"/>
+              </a:buClr>
+              <a:buSzPts val="6000"/>
+              <a:buFont typeface="Helvetica Neue"/>
+              <a:buChar char="•"/>
+            </a:pPr>
+            <a:r>
+              <a:rPr lang="en-US" sz="4800" dirty="0">
+                <a:latin typeface="+mn-lt"/>
+              </a:rPr>
+              <a:t>“Protects” the main code</a:t>
+            </a:r>
+            <a:endParaRPr dirty="0">
+              <a:latin typeface="+mn-lt"/>
+            </a:endParaRPr>
+          </a:p>
+          <a:p>
+            <a:pPr marL="635000" lvl="0" indent="-635000" algn="l" rtl="0">
+              <a:lnSpc>
+                <a:spcPct val="100000"/>
+              </a:lnSpc>
+              <a:spcBef>
+                <a:spcPts val="5900"/>
+              </a:spcBef>
+              <a:spcAft>
+                <a:spcPts val="0"/>
+              </a:spcAft>
+              <a:buClr>
+                <a:srgbClr val="000000"/>
+              </a:buClr>
+              <a:buSzPts val="6000"/>
+              <a:buFont typeface="Helvetica Neue"/>
+              <a:buChar char="•"/>
+            </a:pPr>
+            <a:r>
+              <a:rPr lang="en-US" sz="4800" dirty="0">
+                <a:latin typeface="+mn-lt"/>
+              </a:rPr>
+              <a:t>Easy to go back to a stable point if something breaks</a:t>
+            </a:r>
+            <a:endParaRPr dirty="0">
+              <a:latin typeface="+mn-lt"/>
+            </a:endParaRPr>
+          </a:p>
+          <a:p>
+            <a:pPr marL="635000" lvl="0" indent="-635000" algn="l" rtl="0">
+              <a:lnSpc>
+                <a:spcPct val="100000"/>
+              </a:lnSpc>
+              <a:spcBef>
+                <a:spcPts val="5900"/>
+              </a:spcBef>
+              <a:spcAft>
+                <a:spcPts val="0"/>
+              </a:spcAft>
+              <a:buClr>
+                <a:srgbClr val="000000"/>
+              </a:buClr>
+              <a:buSzPts val="6000"/>
+              <a:buFont typeface="Helvetica Neue"/>
+              <a:buChar char="•"/>
+            </a:pPr>
+            <a:r>
+              <a:rPr lang="en-US" sz="4800" dirty="0">
+                <a:latin typeface="+mn-lt"/>
+              </a:rPr>
+              <a:t>Work is performed in parallel on one or more feature branches.</a:t>
+            </a:r>
+            <a:endParaRPr dirty="0">
+              <a:latin typeface="+mn-lt"/>
+            </a:endParaRPr>
+          </a:p>
+        </p:txBody>
+      </p:sp>
+    </p:spTree>
+    <p:extLst>
+      <p:ext uri="{BB962C8B-B14F-4D97-AF65-F5344CB8AC3E}">
+        <p14:creationId xmlns:p14="http://schemas.microsoft.com/office/powerpoint/2010/main" val="3273482059"/>
+      </p:ext>
+    </p:extLst>
+  </p:cSld>
+  <p:clrMapOvr>
+    <a:masterClrMapping/>
+  </p:clrMapOvr>
+</p:sld>
+</file>
+
+<file path=ppt/slides/slide11.xml><?xml version="1.0" encoding="utf-8"?>
 <p:sld xmlns:a="http://schemas.openxmlformats.org/drawingml/2006/main" xmlns:r="http://schemas.openxmlformats.org/officeDocument/2006/relationships" xmlns:p="http://schemas.openxmlformats.org/presentationml/2006/main">
   <p:cSld>
     <p:spTree>
@@ -11153,14 +12013,20 @@
               <a:buNone/>
             </a:pPr>
             <a:r>
-              <a:rPr lang="en-US" sz="8000" dirty="0"/>
+              <a:rPr lang="en-US" sz="8000" dirty="0">
+                <a:latin typeface="+mn-lt"/>
+              </a:rPr>
               <a:t>Demo: </a:t>
             </a:r>
             <a:r>
-              <a:rPr lang="en-US" sz="8000" dirty="0" err="1"/>
+              <a:rPr lang="en-US" sz="8000" dirty="0" err="1">
+                <a:latin typeface="+mn-lt"/>
+              </a:rPr>
               <a:t>Gitflow</a:t>
             </a:r>
-            <a:endParaRPr sz="8000" dirty="0"/>
+            <a:endParaRPr sz="8000" dirty="0">
+              <a:latin typeface="+mn-lt"/>
+            </a:endParaRPr>
           </a:p>
         </p:txBody>
       </p:sp>
@@ -11210,45 +12076,63 @@
               <a:buNone/>
             </a:pPr>
             <a:r>
-              <a:rPr lang="en-US" sz="5800" dirty="0"/>
+              <a:rPr lang="en-US" sz="5800" dirty="0">
+                <a:latin typeface="+mn-lt"/>
+              </a:rPr>
               <a:t>In this demo, you will learn how to:</a:t>
             </a:r>
-            <a:endParaRPr lang="en-US" sz="4800" dirty="0"/>
+            <a:endParaRPr lang="en-US" sz="4800" dirty="0">
+              <a:latin typeface="+mn-lt"/>
+            </a:endParaRPr>
           </a:p>
           <a:p>
             <a:pPr marL="1092200" lvl="1" indent="-635000"/>
             <a:r>
-              <a:rPr lang="en-US" dirty="0"/>
-              <a:t>Raise an issue in a repository.</a:t>
+              <a:rPr lang="en-US" dirty="0">
+                <a:latin typeface="+mn-lt"/>
+              </a:rPr>
+              <a:t>Raise an issue in a repository</a:t>
             </a:r>
           </a:p>
           <a:p>
             <a:pPr marL="1092200" lvl="1" indent="-635000"/>
             <a:r>
-              <a:rPr lang="en-US" dirty="0"/>
+              <a:rPr lang="en-US" dirty="0">
+                <a:latin typeface="+mn-lt"/>
+              </a:rPr>
               <a:t>Create and manipulate multiple branches within a git repo (main, develop, feature)</a:t>
             </a:r>
-            <a:endParaRPr dirty="0"/>
+            <a:endParaRPr dirty="0">
+              <a:latin typeface="+mn-lt"/>
+            </a:endParaRPr>
           </a:p>
           <a:p>
             <a:pPr marL="1092200" lvl="1" indent="-635000"/>
             <a:r>
-              <a:rPr lang="en-US" dirty="0"/>
+              <a:rPr lang="en-US" dirty="0">
+                <a:latin typeface="+mn-lt"/>
+              </a:rPr>
               <a:t>How to use these branches in a “standard” git workflow</a:t>
             </a:r>
           </a:p>
           <a:p>
             <a:pPr marL="1092200" lvl="1" indent="-635000"/>
             <a:r>
-              <a:rPr lang="en-US" dirty="0"/>
+              <a:rPr lang="en-US" dirty="0">
+                <a:latin typeface="+mn-lt"/>
+              </a:rPr>
               <a:t>Submit a pull request on </a:t>
             </a:r>
             <a:r>
-              <a:rPr lang="en-US" dirty="0" err="1"/>
+              <a:rPr lang="en-US" dirty="0" err="1">
+                <a:latin typeface="+mn-lt"/>
+              </a:rPr>
               <a:t>Github</a:t>
             </a:r>
             <a:r>
-              <a:rPr lang="en-US" dirty="0"/>
+              <a:rPr lang="en-US" dirty="0">
+                <a:latin typeface="+mn-lt"/>
+              </a:rPr>
               <a:t> to merge two branches</a:t>
             </a:r>
           </a:p>
@@ -11267,7 +12151,7 @@
 </p:sld>
 </file>
 
-<file path=ppt/slides/slide11.xml><?xml version="1.0" encoding="utf-8"?>
+<file path=ppt/slides/slide12.xml><?xml version="1.0" encoding="utf-8"?>
 <p:sld xmlns:a="http://schemas.openxmlformats.org/drawingml/2006/main" xmlns:r="http://schemas.openxmlformats.org/officeDocument/2006/relationships" xmlns:p="http://schemas.openxmlformats.org/presentationml/2006/main">
   <p:cSld>
     <p:spTree>
@@ -11331,10 +12215,14 @@
               <a:buNone/>
             </a:pPr>
             <a:r>
-              <a:rPr lang="en-US" sz="8000" dirty="0"/>
+              <a:rPr lang="en-US" sz="8000" dirty="0">
+                <a:latin typeface="+mn-lt"/>
+              </a:rPr>
               <a:t>Summary of process to add a feature</a:t>
             </a:r>
-            <a:endParaRPr sz="8000" dirty="0"/>
+            <a:endParaRPr sz="8000" dirty="0">
+              <a:latin typeface="+mn-lt"/>
+            </a:endParaRPr>
           </a:p>
         </p:txBody>
       </p:sp>
@@ -11381,10 +12269,11 @@
               <a:buAutoNum type="arabicPeriod"/>
             </a:pPr>
             <a:r>
-              <a:rPr lang="en-US" sz="4560" dirty="0"/>
+              <a:rPr lang="en-US" sz="4560" dirty="0">
+                <a:latin typeface="+mn-lt"/>
+              </a:rPr>
               <a:t>Pull latest code from develop/main branch.</a:t>
             </a:r>
-            <a:endParaRPr dirty="0"/>
           </a:p>
           <a:p>
             <a:pPr marL="457200" lvl="0" indent="-518160" algn="l" rtl="0">
@@ -11401,10 +12290,14 @@
               <a:buAutoNum type="arabicPeriod"/>
             </a:pPr>
             <a:r>
-              <a:rPr lang="en-US" sz="4560" dirty="0"/>
+              <a:rPr lang="en-US" sz="4560" dirty="0">
+                <a:latin typeface="+mn-lt"/>
+              </a:rPr>
               <a:t>Create feature branch from develop/main branch.</a:t>
             </a:r>
-            <a:endParaRPr sz="4560" dirty="0"/>
+            <a:endParaRPr sz="4560" dirty="0">
+              <a:latin typeface="+mn-lt"/>
+            </a:endParaRPr>
           </a:p>
           <a:p>
             <a:pPr marL="457200" lvl="0" indent="-518160" algn="l" rtl="0">
@@ -11421,7 +12314,9 @@
               <a:buAutoNum type="arabicPeriod"/>
             </a:pPr>
             <a:r>
-              <a:rPr lang="en-US" sz="4560" dirty="0"/>
+              <a:rPr lang="en-US" sz="4560" dirty="0">
+                <a:latin typeface="+mn-lt"/>
+              </a:rPr>
               <a:t>Make your changes, stage, commit, then push to feature branch</a:t>
             </a:r>
           </a:p>
@@ -11440,10 +12335,14 @@
               <a:buAutoNum type="arabicPeriod"/>
             </a:pPr>
             <a:r>
-              <a:rPr lang="en-US" sz="4560" dirty="0"/>
+              <a:rPr lang="en-US" sz="4560" dirty="0">
+                <a:latin typeface="+mn-lt"/>
+              </a:rPr>
               <a:t>Submit pull request on GitHub &amp; merge feature into develop/main.</a:t>
             </a:r>
-            <a:endParaRPr sz="4560" dirty="0"/>
+            <a:endParaRPr sz="4560" dirty="0">
+              <a:latin typeface="+mn-lt"/>
+            </a:endParaRPr>
           </a:p>
           <a:p>
             <a:pPr marL="457200" lvl="0" indent="-518160" algn="l" rtl="0">
@@ -11460,10 +12359,14 @@
               <a:buAutoNum type="arabicPeriod"/>
             </a:pPr>
             <a:r>
-              <a:rPr lang="en-US" sz="4560" dirty="0"/>
-              <a:t>(Repeat until enough features have been merged into develop, then make a pull request from develop -&gt; main.)</a:t>
+              <a:rPr lang="en-US" sz="4560" dirty="0">
+                <a:latin typeface="+mn-lt"/>
+              </a:rPr>
+              <a:t>&lt;&lt; Repeat until enough features have been merged into develop, then make a pull request from develop -&gt; main. &gt;&gt;</a:t>
             </a:r>
-            <a:endParaRPr sz="4560" dirty="0"/>
+            <a:endParaRPr sz="4560" dirty="0">
+              <a:latin typeface="+mn-lt"/>
+            </a:endParaRPr>
           </a:p>
         </p:txBody>
       </p:sp>
@@ -11475,7 +12378,7 @@
 </p:sld>
 </file>
 
-<file path=ppt/slides/slide12.xml><?xml version="1.0" encoding="utf-8"?>
+<file path=ppt/slides/slide13.xml><?xml version="1.0" encoding="utf-8"?>
 <p:sld xmlns:a="http://schemas.openxmlformats.org/drawingml/2006/main" xmlns:r="http://schemas.openxmlformats.org/officeDocument/2006/relationships" xmlns:p="http://schemas.openxmlformats.org/presentationml/2006/main">
   <p:cSld>
     <p:spTree>
@@ -11532,9 +12435,17 @@
             </a:pPr>
             <a:r>
               <a:rPr lang="en-US" sz="8000" dirty="0"/>
-              <a:t>Git Commands</a:t>
+              <a:t>Some Relevant Git </a:t>
             </a:r>
-            <a:endParaRPr dirty="0"/>
+            <a:r>
+              <a:rPr lang="en-US" sz="8000" dirty="0">
+                <a:latin typeface="+mn-lt"/>
+              </a:rPr>
+              <a:t>Commands</a:t>
+            </a:r>
+            <a:endParaRPr dirty="0">
+              <a:latin typeface="+mn-lt"/>
+            </a:endParaRPr>
           </a:p>
         </p:txBody>
       </p:sp>
@@ -11551,7 +12462,7 @@
         <p:spPr>
           <a:xfrm>
             <a:off x="1676399" y="3651250"/>
-            <a:ext cx="18876819" cy="8702676"/>
+            <a:ext cx="22326601" cy="8702676"/>
           </a:xfrm>
           <a:prstGeom prst="rect">
             <a:avLst/>
@@ -11563,7 +12474,7 @@
         </p:spPr>
         <p:txBody>
           <a:bodyPr spcFirstLastPara="1" wrap="square" lIns="182850" tIns="91400" rIns="182850" bIns="91400" anchor="t" anchorCtr="0">
-            <a:normAutofit/>
+            <a:normAutofit fontScale="92500" lnSpcReduction="10000"/>
           </a:bodyPr>
           <a:lstStyle/>
           <a:p>
@@ -11625,10 +12536,10 @@
               </a:rPr>
               <a:t>&gt; </a:t>
             </a:r>
-            <a:endParaRPr dirty="0"/>
-          </a:p>
-          <a:p>
-            <a:pPr indent="-457200">
+            <a:endParaRPr lang="en-US" sz="4500" dirty="0"/>
+          </a:p>
+          <a:p>
+            <a:pPr marL="0" indent="0">
               <a:lnSpc>
                 <a:spcPct val="90000"/>
               </a:lnSpc>
@@ -11639,19 +12550,41 @@
                 <a:schemeClr val="dk1"/>
               </a:buClr>
               <a:buSzPct val="100000"/>
+              <a:buNone/>
             </a:pPr>
             <a:r>
-              <a:rPr lang="en-US" sz="4500" dirty="0"/>
+              <a:rPr lang="en-US" sz="4500" dirty="0">
+                <a:latin typeface="+mn-lt"/>
+              </a:rPr>
               <a:t>Make a new branch off of &lt;</a:t>
             </a:r>
             <a:r>
-              <a:rPr lang="en-US" sz="4500" dirty="0" err="1"/>
+              <a:rPr lang="en-US" sz="4500" dirty="0" err="1">
+                <a:latin typeface="+mn-lt"/>
+              </a:rPr>
               <a:t>orig_branch</a:t>
             </a:r>
             <a:r>
-              <a:rPr lang="en-US" sz="4500" dirty="0"/>
+              <a:rPr lang="en-US" sz="4500" dirty="0">
+                <a:latin typeface="+mn-lt"/>
+              </a:rPr>
               <a:t>&gt; (default: main)</a:t>
             </a:r>
+          </a:p>
+          <a:p>
+            <a:pPr marL="0" indent="0">
+              <a:lnSpc>
+                <a:spcPct val="90000"/>
+              </a:lnSpc>
+              <a:spcBef>
+                <a:spcPts val="2000"/>
+              </a:spcBef>
+              <a:buClr>
+                <a:schemeClr val="dk1"/>
+              </a:buClr>
+              <a:buSzPct val="100000"/>
+              <a:buNone/>
+            </a:pPr>
             <a:endParaRPr sz="4500" dirty="0"/>
           </a:p>
           <a:p>
@@ -11679,7 +12612,7 @@
             </a:r>
           </a:p>
           <a:p>
-            <a:pPr indent="-457200">
+            <a:pPr marL="0" indent="0">
               <a:lnSpc>
                 <a:spcPct val="90000"/>
               </a:lnSpc>
@@ -11690,11 +12623,30 @@
                 <a:schemeClr val="dk1"/>
               </a:buClr>
               <a:buSzPct val="100000"/>
+              <a:buNone/>
             </a:pPr>
             <a:r>
-              <a:rPr lang="en-US" sz="4500" dirty="0"/>
+              <a:rPr lang="en-US" sz="4500" dirty="0">
+                <a:latin typeface="+mn-lt"/>
+              </a:rPr>
               <a:t>Switch to desired branch</a:t>
             </a:r>
+          </a:p>
+          <a:p>
+            <a:pPr marL="0" indent="0">
+              <a:lnSpc>
+                <a:spcPct val="90000"/>
+              </a:lnSpc>
+              <a:spcBef>
+                <a:spcPts val="2000"/>
+              </a:spcBef>
+              <a:buClr>
+                <a:schemeClr val="dk1"/>
+              </a:buClr>
+              <a:buSzPct val="100000"/>
+              <a:buNone/>
+            </a:pPr>
+            <a:endParaRPr lang="en-US" sz="4500" dirty="0"/>
           </a:p>
           <a:p>
             <a:pPr marL="0" indent="0">
@@ -11721,7 +12673,7 @@
             </a:r>
           </a:p>
           <a:p>
-            <a:pPr indent="-457200">
+            <a:pPr marL="0" indent="0">
               <a:lnSpc>
                 <a:spcPct val="90000"/>
               </a:lnSpc>
@@ -11732,14 +12684,17 @@
                 <a:schemeClr val="dk1"/>
               </a:buClr>
               <a:buSzPct val="100000"/>
+              <a:buNone/>
             </a:pPr>
             <a:r>
-              <a:rPr lang="en-US" sz="4500" dirty="0"/>
-              <a:t>List all the branches available on your local repo, highlighting the one you are currently on</a:t>
+              <a:rPr lang="en-US" sz="4500" dirty="0">
+                <a:latin typeface="+mn-lt"/>
+              </a:rPr>
+              <a:t>List all available branches, highlighting the one you are currently on</a:t>
             </a:r>
           </a:p>
           <a:p>
-            <a:pPr marL="685800" indent="-685800">
+            <a:pPr marL="0" indent="0">
               <a:lnSpc>
                 <a:spcPct val="90000"/>
               </a:lnSpc>
@@ -11750,8 +12705,23 @@
                 <a:schemeClr val="dk1"/>
               </a:buClr>
               <a:buSzPct val="100000"/>
-              <a:buFont typeface="Wingdings" pitchFamily="2" charset="2"/>
-              <a:buChar char="Ø"/>
+              <a:buNone/>
+            </a:pPr>
+            <a:endParaRPr lang="en-US" sz="4500" dirty="0"/>
+          </a:p>
+          <a:p>
+            <a:pPr marL="0" indent="0">
+              <a:lnSpc>
+                <a:spcPct val="90000"/>
+              </a:lnSpc>
+              <a:spcBef>
+                <a:spcPts val="2000"/>
+              </a:spcBef>
+              <a:buClr>
+                <a:schemeClr val="dk1"/>
+              </a:buClr>
+              <a:buSzPct val="100000"/>
+              <a:buNone/>
             </a:pPr>
             <a:r>
               <a:rPr lang="en-US" dirty="0">
@@ -11760,7 +12730,7 @@
                 <a:cs typeface="Courier New"/>
                 <a:sym typeface="Courier New"/>
               </a:rPr>
-              <a:t>git branch –d &lt;</a:t>
+              <a:t>&gt; git branch –d &lt;</a:t>
             </a:r>
             <a:r>
               <a:rPr lang="en-US" dirty="0" err="1">
@@ -11782,7 +12752,7 @@
             </a:r>
           </a:p>
           <a:p>
-            <a:pPr marL="685800" indent="-685800">
+            <a:pPr marL="0" indent="0">
               <a:lnSpc>
                 <a:spcPct val="90000"/>
               </a:lnSpc>
@@ -11793,9 +12763,12 @@
                 <a:schemeClr val="dk1"/>
               </a:buClr>
               <a:buSzPct val="100000"/>
+              <a:buNone/>
             </a:pPr>
             <a:r>
-              <a:rPr lang="en-US" sz="4500" dirty="0"/>
+              <a:rPr lang="en-US" sz="4500" dirty="0">
+                <a:latin typeface="+mn-lt"/>
+              </a:rPr>
               <a:t>Delete a branch from your local repo</a:t>
             </a:r>
           </a:p>
@@ -11866,8 +12839,8 @@
         </p:nvSpPr>
         <p:spPr>
           <a:xfrm>
-            <a:off x="3552403" y="12623800"/>
-            <a:ext cx="18012870" cy="738583"/>
+            <a:off x="3552403" y="12766675"/>
+            <a:ext cx="18012870" cy="677028"/>
           </a:xfrm>
           <a:prstGeom prst="rect">
             <a:avLst/>
@@ -11883,19 +12856,22 @@
           </a:bodyPr>
           <a:lstStyle/>
           <a:p>
+            <a:pPr algn="ctr"/>
             <a:r>
-              <a:rPr lang="en-US" sz="3600">
+              <a:rPr lang="en-US" sz="3200" dirty="0">
                 <a:solidFill>
                   <a:schemeClr val="dk1"/>
                 </a:solidFill>
-                <a:latin typeface="Calibri"/>
+                <a:latin typeface="+mn-lt"/>
                 <a:ea typeface="Calibri"/>
                 <a:cs typeface="Calibri"/>
                 <a:sym typeface="Calibri"/>
               </a:rPr>
-              <a:t>There are a lot of “Git Cheatsheets” online if you want a summary of more commands!</a:t>
+              <a:t>There are a lot of “Git cheat sheets” online if you want a summary of more commands!</a:t>
             </a:r>
-            <a:endParaRPr sz="2800"/>
+            <a:endParaRPr sz="2400" dirty="0">
+              <a:latin typeface="+mn-lt"/>
+            </a:endParaRPr>
           </a:p>
         </p:txBody>
       </p:sp>
@@ -11912,7 +12888,7 @@
 </p:sld>
 </file>
 
-<file path=ppt/slides/slide13.xml><?xml version="1.0" encoding="utf-8"?>
+<file path=ppt/slides/slide14.xml><?xml version="1.0" encoding="utf-8"?>
 <p:sld xmlns:a="http://schemas.openxmlformats.org/drawingml/2006/main" xmlns:r="http://schemas.openxmlformats.org/officeDocument/2006/relationships" xmlns:p="http://schemas.openxmlformats.org/presentationml/2006/main">
   <p:cSld>
     <p:spTree>
@@ -11964,10 +12940,14 @@
               <a:buNone/>
             </a:pPr>
             <a:r>
-              <a:rPr lang="en-US"/>
+              <a:rPr lang="en-US" dirty="0">
+                <a:latin typeface="+mn-lt"/>
+              </a:rPr>
               <a:t>Class-sourced Vocabulary List</a:t>
             </a:r>
-            <a:endParaRPr/>
+            <a:endParaRPr dirty="0">
+              <a:latin typeface="+mn-lt"/>
+            </a:endParaRPr>
           </a:p>
         </p:txBody>
       </p:sp>
@@ -11992,7 +12972,7 @@
         </p:spPr>
         <p:txBody>
           <a:bodyPr spcFirstLastPara="1" wrap="square" lIns="50800" tIns="50800" rIns="50800" bIns="50800" anchor="ctr" anchorCtr="0">
-            <a:normAutofit fontScale="92500"/>
+            <a:normAutofit fontScale="92500" lnSpcReduction="20000"/>
           </a:bodyPr>
           <a:lstStyle/>
           <a:p>
@@ -12007,15 +12987,16 @@
               <a:buChar char="•"/>
             </a:pPr>
             <a:r>
-              <a:rPr lang="en-US" dirty="0"/>
-              <a:t>Git: version control system (mercurial)</a:t>
+              <a:rPr lang="en-US" dirty="0">
+                <a:latin typeface="+mn-lt"/>
+              </a:rPr>
+              <a:t>Git: </a:t>
             </a:r>
-            <a:endParaRPr dirty="0"/>
           </a:p>
           <a:p>
             <a:pPr marL="457200" lvl="0" indent="-609600" algn="l" rtl="0">
               <a:spcBef>
-                <a:spcPts val="0"/>
+                <a:spcPts val="5900"/>
               </a:spcBef>
               <a:spcAft>
                 <a:spcPts val="0"/>
@@ -12024,22 +13005,20 @@
               <a:buChar char="•"/>
             </a:pPr>
             <a:r>
-              <a:rPr lang="en-US" dirty="0"/>
-              <a:t>GitHub: one choice for remote host for source-control projects (also see Gitlab/bitbucket</a:t>
+              <a:rPr lang="en-US" dirty="0">
+                <a:latin typeface="+mn-lt"/>
+              </a:rPr>
+              <a:t>GitHub: </a:t>
             </a:r>
-            <a:endParaRPr dirty="0"/>
           </a:p>
           <a:p>
             <a:pPr marL="457200" lvl="0" indent="-609600" algn="l" rtl="0">
               <a:spcBef>
-                <a:spcPts val="0"/>
-              </a:spcBef>
-              <a:spcAft>
-                <a:spcPts val="0"/>
-              </a:spcAft>
-              <a:buClr>
-                <a:schemeClr val="dk1"/>
-              </a:buClr>
+                <a:spcPts val="5900"/>
+              </a:spcBef>
+              <a:spcAft>
+                <a:spcPts val="0"/>
+              </a:spcAft>
               <a:buSzPts val="6000"/>
               <a:buChar char="•"/>
             </a:pPr>
@@ -12048,15 +13027,15 @@
                 <a:solidFill>
                   <a:schemeClr val="dk1"/>
                 </a:solidFill>
+                <a:latin typeface="+mn-lt"/>
               </a:rPr>
-              <a:t>source control: act of keeping track of history of code</a:t>
+              <a:t>source control: </a:t>
             </a:r>
-            <a:endParaRPr dirty="0"/>
           </a:p>
           <a:p>
             <a:pPr marL="457200" lvl="0" indent="-609600" algn="l" rtl="0">
               <a:spcBef>
-                <a:spcPts val="0"/>
+                <a:spcPts val="5900"/>
               </a:spcBef>
               <a:spcAft>
                 <a:spcPts val="0"/>
@@ -12065,39 +13044,20 @@
               <a:buChar char="•"/>
             </a:pPr>
             <a:r>
-              <a:rPr lang="en-US" dirty="0"/>
-              <a:t>repo (short for “repository”): version-controlled project, keeps track of changes</a:t>
+              <a:rPr lang="en-US" dirty="0">
+                <a:latin typeface="+mn-lt"/>
+              </a:rPr>
+              <a:t>repo (short for “repository”): </a:t>
             </a:r>
-            <a:endParaRPr dirty="0"/>
           </a:p>
           <a:p>
             <a:pPr marL="457200" lvl="0" indent="-609600" algn="l" rtl="0">
               <a:spcBef>
-                <a:spcPts val="0"/>
-              </a:spcBef>
-              <a:spcAft>
-                <a:spcPts val="0"/>
-              </a:spcAft>
-              <a:buSzPts val="6000"/>
-              <a:buChar char="•"/>
-            </a:pPr>
-            <a:r>
-              <a:rPr lang="en-US" dirty="0"/>
-              <a:t>pull request: way to notify developers of particular changes, and stages the changes in one branch to be pulled into another</a:t>
-            </a:r>
-            <a:endParaRPr dirty="0"/>
-          </a:p>
-          <a:p>
-            <a:pPr marL="457200" lvl="0" indent="-609600" algn="l" rtl="0">
-              <a:spcBef>
-                <a:spcPts val="0"/>
-              </a:spcBef>
-              <a:spcAft>
-                <a:spcPts val="0"/>
-              </a:spcAft>
-              <a:buClr>
-                <a:schemeClr val="dk1"/>
-              </a:buClr>
+                <a:spcPts val="5900"/>
+              </a:spcBef>
+              <a:spcAft>
+                <a:spcPts val="0"/>
+              </a:spcAft>
               <a:buSzPts val="6000"/>
               <a:buChar char="•"/>
             </a:pPr>
@@ -12106,15 +13066,15 @@
                 <a:solidFill>
                   <a:schemeClr val="dk1"/>
                 </a:solidFill>
+                <a:latin typeface="+mn-lt"/>
               </a:rPr>
-              <a:t>commit: a change that adds a new “note” to current branch, like an object that holds information about who made commit, changes involved</a:t>
+              <a:t>commit: </a:t>
             </a:r>
-            <a:endParaRPr dirty="0"/>
           </a:p>
           <a:p>
             <a:pPr marL="457200" lvl="0" indent="-609600" algn="l" rtl="0">
               <a:spcBef>
-                <a:spcPts val="0"/>
+                <a:spcPts val="5900"/>
               </a:spcBef>
               <a:spcAft>
                 <a:spcPts val="0"/>
@@ -12123,15 +13083,16 @@
               <a:buChar char="•"/>
             </a:pPr>
             <a:r>
-              <a:rPr lang="en-US" dirty="0"/>
-              <a:t>branch: way to add new feature to code, might have  changes added relative to main/other branches</a:t>
+              <a:rPr lang="en-US" dirty="0">
+                <a:latin typeface="+mn-lt"/>
+              </a:rPr>
+              <a:t>branch: </a:t>
             </a:r>
-            <a:endParaRPr dirty="0"/>
           </a:p>
           <a:p>
             <a:pPr marL="457200" lvl="0" indent="-609600" algn="l" rtl="0">
               <a:spcBef>
-                <a:spcPts val="0"/>
+                <a:spcPts val="5900"/>
               </a:spcBef>
               <a:spcAft>
                 <a:spcPts val="0"/>
@@ -12140,10 +13101,11 @@
               <a:buChar char="•"/>
             </a:pPr>
             <a:r>
-              <a:rPr lang="en-US" dirty="0"/>
-              <a:t>clone: local repo copy linked to remote </a:t>
+              <a:rPr lang="en-US" dirty="0">
+                <a:latin typeface="+mn-lt"/>
+              </a:rPr>
+              <a:t>clone:</a:t>
             </a:r>
-            <a:endParaRPr dirty="0"/>
           </a:p>
         </p:txBody>
       </p:sp>
@@ -12155,8 +13117,8 @@
         </p:nvSpPr>
         <p:spPr>
           <a:xfrm>
-            <a:off x="12934475" y="11234600"/>
-            <a:ext cx="11254200" cy="2401200"/>
+            <a:off x="19701035" y="12896087"/>
+            <a:ext cx="4667725" cy="738633"/>
           </a:xfrm>
           <a:prstGeom prst="rect">
             <a:avLst/>
@@ -12178,7 +13140,7 @@
           </a:bodyPr>
           <a:lstStyle/>
           <a:p>
-            <a:pPr marL="0" lvl="0" indent="0" algn="l" rtl="0">
+            <a:pPr marL="0" lvl="0" indent="0" algn="ctr" rtl="0">
               <a:spcBef>
                 <a:spcPts val="0"/>
               </a:spcBef>
@@ -12188,24 +13150,16 @@
               <a:buNone/>
             </a:pPr>
             <a:r>
-              <a:rPr lang="en-US" sz="3600" u="sng">
+              <a:rPr lang="en-US" sz="3600" u="sng" dirty="0">
                 <a:latin typeface="Helvetica Neue"/>
                 <a:ea typeface="Helvetica Neue"/>
                 <a:cs typeface="Helvetica Neue"/>
                 <a:sym typeface="Helvetica Neue"/>
+                <a:hlinkClick r:id="rId3"/>
               </a:rPr>
               <a:t>Code/Astro vocab list</a:t>
             </a:r>
-            <a:r>
-              <a:rPr lang="en-US" sz="3600">
-                <a:latin typeface="Helvetica Neue"/>
-                <a:ea typeface="Helvetica Neue"/>
-                <a:cs typeface="Helvetica Neue"/>
-                <a:sym typeface="Helvetica Neue"/>
-              </a:rPr>
-              <a:t>: https://docs.google.com/document/d/1HuzcZbUOdDht9Q2Y5RB7d7THucwVZrZAPkskCw9u9XE/edit?usp=sharing</a:t>
-            </a:r>
-            <a:endParaRPr sz="3600">
+            <a:endParaRPr sz="3600" dirty="0">
               <a:latin typeface="Helvetica Neue"/>
               <a:ea typeface="Helvetica Neue"/>
               <a:cs typeface="Helvetica Neue"/>
@@ -12222,7 +13176,7 @@
 </p:sld>
 </file>
 
-<file path=ppt/slides/slide14.xml><?xml version="1.0" encoding="utf-8"?>
+<file path=ppt/slides/slide15.xml><?xml version="1.0" encoding="utf-8"?>
 <p:sld xmlns:a="http://schemas.openxmlformats.org/drawingml/2006/main" xmlns:r="http://schemas.openxmlformats.org/officeDocument/2006/relationships" xmlns:p="http://schemas.openxmlformats.org/presentationml/2006/main">
   <p:cSld>
     <p:spTree>
@@ -12278,10 +13232,14 @@
               <a:buSzPts val="4000"/>
             </a:pPr>
             <a:r>
-              <a:rPr lang="en-US" sz="8000" dirty="0"/>
-              <a:t>Short “Homework” activity</a:t>
+              <a:rPr lang="en-US" sz="8000" dirty="0">
+                <a:latin typeface="+mn-lt"/>
+              </a:rPr>
+              <a:t>Activities [15 mins]</a:t>
             </a:r>
-            <a:endParaRPr dirty="0"/>
+            <a:endParaRPr dirty="0">
+              <a:latin typeface="+mn-lt"/>
+            </a:endParaRPr>
           </a:p>
         </p:txBody>
       </p:sp>
@@ -12297,8 +13255,8 @@
         </p:nvSpPr>
         <p:spPr>
           <a:xfrm>
-            <a:off x="1676399" y="3651250"/>
-            <a:ext cx="18876819" cy="8702676"/>
+            <a:off x="533399" y="2055813"/>
+            <a:ext cx="23850601" cy="11660187"/>
           </a:xfrm>
           <a:prstGeom prst="rect">
             <a:avLst/>
@@ -12310,7 +13268,7 @@
         </p:spPr>
         <p:txBody>
           <a:bodyPr spcFirstLastPara="1" wrap="square" lIns="182850" tIns="91400" rIns="182850" bIns="91400" anchor="t" anchorCtr="0">
-            <a:normAutofit/>
+            <a:normAutofit fontScale="92500" lnSpcReduction="10000"/>
           </a:bodyPr>
           <a:lstStyle/>
           <a:p>
@@ -12335,7 +13293,7 @@
             </a:endParaRPr>
           </a:p>
           <a:p>
-            <a:pPr indent="-457200">
+            <a:pPr marL="0" indent="0">
               <a:lnSpc>
                 <a:spcPct val="90000"/>
               </a:lnSpc>
@@ -12346,51 +13304,50 @@
                 <a:schemeClr val="dk1"/>
               </a:buClr>
               <a:buSzPct val="100000"/>
+              <a:buNone/>
+            </a:pPr>
+            <a:r>
+              <a:rPr lang="en-US" dirty="0">
+                <a:latin typeface="+mn-lt"/>
+              </a:rPr>
+              <a:t>1. Make sure you can “git pull” the most recent version of the </a:t>
+            </a:r>
+            <a:r>
+              <a:rPr lang="en-US" dirty="0" err="1">
+                <a:latin typeface="+mn-lt"/>
+              </a:rPr>
+              <a:t>codeastro</a:t>
+            </a:r>
+            <a:r>
+              <a:rPr lang="en-US" dirty="0">
+                <a:latin typeface="+mn-lt"/>
+              </a:rPr>
+              <a:t> repo (main branch)</a:t>
+            </a:r>
+          </a:p>
+          <a:p>
+            <a:pPr marL="0" indent="0">
+              <a:lnSpc>
+                <a:spcPct val="90000"/>
+              </a:lnSpc>
+              <a:spcBef>
+                <a:spcPts val="2000"/>
+              </a:spcBef>
+              <a:buClr>
+                <a:schemeClr val="dk1"/>
+              </a:buClr>
+              <a:buSzPct val="100000"/>
+              <a:buNone/>
             </a:pPr>
             <a:r>
               <a:rPr lang="en-US" dirty="0"/>
-              <a:t>Make sure you can “git pull” the most recent version of the </a:t>
+              <a:t>	</a:t>
             </a:r>
             <a:r>
-              <a:rPr lang="en-US" dirty="0" err="1"/>
-              <a:t>codeastro</a:t>
-            </a:r>
-            <a:r>
-              <a:rPr lang="en-US" dirty="0"/>
-              <a:t> repo (main branch)</a:t>
-            </a:r>
-          </a:p>
-          <a:p>
-            <a:pPr indent="-457200">
-              <a:lnSpc>
-                <a:spcPct val="90000"/>
-              </a:lnSpc>
-              <a:spcBef>
-                <a:spcPts val="2000"/>
-              </a:spcBef>
-              <a:buClr>
-                <a:schemeClr val="dk1"/>
-              </a:buClr>
-              <a:buSzPct val="100000"/>
-            </a:pPr>
-            <a:endParaRPr lang="en-US" dirty="0"/>
-          </a:p>
-          <a:p>
-            <a:pPr indent="-457200">
-              <a:lnSpc>
-                <a:spcPct val="90000"/>
-              </a:lnSpc>
-              <a:spcBef>
-                <a:spcPts val="2000"/>
-              </a:spcBef>
-              <a:buClr>
-                <a:schemeClr val="dk1"/>
-              </a:buClr>
-              <a:buSzPct val="100000"/>
-            </a:pPr>
-            <a:r>
-              <a:rPr lang="en-US" dirty="0"/>
-              <a:t>If you have local changes that you could like to save, you can do the following:</a:t>
+              <a:rPr lang="en-US" sz="4400" dirty="0">
+                <a:latin typeface="+mn-lt"/>
+              </a:rPr>
+              <a:t>If you have local changes that you would like to save, you can do the following:</a:t>
             </a:r>
           </a:p>
           <a:p>
@@ -12479,8 +13436,117 @@
               <a:buSzPct val="100000"/>
               <a:buNone/>
             </a:pPr>
+            <a:r>
+              <a:rPr lang="en-US" dirty="0">
+                <a:latin typeface="+mn-lt"/>
+                <a:ea typeface="Courier New"/>
+                <a:cs typeface="Courier New"/>
+                <a:sym typeface="Courier New"/>
+              </a:rPr>
+              <a:t>2. Within your project groups, create a repository (either a dummy repo or a repo for your project), and do the following:</a:t>
+            </a:r>
+          </a:p>
+          <a:p>
+            <a:pPr marL="685800" indent="-685800">
+              <a:lnSpc>
+                <a:spcPct val="90000"/>
+              </a:lnSpc>
+              <a:spcBef>
+                <a:spcPts val="2000"/>
+              </a:spcBef>
+              <a:buClr>
+                <a:schemeClr val="dk1"/>
+              </a:buClr>
+              <a:buSzPct val="100000"/>
+              <a:buFont typeface="Arial" panose="020B0604020202020204" pitchFamily="34" charset="0"/>
+              <a:buChar char="•"/>
+            </a:pPr>
+            <a:r>
+              <a:rPr lang="en-US" dirty="0">
+                <a:latin typeface="+mn-lt"/>
+                <a:ea typeface="Courier New"/>
+                <a:cs typeface="Courier New"/>
+                <a:sym typeface="Courier New"/>
+              </a:rPr>
+              <a:t>Create main, develop, and (at least) 2 feature branches.</a:t>
+            </a:r>
+          </a:p>
+          <a:p>
+            <a:pPr marL="685800" indent="-685800">
+              <a:lnSpc>
+                <a:spcPct val="90000"/>
+              </a:lnSpc>
+              <a:spcBef>
+                <a:spcPts val="2000"/>
+              </a:spcBef>
+              <a:buClr>
+                <a:schemeClr val="dk1"/>
+              </a:buClr>
+              <a:buSzPct val="100000"/>
+              <a:buFont typeface="Arial" panose="020B0604020202020204" pitchFamily="34" charset="0"/>
+              <a:buChar char="•"/>
+            </a:pPr>
+            <a:r>
+              <a:rPr lang="en-US" dirty="0">
+                <a:latin typeface="+mn-lt"/>
+                <a:ea typeface="Courier New"/>
+                <a:cs typeface="Courier New"/>
+                <a:sym typeface="Courier New"/>
+              </a:rPr>
+              <a:t>Raise an issue.</a:t>
+            </a:r>
+          </a:p>
+          <a:p>
+            <a:pPr marL="685800" indent="-685800">
+              <a:lnSpc>
+                <a:spcPct val="90000"/>
+              </a:lnSpc>
+              <a:spcBef>
+                <a:spcPts val="2000"/>
+              </a:spcBef>
+              <a:buClr>
+                <a:schemeClr val="dk1"/>
+              </a:buClr>
+              <a:buSzPct val="100000"/>
+              <a:buFont typeface="Arial" panose="020B0604020202020204" pitchFamily="34" charset="0"/>
+              <a:buChar char="•"/>
+            </a:pPr>
+            <a:r>
+              <a:rPr lang="en-US" dirty="0">
+                <a:latin typeface="+mn-lt"/>
+                <a:ea typeface="Courier New"/>
+                <a:cs typeface="Courier New"/>
+                <a:sym typeface="Courier New"/>
+              </a:rPr>
+              <a:t>Clone the repo to your machine, make changes on each of the feature branches, and open pull requests to merge them into main.</a:t>
+            </a:r>
+          </a:p>
+          <a:p>
+            <a:pPr marL="685800" indent="-685800">
+              <a:lnSpc>
+                <a:spcPct val="90000"/>
+              </a:lnSpc>
+              <a:spcBef>
+                <a:spcPts val="2000"/>
+              </a:spcBef>
+              <a:buClr>
+                <a:schemeClr val="dk1"/>
+              </a:buClr>
+              <a:buSzPct val="100000"/>
+              <a:buFont typeface="Arial" panose="020B0604020202020204" pitchFamily="34" charset="0"/>
+              <a:buChar char="•"/>
+            </a:pPr>
+            <a:r>
+              <a:rPr lang="en-US" dirty="0">
+                <a:latin typeface="+mn-lt"/>
+                <a:ea typeface="Courier New"/>
+                <a:cs typeface="Courier New"/>
+                <a:sym typeface="Courier New"/>
+              </a:rPr>
+              <a:t>Perform the merges.</a:t>
+            </a:r>
             <a:endParaRPr dirty="0">
-              <a:latin typeface="Courier New"/>
+              <a:latin typeface="+mn-lt"/>
               <a:ea typeface="Courier New"/>
               <a:cs typeface="Courier New"/>
               <a:sym typeface="Courier New"/>
@@ -12494,713 +13560,6 @@
         <p14:creationId xmlns:p14="http://schemas.microsoft.com/office/powerpoint/2010/main" val="2248961911"/>
       </p:ext>
     </p:extLst>
-  </p:cSld>
-  <p:clrMapOvr>
-    <a:masterClrMapping/>
-  </p:clrMapOvr>
-</p:sld>
-</file>
-
-<file path=ppt/slides/slide15.xml><?xml version="1.0" encoding="utf-8"?>
-<p:sld xmlns:a="http://schemas.openxmlformats.org/drawingml/2006/main" xmlns:r="http://schemas.openxmlformats.org/officeDocument/2006/relationships" xmlns:p="http://schemas.openxmlformats.org/presentationml/2006/main">
-  <p:cSld>
-    <p:spTree>
-      <p:nvGrpSpPr>
-        <p:cNvPr id="1" name=""/>
-        <p:cNvGrpSpPr/>
-        <p:nvPr/>
-      </p:nvGrpSpPr>
-      <p:grpSpPr>
-        <a:xfrm>
-          <a:off x="0" y="0"/>
-          <a:ext cx="0" cy="0"/>
-          <a:chOff x="0" y="0"/>
-          <a:chExt cx="0" cy="0"/>
-        </a:xfrm>
-      </p:grpSpPr>
-      <p:sp>
-        <p:nvSpPr>
-          <p:cNvPr id="3" name="Subtitle 2">
-            <a:extLst>
-              <a:ext uri="{FF2B5EF4-FFF2-40B4-BE49-F238E27FC236}">
-                <a16:creationId xmlns:a16="http://schemas.microsoft.com/office/drawing/2014/main" id="{6C5F78F2-9940-2C4A-BABD-92D65F58BC9F}"/>
-              </a:ext>
-            </a:extLst>
-          </p:cNvPr>
-          <p:cNvSpPr>
-            <a:spLocks noGrp="1"/>
-          </p:cNvSpPr>
-          <p:nvPr>
-            <p:ph type="subTitle" idx="1"/>
-          </p:nvPr>
-        </p:nvSpPr>
-        <p:spPr>
-          <a:xfrm>
-            <a:off x="3048000" y="6036757"/>
-            <a:ext cx="18288000" cy="1181166"/>
-          </a:xfrm>
-        </p:spPr>
-        <p:txBody>
-          <a:bodyPr>
-            <a:noAutofit/>
-          </a:bodyPr>
-          <a:lstStyle/>
-          <a:p>
-            <a:r>
-              <a:rPr lang="en-US" sz="8800" dirty="0"/>
-              <a:t>Extra Slides</a:t>
-            </a:r>
-          </a:p>
-        </p:txBody>
-      </p:sp>
-    </p:spTree>
-    <p:extLst>
-      <p:ext uri="{BB962C8B-B14F-4D97-AF65-F5344CB8AC3E}">
-        <p14:creationId xmlns:p14="http://schemas.microsoft.com/office/powerpoint/2010/main" val="4201141682"/>
-      </p:ext>
-    </p:extLst>
-  </p:cSld>
-  <p:clrMapOvr>
-    <a:masterClrMapping/>
-  </p:clrMapOvr>
-</p:sld>
-</file>
-
-<file path=ppt/slides/slide16.xml><?xml version="1.0" encoding="utf-8"?>
-<p:sld xmlns:a="http://schemas.openxmlformats.org/drawingml/2006/main" xmlns:r="http://schemas.openxmlformats.org/officeDocument/2006/relationships" xmlns:p="http://schemas.openxmlformats.org/presentationml/2006/main">
-  <p:cSld>
-    <p:spTree>
-      <p:nvGrpSpPr>
-        <p:cNvPr id="1" name="Shape 173"/>
-        <p:cNvGrpSpPr/>
-        <p:nvPr/>
-      </p:nvGrpSpPr>
-      <p:grpSpPr>
-        <a:xfrm>
-          <a:off x="0" y="0"/>
-          <a:ext cx="0" cy="0"/>
-          <a:chOff x="0" y="0"/>
-          <a:chExt cx="0" cy="0"/>
-        </a:xfrm>
-      </p:grpSpPr>
-      <p:sp>
-        <p:nvSpPr>
-          <p:cNvPr id="174" name="Google Shape;174;p10"/>
-          <p:cNvSpPr txBox="1">
-            <a:spLocks noGrp="1"/>
-          </p:cNvSpPr>
-          <p:nvPr>
-            <p:ph type="title"/>
-          </p:nvPr>
-        </p:nvSpPr>
-        <p:spPr>
-          <a:xfrm>
-            <a:off x="1689100" y="355600"/>
-            <a:ext cx="21005800" cy="2286000"/>
-          </a:xfrm>
-          <a:prstGeom prst="rect">
-            <a:avLst/>
-          </a:prstGeom>
-          <a:noFill/>
-          <a:ln>
-            <a:noFill/>
-          </a:ln>
-        </p:spPr>
-        <p:txBody>
-          <a:bodyPr spcFirstLastPara="1" wrap="square" lIns="50800" tIns="50800" rIns="50800" bIns="50800" anchor="ctr" anchorCtr="0">
-            <a:normAutofit/>
-          </a:bodyPr>
-          <a:lstStyle/>
-          <a:p>
-            <a:pPr marL="0" lvl="0" indent="0" algn="ctr" rtl="0">
-              <a:lnSpc>
-                <a:spcPct val="100000"/>
-              </a:lnSpc>
-              <a:spcBef>
-                <a:spcPts val="0"/>
-              </a:spcBef>
-              <a:spcAft>
-                <a:spcPts val="0"/>
-              </a:spcAft>
-              <a:buClr>
-                <a:srgbClr val="000000"/>
-              </a:buClr>
-              <a:buSzPts val="11200"/>
-              <a:buFont typeface="Helvetica Neue"/>
-              <a:buNone/>
-            </a:pPr>
-            <a:r>
-              <a:rPr lang="en-US" sz="8000" b="0" i="0" u="none" strike="noStrike" cap="none" dirty="0">
-                <a:solidFill>
-                  <a:srgbClr val="000000"/>
-                </a:solidFill>
-                <a:latin typeface="Helvetica Neue"/>
-                <a:ea typeface="Helvetica Neue"/>
-                <a:cs typeface="Helvetica Neue"/>
-                <a:sym typeface="Helvetica Neue"/>
-              </a:rPr>
-              <a:t>Feature done: Pull Request</a:t>
-            </a:r>
-            <a:endParaRPr sz="8000" dirty="0"/>
-          </a:p>
-        </p:txBody>
-      </p:sp>
-      <p:pic>
-        <p:nvPicPr>
-          <p:cNvPr id="175" name="Google Shape;175;p10" descr="Screen Shot 2020-06-05 at 12.42.44 PM.png"/>
-          <p:cNvPicPr preferRelativeResize="0"/>
-          <p:nvPr/>
-        </p:nvPicPr>
-        <p:blipFill rotWithShape="1">
-          <a:blip r:embed="rId3">
-            <a:alphaModFix/>
-          </a:blip>
-          <a:srcRect/>
-          <a:stretch/>
-        </p:blipFill>
-        <p:spPr>
-          <a:xfrm>
-            <a:off x="2914669" y="3092919"/>
-            <a:ext cx="18554662" cy="10244108"/>
-          </a:xfrm>
-          <a:prstGeom prst="rect">
-            <a:avLst/>
-          </a:prstGeom>
-          <a:noFill/>
-          <a:ln>
-            <a:noFill/>
-          </a:ln>
-        </p:spPr>
-      </p:pic>
-    </p:spTree>
-  </p:cSld>
-  <p:clrMapOvr>
-    <a:masterClrMapping/>
-  </p:clrMapOvr>
-</p:sld>
-</file>
-
-<file path=ppt/slides/slide17.xml><?xml version="1.0" encoding="utf-8"?>
-<p:sld xmlns:a="http://schemas.openxmlformats.org/drawingml/2006/main" xmlns:r="http://schemas.openxmlformats.org/officeDocument/2006/relationships" xmlns:p="http://schemas.openxmlformats.org/presentationml/2006/main">
-  <p:cSld>
-    <p:spTree>
-      <p:nvGrpSpPr>
-        <p:cNvPr id="1" name="Shape 180"/>
-        <p:cNvGrpSpPr/>
-        <p:nvPr/>
-      </p:nvGrpSpPr>
-      <p:grpSpPr>
-        <a:xfrm>
-          <a:off x="0" y="0"/>
-          <a:ext cx="0" cy="0"/>
-          <a:chOff x="0" y="0"/>
-          <a:chExt cx="0" cy="0"/>
-        </a:xfrm>
-      </p:grpSpPr>
-      <p:sp>
-        <p:nvSpPr>
-          <p:cNvPr id="181" name="Google Shape;181;p11"/>
-          <p:cNvSpPr txBox="1">
-            <a:spLocks noGrp="1"/>
-          </p:cNvSpPr>
-          <p:nvPr>
-            <p:ph type="title"/>
-          </p:nvPr>
-        </p:nvSpPr>
-        <p:spPr>
-          <a:xfrm>
-            <a:off x="1689100" y="355600"/>
-            <a:ext cx="21005800" cy="2286000"/>
-          </a:xfrm>
-          <a:prstGeom prst="rect">
-            <a:avLst/>
-          </a:prstGeom>
-          <a:noFill/>
-          <a:ln>
-            <a:noFill/>
-          </a:ln>
-        </p:spPr>
-        <p:txBody>
-          <a:bodyPr spcFirstLastPara="1" wrap="square" lIns="50800" tIns="50800" rIns="50800" bIns="50800" anchor="ctr" anchorCtr="0">
-            <a:normAutofit/>
-          </a:bodyPr>
-          <a:lstStyle/>
-          <a:p>
-            <a:pPr marL="0" lvl="0" indent="0" algn="ctr" rtl="0">
-              <a:lnSpc>
-                <a:spcPct val="100000"/>
-              </a:lnSpc>
-              <a:spcBef>
-                <a:spcPts val="0"/>
-              </a:spcBef>
-              <a:spcAft>
-                <a:spcPts val="0"/>
-              </a:spcAft>
-              <a:buClr>
-                <a:srgbClr val="000000"/>
-              </a:buClr>
-              <a:buSzPts val="11200"/>
-              <a:buFont typeface="Helvetica Neue"/>
-              <a:buNone/>
-            </a:pPr>
-            <a:r>
-              <a:rPr lang="en-US" sz="8000" b="0" i="0" u="none" strike="noStrike" cap="none" dirty="0">
-                <a:solidFill>
-                  <a:srgbClr val="000000"/>
-                </a:solidFill>
-                <a:latin typeface="Helvetica Neue"/>
-                <a:ea typeface="Helvetica Neue"/>
-                <a:cs typeface="Helvetica Neue"/>
-                <a:sym typeface="Helvetica Neue"/>
-              </a:rPr>
-              <a:t>Feature done: Pull Request</a:t>
-            </a:r>
-            <a:endParaRPr sz="8000" dirty="0"/>
-          </a:p>
-        </p:txBody>
-      </p:sp>
-      <p:sp>
-        <p:nvSpPr>
-          <p:cNvPr id="182" name="Google Shape;182;p11"/>
-          <p:cNvSpPr txBox="1">
-            <a:spLocks noGrp="1"/>
-          </p:cNvSpPr>
-          <p:nvPr>
-            <p:ph type="body" idx="1"/>
-          </p:nvPr>
-        </p:nvSpPr>
-        <p:spPr>
-          <a:xfrm>
-            <a:off x="14305322" y="3294162"/>
-            <a:ext cx="9606841" cy="9450063"/>
-          </a:xfrm>
-          <a:prstGeom prst="rect">
-            <a:avLst/>
-          </a:prstGeom>
-          <a:noFill/>
-          <a:ln>
-            <a:noFill/>
-          </a:ln>
-        </p:spPr>
-        <p:txBody>
-          <a:bodyPr spcFirstLastPara="1" wrap="square" lIns="50800" tIns="50800" rIns="50800" bIns="50800" anchor="ctr" anchorCtr="0">
-            <a:normAutofit lnSpcReduction="10000"/>
-          </a:bodyPr>
-          <a:lstStyle/>
-          <a:p>
-            <a:pPr marL="615950" lvl="0" indent="-615950" algn="l" rtl="0">
-              <a:lnSpc>
-                <a:spcPct val="100000"/>
-              </a:lnSpc>
-              <a:spcBef>
-                <a:spcPts val="0"/>
-              </a:spcBef>
-              <a:spcAft>
-                <a:spcPts val="0"/>
-              </a:spcAft>
-              <a:buClr>
-                <a:srgbClr val="000000"/>
-              </a:buClr>
-              <a:buSzPts val="5820"/>
-              <a:buFont typeface="Helvetica Neue"/>
-              <a:buChar char="•"/>
-            </a:pPr>
-            <a:r>
-              <a:rPr lang="en-US" sz="4656"/>
-              <a:t>Differences between your feature branch and develop will be highlighted</a:t>
-            </a:r>
-            <a:endParaRPr/>
-          </a:p>
-          <a:p>
-            <a:pPr marL="615950" lvl="0" indent="-615950" algn="l" rtl="0">
-              <a:lnSpc>
-                <a:spcPct val="100000"/>
-              </a:lnSpc>
-              <a:spcBef>
-                <a:spcPts val="5700"/>
-              </a:spcBef>
-              <a:spcAft>
-                <a:spcPts val="0"/>
-              </a:spcAft>
-              <a:buClr>
-                <a:srgbClr val="000000"/>
-              </a:buClr>
-              <a:buSzPts val="5820"/>
-              <a:buFont typeface="Helvetica Neue"/>
-              <a:buChar char="•"/>
-            </a:pPr>
-            <a:r>
-              <a:rPr lang="en-US" sz="4656"/>
-              <a:t>Be descriptive with your changes</a:t>
-            </a:r>
-            <a:endParaRPr/>
-          </a:p>
-          <a:p>
-            <a:pPr marL="615950" lvl="0" indent="-615950" algn="l" rtl="0">
-              <a:lnSpc>
-                <a:spcPct val="100000"/>
-              </a:lnSpc>
-              <a:spcBef>
-                <a:spcPts val="5700"/>
-              </a:spcBef>
-              <a:spcAft>
-                <a:spcPts val="0"/>
-              </a:spcAft>
-              <a:buClr>
-                <a:srgbClr val="000000"/>
-              </a:buClr>
-              <a:buSzPts val="5820"/>
-              <a:buFont typeface="Helvetica Neue"/>
-              <a:buChar char="•"/>
-            </a:pPr>
-            <a:r>
-              <a:rPr lang="en-US" sz="4656"/>
-              <a:t>Usually an admin or senior developer will review and merge into develop after approval</a:t>
-            </a:r>
-            <a:endParaRPr/>
-          </a:p>
-          <a:p>
-            <a:pPr marL="615950" lvl="0" indent="-615950" algn="l" rtl="0">
-              <a:lnSpc>
-                <a:spcPct val="100000"/>
-              </a:lnSpc>
-              <a:spcBef>
-                <a:spcPts val="5700"/>
-              </a:spcBef>
-              <a:spcAft>
-                <a:spcPts val="0"/>
-              </a:spcAft>
-              <a:buClr>
-                <a:srgbClr val="000000"/>
-              </a:buClr>
-              <a:buSzPts val="5820"/>
-              <a:buFont typeface="Helvetica Neue"/>
-              <a:buChar char="•"/>
-            </a:pPr>
-            <a:r>
-              <a:rPr lang="en-US" sz="4656"/>
-              <a:t>Automated checks may also run</a:t>
-            </a:r>
-            <a:endParaRPr/>
-          </a:p>
-          <a:p>
-            <a:pPr marL="615950" lvl="0" indent="-615950" algn="l" rtl="0">
-              <a:lnSpc>
-                <a:spcPct val="100000"/>
-              </a:lnSpc>
-              <a:spcBef>
-                <a:spcPts val="5700"/>
-              </a:spcBef>
-              <a:spcAft>
-                <a:spcPts val="0"/>
-              </a:spcAft>
-              <a:buClr>
-                <a:srgbClr val="000000"/>
-              </a:buClr>
-              <a:buSzPts val="5820"/>
-              <a:buFont typeface="Helvetica Neue"/>
-              <a:buChar char="•"/>
-            </a:pPr>
-            <a:r>
-              <a:rPr lang="en-US" sz="4656"/>
-              <a:t>Delete feature branch after merge</a:t>
-            </a:r>
-            <a:endParaRPr/>
-          </a:p>
-        </p:txBody>
-      </p:sp>
-      <p:pic>
-        <p:nvPicPr>
-          <p:cNvPr id="183" name="Google Shape;183;p11" descr="Screen Shot 2020-06-05 at 12.49.29 PM.png"/>
-          <p:cNvPicPr preferRelativeResize="0"/>
-          <p:nvPr/>
-        </p:nvPicPr>
-        <p:blipFill rotWithShape="1">
-          <a:blip r:embed="rId3">
-            <a:alphaModFix/>
-          </a:blip>
-          <a:srcRect/>
-          <a:stretch/>
-        </p:blipFill>
-        <p:spPr>
-          <a:xfrm>
-            <a:off x="584845" y="2446423"/>
-            <a:ext cx="13423627" cy="10601154"/>
-          </a:xfrm>
-          <a:prstGeom prst="rect">
-            <a:avLst/>
-          </a:prstGeom>
-          <a:noFill/>
-          <a:ln>
-            <a:noFill/>
-          </a:ln>
-        </p:spPr>
-      </p:pic>
-    </p:spTree>
-  </p:cSld>
-  <p:clrMapOvr>
-    <a:masterClrMapping/>
-  </p:clrMapOvr>
-</p:sld>
-</file>
-
-<file path=ppt/slides/slide18.xml><?xml version="1.0" encoding="utf-8"?>
-<p:sld xmlns:a="http://schemas.openxmlformats.org/drawingml/2006/main" xmlns:r="http://schemas.openxmlformats.org/officeDocument/2006/relationships" xmlns:p="http://schemas.openxmlformats.org/presentationml/2006/main">
-  <p:cSld>
-    <p:spTree>
-      <p:nvGrpSpPr>
-        <p:cNvPr id="1" name="Shape 188"/>
-        <p:cNvGrpSpPr/>
-        <p:nvPr/>
-      </p:nvGrpSpPr>
-      <p:grpSpPr>
-        <a:xfrm>
-          <a:off x="0" y="0"/>
-          <a:ext cx="0" cy="0"/>
-          <a:chOff x="0" y="0"/>
-          <a:chExt cx="0" cy="0"/>
-        </a:xfrm>
-      </p:grpSpPr>
-      <p:sp>
-        <p:nvSpPr>
-          <p:cNvPr id="189" name="Google Shape;189;p12"/>
-          <p:cNvSpPr txBox="1">
-            <a:spLocks noGrp="1"/>
-          </p:cNvSpPr>
-          <p:nvPr>
-            <p:ph type="title"/>
-          </p:nvPr>
-        </p:nvSpPr>
-        <p:spPr>
-          <a:xfrm>
-            <a:off x="1689100" y="355600"/>
-            <a:ext cx="21005800" cy="2286000"/>
-          </a:xfrm>
-          <a:prstGeom prst="rect">
-            <a:avLst/>
-          </a:prstGeom>
-          <a:noFill/>
-          <a:ln>
-            <a:noFill/>
-          </a:ln>
-        </p:spPr>
-        <p:txBody>
-          <a:bodyPr spcFirstLastPara="1" wrap="square" lIns="50800" tIns="50800" rIns="50800" bIns="50800" anchor="ctr" anchorCtr="0">
-            <a:normAutofit/>
-          </a:bodyPr>
-          <a:lstStyle/>
-          <a:p>
-            <a:pPr marL="0" lvl="0" indent="0" algn="ctr" rtl="0">
-              <a:lnSpc>
-                <a:spcPct val="100000"/>
-              </a:lnSpc>
-              <a:spcBef>
-                <a:spcPts val="0"/>
-              </a:spcBef>
-              <a:spcAft>
-                <a:spcPts val="0"/>
-              </a:spcAft>
-              <a:buClr>
-                <a:srgbClr val="000000"/>
-              </a:buClr>
-              <a:buSzPts val="11200"/>
-              <a:buFont typeface="Helvetica Neue"/>
-              <a:buNone/>
-            </a:pPr>
-            <a:r>
-              <a:rPr lang="en-US" sz="8000" b="0" i="0" u="none" strike="noStrike" cap="none" dirty="0">
-                <a:solidFill>
-                  <a:srgbClr val="000000"/>
-                </a:solidFill>
-                <a:latin typeface="Helvetica Neue"/>
-                <a:ea typeface="Helvetica Neue"/>
-                <a:cs typeface="Helvetica Neue"/>
-                <a:sym typeface="Helvetica Neue"/>
-              </a:rPr>
-              <a:t>Feature done: Pull Request</a:t>
-            </a:r>
-            <a:endParaRPr sz="8000" dirty="0"/>
-          </a:p>
-        </p:txBody>
-      </p:sp>
-      <p:sp>
-        <p:nvSpPr>
-          <p:cNvPr id="190" name="Google Shape;190;p12"/>
-          <p:cNvSpPr txBox="1">
-            <a:spLocks noGrp="1"/>
-          </p:cNvSpPr>
-          <p:nvPr>
-            <p:ph type="body" idx="1"/>
-          </p:nvPr>
-        </p:nvSpPr>
-        <p:spPr>
-          <a:xfrm>
-            <a:off x="14305322" y="3294162"/>
-            <a:ext cx="9606841" cy="9450063"/>
-          </a:xfrm>
-          <a:prstGeom prst="rect">
-            <a:avLst/>
-          </a:prstGeom>
-          <a:noFill/>
-          <a:ln>
-            <a:noFill/>
-          </a:ln>
-        </p:spPr>
-        <p:txBody>
-          <a:bodyPr spcFirstLastPara="1" wrap="square" lIns="50800" tIns="50800" rIns="50800" bIns="50800" anchor="ctr" anchorCtr="0">
-            <a:normAutofit lnSpcReduction="10000"/>
-          </a:bodyPr>
-          <a:lstStyle/>
-          <a:p>
-            <a:pPr marL="615950" lvl="0" indent="-615950" algn="l" rtl="0">
-              <a:lnSpc>
-                <a:spcPct val="100000"/>
-              </a:lnSpc>
-              <a:spcBef>
-                <a:spcPts val="0"/>
-              </a:spcBef>
-              <a:spcAft>
-                <a:spcPts val="0"/>
-              </a:spcAft>
-              <a:buClr>
-                <a:srgbClr val="000000"/>
-              </a:buClr>
-              <a:buSzPts val="5820"/>
-              <a:buFont typeface="Helvetica Neue"/>
-              <a:buChar char="•"/>
-            </a:pPr>
-            <a:r>
-              <a:rPr lang="en-US" sz="4656"/>
-              <a:t>Differences between your feature branch and develop will be highlighted</a:t>
-            </a:r>
-            <a:endParaRPr/>
-          </a:p>
-          <a:p>
-            <a:pPr marL="615950" lvl="0" indent="-615950" algn="l" rtl="0">
-              <a:lnSpc>
-                <a:spcPct val="100000"/>
-              </a:lnSpc>
-              <a:spcBef>
-                <a:spcPts val="5700"/>
-              </a:spcBef>
-              <a:spcAft>
-                <a:spcPts val="0"/>
-              </a:spcAft>
-              <a:buClr>
-                <a:srgbClr val="000000"/>
-              </a:buClr>
-              <a:buSzPts val="5820"/>
-              <a:buFont typeface="Helvetica Neue"/>
-              <a:buChar char="•"/>
-            </a:pPr>
-            <a:r>
-              <a:rPr lang="en-US" sz="4656"/>
-              <a:t>Be descriptive with your changes</a:t>
-            </a:r>
-            <a:endParaRPr/>
-          </a:p>
-          <a:p>
-            <a:pPr marL="615950" lvl="0" indent="-615950" algn="l" rtl="0">
-              <a:lnSpc>
-                <a:spcPct val="100000"/>
-              </a:lnSpc>
-              <a:spcBef>
-                <a:spcPts val="5700"/>
-              </a:spcBef>
-              <a:spcAft>
-                <a:spcPts val="0"/>
-              </a:spcAft>
-              <a:buClr>
-                <a:srgbClr val="000000"/>
-              </a:buClr>
-              <a:buSzPts val="5820"/>
-              <a:buFont typeface="Helvetica Neue"/>
-              <a:buChar char="•"/>
-            </a:pPr>
-            <a:r>
-              <a:rPr lang="en-US" sz="4656"/>
-              <a:t>Usually an admin or senior developer will review and merge into develop after approval</a:t>
-            </a:r>
-            <a:endParaRPr/>
-          </a:p>
-          <a:p>
-            <a:pPr marL="615950" lvl="0" indent="-615950" algn="l" rtl="0">
-              <a:lnSpc>
-                <a:spcPct val="100000"/>
-              </a:lnSpc>
-              <a:spcBef>
-                <a:spcPts val="5700"/>
-              </a:spcBef>
-              <a:spcAft>
-                <a:spcPts val="0"/>
-              </a:spcAft>
-              <a:buClr>
-                <a:srgbClr val="000000"/>
-              </a:buClr>
-              <a:buSzPts val="5820"/>
-              <a:buFont typeface="Helvetica Neue"/>
-              <a:buChar char="•"/>
-            </a:pPr>
-            <a:r>
-              <a:rPr lang="en-US" sz="4656"/>
-              <a:t>Automated checks may also run</a:t>
-            </a:r>
-            <a:endParaRPr/>
-          </a:p>
-          <a:p>
-            <a:pPr marL="615950" lvl="0" indent="-615950" algn="l" rtl="0">
-              <a:lnSpc>
-                <a:spcPct val="100000"/>
-              </a:lnSpc>
-              <a:spcBef>
-                <a:spcPts val="5700"/>
-              </a:spcBef>
-              <a:spcAft>
-                <a:spcPts val="0"/>
-              </a:spcAft>
-              <a:buClr>
-                <a:srgbClr val="000000"/>
-              </a:buClr>
-              <a:buSzPts val="5820"/>
-              <a:buFont typeface="Helvetica Neue"/>
-              <a:buChar char="•"/>
-            </a:pPr>
-            <a:r>
-              <a:rPr lang="en-US" sz="4656"/>
-              <a:t>Delete feature branch after merge</a:t>
-            </a:r>
-            <a:endParaRPr/>
-          </a:p>
-        </p:txBody>
-      </p:sp>
-      <p:pic>
-        <p:nvPicPr>
-          <p:cNvPr id="191" name="Google Shape;191;p12" descr="Screen Shot 2020-06-05 at 12.50.47 PM.png"/>
-          <p:cNvPicPr preferRelativeResize="0"/>
-          <p:nvPr/>
-        </p:nvPicPr>
-        <p:blipFill rotWithShape="1">
-          <a:blip r:embed="rId3">
-            <a:alphaModFix/>
-          </a:blip>
-          <a:srcRect/>
-          <a:stretch/>
-        </p:blipFill>
-        <p:spPr>
-          <a:xfrm>
-            <a:off x="756672" y="2862993"/>
-            <a:ext cx="12992101" cy="10312401"/>
-          </a:xfrm>
-          <a:prstGeom prst="rect">
-            <a:avLst/>
-          </a:prstGeom>
-          <a:noFill/>
-          <a:ln>
-            <a:noFill/>
-          </a:ln>
-        </p:spPr>
-      </p:pic>
-    </p:spTree>
   </p:cSld>
   <p:clrMapOvr>
     <a:masterClrMapping/>
@@ -13272,10 +13631,14 @@
               <a:buNone/>
             </a:pPr>
             <a:r>
-              <a:rPr lang="en-US" sz="8000" dirty="0"/>
+              <a:rPr lang="en-US" sz="8000" dirty="0">
+                <a:latin typeface="+mn-lt"/>
+              </a:rPr>
               <a:t>By the end of this lesson, you will be able to:</a:t>
             </a:r>
-            <a:endParaRPr sz="8000" dirty="0"/>
+            <a:endParaRPr sz="8000" dirty="0">
+              <a:latin typeface="+mn-lt"/>
+            </a:endParaRPr>
           </a:p>
         </p:txBody>
       </p:sp>
@@ -13320,85 +13683,31 @@
               </a:spcAft>
               <a:buNone/>
             </a:pPr>
-            <a:endParaRPr dirty="0"/>
-          </a:p>
-          <a:p>
-            <a:pPr marL="635000" lvl="0" indent="-635000" algn="l" rtl="0">
-              <a:lnSpc>
-                <a:spcPct val="100000"/>
-              </a:lnSpc>
-              <a:spcBef>
-                <a:spcPts val="0"/>
-              </a:spcBef>
-              <a:spcAft>
-                <a:spcPts val="0"/>
-              </a:spcAft>
-              <a:buClr>
-                <a:srgbClr val="000000"/>
-              </a:buClr>
-              <a:buSzPts val="6000"/>
-              <a:buFont typeface="Helvetica Neue"/>
-              <a:buChar char="•"/>
-            </a:pPr>
-            <a:r>
-              <a:rPr lang="en-US" sz="5200" dirty="0"/>
-              <a:t>Create multiple branches within a git repository</a:t>
-            </a:r>
-          </a:p>
-          <a:p>
-            <a:pPr marL="635000" lvl="0" indent="-635000" algn="l" rtl="0">
-              <a:lnSpc>
-                <a:spcPct val="100000"/>
-              </a:lnSpc>
-              <a:spcBef>
-                <a:spcPts val="0"/>
-              </a:spcBef>
-              <a:spcAft>
-                <a:spcPts val="0"/>
-              </a:spcAft>
-              <a:buClr>
-                <a:srgbClr val="000000"/>
-              </a:buClr>
-              <a:buSzPts val="6000"/>
-              <a:buFont typeface="Helvetica Neue"/>
-              <a:buChar char="•"/>
-            </a:pPr>
-            <a:r>
-              <a:rPr lang="en-US" sz="5200" dirty="0"/>
-              <a:t>Make a pull request from one branch into another</a:t>
-            </a:r>
-          </a:p>
-          <a:p>
-            <a:pPr marL="635000" lvl="0" indent="-635000" algn="l" rtl="0">
-              <a:lnSpc>
-                <a:spcPct val="100000"/>
-              </a:lnSpc>
-              <a:spcBef>
-                <a:spcPts val="0"/>
-              </a:spcBef>
-              <a:spcAft>
-                <a:spcPts val="0"/>
-              </a:spcAft>
-              <a:buClr>
-                <a:srgbClr val="000000"/>
-              </a:buClr>
-              <a:buSzPts val="6000"/>
-              <a:buFont typeface="Helvetica Neue"/>
-              <a:buChar char="•"/>
+            <a:endParaRPr dirty="0">
+              <a:latin typeface="+mn-lt"/>
+            </a:endParaRPr>
+          </a:p>
+          <a:p>
+            <a:pPr marL="635000" indent="-635000">
+              <a:spcBef>
+                <a:spcPts val="0"/>
+              </a:spcBef>
             </a:pPr>
             <a:r>
               <a:rPr lang="en-US" sz="5200" dirty="0">
                 <a:solidFill>
                   <a:schemeClr val="dk1"/>
                 </a:solidFill>
+                <a:latin typeface="+mn-lt"/>
               </a:rPr>
-              <a:t>Describe the basic git workflow (”</a:t>
+              <a:t>Describe the basic git workflow (“</a:t>
             </a:r>
             <a:r>
               <a:rPr lang="en-US" sz="5200" dirty="0" err="1">
                 <a:solidFill>
                   <a:schemeClr val="dk1"/>
                 </a:solidFill>
+                <a:latin typeface="+mn-lt"/>
               </a:rPr>
               <a:t>gitflow</a:t>
             </a:r>
@@ -13407,10 +13716,63 @@
                 <a:solidFill>
                   <a:schemeClr val="dk1"/>
                 </a:solidFill>
+                <a:latin typeface="+mn-lt"/>
               </a:rPr>
               <a:t>”)</a:t>
             </a:r>
-            <a:endParaRPr sz="5200" dirty="0"/>
+            <a:endParaRPr lang="en-US" sz="5200" dirty="0">
+              <a:latin typeface="+mn-lt"/>
+            </a:endParaRPr>
+          </a:p>
+          <a:p>
+            <a:pPr marL="635000" lvl="0" indent="-635000" algn="l" rtl="0">
+              <a:lnSpc>
+                <a:spcPct val="100000"/>
+              </a:lnSpc>
+              <a:spcBef>
+                <a:spcPts val="0"/>
+              </a:spcBef>
+              <a:spcAft>
+                <a:spcPts val="0"/>
+              </a:spcAft>
+              <a:buClr>
+                <a:srgbClr val="000000"/>
+              </a:buClr>
+              <a:buSzPts val="6000"/>
+              <a:buFont typeface="Helvetica Neue"/>
+              <a:buChar char="•"/>
+            </a:pPr>
+            <a:r>
+              <a:rPr lang="en-US" sz="5200" dirty="0">
+                <a:latin typeface="+mn-lt"/>
+              </a:rPr>
+              <a:t>Create multiple branches within a git repository</a:t>
+            </a:r>
+          </a:p>
+          <a:p>
+            <a:pPr marL="635000" lvl="0" indent="-635000" algn="l" rtl="0">
+              <a:lnSpc>
+                <a:spcPct val="100000"/>
+              </a:lnSpc>
+              <a:spcBef>
+                <a:spcPts val="0"/>
+              </a:spcBef>
+              <a:spcAft>
+                <a:spcPts val="0"/>
+              </a:spcAft>
+              <a:buClr>
+                <a:srgbClr val="000000"/>
+              </a:buClr>
+              <a:buSzPts val="6000"/>
+              <a:buFont typeface="Helvetica Neue"/>
+              <a:buChar char="•"/>
+            </a:pPr>
+            <a:r>
+              <a:rPr lang="en-US" sz="5200" dirty="0">
+                <a:latin typeface="+mn-lt"/>
+              </a:rPr>
+              <a:t>Make a pull request from one branch into another</a:t>
+            </a:r>
           </a:p>
         </p:txBody>
       </p:sp>
@@ -13474,18 +13836,26 @@
               <a:buNone/>
             </a:pPr>
             <a:r>
-              <a:rPr lang="en-US" sz="8000" dirty="0"/>
+              <a:rPr lang="en-US" sz="8000" dirty="0">
+                <a:latin typeface="+mn-lt"/>
+              </a:rPr>
               <a:t>Why do we Need </a:t>
             </a:r>
             <a:r>
-              <a:rPr lang="en-US" sz="8000" dirty="0" err="1"/>
+              <a:rPr lang="en-US" sz="8000" dirty="0" err="1">
+                <a:latin typeface="+mn-lt"/>
+              </a:rPr>
               <a:t>Gitflow</a:t>
             </a:r>
             <a:r>
-              <a:rPr lang="en-US" sz="8000" dirty="0"/>
+              <a:rPr lang="en-US" sz="8000" dirty="0">
+                <a:latin typeface="+mn-lt"/>
+              </a:rPr>
               <a:t>?</a:t>
             </a:r>
-            <a:endParaRPr sz="8000" dirty="0"/>
+            <a:endParaRPr sz="8000" dirty="0">
+              <a:latin typeface="+mn-lt"/>
+            </a:endParaRPr>
           </a:p>
         </p:txBody>
       </p:sp>
@@ -13524,18 +13894,26 @@
               <a:buNone/>
             </a:pPr>
             <a:r>
-              <a:rPr lang="en-US" dirty="0"/>
+              <a:rPr lang="en-US" dirty="0">
+                <a:latin typeface="+mn-lt"/>
+              </a:rPr>
               <a:t>When you’re working on big projects, many people are committing at once. Source control allows people to edit the same code base at the same time, using different </a:t>
             </a:r>
             <a:r>
-              <a:rPr lang="en-US" b="1" dirty="0"/>
+              <a:rPr lang="en-US" b="1" dirty="0">
+                <a:latin typeface="+mn-lt"/>
+              </a:rPr>
               <a:t>branches</a:t>
             </a:r>
             <a:r>
-              <a:rPr lang="en-US" dirty="0"/>
+              <a:rPr lang="en-US" dirty="0">
+                <a:latin typeface="+mn-lt"/>
+              </a:rPr>
               <a:t>.</a:t>
             </a:r>
-            <a:endParaRPr dirty="0"/>
+            <a:endParaRPr dirty="0">
+              <a:latin typeface="+mn-lt"/>
+            </a:endParaRPr>
           </a:p>
         </p:txBody>
       </p:sp>
@@ -13611,14 +13989,20 @@
               <a:buNone/>
             </a:pPr>
             <a:r>
-              <a:rPr lang="en-US" sz="8000" dirty="0" err="1"/>
+              <a:rPr lang="en-US" sz="8000" dirty="0" err="1">
+                <a:latin typeface="+mn-lt"/>
+              </a:rPr>
               <a:t>Gitflow</a:t>
             </a:r>
             <a:r>
-              <a:rPr lang="en-US" sz="8000" dirty="0"/>
+              <a:rPr lang="en-US" sz="8000" dirty="0">
+                <a:latin typeface="+mn-lt"/>
+              </a:rPr>
               <a:t> is a way of using Git and GitHub</a:t>
             </a:r>
-            <a:endParaRPr sz="8000" dirty="0"/>
+            <a:endParaRPr sz="8000" dirty="0">
+              <a:latin typeface="+mn-lt"/>
+            </a:endParaRPr>
           </a:p>
         </p:txBody>
       </p:sp>
@@ -13669,10 +14053,14 @@
               <a:buChar char="•"/>
             </a:pPr>
             <a:r>
-              <a:rPr lang="en-US" sz="4800"/>
+              <a:rPr lang="en-US" sz="4800" dirty="0">
+                <a:latin typeface="+mn-lt"/>
+              </a:rPr>
               <a:t>Allows for multi-user development and testing</a:t>
             </a:r>
-            <a:endParaRPr/>
+            <a:endParaRPr dirty="0">
+              <a:latin typeface="+mn-lt"/>
+            </a:endParaRPr>
           </a:p>
           <a:p>
             <a:pPr marL="635000" lvl="0" indent="-635000" algn="l" rtl="0">
@@ -13693,10 +14081,14 @@
               <a:buChar char="•"/>
             </a:pPr>
             <a:r>
-              <a:rPr lang="en-US" sz="4800"/>
+              <a:rPr lang="en-US" sz="4800" dirty="0">
+                <a:latin typeface="+mn-lt"/>
+              </a:rPr>
               <a:t>“Protects” the main code</a:t>
             </a:r>
-            <a:endParaRPr/>
+            <a:endParaRPr dirty="0">
+              <a:latin typeface="+mn-lt"/>
+            </a:endParaRPr>
           </a:p>
           <a:p>
             <a:pPr marL="635000" lvl="0" indent="-635000" algn="l" rtl="0">
@@ -13717,10 +14109,14 @@
               <a:buChar char="•"/>
             </a:pPr>
             <a:r>
-              <a:rPr lang="en-US" sz="4800"/>
+              <a:rPr lang="en-US" sz="4800" dirty="0">
+                <a:latin typeface="+mn-lt"/>
+              </a:rPr>
               <a:t>Easy to go back to a stable point if something breaks</a:t>
             </a:r>
-            <a:endParaRPr/>
+            <a:endParaRPr dirty="0">
+              <a:latin typeface="+mn-lt"/>
+            </a:endParaRPr>
           </a:p>
           <a:p>
             <a:pPr marL="635000" lvl="0" indent="-635000" algn="l" rtl="0">
@@ -13741,10 +14137,14 @@
               <a:buChar char="•"/>
             </a:pPr>
             <a:r>
-              <a:rPr lang="en-US" sz="4800"/>
+              <a:rPr lang="en-US" sz="4800" dirty="0">
+                <a:latin typeface="+mn-lt"/>
+              </a:rPr>
               <a:t>Work is performed in parallel on one or more feature branches.</a:t>
             </a:r>
-            <a:endParaRPr/>
+            <a:endParaRPr dirty="0">
+              <a:latin typeface="+mn-lt"/>
+            </a:endParaRPr>
           </a:p>
         </p:txBody>
       </p:sp>
@@ -13820,10 +14220,14 @@
               <a:buNone/>
             </a:pPr>
             <a:r>
-              <a:rPr lang="en-US" sz="8000" dirty="0"/>
+              <a:rPr lang="en-US" sz="8000" dirty="0">
+                <a:latin typeface="+mn-lt"/>
+              </a:rPr>
               <a:t>How It Works</a:t>
             </a:r>
-            <a:endParaRPr sz="8000" dirty="0"/>
+            <a:endParaRPr sz="8000" dirty="0">
+              <a:latin typeface="+mn-lt"/>
+            </a:endParaRPr>
           </a:p>
         </p:txBody>
       </p:sp>
@@ -14000,7 +14404,9 @@
           <a:p>
             <a:pPr algn="ctr"/>
             <a:r>
-              <a:rPr lang="en-US" sz="7200" dirty="0"/>
+              <a:rPr lang="en-US" sz="7200" dirty="0">
+                <a:latin typeface="+mn-lt"/>
+              </a:rPr>
               <a:t>1: Make a development branch off main</a:t>
             </a:r>
           </a:p>
@@ -14078,10 +14484,14 @@
               <a:buNone/>
             </a:pPr>
             <a:r>
-              <a:rPr lang="en-US" sz="7200" dirty="0"/>
+              <a:rPr lang="en-US" sz="7200" dirty="0">
+                <a:latin typeface="+mn-lt"/>
+              </a:rPr>
               <a:t>2. Create a feature branch from develop</a:t>
             </a:r>
-            <a:endParaRPr sz="7200" dirty="0"/>
+            <a:endParaRPr sz="7200" dirty="0">
+              <a:latin typeface="+mn-lt"/>
+            </a:endParaRPr>
           </a:p>
         </p:txBody>
       </p:sp>
@@ -14659,14 +15069,16 @@
                 <a:solidFill>
                   <a:srgbClr val="000000"/>
                 </a:solidFill>
-                <a:latin typeface="Helvetica Neue"/>
+                <a:latin typeface="+mn-lt"/>
                 <a:ea typeface="Helvetica Neue"/>
                 <a:cs typeface="Helvetica Neue"/>
                 <a:sym typeface="Helvetica Neue"/>
               </a:rPr>
               <a:t>3. Merge into Develop</a:t>
             </a:r>
-            <a:endParaRPr sz="7200" dirty="0"/>
+            <a:endParaRPr sz="7200" dirty="0">
+              <a:latin typeface="+mn-lt"/>
+            </a:endParaRPr>
           </a:p>
         </p:txBody>
       </p:sp>
@@ -15641,14 +16053,16 @@
                 <a:solidFill>
                   <a:srgbClr val="000000"/>
                 </a:solidFill>
-                <a:latin typeface="Helvetica Neue"/>
+                <a:latin typeface="+mn-lt"/>
                 <a:ea typeface="Helvetica Neue"/>
                 <a:cs typeface="Helvetica Neue"/>
                 <a:sym typeface="Helvetica Neue"/>
               </a:rPr>
               <a:t>4. Merge into main</a:t>
             </a:r>
-            <a:endParaRPr sz="7200" dirty="0"/>
+            <a:endParaRPr sz="7200" dirty="0">
+              <a:latin typeface="+mn-lt"/>
+            </a:endParaRPr>
           </a:p>
         </p:txBody>
       </p:sp>
@@ -16816,14 +17230,16 @@
                 <a:solidFill>
                   <a:srgbClr val="000000"/>
                 </a:solidFill>
-                <a:latin typeface="Helvetica Neue"/>
+                <a:latin typeface="+mn-lt"/>
                 <a:ea typeface="Helvetica Neue"/>
                 <a:cs typeface="Helvetica Neue"/>
                 <a:sym typeface="Helvetica Neue"/>
               </a:rPr>
               <a:t>4. Merge into main</a:t>
             </a:r>
-            <a:endParaRPr sz="7200" dirty="0"/>
+            <a:endParaRPr sz="7200" dirty="0">
+              <a:latin typeface="+mn-lt"/>
+            </a:endParaRPr>
           </a:p>
         </p:txBody>
       </p:sp>

--- a/Day1/gitflow.pptx
+++ b/Day1/gitflow.pptx
@@ -5,41 +5,42 @@
     <p:sldMasterId id="2147483648" r:id="rId1"/>
   </p:sldMasterIdLst>
   <p:notesMasterIdLst>
-    <p:notesMasterId r:id="rId17"/>
+    <p:notesMasterId r:id="rId18"/>
   </p:notesMasterIdLst>
   <p:sldIdLst>
     <p:sldId id="256" r:id="rId2"/>
     <p:sldId id="257" r:id="rId3"/>
-    <p:sldId id="260" r:id="rId4"/>
-    <p:sldId id="261" r:id="rId5"/>
-    <p:sldId id="265" r:id="rId6"/>
-    <p:sldId id="268" r:id="rId7"/>
-    <p:sldId id="290" r:id="rId8"/>
-    <p:sldId id="272" r:id="rId9"/>
-    <p:sldId id="292" r:id="rId10"/>
-    <p:sldId id="295" r:id="rId11"/>
-    <p:sldId id="293" r:id="rId12"/>
-    <p:sldId id="274" r:id="rId13"/>
-    <p:sldId id="291" r:id="rId14"/>
-    <p:sldId id="262" r:id="rId15"/>
-    <p:sldId id="294" r:id="rId16"/>
+    <p:sldId id="262" r:id="rId4"/>
+    <p:sldId id="260" r:id="rId5"/>
+    <p:sldId id="261" r:id="rId6"/>
+    <p:sldId id="265" r:id="rId7"/>
+    <p:sldId id="268" r:id="rId8"/>
+    <p:sldId id="290" r:id="rId9"/>
+    <p:sldId id="272" r:id="rId10"/>
+    <p:sldId id="292" r:id="rId11"/>
+    <p:sldId id="295" r:id="rId12"/>
+    <p:sldId id="296" r:id="rId13"/>
+    <p:sldId id="293" r:id="rId14"/>
+    <p:sldId id="274" r:id="rId15"/>
+    <p:sldId id="291" r:id="rId16"/>
+    <p:sldId id="294" r:id="rId17"/>
   </p:sldIdLst>
   <p:sldSz cx="24384000" cy="13716000"/>
   <p:notesSz cx="6858000" cy="9144000"/>
   <p:embeddedFontLst>
     <p:embeddedFont>
       <p:font typeface="Helvetica Neue" panose="02000503000000020004" pitchFamily="2" charset="0"/>
-      <p:regular r:id="rId18"/>
-      <p:bold r:id="rId19"/>
-      <p:italic r:id="rId20"/>
-      <p:boldItalic r:id="rId21"/>
+      <p:regular r:id="rId19"/>
+      <p:bold r:id="rId20"/>
+      <p:italic r:id="rId21"/>
+      <p:boldItalic r:id="rId22"/>
     </p:embeddedFont>
     <p:embeddedFont>
       <p:font typeface="Helvetica Neue Light" panose="02000403000000020004" pitchFamily="2" charset="0"/>
-      <p:regular r:id="rId22"/>
-      <p:bold r:id="rId23"/>
-      <p:italic r:id="rId24"/>
-      <p:boldItalic r:id="rId25"/>
+      <p:regular r:id="rId23"/>
+      <p:bold r:id="rId24"/>
+      <p:italic r:id="rId25"/>
+      <p:boldItalic r:id="rId26"/>
     </p:embeddedFont>
   </p:embeddedFontLst>
   <p:defaultTextStyle>
@@ -992,6 +993,115 @@
     </p:spTree>
     <p:extLst>
       <p:ext uri="{BB962C8B-B14F-4D97-AF65-F5344CB8AC3E}">
+        <p14:creationId xmlns:p14="http://schemas.microsoft.com/office/powerpoint/2010/main" val="744880146"/>
+      </p:ext>
+    </p:extLst>
+  </p:cSld>
+  <p:clrMapOvr>
+    <a:masterClrMapping/>
+  </p:clrMapOvr>
+</p:notes>
+</file>
+
+<file path=ppt/notesSlides/notesSlide11.xml><?xml version="1.0" encoding="utf-8"?>
+<p:notes xmlns:a="http://schemas.openxmlformats.org/drawingml/2006/main" xmlns:r="http://schemas.openxmlformats.org/officeDocument/2006/relationships" xmlns:p="http://schemas.openxmlformats.org/presentationml/2006/main" showMasterSp="0" showMasterPhAnim="0">
+  <p:cSld>
+    <p:spTree>
+      <p:nvGrpSpPr>
+        <p:cNvPr id="1" name="Shape 193"/>
+        <p:cNvGrpSpPr/>
+        <p:nvPr/>
+      </p:nvGrpSpPr>
+      <p:grpSpPr>
+        <a:xfrm>
+          <a:off x="0" y="0"/>
+          <a:ext cx="0" cy="0"/>
+          <a:chOff x="0" y="0"/>
+          <a:chExt cx="0" cy="0"/>
+        </a:xfrm>
+      </p:grpSpPr>
+      <p:sp>
+        <p:nvSpPr>
+          <p:cNvPr id="194" name="Google Shape;194;p13:notes"/>
+          <p:cNvSpPr txBox="1">
+            <a:spLocks noGrp="1"/>
+          </p:cNvSpPr>
+          <p:nvPr>
+            <p:ph type="body" idx="1"/>
+          </p:nvPr>
+        </p:nvSpPr>
+        <p:spPr>
+          <a:xfrm>
+            <a:off x="914400" y="4343400"/>
+            <a:ext cx="5029200" cy="4114800"/>
+          </a:xfrm>
+          <a:prstGeom prst="rect">
+            <a:avLst/>
+          </a:prstGeom>
+        </p:spPr>
+        <p:txBody>
+          <a:bodyPr spcFirstLastPara="1" wrap="square" lIns="91425" tIns="45700" rIns="91425" bIns="45700" anchor="t" anchorCtr="0">
+            <a:noAutofit/>
+          </a:bodyPr>
+          <a:lstStyle/>
+          <a:p>
+            <a:pPr marL="0" lvl="0" indent="0" algn="l" rtl="0">
+              <a:spcBef>
+                <a:spcPts val="0"/>
+              </a:spcBef>
+              <a:spcAft>
+                <a:spcPts val="0"/>
+              </a:spcAft>
+              <a:buNone/>
+            </a:pPr>
+            <a:endParaRPr/>
+          </a:p>
+        </p:txBody>
+      </p:sp>
+      <p:sp>
+        <p:nvSpPr>
+          <p:cNvPr id="195" name="Google Shape;195;p13:notes"/>
+          <p:cNvSpPr>
+            <a:spLocks noGrp="1" noRot="1" noChangeAspect="1"/>
+          </p:cNvSpPr>
+          <p:nvPr>
+            <p:ph type="sldImg" idx="2"/>
+          </p:nvPr>
+        </p:nvSpPr>
+        <p:spPr>
+          <a:xfrm>
+            <a:off x="381000" y="685800"/>
+            <a:ext cx="6096000" cy="3429000"/>
+          </a:xfrm>
+          <a:custGeom>
+            <a:avLst/>
+            <a:gdLst/>
+            <a:ahLst/>
+            <a:cxnLst/>
+            <a:rect l="l" t="t" r="r" b="b"/>
+            <a:pathLst>
+              <a:path w="120000" h="120000" extrusionOk="0">
+                <a:moveTo>
+                  <a:pt x="0" y="0"/>
+                </a:moveTo>
+                <a:lnTo>
+                  <a:pt x="120000" y="0"/>
+                </a:lnTo>
+                <a:lnTo>
+                  <a:pt x="120000" y="120000"/>
+                </a:lnTo>
+                <a:lnTo>
+                  <a:pt x="0" y="120000"/>
+                </a:lnTo>
+                <a:close/>
+              </a:path>
+            </a:pathLst>
+          </a:custGeom>
+        </p:spPr>
+      </p:sp>
+    </p:spTree>
+    <p:extLst>
+      <p:ext uri="{BB962C8B-B14F-4D97-AF65-F5344CB8AC3E}">
         <p14:creationId xmlns:p14="http://schemas.microsoft.com/office/powerpoint/2010/main" val="498390696"/>
       </p:ext>
     </p:extLst>
@@ -1002,7 +1112,7 @@
 </p:notes>
 </file>
 
-<file path=ppt/notesSlides/notesSlide11.xml><?xml version="1.0" encoding="utf-8"?>
+<file path=ppt/notesSlides/notesSlide12.xml><?xml version="1.0" encoding="utf-8"?>
 <p:notes xmlns:a="http://schemas.openxmlformats.org/drawingml/2006/main" xmlns:r="http://schemas.openxmlformats.org/officeDocument/2006/relationships" xmlns:p="http://schemas.openxmlformats.org/presentationml/2006/main" showMasterSp="0" showMasterPhAnim="0">
   <p:cSld>
     <p:spTree>
@@ -1116,7 +1226,7 @@
             </a:pPr>
             <a:r>
               <a:rPr lang="en-US" dirty="0"/>
-              <a:t>Create main, develop, feature1, and feature2 branches</a:t>
+              <a:t>Create main, develop, &amp; feature1 branches</a:t>
             </a:r>
           </a:p>
           <a:p>
@@ -1132,7 +1242,7 @@
             </a:pPr>
             <a:r>
               <a:rPr lang="en-US" dirty="0"/>
-              <a:t>Create PRs for feature1 and feature2 to develop</a:t>
+              <a:t>Create PRs for feature1 to develop</a:t>
             </a:r>
           </a:p>
           <a:p>
@@ -1148,7 +1258,7 @@
             </a:pPr>
             <a:r>
               <a:rPr lang="en-US" dirty="0"/>
-              <a:t>Merge the PRs</a:t>
+              <a:t>Merge the PR</a:t>
             </a:r>
           </a:p>
           <a:p>
@@ -1220,7 +1330,7 @@
 </p:notes>
 </file>
 
-<file path=ppt/notesSlides/notesSlide12.xml><?xml version="1.0" encoding="utf-8"?>
+<file path=ppt/notesSlides/notesSlide13.xml><?xml version="1.0" encoding="utf-8"?>
 <p:notes xmlns:a="http://schemas.openxmlformats.org/drawingml/2006/main" xmlns:r="http://schemas.openxmlformats.org/officeDocument/2006/relationships" xmlns:p="http://schemas.openxmlformats.org/presentationml/2006/main" showMasterSp="0" showMasterPhAnim="0">
   <p:cSld>
     <p:spTree>
@@ -1324,7 +1434,7 @@
 </p:notes>
 </file>
 
-<file path=ppt/notesSlides/notesSlide13.xml><?xml version="1.0" encoding="utf-8"?>
+<file path=ppt/notesSlides/notesSlide14.xml><?xml version="1.0" encoding="utf-8"?>
 <p:notes xmlns:a="http://schemas.openxmlformats.org/drawingml/2006/main" xmlns:r="http://schemas.openxmlformats.org/officeDocument/2006/relationships" xmlns:p="http://schemas.openxmlformats.org/presentationml/2006/main" showMasterSp="0" showMasterPhAnim="0">
   <p:cSld>
     <p:spTree>
@@ -1426,158 +1536,6 @@
         <p14:creationId xmlns:p14="http://schemas.microsoft.com/office/powerpoint/2010/main" val="1895333862"/>
       </p:ext>
     </p:extLst>
-  </p:cSld>
-  <p:clrMapOvr>
-    <a:masterClrMapping/>
-  </p:clrMapOvr>
-</p:notes>
-</file>
-
-<file path=ppt/notesSlides/notesSlide14.xml><?xml version="1.0" encoding="utf-8"?>
-<p:notes xmlns:a="http://schemas.openxmlformats.org/drawingml/2006/main" xmlns:r="http://schemas.openxmlformats.org/officeDocument/2006/relationships" xmlns:p="http://schemas.openxmlformats.org/presentationml/2006/main" showMasterSp="0" showMasterPhAnim="0">
-  <p:cSld>
-    <p:spTree>
-      <p:nvGrpSpPr>
-        <p:cNvPr id="1" name="Shape 103"/>
-        <p:cNvGrpSpPr/>
-        <p:nvPr/>
-      </p:nvGrpSpPr>
-      <p:grpSpPr>
-        <a:xfrm>
-          <a:off x="0" y="0"/>
-          <a:ext cx="0" cy="0"/>
-          <a:chOff x="0" y="0"/>
-          <a:chExt cx="0" cy="0"/>
-        </a:xfrm>
-      </p:grpSpPr>
-      <p:sp>
-        <p:nvSpPr>
-          <p:cNvPr id="104" name="Google Shape;104;g1347d530a7d_1_0:notes"/>
-          <p:cNvSpPr>
-            <a:spLocks noGrp="1" noRot="1" noChangeAspect="1"/>
-          </p:cNvSpPr>
-          <p:nvPr>
-            <p:ph type="sldImg" idx="2"/>
-          </p:nvPr>
-        </p:nvSpPr>
-        <p:spPr>
-          <a:xfrm>
-            <a:off x="381000" y="685800"/>
-            <a:ext cx="6096000" cy="3429000"/>
-          </a:xfrm>
-          <a:custGeom>
-            <a:avLst/>
-            <a:gdLst/>
-            <a:ahLst/>
-            <a:cxnLst/>
-            <a:rect l="l" t="t" r="r" b="b"/>
-            <a:pathLst>
-              <a:path w="120000" h="120000" extrusionOk="0">
-                <a:moveTo>
-                  <a:pt x="0" y="0"/>
-                </a:moveTo>
-                <a:lnTo>
-                  <a:pt x="120000" y="0"/>
-                </a:lnTo>
-                <a:lnTo>
-                  <a:pt x="120000" y="120000"/>
-                </a:lnTo>
-                <a:lnTo>
-                  <a:pt x="0" y="120000"/>
-                </a:lnTo>
-                <a:close/>
-              </a:path>
-            </a:pathLst>
-          </a:custGeom>
-        </p:spPr>
-      </p:sp>
-      <p:sp>
-        <p:nvSpPr>
-          <p:cNvPr id="105" name="Google Shape;105;g1347d530a7d_1_0:notes"/>
-          <p:cNvSpPr txBox="1">
-            <a:spLocks noGrp="1"/>
-          </p:cNvSpPr>
-          <p:nvPr>
-            <p:ph type="body" idx="1"/>
-          </p:nvPr>
-        </p:nvSpPr>
-        <p:spPr>
-          <a:xfrm>
-            <a:off x="914400" y="4343400"/>
-            <a:ext cx="5029200" cy="4114800"/>
-          </a:xfrm>
-          <a:prstGeom prst="rect">
-            <a:avLst/>
-          </a:prstGeom>
-        </p:spPr>
-        <p:txBody>
-          <a:bodyPr spcFirstLastPara="1" wrap="square" lIns="91425" tIns="45700" rIns="91425" bIns="45700" anchor="t" anchorCtr="0">
-            <a:noAutofit/>
-          </a:bodyPr>
-          <a:lstStyle/>
-          <a:p>
-            <a:pPr marL="0" lvl="0" indent="0" algn="l" rtl="0">
-              <a:spcBef>
-                <a:spcPts val="0"/>
-              </a:spcBef>
-              <a:spcAft>
-                <a:spcPts val="0"/>
-              </a:spcAft>
-              <a:buNone/>
-            </a:pPr>
-            <a:r>
-              <a:rPr lang="en-US" dirty="0"/>
-              <a:t>on zoom: use stack. </a:t>
-            </a:r>
-            <a:endParaRPr dirty="0"/>
-          </a:p>
-          <a:p>
-            <a:pPr marL="0" lvl="0" indent="0" algn="l" rtl="0">
-              <a:spcBef>
-                <a:spcPts val="0"/>
-              </a:spcBef>
-              <a:spcAft>
-                <a:spcPts val="0"/>
-              </a:spcAft>
-              <a:buNone/>
-            </a:pPr>
-            <a:r>
-              <a:rPr lang="en-US" dirty="0"/>
-              <a:t>IRL: raise hand. </a:t>
-            </a:r>
-            <a:endParaRPr dirty="0"/>
-          </a:p>
-          <a:p>
-            <a:pPr marL="0" lvl="0" indent="0" algn="l" rtl="0">
-              <a:spcBef>
-                <a:spcPts val="0"/>
-              </a:spcBef>
-              <a:spcAft>
-                <a:spcPts val="0"/>
-              </a:spcAft>
-              <a:buNone/>
-            </a:pPr>
-            <a:r>
-              <a:rPr lang="en-US" dirty="0"/>
-              <a:t>Alternate </a:t>
-            </a:r>
-            <a:r>
-              <a:rPr lang="en-US" dirty="0" err="1"/>
-              <a:t>btwn</a:t>
-            </a:r>
-            <a:r>
-              <a:rPr lang="en-US" dirty="0"/>
-              <a:t> zoom &amp; </a:t>
-            </a:r>
-            <a:r>
-              <a:rPr lang="en-US" dirty="0" err="1"/>
-              <a:t>irl</a:t>
-            </a:r>
-            <a:endParaRPr dirty="0"/>
-          </a:p>
-        </p:txBody>
-      </p:sp>
-    </p:spTree>
   </p:cSld>
   <p:clrMapOvr>
     <a:masterClrMapping/>
@@ -1803,6 +1761,110 @@
   <p:cSld>
     <p:spTree>
       <p:nvGrpSpPr>
+        <p:cNvPr id="1" name="Shape 103"/>
+        <p:cNvGrpSpPr/>
+        <p:nvPr/>
+      </p:nvGrpSpPr>
+      <p:grpSpPr>
+        <a:xfrm>
+          <a:off x="0" y="0"/>
+          <a:ext cx="0" cy="0"/>
+          <a:chOff x="0" y="0"/>
+          <a:chExt cx="0" cy="0"/>
+        </a:xfrm>
+      </p:grpSpPr>
+      <p:sp>
+        <p:nvSpPr>
+          <p:cNvPr id="104" name="Google Shape;104;g1347d530a7d_1_0:notes"/>
+          <p:cNvSpPr>
+            <a:spLocks noGrp="1" noRot="1" noChangeAspect="1"/>
+          </p:cNvSpPr>
+          <p:nvPr>
+            <p:ph type="sldImg" idx="2"/>
+          </p:nvPr>
+        </p:nvSpPr>
+        <p:spPr>
+          <a:xfrm>
+            <a:off x="381000" y="685800"/>
+            <a:ext cx="6096000" cy="3429000"/>
+          </a:xfrm>
+          <a:custGeom>
+            <a:avLst/>
+            <a:gdLst/>
+            <a:ahLst/>
+            <a:cxnLst/>
+            <a:rect l="l" t="t" r="r" b="b"/>
+            <a:pathLst>
+              <a:path w="120000" h="120000" extrusionOk="0">
+                <a:moveTo>
+                  <a:pt x="0" y="0"/>
+                </a:moveTo>
+                <a:lnTo>
+                  <a:pt x="120000" y="0"/>
+                </a:lnTo>
+                <a:lnTo>
+                  <a:pt x="120000" y="120000"/>
+                </a:lnTo>
+                <a:lnTo>
+                  <a:pt x="0" y="120000"/>
+                </a:lnTo>
+                <a:close/>
+              </a:path>
+            </a:pathLst>
+          </a:custGeom>
+        </p:spPr>
+      </p:sp>
+      <p:sp>
+        <p:nvSpPr>
+          <p:cNvPr id="105" name="Google Shape;105;g1347d530a7d_1_0:notes"/>
+          <p:cNvSpPr txBox="1">
+            <a:spLocks noGrp="1"/>
+          </p:cNvSpPr>
+          <p:nvPr>
+            <p:ph type="body" idx="1"/>
+          </p:nvPr>
+        </p:nvSpPr>
+        <p:spPr>
+          <a:xfrm>
+            <a:off x="914400" y="4343400"/>
+            <a:ext cx="5029200" cy="4114800"/>
+          </a:xfrm>
+          <a:prstGeom prst="rect">
+            <a:avLst/>
+          </a:prstGeom>
+        </p:spPr>
+        <p:txBody>
+          <a:bodyPr spcFirstLastPara="1" wrap="square" lIns="91425" tIns="45700" rIns="91425" bIns="45700" anchor="t" anchorCtr="0">
+            <a:noAutofit/>
+          </a:bodyPr>
+          <a:lstStyle/>
+          <a:p>
+            <a:pPr marL="0" lvl="0" indent="0" algn="l" rtl="0">
+              <a:spcBef>
+                <a:spcPts val="0"/>
+              </a:spcBef>
+              <a:spcAft>
+                <a:spcPts val="0"/>
+              </a:spcAft>
+              <a:buNone/>
+            </a:pPr>
+            <a:endParaRPr dirty="0"/>
+          </a:p>
+        </p:txBody>
+      </p:sp>
+    </p:spTree>
+  </p:cSld>
+  <p:clrMapOvr>
+    <a:masterClrMapping/>
+  </p:clrMapOvr>
+</p:notes>
+</file>
+
+<file path=ppt/notesSlides/notesSlide4.xml><?xml version="1.0" encoding="utf-8"?>
+<p:notes xmlns:a="http://schemas.openxmlformats.org/drawingml/2006/main" xmlns:r="http://schemas.openxmlformats.org/officeDocument/2006/relationships" xmlns:p="http://schemas.openxmlformats.org/presentationml/2006/main" showMasterSp="0" showMasterPhAnim="0">
+  <p:cSld>
+    <p:spTree>
+      <p:nvGrpSpPr>
         <p:cNvPr id="1" name="Shape 90"/>
         <p:cNvGrpSpPr/>
         <p:nvPr/>
@@ -1902,7 +1964,7 @@
 </p:notes>
 </file>
 
-<file path=ppt/notesSlides/notesSlide4.xml><?xml version="1.0" encoding="utf-8"?>
+<file path=ppt/notesSlides/notesSlide5.xml><?xml version="1.0" encoding="utf-8"?>
 <p:notes xmlns:a="http://schemas.openxmlformats.org/drawingml/2006/main" xmlns:r="http://schemas.openxmlformats.org/officeDocument/2006/relationships" xmlns:p="http://schemas.openxmlformats.org/presentationml/2006/main" showMasterSp="0" showMasterPhAnim="0">
   <p:cSld>
     <p:spTree>
@@ -2006,7 +2068,7 @@
 </p:notes>
 </file>
 
-<file path=ppt/notesSlides/notesSlide5.xml><?xml version="1.0" encoding="utf-8"?>
+<file path=ppt/notesSlides/notesSlide6.xml><?xml version="1.0" encoding="utf-8"?>
 <p:notes xmlns:a="http://schemas.openxmlformats.org/drawingml/2006/main" xmlns:r="http://schemas.openxmlformats.org/officeDocument/2006/relationships" xmlns:p="http://schemas.openxmlformats.org/presentationml/2006/main" showMasterSp="0" showMasterPhAnim="0">
   <p:cSld>
     <p:spTree>
@@ -2110,7 +2172,7 @@
 </p:notes>
 </file>
 
-<file path=ppt/notesSlides/notesSlide6.xml><?xml version="1.0" encoding="utf-8"?>
+<file path=ppt/notesSlides/notesSlide7.xml><?xml version="1.0" encoding="utf-8"?>
 <p:notes xmlns:a="http://schemas.openxmlformats.org/drawingml/2006/main" xmlns:r="http://schemas.openxmlformats.org/officeDocument/2006/relationships" xmlns:p="http://schemas.openxmlformats.org/presentationml/2006/main" showMasterSp="0" showMasterPhAnim="0">
   <p:cSld>
     <p:spTree>
@@ -2214,7 +2276,7 @@
 </p:notes>
 </file>
 
-<file path=ppt/notesSlides/notesSlide7.xml><?xml version="1.0" encoding="utf-8"?>
+<file path=ppt/notesSlides/notesSlide8.xml><?xml version="1.0" encoding="utf-8"?>
 <p:notes xmlns:a="http://schemas.openxmlformats.org/drawingml/2006/main" xmlns:r="http://schemas.openxmlformats.org/officeDocument/2006/relationships" xmlns:p="http://schemas.openxmlformats.org/presentationml/2006/main" showMasterSp="0" showMasterPhAnim="0">
   <p:cSld>
     <p:spTree>
@@ -2323,7 +2385,7 @@
 </p:notes>
 </file>
 
-<file path=ppt/notesSlides/notesSlide8.xml><?xml version="1.0" encoding="utf-8"?>
+<file path=ppt/notesSlides/notesSlide9.xml><?xml version="1.0" encoding="utf-8"?>
 <p:notes xmlns:a="http://schemas.openxmlformats.org/drawingml/2006/main" xmlns:r="http://schemas.openxmlformats.org/officeDocument/2006/relationships" xmlns:p="http://schemas.openxmlformats.org/presentationml/2006/main" showMasterSp="0" showMasterPhAnim="0">
   <p:cSld>
     <p:spTree>
@@ -2420,115 +2482,6 @@
         </p:spPr>
       </p:sp>
     </p:spTree>
-  </p:cSld>
-  <p:clrMapOvr>
-    <a:masterClrMapping/>
-  </p:clrMapOvr>
-</p:notes>
-</file>
-
-<file path=ppt/notesSlides/notesSlide9.xml><?xml version="1.0" encoding="utf-8"?>
-<p:notes xmlns:a="http://schemas.openxmlformats.org/drawingml/2006/main" xmlns:r="http://schemas.openxmlformats.org/officeDocument/2006/relationships" xmlns:p="http://schemas.openxmlformats.org/presentationml/2006/main" showMasterSp="0" showMasterPhAnim="0">
-  <p:cSld>
-    <p:spTree>
-      <p:nvGrpSpPr>
-        <p:cNvPr id="1" name="Shape 193"/>
-        <p:cNvGrpSpPr/>
-        <p:nvPr/>
-      </p:nvGrpSpPr>
-      <p:grpSpPr>
-        <a:xfrm>
-          <a:off x="0" y="0"/>
-          <a:ext cx="0" cy="0"/>
-          <a:chOff x="0" y="0"/>
-          <a:chExt cx="0" cy="0"/>
-        </a:xfrm>
-      </p:grpSpPr>
-      <p:sp>
-        <p:nvSpPr>
-          <p:cNvPr id="194" name="Google Shape;194;p13:notes"/>
-          <p:cNvSpPr txBox="1">
-            <a:spLocks noGrp="1"/>
-          </p:cNvSpPr>
-          <p:nvPr>
-            <p:ph type="body" idx="1"/>
-          </p:nvPr>
-        </p:nvSpPr>
-        <p:spPr>
-          <a:xfrm>
-            <a:off x="914400" y="4343400"/>
-            <a:ext cx="5029200" cy="4114800"/>
-          </a:xfrm>
-          <a:prstGeom prst="rect">
-            <a:avLst/>
-          </a:prstGeom>
-        </p:spPr>
-        <p:txBody>
-          <a:bodyPr spcFirstLastPara="1" wrap="square" lIns="91425" tIns="45700" rIns="91425" bIns="45700" anchor="t" anchorCtr="0">
-            <a:noAutofit/>
-          </a:bodyPr>
-          <a:lstStyle/>
-          <a:p>
-            <a:pPr marL="0" lvl="0" indent="0" algn="l" rtl="0">
-              <a:spcBef>
-                <a:spcPts val="0"/>
-              </a:spcBef>
-              <a:spcAft>
-                <a:spcPts val="0"/>
-              </a:spcAft>
-              <a:buNone/>
-            </a:pPr>
-            <a:endParaRPr/>
-          </a:p>
-        </p:txBody>
-      </p:sp>
-      <p:sp>
-        <p:nvSpPr>
-          <p:cNvPr id="195" name="Google Shape;195;p13:notes"/>
-          <p:cNvSpPr>
-            <a:spLocks noGrp="1" noRot="1" noChangeAspect="1"/>
-          </p:cNvSpPr>
-          <p:nvPr>
-            <p:ph type="sldImg" idx="2"/>
-          </p:nvPr>
-        </p:nvSpPr>
-        <p:spPr>
-          <a:xfrm>
-            <a:off x="381000" y="685800"/>
-            <a:ext cx="6096000" cy="3429000"/>
-          </a:xfrm>
-          <a:custGeom>
-            <a:avLst/>
-            <a:gdLst/>
-            <a:ahLst/>
-            <a:cxnLst/>
-            <a:rect l="l" t="t" r="r" b="b"/>
-            <a:pathLst>
-              <a:path w="120000" h="120000" extrusionOk="0">
-                <a:moveTo>
-                  <a:pt x="0" y="0"/>
-                </a:moveTo>
-                <a:lnTo>
-                  <a:pt x="120000" y="0"/>
-                </a:lnTo>
-                <a:lnTo>
-                  <a:pt x="120000" y="120000"/>
-                </a:lnTo>
-                <a:lnTo>
-                  <a:pt x="0" y="120000"/>
-                </a:lnTo>
-                <a:close/>
-              </a:path>
-            </a:pathLst>
-          </a:custGeom>
-        </p:spPr>
-      </p:sp>
-    </p:spTree>
-    <p:extLst>
-      <p:ext uri="{BB962C8B-B14F-4D97-AF65-F5344CB8AC3E}">
-        <p14:creationId xmlns:p14="http://schemas.microsoft.com/office/powerpoint/2010/main" val="744880146"/>
-      </p:ext>
-    </p:extLst>
   </p:cSld>
   <p:clrMapOvr>
     <a:masterClrMapping/>
@@ -4561,7 +4514,7 @@
           <a:p>
             <a:fld id="{34073DC1-AB27-4363-9845-555972D7C4F0}" type="datetimeFigureOut">
               <a:rPr lang="en-US" smtClean="0"/>
-              <a:t>7/5/24</a:t>
+              <a:t>7/14/24</a:t>
             </a:fld>
             <a:endParaRPr lang="en-US"/>
           </a:p>
@@ -11275,7 +11228,7 @@
               <a:buNone/>
             </a:pPr>
             <a:r>
-              <a:rPr lang="en-US" sz="3000" b="0" i="0" u="none" strike="noStrike" cap="none" dirty="0">
+              <a:rPr lang="en-US" sz="3000" b="0" i="0" u="none" strike="noStrike" cap="none">
                 <a:solidFill>
                   <a:srgbClr val="000000"/>
                 </a:solidFill>
@@ -11286,7 +11239,7 @@
               </a:rPr>
               <a:t>Main   </a:t>
             </a:r>
-            <a:endParaRPr dirty="0"/>
+            <a:endParaRPr/>
           </a:p>
         </p:txBody>
       </p:sp>
@@ -11731,6 +11684,74 @@
           </a:p>
         </p:txBody>
       </p:sp>
+      <p:cxnSp>
+        <p:nvCxnSpPr>
+          <p:cNvPr id="20" name="Google Shape;202;p13">
+            <a:extLst>
+              <a:ext uri="{FF2B5EF4-FFF2-40B4-BE49-F238E27FC236}">
+                <a16:creationId xmlns:a16="http://schemas.microsoft.com/office/drawing/2014/main" id="{154699A9-7FCA-724C-91DE-741CE2808BD0}"/>
+              </a:ext>
+            </a:extLst>
+          </p:cNvPr>
+          <p:cNvCxnSpPr>
+            <a:cxnSpLocks/>
+          </p:cNvCxnSpPr>
+          <p:nvPr/>
+        </p:nvCxnSpPr>
+        <p:spPr>
+          <a:xfrm flipV="1">
+            <a:off x="11846816" y="10220006"/>
+            <a:ext cx="2040960" cy="1012762"/>
+          </a:xfrm>
+          <a:prstGeom prst="straightConnector1">
+            <a:avLst/>
+          </a:prstGeom>
+          <a:noFill/>
+          <a:ln w="127000" cap="flat" cmpd="sng">
+            <a:solidFill>
+              <a:srgbClr val="FF0000"/>
+            </a:solidFill>
+            <a:prstDash val="solid"/>
+            <a:miter lim="400000"/>
+            <a:headEnd type="none" w="sm" len="sm"/>
+            <a:tailEnd type="triangle" w="med" len="med"/>
+          </a:ln>
+        </p:spPr>
+      </p:cxnSp>
+      <p:cxnSp>
+        <p:nvCxnSpPr>
+          <p:cNvPr id="22" name="Google Shape;202;p13">
+            <a:extLst>
+              <a:ext uri="{FF2B5EF4-FFF2-40B4-BE49-F238E27FC236}">
+                <a16:creationId xmlns:a16="http://schemas.microsoft.com/office/drawing/2014/main" id="{FA55A6E1-E3E8-174F-8801-F6292B1C214A}"/>
+              </a:ext>
+            </a:extLst>
+          </p:cNvPr>
+          <p:cNvCxnSpPr>
+            <a:cxnSpLocks/>
+          </p:cNvCxnSpPr>
+          <p:nvPr/>
+        </p:nvCxnSpPr>
+        <p:spPr>
+          <a:xfrm flipV="1">
+            <a:off x="14670332" y="8723546"/>
+            <a:ext cx="2961294" cy="1103078"/>
+          </a:xfrm>
+          <a:prstGeom prst="straightConnector1">
+            <a:avLst/>
+          </a:prstGeom>
+          <a:noFill/>
+          <a:ln w="127000" cap="flat" cmpd="sng">
+            <a:solidFill>
+              <a:srgbClr val="FF0000"/>
+            </a:solidFill>
+            <a:prstDash val="solid"/>
+            <a:miter lim="400000"/>
+            <a:headEnd type="none" w="sm" len="sm"/>
+            <a:tailEnd type="triangle" w="med" len="med"/>
+          </a:ln>
+        </p:spPr>
+      </p:cxnSp>
       <p:sp>
         <p:nvSpPr>
           <p:cNvPr id="25" name="Rectangle 24">
@@ -11785,6 +11806,872 @@
       </p:sp>
       <p:sp>
         <p:nvSpPr>
+          <p:cNvPr id="23" name="TextBox 22">
+            <a:extLst>
+              <a:ext uri="{FF2B5EF4-FFF2-40B4-BE49-F238E27FC236}">
+                <a16:creationId xmlns:a16="http://schemas.microsoft.com/office/drawing/2014/main" id="{3EC0232B-692F-834C-B3DC-E9F8F5633EAC}"/>
+              </a:ext>
+            </a:extLst>
+          </p:cNvPr>
+          <p:cNvSpPr txBox="1"/>
+          <p:nvPr/>
+        </p:nvSpPr>
+        <p:spPr>
+          <a:xfrm>
+            <a:off x="13121340" y="10839471"/>
+            <a:ext cx="3673798" cy="630942"/>
+          </a:xfrm>
+          <a:prstGeom prst="rect">
+            <a:avLst/>
+          </a:prstGeom>
+          <a:noFill/>
+        </p:spPr>
+        <p:txBody>
+          <a:bodyPr wrap="square" rtlCol="0">
+            <a:spAutoFit/>
+          </a:bodyPr>
+          <a:lstStyle/>
+          <a:p>
+            <a:pPr algn="ctr"/>
+            <a:r>
+              <a:rPr lang="en-US" sz="3500" dirty="0">
+                <a:solidFill>
+                  <a:srgbClr val="FF0000"/>
+                </a:solidFill>
+              </a:rPr>
+              <a:t>Pull Request # 1</a:t>
+            </a:r>
+          </a:p>
+        </p:txBody>
+      </p:sp>
+      <p:sp>
+        <p:nvSpPr>
+          <p:cNvPr id="24" name="TextBox 23">
+            <a:extLst>
+              <a:ext uri="{FF2B5EF4-FFF2-40B4-BE49-F238E27FC236}">
+                <a16:creationId xmlns:a16="http://schemas.microsoft.com/office/drawing/2014/main" id="{150370D1-A4F5-F249-8F76-7AE51C7517DC}"/>
+              </a:ext>
+            </a:extLst>
+          </p:cNvPr>
+          <p:cNvSpPr txBox="1"/>
+          <p:nvPr/>
+        </p:nvSpPr>
+        <p:spPr>
+          <a:xfrm>
+            <a:off x="16281957" y="9188915"/>
+            <a:ext cx="3673798" cy="630942"/>
+          </a:xfrm>
+          <a:prstGeom prst="rect">
+            <a:avLst/>
+          </a:prstGeom>
+          <a:noFill/>
+        </p:spPr>
+        <p:txBody>
+          <a:bodyPr wrap="square" rtlCol="0">
+            <a:spAutoFit/>
+          </a:bodyPr>
+          <a:lstStyle/>
+          <a:p>
+            <a:pPr algn="ctr"/>
+            <a:r>
+              <a:rPr lang="en-US" sz="3500" dirty="0">
+                <a:solidFill>
+                  <a:srgbClr val="FF0000"/>
+                </a:solidFill>
+              </a:rPr>
+              <a:t>Pull Request # 2</a:t>
+            </a:r>
+          </a:p>
+        </p:txBody>
+      </p:sp>
+    </p:spTree>
+    <p:extLst>
+      <p:ext uri="{BB962C8B-B14F-4D97-AF65-F5344CB8AC3E}">
+        <p14:creationId xmlns:p14="http://schemas.microsoft.com/office/powerpoint/2010/main" val="2495907393"/>
+      </p:ext>
+    </p:extLst>
+  </p:cSld>
+  <p:clrMapOvr>
+    <a:masterClrMapping/>
+  </p:clrMapOvr>
+</p:sld>
+</file>
+
+<file path=ppt/slides/slide11.xml><?xml version="1.0" encoding="utf-8"?>
+<p:sld xmlns:a="http://schemas.openxmlformats.org/drawingml/2006/main" xmlns:r="http://schemas.openxmlformats.org/officeDocument/2006/relationships" xmlns:p="http://schemas.openxmlformats.org/presentationml/2006/main">
+  <p:cSld>
+    <p:spTree>
+      <p:nvGrpSpPr>
+        <p:cNvPr id="1" name="Shape 196"/>
+        <p:cNvGrpSpPr/>
+        <p:nvPr/>
+      </p:nvGrpSpPr>
+      <p:grpSpPr>
+        <a:xfrm>
+          <a:off x="0" y="0"/>
+          <a:ext cx="0" cy="0"/>
+          <a:chOff x="0" y="0"/>
+          <a:chExt cx="0" cy="0"/>
+        </a:xfrm>
+      </p:grpSpPr>
+      <p:pic>
+        <p:nvPicPr>
+          <p:cNvPr id="197" name="Google Shape;197;p13" descr="Screenshot 2020-06-05 12.22.34.png"/>
+          <p:cNvPicPr preferRelativeResize="0"/>
+          <p:nvPr/>
+        </p:nvPicPr>
+        <p:blipFill rotWithShape="1">
+          <a:blip r:embed="rId3">
+            <a:alphaModFix/>
+          </a:blip>
+          <a:srcRect b="11825"/>
+          <a:stretch/>
+        </p:blipFill>
+        <p:spPr>
+          <a:xfrm>
+            <a:off x="2566743" y="2541399"/>
+            <a:ext cx="19250514" cy="9765931"/>
+          </a:xfrm>
+          <a:prstGeom prst="rect">
+            <a:avLst/>
+          </a:prstGeom>
+          <a:noFill/>
+          <a:ln>
+            <a:noFill/>
+          </a:ln>
+        </p:spPr>
+      </p:pic>
+      <p:sp>
+        <p:nvSpPr>
+          <p:cNvPr id="198" name="Google Shape;198;p13"/>
+          <p:cNvSpPr txBox="1">
+            <a:spLocks noGrp="1"/>
+          </p:cNvSpPr>
+          <p:nvPr>
+            <p:ph type="title"/>
+          </p:nvPr>
+        </p:nvSpPr>
+        <p:spPr>
+          <a:xfrm>
+            <a:off x="1689100" y="355600"/>
+            <a:ext cx="21005800" cy="2286000"/>
+          </a:xfrm>
+          <a:prstGeom prst="rect">
+            <a:avLst/>
+          </a:prstGeom>
+          <a:noFill/>
+          <a:ln>
+            <a:noFill/>
+          </a:ln>
+        </p:spPr>
+        <p:txBody>
+          <a:bodyPr spcFirstLastPara="1" wrap="square" lIns="50800" tIns="50800" rIns="50800" bIns="50800" anchor="ctr" anchorCtr="0">
+            <a:normAutofit/>
+          </a:bodyPr>
+          <a:lstStyle/>
+          <a:p>
+            <a:pPr marL="0" lvl="0" indent="0" algn="ctr" rtl="0">
+              <a:lnSpc>
+                <a:spcPct val="100000"/>
+              </a:lnSpc>
+              <a:spcBef>
+                <a:spcPts val="0"/>
+              </a:spcBef>
+              <a:spcAft>
+                <a:spcPts val="0"/>
+              </a:spcAft>
+              <a:buClr>
+                <a:srgbClr val="000000"/>
+              </a:buClr>
+              <a:buSzPts val="11200"/>
+              <a:buFont typeface="Helvetica Neue"/>
+              <a:buNone/>
+            </a:pPr>
+            <a:r>
+              <a:rPr lang="en-US" sz="7200" b="0" i="0" u="none" strike="noStrike" cap="none" dirty="0">
+                <a:solidFill>
+                  <a:srgbClr val="000000"/>
+                </a:solidFill>
+                <a:latin typeface="+mn-lt"/>
+                <a:ea typeface="Helvetica Neue"/>
+                <a:cs typeface="Helvetica Neue"/>
+                <a:sym typeface="Helvetica Neue"/>
+              </a:rPr>
+              <a:t>4. Merge into main</a:t>
+            </a:r>
+            <a:endParaRPr sz="7200" dirty="0">
+              <a:latin typeface="+mn-lt"/>
+            </a:endParaRPr>
+          </a:p>
+        </p:txBody>
+      </p:sp>
+      <p:sp>
+        <p:nvSpPr>
+          <p:cNvPr id="199" name="Google Shape;199;p13"/>
+          <p:cNvSpPr/>
+          <p:nvPr/>
+        </p:nvSpPr>
+        <p:spPr>
+          <a:xfrm>
+            <a:off x="14670332" y="10583134"/>
+            <a:ext cx="7146925" cy="1719842"/>
+          </a:xfrm>
+          <a:prstGeom prst="rect">
+            <a:avLst/>
+          </a:prstGeom>
+          <a:solidFill>
+            <a:srgbClr val="F5F5F5"/>
+          </a:solidFill>
+          <a:ln>
+            <a:noFill/>
+          </a:ln>
+        </p:spPr>
+        <p:txBody>
+          <a:bodyPr spcFirstLastPara="1" wrap="square" lIns="0" tIns="0" rIns="0" bIns="0" anchor="ctr" anchorCtr="0">
+            <a:noAutofit/>
+          </a:bodyPr>
+          <a:lstStyle/>
+          <a:p>
+            <a:pPr marL="0" marR="0" lvl="0" indent="0" algn="ctr" rtl="0">
+              <a:lnSpc>
+                <a:spcPct val="100000"/>
+              </a:lnSpc>
+              <a:spcBef>
+                <a:spcPts val="0"/>
+              </a:spcBef>
+              <a:spcAft>
+                <a:spcPts val="0"/>
+              </a:spcAft>
+              <a:buClr>
+                <a:srgbClr val="FFFFFF"/>
+              </a:buClr>
+              <a:buSzPts val="3200"/>
+              <a:buFont typeface="Helvetica Neue"/>
+              <a:buNone/>
+            </a:pPr>
+            <a:endParaRPr sz="3200" b="0" i="0" u="none" strike="noStrike" cap="none">
+              <a:solidFill>
+                <a:srgbClr val="FFFFFF"/>
+              </a:solidFill>
+              <a:latin typeface="Helvetica Neue"/>
+              <a:ea typeface="Helvetica Neue"/>
+              <a:cs typeface="Helvetica Neue"/>
+              <a:sym typeface="Helvetica Neue"/>
+            </a:endParaRPr>
+          </a:p>
+        </p:txBody>
+      </p:sp>
+      <p:sp>
+        <p:nvSpPr>
+          <p:cNvPr id="200" name="Google Shape;200;p13"/>
+          <p:cNvSpPr/>
+          <p:nvPr/>
+        </p:nvSpPr>
+        <p:spPr>
+          <a:xfrm>
+            <a:off x="8956802" y="5734935"/>
+            <a:ext cx="2729938" cy="2246130"/>
+          </a:xfrm>
+          <a:prstGeom prst="rect">
+            <a:avLst/>
+          </a:prstGeom>
+          <a:solidFill>
+            <a:srgbClr val="F5F5F5"/>
+          </a:solidFill>
+          <a:ln>
+            <a:noFill/>
+          </a:ln>
+        </p:spPr>
+        <p:txBody>
+          <a:bodyPr spcFirstLastPara="1" wrap="square" lIns="0" tIns="0" rIns="0" bIns="0" anchor="ctr" anchorCtr="0">
+            <a:noAutofit/>
+          </a:bodyPr>
+          <a:lstStyle/>
+          <a:p>
+            <a:pPr marL="0" marR="0" lvl="0" indent="0" algn="ctr" rtl="0">
+              <a:lnSpc>
+                <a:spcPct val="100000"/>
+              </a:lnSpc>
+              <a:spcBef>
+                <a:spcPts val="0"/>
+              </a:spcBef>
+              <a:spcAft>
+                <a:spcPts val="0"/>
+              </a:spcAft>
+              <a:buClr>
+                <a:srgbClr val="FFFFFF"/>
+              </a:buClr>
+              <a:buSzPts val="3200"/>
+              <a:buFont typeface="Helvetica Neue"/>
+              <a:buNone/>
+            </a:pPr>
+            <a:endParaRPr sz="3200" b="0" i="0" u="none" strike="noStrike" cap="none">
+              <a:solidFill>
+                <a:srgbClr val="FFFFFF"/>
+              </a:solidFill>
+              <a:latin typeface="Helvetica Neue"/>
+              <a:ea typeface="Helvetica Neue"/>
+              <a:cs typeface="Helvetica Neue"/>
+              <a:sym typeface="Helvetica Neue"/>
+            </a:endParaRPr>
+          </a:p>
+        </p:txBody>
+      </p:sp>
+      <p:sp>
+        <p:nvSpPr>
+          <p:cNvPr id="203" name="Google Shape;203;p13"/>
+          <p:cNvSpPr txBox="1"/>
+          <p:nvPr/>
+        </p:nvSpPr>
+        <p:spPr>
+          <a:xfrm>
+            <a:off x="3506109" y="3215894"/>
+            <a:ext cx="1264921" cy="548134"/>
+          </a:xfrm>
+          <a:prstGeom prst="rect">
+            <a:avLst/>
+          </a:prstGeom>
+          <a:solidFill>
+            <a:srgbClr val="B3E3FF"/>
+          </a:solidFill>
+          <a:ln>
+            <a:noFill/>
+          </a:ln>
+        </p:spPr>
+        <p:txBody>
+          <a:bodyPr spcFirstLastPara="1" wrap="square" lIns="50800" tIns="50800" rIns="50800" bIns="50800" anchor="ctr" anchorCtr="0">
+            <a:spAutoFit/>
+          </a:bodyPr>
+          <a:lstStyle/>
+          <a:p>
+            <a:pPr marL="0" marR="0" lvl="0" indent="0" algn="ctr" rtl="0">
+              <a:lnSpc>
+                <a:spcPct val="100000"/>
+              </a:lnSpc>
+              <a:spcBef>
+                <a:spcPts val="0"/>
+              </a:spcBef>
+              <a:spcAft>
+                <a:spcPts val="0"/>
+              </a:spcAft>
+              <a:buClr>
+                <a:srgbClr val="000000"/>
+              </a:buClr>
+              <a:buSzPts val="3000"/>
+              <a:buFont typeface="Helvetica Neue"/>
+              <a:buNone/>
+            </a:pPr>
+            <a:r>
+              <a:rPr lang="en-US" sz="3000" b="0" i="0" u="none" strike="noStrike" cap="none" dirty="0">
+                <a:solidFill>
+                  <a:srgbClr val="000000"/>
+                </a:solidFill>
+                <a:latin typeface="Helvetica Neue"/>
+                <a:ea typeface="Helvetica Neue"/>
+                <a:cs typeface="Helvetica Neue"/>
+                <a:sym typeface="Helvetica Neue"/>
+              </a:rPr>
+              <a:t>Main   </a:t>
+            </a:r>
+            <a:endParaRPr dirty="0"/>
+          </a:p>
+        </p:txBody>
+      </p:sp>
+      <p:sp>
+        <p:nvSpPr>
+          <p:cNvPr id="10" name="Rectangle 9">
+            <a:extLst>
+              <a:ext uri="{FF2B5EF4-FFF2-40B4-BE49-F238E27FC236}">
+                <a16:creationId xmlns:a16="http://schemas.microsoft.com/office/drawing/2014/main" id="{51F4AA09-C08B-5848-8FB7-C74D7A5FCF27}"/>
+              </a:ext>
+            </a:extLst>
+          </p:cNvPr>
+          <p:cNvSpPr/>
+          <p:nvPr/>
+        </p:nvSpPr>
+        <p:spPr>
+          <a:xfrm>
+            <a:off x="3029288" y="10428456"/>
+            <a:ext cx="5601761" cy="1874519"/>
+          </a:xfrm>
+          <a:prstGeom prst="rect">
+            <a:avLst/>
+          </a:prstGeom>
+          <a:solidFill>
+            <a:srgbClr val="F5F5F5"/>
+          </a:solidFill>
+          <a:ln>
+            <a:noFill/>
+          </a:ln>
+        </p:spPr>
+        <p:style>
+          <a:lnRef idx="2">
+            <a:schemeClr val="accent1">
+              <a:shade val="50000"/>
+            </a:schemeClr>
+          </a:lnRef>
+          <a:fillRef idx="1">
+            <a:schemeClr val="accent1"/>
+          </a:fillRef>
+          <a:effectRef idx="0">
+            <a:schemeClr val="accent1"/>
+          </a:effectRef>
+          <a:fontRef idx="minor">
+            <a:schemeClr val="lt1"/>
+          </a:fontRef>
+        </p:style>
+        <p:txBody>
+          <a:bodyPr rtlCol="0" anchor="ctr"/>
+          <a:lstStyle/>
+          <a:p>
+            <a:pPr algn="ctr"/>
+            <a:endParaRPr lang="en-US" dirty="0"/>
+          </a:p>
+        </p:txBody>
+      </p:sp>
+      <p:sp>
+        <p:nvSpPr>
+          <p:cNvPr id="11" name="Rectangle 10">
+            <a:extLst>
+              <a:ext uri="{FF2B5EF4-FFF2-40B4-BE49-F238E27FC236}">
+                <a16:creationId xmlns:a16="http://schemas.microsoft.com/office/drawing/2014/main" id="{8B1407B6-8D8F-F747-98F5-D43EB86F87CE}"/>
+              </a:ext>
+            </a:extLst>
+          </p:cNvPr>
+          <p:cNvSpPr/>
+          <p:nvPr/>
+        </p:nvSpPr>
+        <p:spPr>
+          <a:xfrm>
+            <a:off x="6806307" y="8896942"/>
+            <a:ext cx="1266745" cy="1829445"/>
+          </a:xfrm>
+          <a:prstGeom prst="rect">
+            <a:avLst/>
+          </a:prstGeom>
+          <a:solidFill>
+            <a:srgbClr val="F5F5F5"/>
+          </a:solidFill>
+          <a:ln>
+            <a:noFill/>
+          </a:ln>
+        </p:spPr>
+        <p:style>
+          <a:lnRef idx="2">
+            <a:schemeClr val="accent1">
+              <a:shade val="50000"/>
+            </a:schemeClr>
+          </a:lnRef>
+          <a:fillRef idx="1">
+            <a:schemeClr val="accent1"/>
+          </a:fillRef>
+          <a:effectRef idx="0">
+            <a:schemeClr val="accent1"/>
+          </a:effectRef>
+          <a:fontRef idx="minor">
+            <a:schemeClr val="lt1"/>
+          </a:fontRef>
+        </p:style>
+        <p:txBody>
+          <a:bodyPr rtlCol="0" anchor="ctr"/>
+          <a:lstStyle/>
+          <a:p>
+            <a:pPr algn="ctr"/>
+            <a:endParaRPr lang="en-US" dirty="0"/>
+          </a:p>
+        </p:txBody>
+      </p:sp>
+      <p:cxnSp>
+        <p:nvCxnSpPr>
+          <p:cNvPr id="12" name="Straight Connector 11">
+            <a:extLst>
+              <a:ext uri="{FF2B5EF4-FFF2-40B4-BE49-F238E27FC236}">
+                <a16:creationId xmlns:a16="http://schemas.microsoft.com/office/drawing/2014/main" id="{34A23E5E-0B14-7B4F-8E65-0E8DEAF3CF45}"/>
+              </a:ext>
+            </a:extLst>
+          </p:cNvPr>
+          <p:cNvCxnSpPr>
+            <a:cxnSpLocks/>
+          </p:cNvCxnSpPr>
+          <p:nvPr/>
+        </p:nvCxnSpPr>
+        <p:spPr>
+          <a:xfrm flipH="1">
+            <a:off x="6732165" y="9984662"/>
+            <a:ext cx="1800028" cy="0"/>
+          </a:xfrm>
+          <a:prstGeom prst="line">
+            <a:avLst/>
+          </a:prstGeom>
+          <a:ln w="107950">
+            <a:solidFill>
+              <a:srgbClr val="414141"/>
+            </a:solidFill>
+          </a:ln>
+        </p:spPr>
+        <p:style>
+          <a:lnRef idx="1">
+            <a:schemeClr val="accent1"/>
+          </a:lnRef>
+          <a:fillRef idx="0">
+            <a:schemeClr val="accent1"/>
+          </a:fillRef>
+          <a:effectRef idx="0">
+            <a:schemeClr val="accent1"/>
+          </a:effectRef>
+          <a:fontRef idx="minor">
+            <a:schemeClr val="tx1"/>
+          </a:fontRef>
+        </p:style>
+      </p:cxnSp>
+      <p:sp>
+        <p:nvSpPr>
+          <p:cNvPr id="13" name="Rectangle 12">
+            <a:extLst>
+              <a:ext uri="{FF2B5EF4-FFF2-40B4-BE49-F238E27FC236}">
+                <a16:creationId xmlns:a16="http://schemas.microsoft.com/office/drawing/2014/main" id="{06577297-76D3-FA47-8F9B-15AABC1AC8D9}"/>
+              </a:ext>
+            </a:extLst>
+          </p:cNvPr>
+          <p:cNvSpPr/>
+          <p:nvPr/>
+        </p:nvSpPr>
+        <p:spPr>
+          <a:xfrm>
+            <a:off x="9688398" y="7981065"/>
+            <a:ext cx="1266745" cy="1096386"/>
+          </a:xfrm>
+          <a:prstGeom prst="rect">
+            <a:avLst/>
+          </a:prstGeom>
+          <a:solidFill>
+            <a:srgbClr val="F5F5F5"/>
+          </a:solidFill>
+          <a:ln>
+            <a:noFill/>
+          </a:ln>
+        </p:spPr>
+        <p:style>
+          <a:lnRef idx="2">
+            <a:schemeClr val="accent1">
+              <a:shade val="50000"/>
+            </a:schemeClr>
+          </a:lnRef>
+          <a:fillRef idx="1">
+            <a:schemeClr val="accent1"/>
+          </a:fillRef>
+          <a:effectRef idx="0">
+            <a:schemeClr val="accent1"/>
+          </a:effectRef>
+          <a:fontRef idx="minor">
+            <a:schemeClr val="lt1"/>
+          </a:fontRef>
+        </p:style>
+        <p:txBody>
+          <a:bodyPr rtlCol="0" anchor="ctr"/>
+          <a:lstStyle/>
+          <a:p>
+            <a:pPr algn="ctr"/>
+            <a:endParaRPr lang="en-US" dirty="0"/>
+          </a:p>
+        </p:txBody>
+      </p:sp>
+      <p:cxnSp>
+        <p:nvCxnSpPr>
+          <p:cNvPr id="14" name="Straight Connector 13">
+            <a:extLst>
+              <a:ext uri="{FF2B5EF4-FFF2-40B4-BE49-F238E27FC236}">
+                <a16:creationId xmlns:a16="http://schemas.microsoft.com/office/drawing/2014/main" id="{4FD0EBA6-9D64-8747-8299-EF34C821E23F}"/>
+              </a:ext>
+            </a:extLst>
+          </p:cNvPr>
+          <p:cNvCxnSpPr>
+            <a:cxnSpLocks/>
+          </p:cNvCxnSpPr>
+          <p:nvPr/>
+        </p:nvCxnSpPr>
+        <p:spPr>
+          <a:xfrm flipH="1">
+            <a:off x="9446470" y="8512998"/>
+            <a:ext cx="1800028" cy="0"/>
+          </a:xfrm>
+          <a:prstGeom prst="line">
+            <a:avLst/>
+          </a:prstGeom>
+          <a:ln w="107950">
+            <a:solidFill>
+              <a:srgbClr val="414141"/>
+            </a:solidFill>
+          </a:ln>
+        </p:spPr>
+        <p:style>
+          <a:lnRef idx="1">
+            <a:schemeClr val="accent1"/>
+          </a:lnRef>
+          <a:fillRef idx="0">
+            <a:schemeClr val="accent1"/>
+          </a:fillRef>
+          <a:effectRef idx="0">
+            <a:schemeClr val="accent1"/>
+          </a:effectRef>
+          <a:fontRef idx="minor">
+            <a:schemeClr val="tx1"/>
+          </a:fontRef>
+        </p:style>
+      </p:cxnSp>
+      <p:sp>
+        <p:nvSpPr>
+          <p:cNvPr id="15" name="Rectangle 14">
+            <a:extLst>
+              <a:ext uri="{FF2B5EF4-FFF2-40B4-BE49-F238E27FC236}">
+                <a16:creationId xmlns:a16="http://schemas.microsoft.com/office/drawing/2014/main" id="{E2347BE9-0939-EC4C-A0CF-BCFCDB9219B6}"/>
+              </a:ext>
+            </a:extLst>
+          </p:cNvPr>
+          <p:cNvSpPr/>
+          <p:nvPr/>
+        </p:nvSpPr>
+        <p:spPr>
+          <a:xfrm>
+            <a:off x="9713669" y="9500617"/>
+            <a:ext cx="1266745" cy="1096386"/>
+          </a:xfrm>
+          <a:prstGeom prst="rect">
+            <a:avLst/>
+          </a:prstGeom>
+          <a:solidFill>
+            <a:srgbClr val="F5F5F5"/>
+          </a:solidFill>
+          <a:ln>
+            <a:noFill/>
+          </a:ln>
+        </p:spPr>
+        <p:style>
+          <a:lnRef idx="2">
+            <a:schemeClr val="accent1">
+              <a:shade val="50000"/>
+            </a:schemeClr>
+          </a:lnRef>
+          <a:fillRef idx="1">
+            <a:schemeClr val="accent1"/>
+          </a:fillRef>
+          <a:effectRef idx="0">
+            <a:schemeClr val="accent1"/>
+          </a:effectRef>
+          <a:fontRef idx="minor">
+            <a:schemeClr val="lt1"/>
+          </a:fontRef>
+        </p:style>
+        <p:txBody>
+          <a:bodyPr rtlCol="0" anchor="ctr"/>
+          <a:lstStyle/>
+          <a:p>
+            <a:pPr algn="ctr"/>
+            <a:endParaRPr lang="en-US" dirty="0"/>
+          </a:p>
+        </p:txBody>
+      </p:sp>
+      <p:cxnSp>
+        <p:nvCxnSpPr>
+          <p:cNvPr id="16" name="Straight Connector 15">
+            <a:extLst>
+              <a:ext uri="{FF2B5EF4-FFF2-40B4-BE49-F238E27FC236}">
+                <a16:creationId xmlns:a16="http://schemas.microsoft.com/office/drawing/2014/main" id="{8E619E55-491C-5F42-92DF-0EC0D778BCB4}"/>
+              </a:ext>
+            </a:extLst>
+          </p:cNvPr>
+          <p:cNvCxnSpPr>
+            <a:cxnSpLocks/>
+          </p:cNvCxnSpPr>
+          <p:nvPr/>
+        </p:nvCxnSpPr>
+        <p:spPr>
+          <a:xfrm flipH="1">
+            <a:off x="9500014" y="9954434"/>
+            <a:ext cx="1800028" cy="0"/>
+          </a:xfrm>
+          <a:prstGeom prst="line">
+            <a:avLst/>
+          </a:prstGeom>
+          <a:ln w="107950">
+            <a:solidFill>
+              <a:srgbClr val="414141"/>
+            </a:solidFill>
+          </a:ln>
+        </p:spPr>
+        <p:style>
+          <a:lnRef idx="1">
+            <a:schemeClr val="accent1"/>
+          </a:lnRef>
+          <a:fillRef idx="0">
+            <a:schemeClr val="accent1"/>
+          </a:fillRef>
+          <a:effectRef idx="0">
+            <a:schemeClr val="accent1"/>
+          </a:effectRef>
+          <a:fontRef idx="minor">
+            <a:schemeClr val="tx1"/>
+          </a:fontRef>
+        </p:style>
+      </p:cxnSp>
+      <p:sp>
+        <p:nvSpPr>
+          <p:cNvPr id="18" name="Rectangle 17">
+            <a:extLst>
+              <a:ext uri="{FF2B5EF4-FFF2-40B4-BE49-F238E27FC236}">
+                <a16:creationId xmlns:a16="http://schemas.microsoft.com/office/drawing/2014/main" id="{1E40074E-3C11-4F4E-B750-19551E3EE30C}"/>
+              </a:ext>
+            </a:extLst>
+          </p:cNvPr>
+          <p:cNvSpPr/>
+          <p:nvPr/>
+        </p:nvSpPr>
+        <p:spPr>
+          <a:xfrm>
+            <a:off x="11762970" y="10395371"/>
+            <a:ext cx="4646803" cy="1874519"/>
+          </a:xfrm>
+          <a:prstGeom prst="rect">
+            <a:avLst/>
+          </a:prstGeom>
+          <a:solidFill>
+            <a:srgbClr val="F5F5F5"/>
+          </a:solidFill>
+          <a:ln>
+            <a:noFill/>
+          </a:ln>
+        </p:spPr>
+        <p:style>
+          <a:lnRef idx="2">
+            <a:schemeClr val="accent1">
+              <a:shade val="50000"/>
+            </a:schemeClr>
+          </a:lnRef>
+          <a:fillRef idx="1">
+            <a:schemeClr val="accent1"/>
+          </a:fillRef>
+          <a:effectRef idx="0">
+            <a:schemeClr val="accent1"/>
+          </a:effectRef>
+          <a:fontRef idx="minor">
+            <a:schemeClr val="lt1"/>
+          </a:fontRef>
+        </p:style>
+        <p:txBody>
+          <a:bodyPr rtlCol="0" anchor="ctr"/>
+          <a:lstStyle/>
+          <a:p>
+            <a:pPr algn="ctr"/>
+            <a:endParaRPr lang="en-US" dirty="0"/>
+          </a:p>
+        </p:txBody>
+      </p:sp>
+      <p:sp>
+        <p:nvSpPr>
+          <p:cNvPr id="19" name="Rectangle 18">
+            <a:extLst>
+              <a:ext uri="{FF2B5EF4-FFF2-40B4-BE49-F238E27FC236}">
+                <a16:creationId xmlns:a16="http://schemas.microsoft.com/office/drawing/2014/main" id="{39F72549-CD58-DA47-B664-DA16198CEFEE}"/>
+              </a:ext>
+            </a:extLst>
+          </p:cNvPr>
+          <p:cNvSpPr/>
+          <p:nvPr/>
+        </p:nvSpPr>
+        <p:spPr>
+          <a:xfrm>
+            <a:off x="12088018" y="10028576"/>
+            <a:ext cx="1652349" cy="1874519"/>
+          </a:xfrm>
+          <a:prstGeom prst="rect">
+            <a:avLst/>
+          </a:prstGeom>
+          <a:solidFill>
+            <a:srgbClr val="F5F5F5"/>
+          </a:solidFill>
+          <a:ln>
+            <a:noFill/>
+          </a:ln>
+        </p:spPr>
+        <p:style>
+          <a:lnRef idx="2">
+            <a:schemeClr val="accent1">
+              <a:shade val="50000"/>
+            </a:schemeClr>
+          </a:lnRef>
+          <a:fillRef idx="1">
+            <a:schemeClr val="accent1"/>
+          </a:fillRef>
+          <a:effectRef idx="0">
+            <a:schemeClr val="accent1"/>
+          </a:effectRef>
+          <a:fontRef idx="minor">
+            <a:schemeClr val="lt1"/>
+          </a:fontRef>
+        </p:style>
+        <p:txBody>
+          <a:bodyPr rtlCol="0" anchor="ctr"/>
+          <a:lstStyle/>
+          <a:p>
+            <a:pPr algn="ctr"/>
+            <a:endParaRPr lang="en-US" dirty="0"/>
+          </a:p>
+        </p:txBody>
+      </p:sp>
+      <p:sp>
+        <p:nvSpPr>
+          <p:cNvPr id="25" name="Rectangle 24">
+            <a:extLst>
+              <a:ext uri="{FF2B5EF4-FFF2-40B4-BE49-F238E27FC236}">
+                <a16:creationId xmlns:a16="http://schemas.microsoft.com/office/drawing/2014/main" id="{530E4166-F09F-234C-B97D-A7F2252828B9}"/>
+              </a:ext>
+            </a:extLst>
+          </p:cNvPr>
+          <p:cNvSpPr/>
+          <p:nvPr/>
+        </p:nvSpPr>
+        <p:spPr>
+          <a:xfrm>
+            <a:off x="12086799" y="2735613"/>
+            <a:ext cx="3532909" cy="1508695"/>
+          </a:xfrm>
+          <a:prstGeom prst="rect">
+            <a:avLst/>
+          </a:prstGeom>
+          <a:solidFill>
+            <a:srgbClr val="F5F5F5"/>
+          </a:solidFill>
+          <a:ln>
+            <a:noFill/>
+          </a:ln>
+        </p:spPr>
+        <p:style>
+          <a:lnRef idx="2">
+            <a:schemeClr val="accent1">
+              <a:shade val="50000"/>
+            </a:schemeClr>
+          </a:lnRef>
+          <a:fillRef idx="1">
+            <a:schemeClr val="accent1"/>
+          </a:fillRef>
+          <a:effectRef idx="0">
+            <a:schemeClr val="accent1"/>
+          </a:effectRef>
+          <a:fontRef idx="minor">
+            <a:schemeClr val="lt1"/>
+          </a:fontRef>
+        </p:style>
+        <p:txBody>
+          <a:bodyPr rtlCol="0" anchor="ctr"/>
+          <a:lstStyle/>
+          <a:p>
+            <a:pPr algn="ctr"/>
+            <a:endParaRPr lang="en-US" dirty="0"/>
+          </a:p>
+        </p:txBody>
+      </p:sp>
+      <p:sp>
+        <p:nvSpPr>
           <p:cNvPr id="2" name="Google Shape;101;p3">
             <a:extLst>
               <a:ext uri="{FF2B5EF4-FFF2-40B4-BE49-F238E27FC236}">
@@ -11949,7 +12836,177 @@
 </p:sld>
 </file>
 
-<file path=ppt/slides/slide11.xml><?xml version="1.0" encoding="utf-8"?>
+<file path=ppt/slides/slide12.xml><?xml version="1.0" encoding="utf-8"?>
+<p:sld xmlns:a="http://schemas.openxmlformats.org/drawingml/2006/main" xmlns:r="http://schemas.openxmlformats.org/officeDocument/2006/relationships" xmlns:p="http://schemas.openxmlformats.org/presentationml/2006/main">
+  <p:cSld>
+    <p:spTree>
+      <p:nvGrpSpPr>
+        <p:cNvPr id="1" name=""/>
+        <p:cNvGrpSpPr/>
+        <p:nvPr/>
+      </p:nvGrpSpPr>
+      <p:grpSpPr>
+        <a:xfrm>
+          <a:off x="0" y="0"/>
+          <a:ext cx="0" cy="0"/>
+          <a:chOff x="0" y="0"/>
+          <a:chExt cx="0" cy="0"/>
+        </a:xfrm>
+      </p:grpSpPr>
+      <p:sp>
+        <p:nvSpPr>
+          <p:cNvPr id="2" name="Title 1">
+            <a:extLst>
+              <a:ext uri="{FF2B5EF4-FFF2-40B4-BE49-F238E27FC236}">
+                <a16:creationId xmlns:a16="http://schemas.microsoft.com/office/drawing/2014/main" id="{1964338B-EBB9-4BE6-1F5B-1CE0955A90A3}"/>
+              </a:ext>
+            </a:extLst>
+          </p:cNvPr>
+          <p:cNvSpPr>
+            <a:spLocks noGrp="1"/>
+          </p:cNvSpPr>
+          <p:nvPr>
+            <p:ph type="title"/>
+          </p:nvPr>
+        </p:nvSpPr>
+        <p:spPr>
+          <a:xfrm>
+            <a:off x="0" y="355600"/>
+            <a:ext cx="24384000" cy="2286000"/>
+          </a:xfrm>
+        </p:spPr>
+        <p:txBody>
+          <a:bodyPr>
+            <a:normAutofit fontScale="90000"/>
+          </a:bodyPr>
+          <a:lstStyle/>
+          <a:p>
+            <a:r>
+              <a:rPr lang="en-US" dirty="0">
+                <a:latin typeface="+mn-lt"/>
+              </a:rPr>
+              <a:t>Confession: I don’t always follow </a:t>
+            </a:r>
+            <a:r>
+              <a:rPr lang="en-US" dirty="0" err="1">
+                <a:latin typeface="+mn-lt"/>
+              </a:rPr>
+              <a:t>gitflow</a:t>
+            </a:r>
+            <a:r>
+              <a:rPr lang="en-US" dirty="0">
+                <a:latin typeface="+mn-lt"/>
+              </a:rPr>
+              <a:t>.</a:t>
+            </a:r>
+          </a:p>
+        </p:txBody>
+      </p:sp>
+      <p:sp>
+        <p:nvSpPr>
+          <p:cNvPr id="3" name="Text Placeholder 2">
+            <a:extLst>
+              <a:ext uri="{FF2B5EF4-FFF2-40B4-BE49-F238E27FC236}">
+                <a16:creationId xmlns:a16="http://schemas.microsoft.com/office/drawing/2014/main" id="{E24AD662-8BBA-4892-227B-4DB86594679C}"/>
+              </a:ext>
+            </a:extLst>
+          </p:cNvPr>
+          <p:cNvSpPr>
+            <a:spLocks noGrp="1"/>
+          </p:cNvSpPr>
+          <p:nvPr>
+            <p:ph type="body" idx="1"/>
+          </p:nvPr>
+        </p:nvSpPr>
+        <p:spPr/>
+        <p:txBody>
+          <a:bodyPr/>
+          <a:lstStyle/>
+          <a:p>
+            <a:pPr marL="0" indent="0">
+              <a:buNone/>
+            </a:pPr>
+            <a:r>
+              <a:rPr lang="en-US" dirty="0">
+                <a:latin typeface="+mn-lt"/>
+              </a:rPr>
+              <a:t>I tend not to make a “develop” branch unless I expect a lot of changes to happen at once.</a:t>
+            </a:r>
+          </a:p>
+          <a:p>
+            <a:pPr marL="0" indent="0">
+              <a:buNone/>
+            </a:pPr>
+            <a:r>
+              <a:rPr lang="en-US" dirty="0">
+                <a:latin typeface="+mn-lt"/>
+              </a:rPr>
+              <a:t>I did use a develop branch:</a:t>
+            </a:r>
+          </a:p>
+          <a:p>
+            <a:pPr marL="685800" indent="-685800">
+              <a:buFontTx/>
+              <a:buChar char="-"/>
+            </a:pPr>
+            <a:r>
+              <a:rPr lang="en-US" dirty="0">
+                <a:latin typeface="+mn-lt"/>
+              </a:rPr>
+              <a:t>Just before releasing major new versions (v2.0.0, v3.0.0).</a:t>
+            </a:r>
+          </a:p>
+          <a:p>
+            <a:pPr marL="685800" indent="-685800">
+              <a:buFontTx/>
+              <a:buChar char="-"/>
+            </a:pPr>
+            <a:r>
+              <a:rPr lang="en-US" dirty="0">
+                <a:latin typeface="+mn-lt"/>
+              </a:rPr>
+              <a:t>When working on industry code.</a:t>
+            </a:r>
+          </a:p>
+          <a:p>
+            <a:pPr marL="0" indent="0">
+              <a:buNone/>
+            </a:pPr>
+            <a:r>
+              <a:rPr lang="en-US" dirty="0">
+                <a:latin typeface="+mn-lt"/>
+              </a:rPr>
+              <a:t>Each developer will follow their own flavor of </a:t>
+            </a:r>
+            <a:r>
+              <a:rPr lang="en-US" dirty="0" err="1">
+                <a:latin typeface="+mn-lt"/>
+              </a:rPr>
+              <a:t>gitflow</a:t>
+            </a:r>
+            <a:r>
+              <a:rPr lang="en-US" dirty="0">
+                <a:latin typeface="+mn-lt"/>
+              </a:rPr>
+              <a:t>. </a:t>
+            </a:r>
+          </a:p>
+        </p:txBody>
+      </p:sp>
+    </p:spTree>
+    <p:extLst>
+      <p:ext uri="{BB962C8B-B14F-4D97-AF65-F5344CB8AC3E}">
+        <p14:creationId xmlns:p14="http://schemas.microsoft.com/office/powerpoint/2010/main" val="1763438234"/>
+      </p:ext>
+    </p:extLst>
+  </p:cSld>
+  <p:clrMapOvr>
+    <a:masterClrMapping/>
+  </p:clrMapOvr>
+</p:sld>
+</file>
+
+<file path=ppt/slides/slide13.xml><?xml version="1.0" encoding="utf-8"?>
 <p:sld xmlns:a="http://schemas.openxmlformats.org/drawingml/2006/main" xmlns:r="http://schemas.openxmlformats.org/officeDocument/2006/relationships" xmlns:p="http://schemas.openxmlformats.org/presentationml/2006/main">
   <p:cSld>
     <p:spTree>
@@ -12151,7 +13208,7 @@
 </p:sld>
 </file>
 
-<file path=ppt/slides/slide12.xml><?xml version="1.0" encoding="utf-8"?>
+<file path=ppt/slides/slide14.xml><?xml version="1.0" encoding="utf-8"?>
 <p:sld xmlns:a="http://schemas.openxmlformats.org/drawingml/2006/main" xmlns:r="http://schemas.openxmlformats.org/officeDocument/2006/relationships" xmlns:p="http://schemas.openxmlformats.org/presentationml/2006/main">
   <p:cSld>
     <p:spTree>
@@ -12378,7 +13435,7 @@
 </p:sld>
 </file>
 
-<file path=ppt/slides/slide13.xml><?xml version="1.0" encoding="utf-8"?>
+<file path=ppt/slides/slide15.xml><?xml version="1.0" encoding="utf-8"?>
 <p:sld xmlns:a="http://schemas.openxmlformats.org/drawingml/2006/main" xmlns:r="http://schemas.openxmlformats.org/officeDocument/2006/relationships" xmlns:p="http://schemas.openxmlformats.org/presentationml/2006/main">
   <p:cSld>
     <p:spTree>
@@ -12461,7 +13518,7 @@
         </p:nvSpPr>
         <p:spPr>
           <a:xfrm>
-            <a:off x="1676399" y="3651250"/>
+            <a:off x="1676399" y="3226709"/>
             <a:ext cx="22326601" cy="8702676"/>
           </a:xfrm>
           <a:prstGeom prst="rect">
@@ -12839,8 +13896,8 @@
         </p:nvSpPr>
         <p:spPr>
           <a:xfrm>
-            <a:off x="3552403" y="12766675"/>
-            <a:ext cx="18012870" cy="677028"/>
+            <a:off x="0" y="12603390"/>
+            <a:ext cx="25117676" cy="1046360"/>
           </a:xfrm>
           <a:prstGeom prst="rect">
             <a:avLst/>
@@ -12867,7 +13924,46 @@
                 <a:cs typeface="Calibri"/>
                 <a:sym typeface="Calibri"/>
               </a:rPr>
-              <a:t>There are a lot of “Git cheat sheets” online if you want a summary of more commands!</a:t>
+              <a:t>There are a lot of “Git cheat sheets” online if you want a summary of more commands! Here’s the one I have bookmarked:</a:t>
+            </a:r>
+          </a:p>
+          <a:p>
+            <a:pPr algn="ctr"/>
+            <a:r>
+              <a:rPr lang="en-US" sz="2400" dirty="0">
+                <a:latin typeface="+mn-lt"/>
+              </a:rPr>
+              <a:t>https://</a:t>
+            </a:r>
+            <a:r>
+              <a:rPr lang="en-US" sz="2400" dirty="0" err="1">
+                <a:latin typeface="+mn-lt"/>
+              </a:rPr>
+              <a:t>training.github.com</a:t>
+            </a:r>
+            <a:r>
+              <a:rPr lang="en-US" sz="2400" dirty="0">
+                <a:latin typeface="+mn-lt"/>
+              </a:rPr>
+              <a:t>/downloads/</a:t>
+            </a:r>
+            <a:r>
+              <a:rPr lang="en-US" sz="2400" dirty="0" err="1">
+                <a:latin typeface="+mn-lt"/>
+              </a:rPr>
+              <a:t>github</a:t>
+            </a:r>
+            <a:r>
+              <a:rPr lang="en-US" sz="2400" dirty="0">
+                <a:latin typeface="+mn-lt"/>
+              </a:rPr>
+              <a:t>-git-cheat-</a:t>
+            </a:r>
+            <a:r>
+              <a:rPr lang="en-US" sz="2400" dirty="0" err="1">
+                <a:latin typeface="+mn-lt"/>
+              </a:rPr>
+              <a:t>sheet.pdf</a:t>
             </a:r>
             <a:endParaRPr sz="2400" dirty="0">
               <a:latin typeface="+mn-lt"/>
@@ -12888,295 +13984,7 @@
 </p:sld>
 </file>
 
-<file path=ppt/slides/slide14.xml><?xml version="1.0" encoding="utf-8"?>
-<p:sld xmlns:a="http://schemas.openxmlformats.org/drawingml/2006/main" xmlns:r="http://schemas.openxmlformats.org/officeDocument/2006/relationships" xmlns:p="http://schemas.openxmlformats.org/presentationml/2006/main">
-  <p:cSld>
-    <p:spTree>
-      <p:nvGrpSpPr>
-        <p:cNvPr id="1" name="Shape 106"/>
-        <p:cNvGrpSpPr/>
-        <p:nvPr/>
-      </p:nvGrpSpPr>
-      <p:grpSpPr>
-        <a:xfrm>
-          <a:off x="0" y="0"/>
-          <a:ext cx="0" cy="0"/>
-          <a:chOff x="0" y="0"/>
-          <a:chExt cx="0" cy="0"/>
-        </a:xfrm>
-      </p:grpSpPr>
-      <p:sp>
-        <p:nvSpPr>
-          <p:cNvPr id="107" name="Google Shape;107;g1347d530a7d_1_0"/>
-          <p:cNvSpPr txBox="1">
-            <a:spLocks noGrp="1"/>
-          </p:cNvSpPr>
-          <p:nvPr>
-            <p:ph type="title"/>
-          </p:nvPr>
-        </p:nvSpPr>
-        <p:spPr>
-          <a:xfrm>
-            <a:off x="1689100" y="355600"/>
-            <a:ext cx="21005700" cy="2286000"/>
-          </a:xfrm>
-          <a:prstGeom prst="rect">
-            <a:avLst/>
-          </a:prstGeom>
-        </p:spPr>
-        <p:txBody>
-          <a:bodyPr spcFirstLastPara="1" wrap="square" lIns="50800" tIns="50800" rIns="50800" bIns="50800" anchor="ctr" anchorCtr="0">
-            <a:normAutofit/>
-          </a:bodyPr>
-          <a:lstStyle/>
-          <a:p>
-            <a:pPr marL="0" lvl="0" indent="0" algn="ctr" rtl="0">
-              <a:spcBef>
-                <a:spcPts val="0"/>
-              </a:spcBef>
-              <a:spcAft>
-                <a:spcPts val="0"/>
-              </a:spcAft>
-              <a:buNone/>
-            </a:pPr>
-            <a:r>
-              <a:rPr lang="en-US" dirty="0">
-                <a:latin typeface="+mn-lt"/>
-              </a:rPr>
-              <a:t>Class-sourced Vocabulary List</a:t>
-            </a:r>
-            <a:endParaRPr dirty="0">
-              <a:latin typeface="+mn-lt"/>
-            </a:endParaRPr>
-          </a:p>
-        </p:txBody>
-      </p:sp>
-      <p:sp>
-        <p:nvSpPr>
-          <p:cNvPr id="108" name="Google Shape;108;g1347d530a7d_1_0"/>
-          <p:cNvSpPr txBox="1">
-            <a:spLocks noGrp="1"/>
-          </p:cNvSpPr>
-          <p:nvPr>
-            <p:ph type="body" idx="1"/>
-          </p:nvPr>
-        </p:nvSpPr>
-        <p:spPr>
-          <a:xfrm>
-            <a:off x="1689150" y="2641600"/>
-            <a:ext cx="21005700" cy="9296400"/>
-          </a:xfrm>
-          <a:prstGeom prst="rect">
-            <a:avLst/>
-          </a:prstGeom>
-        </p:spPr>
-        <p:txBody>
-          <a:bodyPr spcFirstLastPara="1" wrap="square" lIns="50800" tIns="50800" rIns="50800" bIns="50800" anchor="ctr" anchorCtr="0">
-            <a:normAutofit fontScale="92500" lnSpcReduction="20000"/>
-          </a:bodyPr>
-          <a:lstStyle/>
-          <a:p>
-            <a:pPr marL="457200" lvl="0" indent="-609600" algn="l" rtl="0">
-              <a:spcBef>
-                <a:spcPts val="5900"/>
-              </a:spcBef>
-              <a:spcAft>
-                <a:spcPts val="0"/>
-              </a:spcAft>
-              <a:buSzPts val="6000"/>
-              <a:buChar char="•"/>
-            </a:pPr>
-            <a:r>
-              <a:rPr lang="en-US" dirty="0">
-                <a:latin typeface="+mn-lt"/>
-              </a:rPr>
-              <a:t>Git: </a:t>
-            </a:r>
-          </a:p>
-          <a:p>
-            <a:pPr marL="457200" lvl="0" indent="-609600" algn="l" rtl="0">
-              <a:spcBef>
-                <a:spcPts val="5900"/>
-              </a:spcBef>
-              <a:spcAft>
-                <a:spcPts val="0"/>
-              </a:spcAft>
-              <a:buSzPts val="6000"/>
-              <a:buChar char="•"/>
-            </a:pPr>
-            <a:r>
-              <a:rPr lang="en-US" dirty="0">
-                <a:latin typeface="+mn-lt"/>
-              </a:rPr>
-              <a:t>GitHub: </a:t>
-            </a:r>
-          </a:p>
-          <a:p>
-            <a:pPr marL="457200" lvl="0" indent="-609600" algn="l" rtl="0">
-              <a:spcBef>
-                <a:spcPts val="5900"/>
-              </a:spcBef>
-              <a:spcAft>
-                <a:spcPts val="0"/>
-              </a:spcAft>
-              <a:buSzPts val="6000"/>
-              <a:buChar char="•"/>
-            </a:pPr>
-            <a:r>
-              <a:rPr lang="en-US" dirty="0">
-                <a:solidFill>
-                  <a:schemeClr val="dk1"/>
-                </a:solidFill>
-                <a:latin typeface="+mn-lt"/>
-              </a:rPr>
-              <a:t>source control: </a:t>
-            </a:r>
-          </a:p>
-          <a:p>
-            <a:pPr marL="457200" lvl="0" indent="-609600" algn="l" rtl="0">
-              <a:spcBef>
-                <a:spcPts val="5900"/>
-              </a:spcBef>
-              <a:spcAft>
-                <a:spcPts val="0"/>
-              </a:spcAft>
-              <a:buSzPts val="6000"/>
-              <a:buChar char="•"/>
-            </a:pPr>
-            <a:r>
-              <a:rPr lang="en-US" dirty="0">
-                <a:latin typeface="+mn-lt"/>
-              </a:rPr>
-              <a:t>repo (short for “repository”): </a:t>
-            </a:r>
-          </a:p>
-          <a:p>
-            <a:pPr marL="457200" lvl="0" indent="-609600" algn="l" rtl="0">
-              <a:spcBef>
-                <a:spcPts val="5900"/>
-              </a:spcBef>
-              <a:spcAft>
-                <a:spcPts val="0"/>
-              </a:spcAft>
-              <a:buSzPts val="6000"/>
-              <a:buChar char="•"/>
-            </a:pPr>
-            <a:r>
-              <a:rPr lang="en-US" dirty="0">
-                <a:solidFill>
-                  <a:schemeClr val="dk1"/>
-                </a:solidFill>
-                <a:latin typeface="+mn-lt"/>
-              </a:rPr>
-              <a:t>commit: </a:t>
-            </a:r>
-          </a:p>
-          <a:p>
-            <a:pPr marL="457200" lvl="0" indent="-609600" algn="l" rtl="0">
-              <a:spcBef>
-                <a:spcPts val="5900"/>
-              </a:spcBef>
-              <a:spcAft>
-                <a:spcPts val="0"/>
-              </a:spcAft>
-              <a:buSzPts val="6000"/>
-              <a:buChar char="•"/>
-            </a:pPr>
-            <a:r>
-              <a:rPr lang="en-US" dirty="0">
-                <a:latin typeface="+mn-lt"/>
-              </a:rPr>
-              <a:t>branch: </a:t>
-            </a:r>
-          </a:p>
-          <a:p>
-            <a:pPr marL="457200" lvl="0" indent="-609600" algn="l" rtl="0">
-              <a:spcBef>
-                <a:spcPts val="5900"/>
-              </a:spcBef>
-              <a:spcAft>
-                <a:spcPts val="0"/>
-              </a:spcAft>
-              <a:buSzPts val="6000"/>
-              <a:buChar char="•"/>
-            </a:pPr>
-            <a:r>
-              <a:rPr lang="en-US" dirty="0">
-                <a:latin typeface="+mn-lt"/>
-              </a:rPr>
-              <a:t>clone:</a:t>
-            </a:r>
-          </a:p>
-        </p:txBody>
-      </p:sp>
-      <p:sp>
-        <p:nvSpPr>
-          <p:cNvPr id="110" name="Google Shape;110;g1347d530a7d_1_0"/>
-          <p:cNvSpPr txBox="1"/>
-          <p:nvPr/>
-        </p:nvSpPr>
-        <p:spPr>
-          <a:xfrm>
-            <a:off x="19701035" y="12896087"/>
-            <a:ext cx="4667725" cy="738633"/>
-          </a:xfrm>
-          <a:prstGeom prst="rect">
-            <a:avLst/>
-          </a:prstGeom>
-          <a:noFill/>
-          <a:ln w="9525" cap="flat" cmpd="sng">
-            <a:solidFill>
-              <a:schemeClr val="dk1"/>
-            </a:solidFill>
-            <a:prstDash val="solid"/>
-            <a:round/>
-            <a:headEnd type="none" w="sm" len="sm"/>
-            <a:tailEnd type="none" w="sm" len="sm"/>
-          </a:ln>
-        </p:spPr>
-        <p:txBody>
-          <a:bodyPr spcFirstLastPara="1" wrap="square" lIns="91425" tIns="91425" rIns="91425" bIns="91425" anchor="t" anchorCtr="0">
-            <a:spAutoFit/>
-          </a:bodyPr>
-          <a:lstStyle/>
-          <a:p>
-            <a:pPr marL="0" lvl="0" indent="0" algn="ctr" rtl="0">
-              <a:spcBef>
-                <a:spcPts val="0"/>
-              </a:spcBef>
-              <a:spcAft>
-                <a:spcPts val="0"/>
-              </a:spcAft>
-              <a:buNone/>
-            </a:pPr>
-            <a:r>
-              <a:rPr lang="en-US" sz="3600" u="sng" dirty="0">
-                <a:latin typeface="Helvetica Neue"/>
-                <a:ea typeface="Helvetica Neue"/>
-                <a:cs typeface="Helvetica Neue"/>
-                <a:sym typeface="Helvetica Neue"/>
-                <a:hlinkClick r:id="rId3"/>
-              </a:rPr>
-              <a:t>Code/Astro vocab list</a:t>
-            </a:r>
-            <a:endParaRPr sz="3600" dirty="0">
-              <a:latin typeface="Helvetica Neue"/>
-              <a:ea typeface="Helvetica Neue"/>
-              <a:cs typeface="Helvetica Neue"/>
-              <a:sym typeface="Helvetica Neue"/>
-            </a:endParaRPr>
-          </a:p>
-        </p:txBody>
-      </p:sp>
-    </p:spTree>
-  </p:cSld>
-  <p:clrMapOvr>
-    <a:masterClrMapping/>
-  </p:clrMapOvr>
-</p:sld>
-</file>
-
-<file path=ppt/slides/slide15.xml><?xml version="1.0" encoding="utf-8"?>
+<file path=ppt/slides/slide16.xml><?xml version="1.0" encoding="utf-8"?>
 <p:sld xmlns:a="http://schemas.openxmlformats.org/drawingml/2006/main" xmlns:r="http://schemas.openxmlformats.org/officeDocument/2006/relationships" xmlns:p="http://schemas.openxmlformats.org/presentationml/2006/main">
   <p:cSld>
     <p:spTree>
@@ -13789,6 +14597,617 @@
   <p:cSld>
     <p:spTree>
       <p:nvGrpSpPr>
+        <p:cNvPr id="1" name="Shape 106"/>
+        <p:cNvGrpSpPr/>
+        <p:nvPr/>
+      </p:nvGrpSpPr>
+      <p:grpSpPr>
+        <a:xfrm>
+          <a:off x="0" y="0"/>
+          <a:ext cx="0" cy="0"/>
+          <a:chOff x="0" y="0"/>
+          <a:chExt cx="0" cy="0"/>
+        </a:xfrm>
+      </p:grpSpPr>
+      <p:sp>
+        <p:nvSpPr>
+          <p:cNvPr id="107" name="Google Shape;107;g1347d530a7d_1_0"/>
+          <p:cNvSpPr txBox="1">
+            <a:spLocks noGrp="1"/>
+          </p:cNvSpPr>
+          <p:nvPr>
+            <p:ph type="title"/>
+          </p:nvPr>
+        </p:nvSpPr>
+        <p:spPr>
+          <a:xfrm>
+            <a:off x="1689100" y="355600"/>
+            <a:ext cx="21005700" cy="2286000"/>
+          </a:xfrm>
+          <a:prstGeom prst="rect">
+            <a:avLst/>
+          </a:prstGeom>
+        </p:spPr>
+        <p:txBody>
+          <a:bodyPr spcFirstLastPara="1" wrap="square" lIns="50800" tIns="50800" rIns="50800" bIns="50800" anchor="ctr" anchorCtr="0">
+            <a:normAutofit/>
+          </a:bodyPr>
+          <a:lstStyle/>
+          <a:p>
+            <a:pPr marL="0" lvl="0" indent="0" algn="ctr" rtl="0">
+              <a:spcBef>
+                <a:spcPts val="0"/>
+              </a:spcBef>
+              <a:spcAft>
+                <a:spcPts val="0"/>
+              </a:spcAft>
+              <a:buNone/>
+            </a:pPr>
+            <a:r>
+              <a:rPr lang="en-US" dirty="0">
+                <a:latin typeface="+mn-lt"/>
+              </a:rPr>
+              <a:t>Class-sourced Vocabulary List</a:t>
+            </a:r>
+            <a:endParaRPr dirty="0">
+              <a:latin typeface="+mn-lt"/>
+            </a:endParaRPr>
+          </a:p>
+        </p:txBody>
+      </p:sp>
+      <p:sp>
+        <p:nvSpPr>
+          <p:cNvPr id="108" name="Google Shape;108;g1347d530a7d_1_0"/>
+          <p:cNvSpPr txBox="1">
+            <a:spLocks noGrp="1"/>
+          </p:cNvSpPr>
+          <p:nvPr>
+            <p:ph type="body" idx="1"/>
+          </p:nvPr>
+        </p:nvSpPr>
+        <p:spPr>
+          <a:xfrm>
+            <a:off x="236525" y="2641600"/>
+            <a:ext cx="21005700" cy="9296400"/>
+          </a:xfrm>
+          <a:prstGeom prst="rect">
+            <a:avLst/>
+          </a:prstGeom>
+        </p:spPr>
+        <p:txBody>
+          <a:bodyPr spcFirstLastPara="1" wrap="square" lIns="50800" tIns="50800" rIns="50800" bIns="50800" anchor="ctr" anchorCtr="0">
+            <a:normAutofit fontScale="92500" lnSpcReduction="20000"/>
+          </a:bodyPr>
+          <a:lstStyle/>
+          <a:p>
+            <a:pPr marL="0" lvl="0" indent="0" algn="l" rtl="0">
+              <a:spcBef>
+                <a:spcPts val="5900"/>
+              </a:spcBef>
+              <a:spcAft>
+                <a:spcPts val="0"/>
+              </a:spcAft>
+              <a:buSzPts val="6000"/>
+              <a:buNone/>
+            </a:pPr>
+            <a:r>
+              <a:rPr lang="en-US" dirty="0">
+                <a:latin typeface="+mn-lt"/>
+              </a:rPr>
+              <a:t>A: Git: </a:t>
+            </a:r>
+          </a:p>
+          <a:p>
+            <a:pPr marL="0" lvl="0" indent="0" algn="l" rtl="0">
+              <a:spcBef>
+                <a:spcPts val="5900"/>
+              </a:spcBef>
+              <a:spcAft>
+                <a:spcPts val="0"/>
+              </a:spcAft>
+              <a:buSzPts val="6000"/>
+              <a:buNone/>
+            </a:pPr>
+            <a:r>
+              <a:rPr lang="en-US" dirty="0">
+                <a:latin typeface="+mn-lt"/>
+              </a:rPr>
+              <a:t>B: GitHub: </a:t>
+            </a:r>
+          </a:p>
+          <a:p>
+            <a:pPr marL="0" lvl="0" indent="0" algn="l" rtl="0">
+              <a:spcBef>
+                <a:spcPts val="5900"/>
+              </a:spcBef>
+              <a:spcAft>
+                <a:spcPts val="0"/>
+              </a:spcAft>
+              <a:buSzPts val="6000"/>
+              <a:buNone/>
+            </a:pPr>
+            <a:r>
+              <a:rPr lang="en-US" dirty="0">
+                <a:solidFill>
+                  <a:schemeClr val="dk1"/>
+                </a:solidFill>
+                <a:latin typeface="+mn-lt"/>
+              </a:rPr>
+              <a:t>C: source control: </a:t>
+            </a:r>
+          </a:p>
+          <a:p>
+            <a:pPr marL="0" lvl="0" indent="0" algn="l" rtl="0">
+              <a:spcBef>
+                <a:spcPts val="5900"/>
+              </a:spcBef>
+              <a:spcAft>
+                <a:spcPts val="0"/>
+              </a:spcAft>
+              <a:buSzPts val="6000"/>
+              <a:buNone/>
+            </a:pPr>
+            <a:r>
+              <a:rPr lang="en-US" dirty="0">
+                <a:latin typeface="+mn-lt"/>
+              </a:rPr>
+              <a:t>D: repository (AKA “repo”): </a:t>
+            </a:r>
+          </a:p>
+          <a:p>
+            <a:pPr marL="0" lvl="0" indent="0" algn="l" rtl="0">
+              <a:spcBef>
+                <a:spcPts val="5900"/>
+              </a:spcBef>
+              <a:spcAft>
+                <a:spcPts val="0"/>
+              </a:spcAft>
+              <a:buSzPts val="6000"/>
+              <a:buNone/>
+            </a:pPr>
+            <a:r>
+              <a:rPr lang="en-US" dirty="0">
+                <a:solidFill>
+                  <a:schemeClr val="dk1"/>
+                </a:solidFill>
+                <a:latin typeface="+mn-lt"/>
+              </a:rPr>
+              <a:t>E: commit: </a:t>
+            </a:r>
+          </a:p>
+          <a:p>
+            <a:pPr marL="0" lvl="0" indent="0" algn="l" rtl="0">
+              <a:spcBef>
+                <a:spcPts val="5900"/>
+              </a:spcBef>
+              <a:spcAft>
+                <a:spcPts val="0"/>
+              </a:spcAft>
+              <a:buSzPts val="6000"/>
+              <a:buNone/>
+            </a:pPr>
+            <a:r>
+              <a:rPr lang="en-US" dirty="0">
+                <a:latin typeface="+mn-lt"/>
+              </a:rPr>
+              <a:t>F: branch: </a:t>
+            </a:r>
+          </a:p>
+          <a:p>
+            <a:pPr marL="0" lvl="0" indent="0" algn="l" rtl="0">
+              <a:spcBef>
+                <a:spcPts val="5900"/>
+              </a:spcBef>
+              <a:spcAft>
+                <a:spcPts val="0"/>
+              </a:spcAft>
+              <a:buSzPts val="6000"/>
+              <a:buNone/>
+            </a:pPr>
+            <a:r>
+              <a:rPr lang="en-US" dirty="0">
+                <a:latin typeface="+mn-lt"/>
+              </a:rPr>
+              <a:t>G: clone:</a:t>
+            </a:r>
+          </a:p>
+        </p:txBody>
+      </p:sp>
+      <p:sp>
+        <p:nvSpPr>
+          <p:cNvPr id="110" name="Google Shape;110;g1347d530a7d_1_0"/>
+          <p:cNvSpPr txBox="1"/>
+          <p:nvPr/>
+        </p:nvSpPr>
+        <p:spPr>
+          <a:xfrm>
+            <a:off x="19701035" y="12896087"/>
+            <a:ext cx="4667725" cy="738633"/>
+          </a:xfrm>
+          <a:prstGeom prst="rect">
+            <a:avLst/>
+          </a:prstGeom>
+          <a:noFill/>
+          <a:ln w="9525" cap="flat" cmpd="sng">
+            <a:solidFill>
+              <a:schemeClr val="dk1"/>
+            </a:solidFill>
+            <a:prstDash val="solid"/>
+            <a:round/>
+            <a:headEnd type="none" w="sm" len="sm"/>
+            <a:tailEnd type="none" w="sm" len="sm"/>
+          </a:ln>
+        </p:spPr>
+        <p:txBody>
+          <a:bodyPr spcFirstLastPara="1" wrap="square" lIns="91425" tIns="91425" rIns="91425" bIns="91425" anchor="t" anchorCtr="0">
+            <a:spAutoFit/>
+          </a:bodyPr>
+          <a:lstStyle/>
+          <a:p>
+            <a:pPr marL="0" lvl="0" indent="0" algn="ctr" rtl="0">
+              <a:spcBef>
+                <a:spcPts val="0"/>
+              </a:spcBef>
+              <a:spcAft>
+                <a:spcPts val="0"/>
+              </a:spcAft>
+              <a:buNone/>
+            </a:pPr>
+            <a:r>
+              <a:rPr lang="en-US" sz="3600" u="sng" dirty="0">
+                <a:latin typeface="Helvetica Neue"/>
+                <a:ea typeface="Helvetica Neue"/>
+                <a:cs typeface="Helvetica Neue"/>
+                <a:sym typeface="Helvetica Neue"/>
+                <a:hlinkClick r:id="rId3"/>
+              </a:rPr>
+              <a:t>Code/Astro vocab list</a:t>
+            </a:r>
+            <a:endParaRPr sz="3600" dirty="0">
+              <a:latin typeface="Helvetica Neue"/>
+              <a:ea typeface="Helvetica Neue"/>
+              <a:cs typeface="Helvetica Neue"/>
+              <a:sym typeface="Helvetica Neue"/>
+            </a:endParaRPr>
+          </a:p>
+        </p:txBody>
+      </p:sp>
+      <p:sp>
+        <p:nvSpPr>
+          <p:cNvPr id="2" name="TextBox 1">
+            <a:extLst>
+              <a:ext uri="{FF2B5EF4-FFF2-40B4-BE49-F238E27FC236}">
+                <a16:creationId xmlns:a16="http://schemas.microsoft.com/office/drawing/2014/main" id="{6908548B-681F-2DBC-924E-B37C82221E54}"/>
+              </a:ext>
+            </a:extLst>
+          </p:cNvPr>
+          <p:cNvSpPr txBox="1"/>
+          <p:nvPr/>
+        </p:nvSpPr>
+        <p:spPr>
+          <a:xfrm>
+            <a:off x="8436841" y="2643220"/>
+            <a:ext cx="14920110" cy="1200329"/>
+          </a:xfrm>
+          <a:prstGeom prst="rect">
+            <a:avLst/>
+          </a:prstGeom>
+          <a:noFill/>
+        </p:spPr>
+        <p:txBody>
+          <a:bodyPr wrap="square" rtlCol="0">
+            <a:spAutoFit/>
+          </a:bodyPr>
+          <a:lstStyle/>
+          <a:p>
+            <a:r>
+              <a:rPr lang="en-US" sz="3600" dirty="0"/>
+              <a:t>1. The practice of storing changes you’ve made to your code alongside the code itself.</a:t>
+            </a:r>
+          </a:p>
+        </p:txBody>
+      </p:sp>
+      <p:sp>
+        <p:nvSpPr>
+          <p:cNvPr id="3" name="TextBox 2">
+            <a:extLst>
+              <a:ext uri="{FF2B5EF4-FFF2-40B4-BE49-F238E27FC236}">
+                <a16:creationId xmlns:a16="http://schemas.microsoft.com/office/drawing/2014/main" id="{A65AFF18-728B-F169-E4FF-4DC7D9C236B9}"/>
+              </a:ext>
+            </a:extLst>
+          </p:cNvPr>
+          <p:cNvSpPr txBox="1"/>
+          <p:nvPr/>
+        </p:nvSpPr>
+        <p:spPr>
+          <a:xfrm>
+            <a:off x="8436841" y="3932832"/>
+            <a:ext cx="14131158" cy="1200329"/>
+          </a:xfrm>
+          <a:prstGeom prst="rect">
+            <a:avLst/>
+          </a:prstGeom>
+          <a:noFill/>
+        </p:spPr>
+        <p:txBody>
+          <a:bodyPr wrap="square" rtlCol="0">
+            <a:spAutoFit/>
+          </a:bodyPr>
+          <a:lstStyle/>
+          <a:p>
+            <a:r>
+              <a:rPr lang="en-US" sz="3600" dirty="0"/>
+              <a:t>2. The current version of all code and documentation for a project, plus its history.</a:t>
+            </a:r>
+          </a:p>
+        </p:txBody>
+      </p:sp>
+      <p:sp>
+        <p:nvSpPr>
+          <p:cNvPr id="4" name="TextBox 3">
+            <a:extLst>
+              <a:ext uri="{FF2B5EF4-FFF2-40B4-BE49-F238E27FC236}">
+                <a16:creationId xmlns:a16="http://schemas.microsoft.com/office/drawing/2014/main" id="{B8AA63D4-1E5A-D7B3-9B00-99BBD2688182}"/>
+              </a:ext>
+            </a:extLst>
+          </p:cNvPr>
+          <p:cNvSpPr txBox="1"/>
+          <p:nvPr/>
+        </p:nvSpPr>
+        <p:spPr>
+          <a:xfrm>
+            <a:off x="8455663" y="5465242"/>
+            <a:ext cx="13815848" cy="1200329"/>
+          </a:xfrm>
+          <a:prstGeom prst="rect">
+            <a:avLst/>
+          </a:prstGeom>
+          <a:noFill/>
+        </p:spPr>
+        <p:txBody>
+          <a:bodyPr wrap="square" rtlCol="0">
+            <a:spAutoFit/>
+          </a:bodyPr>
+          <a:lstStyle/>
+          <a:p>
+            <a:r>
+              <a:rPr lang="en-US" sz="3600" dirty="0"/>
+              <a:t>3. To create a copy of a repository that you can edit on your computer.</a:t>
+            </a:r>
+          </a:p>
+        </p:txBody>
+      </p:sp>
+      <p:sp>
+        <p:nvSpPr>
+          <p:cNvPr id="5" name="TextBox 4">
+            <a:extLst>
+              <a:ext uri="{FF2B5EF4-FFF2-40B4-BE49-F238E27FC236}">
+                <a16:creationId xmlns:a16="http://schemas.microsoft.com/office/drawing/2014/main" id="{00128B70-5343-ECD7-5E31-463243CC3804}"/>
+              </a:ext>
+            </a:extLst>
+          </p:cNvPr>
+          <p:cNvSpPr txBox="1"/>
+          <p:nvPr/>
+        </p:nvSpPr>
+        <p:spPr>
+          <a:xfrm>
+            <a:off x="8455663" y="7035852"/>
+            <a:ext cx="14131158" cy="1200329"/>
+          </a:xfrm>
+          <a:prstGeom prst="rect">
+            <a:avLst/>
+          </a:prstGeom>
+          <a:noFill/>
+        </p:spPr>
+        <p:txBody>
+          <a:bodyPr wrap="square" rtlCol="0">
+            <a:spAutoFit/>
+          </a:bodyPr>
+          <a:lstStyle/>
+          <a:p>
+            <a:r>
+              <a:rPr lang="en-US" sz="3600" dirty="0"/>
+              <a:t>4. The smallest unit of a code’s history. A set of changes. (fun fact: at Google, these are called “CLs,” short for “change lists”).</a:t>
+            </a:r>
+          </a:p>
+        </p:txBody>
+      </p:sp>
+      <p:sp>
+        <p:nvSpPr>
+          <p:cNvPr id="6" name="TextBox 5">
+            <a:extLst>
+              <a:ext uri="{FF2B5EF4-FFF2-40B4-BE49-F238E27FC236}">
+                <a16:creationId xmlns:a16="http://schemas.microsoft.com/office/drawing/2014/main" id="{2155F2E7-9D78-66A0-8CAC-A6A2F4AE6F51}"/>
+              </a:ext>
+            </a:extLst>
+          </p:cNvPr>
+          <p:cNvSpPr txBox="1"/>
+          <p:nvPr/>
+        </p:nvSpPr>
+        <p:spPr>
+          <a:xfrm>
+            <a:off x="8436841" y="10126328"/>
+            <a:ext cx="17836772" cy="646331"/>
+          </a:xfrm>
+          <a:prstGeom prst="rect">
+            <a:avLst/>
+          </a:prstGeom>
+          <a:noFill/>
+        </p:spPr>
+        <p:txBody>
+          <a:bodyPr wrap="square" rtlCol="0">
+            <a:spAutoFit/>
+          </a:bodyPr>
+          <a:lstStyle/>
+          <a:p>
+            <a:r>
+              <a:rPr lang="en-US" sz="3600" dirty="0"/>
+              <a:t>6. A website that stores repositories (among other things).</a:t>
+            </a:r>
+          </a:p>
+        </p:txBody>
+      </p:sp>
+      <p:sp>
+        <p:nvSpPr>
+          <p:cNvPr id="7" name="TextBox 6">
+            <a:extLst>
+              <a:ext uri="{FF2B5EF4-FFF2-40B4-BE49-F238E27FC236}">
+                <a16:creationId xmlns:a16="http://schemas.microsoft.com/office/drawing/2014/main" id="{B2E15650-6407-4905-3C38-B3B31ABF5C9B}"/>
+              </a:ext>
+            </a:extLst>
+          </p:cNvPr>
+          <p:cNvSpPr txBox="1"/>
+          <p:nvPr/>
+        </p:nvSpPr>
+        <p:spPr>
+          <a:xfrm>
+            <a:off x="8455663" y="8883461"/>
+            <a:ext cx="17836772" cy="646331"/>
+          </a:xfrm>
+          <a:prstGeom prst="rect">
+            <a:avLst/>
+          </a:prstGeom>
+          <a:noFill/>
+        </p:spPr>
+        <p:txBody>
+          <a:bodyPr wrap="square" rtlCol="0">
+            <a:spAutoFit/>
+          </a:bodyPr>
+          <a:lstStyle/>
+          <a:p>
+            <a:r>
+              <a:rPr lang="en-US" sz="3600" dirty="0"/>
+              <a:t>5. A piece of software that defines, reads, and modifies repositories. </a:t>
+            </a:r>
+          </a:p>
+        </p:txBody>
+      </p:sp>
+      <p:sp>
+        <p:nvSpPr>
+          <p:cNvPr id="8" name="TextBox 7">
+            <a:extLst>
+              <a:ext uri="{FF2B5EF4-FFF2-40B4-BE49-F238E27FC236}">
+                <a16:creationId xmlns:a16="http://schemas.microsoft.com/office/drawing/2014/main" id="{3EA3498B-03A5-8039-4A2F-592742D00070}"/>
+              </a:ext>
+            </a:extLst>
+          </p:cNvPr>
+          <p:cNvSpPr txBox="1"/>
+          <p:nvPr/>
+        </p:nvSpPr>
+        <p:spPr>
+          <a:xfrm>
+            <a:off x="8436841" y="11525624"/>
+            <a:ext cx="16346551" cy="1200329"/>
+          </a:xfrm>
+          <a:prstGeom prst="rect">
+            <a:avLst/>
+          </a:prstGeom>
+          <a:noFill/>
+        </p:spPr>
+        <p:txBody>
+          <a:bodyPr wrap="square" rtlCol="0">
+            <a:spAutoFit/>
+          </a:bodyPr>
+          <a:lstStyle/>
+          <a:p>
+            <a:r>
+              <a:rPr lang="en-US" sz="3600" dirty="0"/>
+              <a:t>7. A pointer to a version of the main code that diverges from the main line of development.</a:t>
+            </a:r>
+          </a:p>
+        </p:txBody>
+      </p:sp>
+    </p:spTree>
+  </p:cSld>
+  <p:clrMapOvr>
+    <a:masterClrMapping/>
+  </p:clrMapOvr>
+  <p:timing>
+    <p:tnLst>
+      <p:par>
+        <p:cTn id="1" dur="indefinite" restart="never" nodeType="tmRoot">
+          <p:childTnLst>
+            <p:seq concurrent="1" nextAc="seek">
+              <p:cTn id="2" dur="indefinite" nodeType="mainSeq">
+                <p:childTnLst>
+                  <p:par>
+                    <p:cTn id="3" fill="hold">
+                      <p:stCondLst>
+                        <p:cond delay="indefinite"/>
+                      </p:stCondLst>
+                      <p:childTnLst>
+                        <p:par>
+                          <p:cTn id="4" fill="hold">
+                            <p:stCondLst>
+                              <p:cond delay="0"/>
+                            </p:stCondLst>
+                            <p:childTnLst>
+                              <p:par>
+                                <p:cTn id="5" presetID="1" presetClass="entr" presetSubtype="0" fill="hold" grpId="0" nodeType="clickEffect">
+                                  <p:stCondLst>
+                                    <p:cond delay="0"/>
+                                  </p:stCondLst>
+                                  <p:childTnLst>
+                                    <p:set>
+                                      <p:cBhvr>
+                                        <p:cTn id="6" dur="1" fill="hold">
+                                          <p:stCondLst>
+                                            <p:cond delay="0"/>
+                                          </p:stCondLst>
+                                        </p:cTn>
+                                        <p:tgtEl>
+                                          <p:spTgt spid="110"/>
+                                        </p:tgtEl>
+                                        <p:attrNameLst>
+                                          <p:attrName>style.visibility</p:attrName>
+                                        </p:attrNameLst>
+                                      </p:cBhvr>
+                                      <p:to>
+                                        <p:strVal val="visible"/>
+                                      </p:to>
+                                    </p:set>
+                                  </p:childTnLst>
+                                </p:cTn>
+                              </p:par>
+                            </p:childTnLst>
+                          </p:cTn>
+                        </p:par>
+                      </p:childTnLst>
+                    </p:cTn>
+                  </p:par>
+                </p:childTnLst>
+              </p:cTn>
+              <p:prevCondLst>
+                <p:cond evt="onPrev" delay="0">
+                  <p:tgtEl>
+                    <p:sldTgt/>
+                  </p:tgtEl>
+                </p:cond>
+              </p:prevCondLst>
+              <p:nextCondLst>
+                <p:cond evt="onNext" delay="0">
+                  <p:tgtEl>
+                    <p:sldTgt/>
+                  </p:tgtEl>
+                </p:cond>
+              </p:nextCondLst>
+            </p:seq>
+          </p:childTnLst>
+        </p:cTn>
+      </p:par>
+    </p:tnLst>
+    <p:bldLst>
+      <p:bldP spid="110" grpId="0" animBg="1"/>
+    </p:bldLst>
+  </p:timing>
+</p:sld>
+</file>
+
+<file path=ppt/slides/slide4.xml><?xml version="1.0" encoding="utf-8"?>
+<p:sld xmlns:a="http://schemas.openxmlformats.org/drawingml/2006/main" xmlns:r="http://schemas.openxmlformats.org/officeDocument/2006/relationships" xmlns:p="http://schemas.openxmlformats.org/presentationml/2006/main">
+  <p:cSld>
+    <p:spTree>
+      <p:nvGrpSpPr>
         <p:cNvPr id="1" name="Shape 93"/>
         <p:cNvGrpSpPr/>
         <p:nvPr/>
@@ -13925,7 +15344,7 @@
 </p:sld>
 </file>
 
-<file path=ppt/slides/slide4.xml><?xml version="1.0" encoding="utf-8"?>
+<file path=ppt/slides/slide5.xml><?xml version="1.0" encoding="utf-8"?>
 <p:sld xmlns:a="http://schemas.openxmlformats.org/drawingml/2006/main" xmlns:r="http://schemas.openxmlformats.org/officeDocument/2006/relationships" xmlns:p="http://schemas.openxmlformats.org/presentationml/2006/main">
   <p:cSld>
     <p:spTree>
@@ -14156,7 +15575,7 @@
 </p:sld>
 </file>
 
-<file path=ppt/slides/slide5.xml><?xml version="1.0" encoding="utf-8"?>
+<file path=ppt/slides/slide6.xml><?xml version="1.0" encoding="utf-8"?>
 <p:sld xmlns:a="http://schemas.openxmlformats.org/drawingml/2006/main" xmlns:r="http://schemas.openxmlformats.org/officeDocument/2006/relationships" xmlns:p="http://schemas.openxmlformats.org/presentationml/2006/main">
   <p:cSld>
     <p:spTree>
@@ -14420,7 +15839,7 @@
 </p:sld>
 </file>
 
-<file path=ppt/slides/slide6.xml><?xml version="1.0" encoding="utf-8"?>
+<file path=ppt/slides/slide7.xml><?xml version="1.0" encoding="utf-8"?>
 <p:sld xmlns:a="http://schemas.openxmlformats.org/drawingml/2006/main" xmlns:r="http://schemas.openxmlformats.org/officeDocument/2006/relationships" xmlns:p="http://schemas.openxmlformats.org/presentationml/2006/main">
   <p:cSld>
     <p:spTree>
@@ -14974,7 +16393,7 @@
 </p:sld>
 </file>
 
-<file path=ppt/slides/slide7.xml><?xml version="1.0" encoding="utf-8"?>
+<file path=ppt/slides/slide8.xml><?xml version="1.0" encoding="utf-8"?>
 <p:sld xmlns:a="http://schemas.openxmlformats.org/drawingml/2006/main" xmlns:r="http://schemas.openxmlformats.org/officeDocument/2006/relationships" xmlns:p="http://schemas.openxmlformats.org/presentationml/2006/main">
   <p:cSld>
     <p:spTree>
@@ -15958,7 +17377,7 @@
 </p:sld>
 </file>
 
-<file path=ppt/slides/slide8.xml><?xml version="1.0" encoding="utf-8"?>
+<file path=ppt/slides/slide9.xml><?xml version="1.0" encoding="utf-8"?>
 <p:sld xmlns:a="http://schemas.openxmlformats.org/drawingml/2006/main" xmlns:r="http://schemas.openxmlformats.org/officeDocument/2006/relationships" xmlns:p="http://schemas.openxmlformats.org/presentationml/2006/main">
   <p:cSld>
     <p:spTree>
@@ -17128,940 +18547,6 @@
         </p:txBody>
       </p:sp>
     </p:spTree>
-  </p:cSld>
-  <p:clrMapOvr>
-    <a:masterClrMapping/>
-  </p:clrMapOvr>
-</p:sld>
-</file>
-
-<file path=ppt/slides/slide9.xml><?xml version="1.0" encoding="utf-8"?>
-<p:sld xmlns:a="http://schemas.openxmlformats.org/drawingml/2006/main" xmlns:r="http://schemas.openxmlformats.org/officeDocument/2006/relationships" xmlns:p="http://schemas.openxmlformats.org/presentationml/2006/main">
-  <p:cSld>
-    <p:spTree>
-      <p:nvGrpSpPr>
-        <p:cNvPr id="1" name="Shape 196"/>
-        <p:cNvGrpSpPr/>
-        <p:nvPr/>
-      </p:nvGrpSpPr>
-      <p:grpSpPr>
-        <a:xfrm>
-          <a:off x="0" y="0"/>
-          <a:ext cx="0" cy="0"/>
-          <a:chOff x="0" y="0"/>
-          <a:chExt cx="0" cy="0"/>
-        </a:xfrm>
-      </p:grpSpPr>
-      <p:pic>
-        <p:nvPicPr>
-          <p:cNvPr id="197" name="Google Shape;197;p13" descr="Screenshot 2020-06-05 12.22.34.png"/>
-          <p:cNvPicPr preferRelativeResize="0"/>
-          <p:nvPr/>
-        </p:nvPicPr>
-        <p:blipFill rotWithShape="1">
-          <a:blip r:embed="rId3">
-            <a:alphaModFix/>
-          </a:blip>
-          <a:srcRect b="11825"/>
-          <a:stretch/>
-        </p:blipFill>
-        <p:spPr>
-          <a:xfrm>
-            <a:off x="2566743" y="2541399"/>
-            <a:ext cx="19250514" cy="9765931"/>
-          </a:xfrm>
-          <a:prstGeom prst="rect">
-            <a:avLst/>
-          </a:prstGeom>
-          <a:noFill/>
-          <a:ln>
-            <a:noFill/>
-          </a:ln>
-        </p:spPr>
-      </p:pic>
-      <p:sp>
-        <p:nvSpPr>
-          <p:cNvPr id="198" name="Google Shape;198;p13"/>
-          <p:cNvSpPr txBox="1">
-            <a:spLocks noGrp="1"/>
-          </p:cNvSpPr>
-          <p:nvPr>
-            <p:ph type="title"/>
-          </p:nvPr>
-        </p:nvSpPr>
-        <p:spPr>
-          <a:xfrm>
-            <a:off x="1689100" y="355600"/>
-            <a:ext cx="21005800" cy="2286000"/>
-          </a:xfrm>
-          <a:prstGeom prst="rect">
-            <a:avLst/>
-          </a:prstGeom>
-          <a:noFill/>
-          <a:ln>
-            <a:noFill/>
-          </a:ln>
-        </p:spPr>
-        <p:txBody>
-          <a:bodyPr spcFirstLastPara="1" wrap="square" lIns="50800" tIns="50800" rIns="50800" bIns="50800" anchor="ctr" anchorCtr="0">
-            <a:normAutofit/>
-          </a:bodyPr>
-          <a:lstStyle/>
-          <a:p>
-            <a:pPr marL="0" lvl="0" indent="0" algn="ctr" rtl="0">
-              <a:lnSpc>
-                <a:spcPct val="100000"/>
-              </a:lnSpc>
-              <a:spcBef>
-                <a:spcPts val="0"/>
-              </a:spcBef>
-              <a:spcAft>
-                <a:spcPts val="0"/>
-              </a:spcAft>
-              <a:buClr>
-                <a:srgbClr val="000000"/>
-              </a:buClr>
-              <a:buSzPts val="11200"/>
-              <a:buFont typeface="Helvetica Neue"/>
-              <a:buNone/>
-            </a:pPr>
-            <a:r>
-              <a:rPr lang="en-US" sz="7200" b="0" i="0" u="none" strike="noStrike" cap="none" dirty="0">
-                <a:solidFill>
-                  <a:srgbClr val="000000"/>
-                </a:solidFill>
-                <a:latin typeface="+mn-lt"/>
-                <a:ea typeface="Helvetica Neue"/>
-                <a:cs typeface="Helvetica Neue"/>
-                <a:sym typeface="Helvetica Neue"/>
-              </a:rPr>
-              <a:t>4. Merge into main</a:t>
-            </a:r>
-            <a:endParaRPr sz="7200" dirty="0">
-              <a:latin typeface="+mn-lt"/>
-            </a:endParaRPr>
-          </a:p>
-        </p:txBody>
-      </p:sp>
-      <p:sp>
-        <p:nvSpPr>
-          <p:cNvPr id="199" name="Google Shape;199;p13"/>
-          <p:cNvSpPr/>
-          <p:nvPr/>
-        </p:nvSpPr>
-        <p:spPr>
-          <a:xfrm>
-            <a:off x="14670332" y="10583134"/>
-            <a:ext cx="7146925" cy="1719842"/>
-          </a:xfrm>
-          <a:prstGeom prst="rect">
-            <a:avLst/>
-          </a:prstGeom>
-          <a:solidFill>
-            <a:srgbClr val="F5F5F5"/>
-          </a:solidFill>
-          <a:ln>
-            <a:noFill/>
-          </a:ln>
-        </p:spPr>
-        <p:txBody>
-          <a:bodyPr spcFirstLastPara="1" wrap="square" lIns="0" tIns="0" rIns="0" bIns="0" anchor="ctr" anchorCtr="0">
-            <a:noAutofit/>
-          </a:bodyPr>
-          <a:lstStyle/>
-          <a:p>
-            <a:pPr marL="0" marR="0" lvl="0" indent="0" algn="ctr" rtl="0">
-              <a:lnSpc>
-                <a:spcPct val="100000"/>
-              </a:lnSpc>
-              <a:spcBef>
-                <a:spcPts val="0"/>
-              </a:spcBef>
-              <a:spcAft>
-                <a:spcPts val="0"/>
-              </a:spcAft>
-              <a:buClr>
-                <a:srgbClr val="FFFFFF"/>
-              </a:buClr>
-              <a:buSzPts val="3200"/>
-              <a:buFont typeface="Helvetica Neue"/>
-              <a:buNone/>
-            </a:pPr>
-            <a:endParaRPr sz="3200" b="0" i="0" u="none" strike="noStrike" cap="none">
-              <a:solidFill>
-                <a:srgbClr val="FFFFFF"/>
-              </a:solidFill>
-              <a:latin typeface="Helvetica Neue"/>
-              <a:ea typeface="Helvetica Neue"/>
-              <a:cs typeface="Helvetica Neue"/>
-              <a:sym typeface="Helvetica Neue"/>
-            </a:endParaRPr>
-          </a:p>
-        </p:txBody>
-      </p:sp>
-      <p:sp>
-        <p:nvSpPr>
-          <p:cNvPr id="200" name="Google Shape;200;p13"/>
-          <p:cNvSpPr/>
-          <p:nvPr/>
-        </p:nvSpPr>
-        <p:spPr>
-          <a:xfrm>
-            <a:off x="8956802" y="5734935"/>
-            <a:ext cx="2729938" cy="2246130"/>
-          </a:xfrm>
-          <a:prstGeom prst="rect">
-            <a:avLst/>
-          </a:prstGeom>
-          <a:solidFill>
-            <a:srgbClr val="F5F5F5"/>
-          </a:solidFill>
-          <a:ln>
-            <a:noFill/>
-          </a:ln>
-        </p:spPr>
-        <p:txBody>
-          <a:bodyPr spcFirstLastPara="1" wrap="square" lIns="0" tIns="0" rIns="0" bIns="0" anchor="ctr" anchorCtr="0">
-            <a:noAutofit/>
-          </a:bodyPr>
-          <a:lstStyle/>
-          <a:p>
-            <a:pPr marL="0" marR="0" lvl="0" indent="0" algn="ctr" rtl="0">
-              <a:lnSpc>
-                <a:spcPct val="100000"/>
-              </a:lnSpc>
-              <a:spcBef>
-                <a:spcPts val="0"/>
-              </a:spcBef>
-              <a:spcAft>
-                <a:spcPts val="0"/>
-              </a:spcAft>
-              <a:buClr>
-                <a:srgbClr val="FFFFFF"/>
-              </a:buClr>
-              <a:buSzPts val="3200"/>
-              <a:buFont typeface="Helvetica Neue"/>
-              <a:buNone/>
-            </a:pPr>
-            <a:endParaRPr sz="3200" b="0" i="0" u="none" strike="noStrike" cap="none">
-              <a:solidFill>
-                <a:srgbClr val="FFFFFF"/>
-              </a:solidFill>
-              <a:latin typeface="Helvetica Neue"/>
-              <a:ea typeface="Helvetica Neue"/>
-              <a:cs typeface="Helvetica Neue"/>
-              <a:sym typeface="Helvetica Neue"/>
-            </a:endParaRPr>
-          </a:p>
-        </p:txBody>
-      </p:sp>
-      <p:sp>
-        <p:nvSpPr>
-          <p:cNvPr id="203" name="Google Shape;203;p13"/>
-          <p:cNvSpPr txBox="1"/>
-          <p:nvPr/>
-        </p:nvSpPr>
-        <p:spPr>
-          <a:xfrm>
-            <a:off x="3506109" y="3215894"/>
-            <a:ext cx="1264921" cy="548134"/>
-          </a:xfrm>
-          <a:prstGeom prst="rect">
-            <a:avLst/>
-          </a:prstGeom>
-          <a:solidFill>
-            <a:srgbClr val="B3E3FF"/>
-          </a:solidFill>
-          <a:ln>
-            <a:noFill/>
-          </a:ln>
-        </p:spPr>
-        <p:txBody>
-          <a:bodyPr spcFirstLastPara="1" wrap="square" lIns="50800" tIns="50800" rIns="50800" bIns="50800" anchor="ctr" anchorCtr="0">
-            <a:spAutoFit/>
-          </a:bodyPr>
-          <a:lstStyle/>
-          <a:p>
-            <a:pPr marL="0" marR="0" lvl="0" indent="0" algn="ctr" rtl="0">
-              <a:lnSpc>
-                <a:spcPct val="100000"/>
-              </a:lnSpc>
-              <a:spcBef>
-                <a:spcPts val="0"/>
-              </a:spcBef>
-              <a:spcAft>
-                <a:spcPts val="0"/>
-              </a:spcAft>
-              <a:buClr>
-                <a:srgbClr val="000000"/>
-              </a:buClr>
-              <a:buSzPts val="3000"/>
-              <a:buFont typeface="Helvetica Neue"/>
-              <a:buNone/>
-            </a:pPr>
-            <a:r>
-              <a:rPr lang="en-US" sz="3000" b="0" i="0" u="none" strike="noStrike" cap="none">
-                <a:solidFill>
-                  <a:srgbClr val="000000"/>
-                </a:solidFill>
-                <a:latin typeface="Helvetica Neue"/>
-                <a:ea typeface="Helvetica Neue"/>
-                <a:cs typeface="Helvetica Neue"/>
-                <a:sym typeface="Helvetica Neue"/>
-              </a:rPr>
-              <a:t>Main   </a:t>
-            </a:r>
-            <a:endParaRPr/>
-          </a:p>
-        </p:txBody>
-      </p:sp>
-      <p:sp>
-        <p:nvSpPr>
-          <p:cNvPr id="10" name="Rectangle 9">
-            <a:extLst>
-              <a:ext uri="{FF2B5EF4-FFF2-40B4-BE49-F238E27FC236}">
-                <a16:creationId xmlns:a16="http://schemas.microsoft.com/office/drawing/2014/main" id="{51F4AA09-C08B-5848-8FB7-C74D7A5FCF27}"/>
-              </a:ext>
-            </a:extLst>
-          </p:cNvPr>
-          <p:cNvSpPr/>
-          <p:nvPr/>
-        </p:nvSpPr>
-        <p:spPr>
-          <a:xfrm>
-            <a:off x="3029288" y="10428456"/>
-            <a:ext cx="5601761" cy="1874519"/>
-          </a:xfrm>
-          <a:prstGeom prst="rect">
-            <a:avLst/>
-          </a:prstGeom>
-          <a:solidFill>
-            <a:srgbClr val="F5F5F5"/>
-          </a:solidFill>
-          <a:ln>
-            <a:noFill/>
-          </a:ln>
-        </p:spPr>
-        <p:style>
-          <a:lnRef idx="2">
-            <a:schemeClr val="accent1">
-              <a:shade val="50000"/>
-            </a:schemeClr>
-          </a:lnRef>
-          <a:fillRef idx="1">
-            <a:schemeClr val="accent1"/>
-          </a:fillRef>
-          <a:effectRef idx="0">
-            <a:schemeClr val="accent1"/>
-          </a:effectRef>
-          <a:fontRef idx="minor">
-            <a:schemeClr val="lt1"/>
-          </a:fontRef>
-        </p:style>
-        <p:txBody>
-          <a:bodyPr rtlCol="0" anchor="ctr"/>
-          <a:lstStyle/>
-          <a:p>
-            <a:pPr algn="ctr"/>
-            <a:endParaRPr lang="en-US" dirty="0"/>
-          </a:p>
-        </p:txBody>
-      </p:sp>
-      <p:sp>
-        <p:nvSpPr>
-          <p:cNvPr id="11" name="Rectangle 10">
-            <a:extLst>
-              <a:ext uri="{FF2B5EF4-FFF2-40B4-BE49-F238E27FC236}">
-                <a16:creationId xmlns:a16="http://schemas.microsoft.com/office/drawing/2014/main" id="{8B1407B6-8D8F-F747-98F5-D43EB86F87CE}"/>
-              </a:ext>
-            </a:extLst>
-          </p:cNvPr>
-          <p:cNvSpPr/>
-          <p:nvPr/>
-        </p:nvSpPr>
-        <p:spPr>
-          <a:xfrm>
-            <a:off x="6806307" y="8896942"/>
-            <a:ext cx="1266745" cy="1829445"/>
-          </a:xfrm>
-          <a:prstGeom prst="rect">
-            <a:avLst/>
-          </a:prstGeom>
-          <a:solidFill>
-            <a:srgbClr val="F5F5F5"/>
-          </a:solidFill>
-          <a:ln>
-            <a:noFill/>
-          </a:ln>
-        </p:spPr>
-        <p:style>
-          <a:lnRef idx="2">
-            <a:schemeClr val="accent1">
-              <a:shade val="50000"/>
-            </a:schemeClr>
-          </a:lnRef>
-          <a:fillRef idx="1">
-            <a:schemeClr val="accent1"/>
-          </a:fillRef>
-          <a:effectRef idx="0">
-            <a:schemeClr val="accent1"/>
-          </a:effectRef>
-          <a:fontRef idx="minor">
-            <a:schemeClr val="lt1"/>
-          </a:fontRef>
-        </p:style>
-        <p:txBody>
-          <a:bodyPr rtlCol="0" anchor="ctr"/>
-          <a:lstStyle/>
-          <a:p>
-            <a:pPr algn="ctr"/>
-            <a:endParaRPr lang="en-US" dirty="0"/>
-          </a:p>
-        </p:txBody>
-      </p:sp>
-      <p:cxnSp>
-        <p:nvCxnSpPr>
-          <p:cNvPr id="12" name="Straight Connector 11">
-            <a:extLst>
-              <a:ext uri="{FF2B5EF4-FFF2-40B4-BE49-F238E27FC236}">
-                <a16:creationId xmlns:a16="http://schemas.microsoft.com/office/drawing/2014/main" id="{34A23E5E-0B14-7B4F-8E65-0E8DEAF3CF45}"/>
-              </a:ext>
-            </a:extLst>
-          </p:cNvPr>
-          <p:cNvCxnSpPr>
-            <a:cxnSpLocks/>
-          </p:cNvCxnSpPr>
-          <p:nvPr/>
-        </p:nvCxnSpPr>
-        <p:spPr>
-          <a:xfrm flipH="1">
-            <a:off x="6732165" y="9984662"/>
-            <a:ext cx="1800028" cy="0"/>
-          </a:xfrm>
-          <a:prstGeom prst="line">
-            <a:avLst/>
-          </a:prstGeom>
-          <a:ln w="107950">
-            <a:solidFill>
-              <a:srgbClr val="414141"/>
-            </a:solidFill>
-          </a:ln>
-        </p:spPr>
-        <p:style>
-          <a:lnRef idx="1">
-            <a:schemeClr val="accent1"/>
-          </a:lnRef>
-          <a:fillRef idx="0">
-            <a:schemeClr val="accent1"/>
-          </a:fillRef>
-          <a:effectRef idx="0">
-            <a:schemeClr val="accent1"/>
-          </a:effectRef>
-          <a:fontRef idx="minor">
-            <a:schemeClr val="tx1"/>
-          </a:fontRef>
-        </p:style>
-      </p:cxnSp>
-      <p:sp>
-        <p:nvSpPr>
-          <p:cNvPr id="13" name="Rectangle 12">
-            <a:extLst>
-              <a:ext uri="{FF2B5EF4-FFF2-40B4-BE49-F238E27FC236}">
-                <a16:creationId xmlns:a16="http://schemas.microsoft.com/office/drawing/2014/main" id="{06577297-76D3-FA47-8F9B-15AABC1AC8D9}"/>
-              </a:ext>
-            </a:extLst>
-          </p:cNvPr>
-          <p:cNvSpPr/>
-          <p:nvPr/>
-        </p:nvSpPr>
-        <p:spPr>
-          <a:xfrm>
-            <a:off x="9688398" y="7981065"/>
-            <a:ext cx="1266745" cy="1096386"/>
-          </a:xfrm>
-          <a:prstGeom prst="rect">
-            <a:avLst/>
-          </a:prstGeom>
-          <a:solidFill>
-            <a:srgbClr val="F5F5F5"/>
-          </a:solidFill>
-          <a:ln>
-            <a:noFill/>
-          </a:ln>
-        </p:spPr>
-        <p:style>
-          <a:lnRef idx="2">
-            <a:schemeClr val="accent1">
-              <a:shade val="50000"/>
-            </a:schemeClr>
-          </a:lnRef>
-          <a:fillRef idx="1">
-            <a:schemeClr val="accent1"/>
-          </a:fillRef>
-          <a:effectRef idx="0">
-            <a:schemeClr val="accent1"/>
-          </a:effectRef>
-          <a:fontRef idx="minor">
-            <a:schemeClr val="lt1"/>
-          </a:fontRef>
-        </p:style>
-        <p:txBody>
-          <a:bodyPr rtlCol="0" anchor="ctr"/>
-          <a:lstStyle/>
-          <a:p>
-            <a:pPr algn="ctr"/>
-            <a:endParaRPr lang="en-US" dirty="0"/>
-          </a:p>
-        </p:txBody>
-      </p:sp>
-      <p:cxnSp>
-        <p:nvCxnSpPr>
-          <p:cNvPr id="14" name="Straight Connector 13">
-            <a:extLst>
-              <a:ext uri="{FF2B5EF4-FFF2-40B4-BE49-F238E27FC236}">
-                <a16:creationId xmlns:a16="http://schemas.microsoft.com/office/drawing/2014/main" id="{4FD0EBA6-9D64-8747-8299-EF34C821E23F}"/>
-              </a:ext>
-            </a:extLst>
-          </p:cNvPr>
-          <p:cNvCxnSpPr>
-            <a:cxnSpLocks/>
-          </p:cNvCxnSpPr>
-          <p:nvPr/>
-        </p:nvCxnSpPr>
-        <p:spPr>
-          <a:xfrm flipH="1">
-            <a:off x="9446470" y="8512998"/>
-            <a:ext cx="1800028" cy="0"/>
-          </a:xfrm>
-          <a:prstGeom prst="line">
-            <a:avLst/>
-          </a:prstGeom>
-          <a:ln w="107950">
-            <a:solidFill>
-              <a:srgbClr val="414141"/>
-            </a:solidFill>
-          </a:ln>
-        </p:spPr>
-        <p:style>
-          <a:lnRef idx="1">
-            <a:schemeClr val="accent1"/>
-          </a:lnRef>
-          <a:fillRef idx="0">
-            <a:schemeClr val="accent1"/>
-          </a:fillRef>
-          <a:effectRef idx="0">
-            <a:schemeClr val="accent1"/>
-          </a:effectRef>
-          <a:fontRef idx="minor">
-            <a:schemeClr val="tx1"/>
-          </a:fontRef>
-        </p:style>
-      </p:cxnSp>
-      <p:sp>
-        <p:nvSpPr>
-          <p:cNvPr id="15" name="Rectangle 14">
-            <a:extLst>
-              <a:ext uri="{FF2B5EF4-FFF2-40B4-BE49-F238E27FC236}">
-                <a16:creationId xmlns:a16="http://schemas.microsoft.com/office/drawing/2014/main" id="{E2347BE9-0939-EC4C-A0CF-BCFCDB9219B6}"/>
-              </a:ext>
-            </a:extLst>
-          </p:cNvPr>
-          <p:cNvSpPr/>
-          <p:nvPr/>
-        </p:nvSpPr>
-        <p:spPr>
-          <a:xfrm>
-            <a:off x="9713669" y="9500617"/>
-            <a:ext cx="1266745" cy="1096386"/>
-          </a:xfrm>
-          <a:prstGeom prst="rect">
-            <a:avLst/>
-          </a:prstGeom>
-          <a:solidFill>
-            <a:srgbClr val="F5F5F5"/>
-          </a:solidFill>
-          <a:ln>
-            <a:noFill/>
-          </a:ln>
-        </p:spPr>
-        <p:style>
-          <a:lnRef idx="2">
-            <a:schemeClr val="accent1">
-              <a:shade val="50000"/>
-            </a:schemeClr>
-          </a:lnRef>
-          <a:fillRef idx="1">
-            <a:schemeClr val="accent1"/>
-          </a:fillRef>
-          <a:effectRef idx="0">
-            <a:schemeClr val="accent1"/>
-          </a:effectRef>
-          <a:fontRef idx="minor">
-            <a:schemeClr val="lt1"/>
-          </a:fontRef>
-        </p:style>
-        <p:txBody>
-          <a:bodyPr rtlCol="0" anchor="ctr"/>
-          <a:lstStyle/>
-          <a:p>
-            <a:pPr algn="ctr"/>
-            <a:endParaRPr lang="en-US" dirty="0"/>
-          </a:p>
-        </p:txBody>
-      </p:sp>
-      <p:cxnSp>
-        <p:nvCxnSpPr>
-          <p:cNvPr id="16" name="Straight Connector 15">
-            <a:extLst>
-              <a:ext uri="{FF2B5EF4-FFF2-40B4-BE49-F238E27FC236}">
-                <a16:creationId xmlns:a16="http://schemas.microsoft.com/office/drawing/2014/main" id="{8E619E55-491C-5F42-92DF-0EC0D778BCB4}"/>
-              </a:ext>
-            </a:extLst>
-          </p:cNvPr>
-          <p:cNvCxnSpPr>
-            <a:cxnSpLocks/>
-          </p:cNvCxnSpPr>
-          <p:nvPr/>
-        </p:nvCxnSpPr>
-        <p:spPr>
-          <a:xfrm flipH="1">
-            <a:off x="9500014" y="9954434"/>
-            <a:ext cx="1800028" cy="0"/>
-          </a:xfrm>
-          <a:prstGeom prst="line">
-            <a:avLst/>
-          </a:prstGeom>
-          <a:ln w="107950">
-            <a:solidFill>
-              <a:srgbClr val="414141"/>
-            </a:solidFill>
-          </a:ln>
-        </p:spPr>
-        <p:style>
-          <a:lnRef idx="1">
-            <a:schemeClr val="accent1"/>
-          </a:lnRef>
-          <a:fillRef idx="0">
-            <a:schemeClr val="accent1"/>
-          </a:fillRef>
-          <a:effectRef idx="0">
-            <a:schemeClr val="accent1"/>
-          </a:effectRef>
-          <a:fontRef idx="minor">
-            <a:schemeClr val="tx1"/>
-          </a:fontRef>
-        </p:style>
-      </p:cxnSp>
-      <p:sp>
-        <p:nvSpPr>
-          <p:cNvPr id="18" name="Rectangle 17">
-            <a:extLst>
-              <a:ext uri="{FF2B5EF4-FFF2-40B4-BE49-F238E27FC236}">
-                <a16:creationId xmlns:a16="http://schemas.microsoft.com/office/drawing/2014/main" id="{1E40074E-3C11-4F4E-B750-19551E3EE30C}"/>
-              </a:ext>
-            </a:extLst>
-          </p:cNvPr>
-          <p:cNvSpPr/>
-          <p:nvPr/>
-        </p:nvSpPr>
-        <p:spPr>
-          <a:xfrm>
-            <a:off x="11762970" y="10395371"/>
-            <a:ext cx="4646803" cy="1874519"/>
-          </a:xfrm>
-          <a:prstGeom prst="rect">
-            <a:avLst/>
-          </a:prstGeom>
-          <a:solidFill>
-            <a:srgbClr val="F5F5F5"/>
-          </a:solidFill>
-          <a:ln>
-            <a:noFill/>
-          </a:ln>
-        </p:spPr>
-        <p:style>
-          <a:lnRef idx="2">
-            <a:schemeClr val="accent1">
-              <a:shade val="50000"/>
-            </a:schemeClr>
-          </a:lnRef>
-          <a:fillRef idx="1">
-            <a:schemeClr val="accent1"/>
-          </a:fillRef>
-          <a:effectRef idx="0">
-            <a:schemeClr val="accent1"/>
-          </a:effectRef>
-          <a:fontRef idx="minor">
-            <a:schemeClr val="lt1"/>
-          </a:fontRef>
-        </p:style>
-        <p:txBody>
-          <a:bodyPr rtlCol="0" anchor="ctr"/>
-          <a:lstStyle/>
-          <a:p>
-            <a:pPr algn="ctr"/>
-            <a:endParaRPr lang="en-US" dirty="0"/>
-          </a:p>
-        </p:txBody>
-      </p:sp>
-      <p:sp>
-        <p:nvSpPr>
-          <p:cNvPr id="19" name="Rectangle 18">
-            <a:extLst>
-              <a:ext uri="{FF2B5EF4-FFF2-40B4-BE49-F238E27FC236}">
-                <a16:creationId xmlns:a16="http://schemas.microsoft.com/office/drawing/2014/main" id="{39F72549-CD58-DA47-B664-DA16198CEFEE}"/>
-              </a:ext>
-            </a:extLst>
-          </p:cNvPr>
-          <p:cNvSpPr/>
-          <p:nvPr/>
-        </p:nvSpPr>
-        <p:spPr>
-          <a:xfrm>
-            <a:off x="12088018" y="10028576"/>
-            <a:ext cx="1652349" cy="1874519"/>
-          </a:xfrm>
-          <a:prstGeom prst="rect">
-            <a:avLst/>
-          </a:prstGeom>
-          <a:solidFill>
-            <a:srgbClr val="F5F5F5"/>
-          </a:solidFill>
-          <a:ln>
-            <a:noFill/>
-          </a:ln>
-        </p:spPr>
-        <p:style>
-          <a:lnRef idx="2">
-            <a:schemeClr val="accent1">
-              <a:shade val="50000"/>
-            </a:schemeClr>
-          </a:lnRef>
-          <a:fillRef idx="1">
-            <a:schemeClr val="accent1"/>
-          </a:fillRef>
-          <a:effectRef idx="0">
-            <a:schemeClr val="accent1"/>
-          </a:effectRef>
-          <a:fontRef idx="minor">
-            <a:schemeClr val="lt1"/>
-          </a:fontRef>
-        </p:style>
-        <p:txBody>
-          <a:bodyPr rtlCol="0" anchor="ctr"/>
-          <a:lstStyle/>
-          <a:p>
-            <a:pPr algn="ctr"/>
-            <a:endParaRPr lang="en-US" dirty="0"/>
-          </a:p>
-        </p:txBody>
-      </p:sp>
-      <p:cxnSp>
-        <p:nvCxnSpPr>
-          <p:cNvPr id="20" name="Google Shape;202;p13">
-            <a:extLst>
-              <a:ext uri="{FF2B5EF4-FFF2-40B4-BE49-F238E27FC236}">
-                <a16:creationId xmlns:a16="http://schemas.microsoft.com/office/drawing/2014/main" id="{154699A9-7FCA-724C-91DE-741CE2808BD0}"/>
-              </a:ext>
-            </a:extLst>
-          </p:cNvPr>
-          <p:cNvCxnSpPr>
-            <a:cxnSpLocks/>
-          </p:cNvCxnSpPr>
-          <p:nvPr/>
-        </p:nvCxnSpPr>
-        <p:spPr>
-          <a:xfrm flipV="1">
-            <a:off x="11846816" y="10220006"/>
-            <a:ext cx="2040960" cy="1012762"/>
-          </a:xfrm>
-          <a:prstGeom prst="straightConnector1">
-            <a:avLst/>
-          </a:prstGeom>
-          <a:noFill/>
-          <a:ln w="127000" cap="flat" cmpd="sng">
-            <a:solidFill>
-              <a:srgbClr val="FF0000"/>
-            </a:solidFill>
-            <a:prstDash val="solid"/>
-            <a:miter lim="400000"/>
-            <a:headEnd type="none" w="sm" len="sm"/>
-            <a:tailEnd type="triangle" w="med" len="med"/>
-          </a:ln>
-        </p:spPr>
-      </p:cxnSp>
-      <p:cxnSp>
-        <p:nvCxnSpPr>
-          <p:cNvPr id="22" name="Google Shape;202;p13">
-            <a:extLst>
-              <a:ext uri="{FF2B5EF4-FFF2-40B4-BE49-F238E27FC236}">
-                <a16:creationId xmlns:a16="http://schemas.microsoft.com/office/drawing/2014/main" id="{FA55A6E1-E3E8-174F-8801-F6292B1C214A}"/>
-              </a:ext>
-            </a:extLst>
-          </p:cNvPr>
-          <p:cNvCxnSpPr>
-            <a:cxnSpLocks/>
-          </p:cNvCxnSpPr>
-          <p:nvPr/>
-        </p:nvCxnSpPr>
-        <p:spPr>
-          <a:xfrm flipV="1">
-            <a:off x="14670332" y="8723546"/>
-            <a:ext cx="2961294" cy="1103078"/>
-          </a:xfrm>
-          <a:prstGeom prst="straightConnector1">
-            <a:avLst/>
-          </a:prstGeom>
-          <a:noFill/>
-          <a:ln w="127000" cap="flat" cmpd="sng">
-            <a:solidFill>
-              <a:srgbClr val="FF0000"/>
-            </a:solidFill>
-            <a:prstDash val="solid"/>
-            <a:miter lim="400000"/>
-            <a:headEnd type="none" w="sm" len="sm"/>
-            <a:tailEnd type="triangle" w="med" len="med"/>
-          </a:ln>
-        </p:spPr>
-      </p:cxnSp>
-      <p:sp>
-        <p:nvSpPr>
-          <p:cNvPr id="25" name="Rectangle 24">
-            <a:extLst>
-              <a:ext uri="{FF2B5EF4-FFF2-40B4-BE49-F238E27FC236}">
-                <a16:creationId xmlns:a16="http://schemas.microsoft.com/office/drawing/2014/main" id="{530E4166-F09F-234C-B97D-A7F2252828B9}"/>
-              </a:ext>
-            </a:extLst>
-          </p:cNvPr>
-          <p:cNvSpPr/>
-          <p:nvPr/>
-        </p:nvSpPr>
-        <p:spPr>
-          <a:xfrm>
-            <a:off x="12086799" y="2735613"/>
-            <a:ext cx="3532909" cy="1508695"/>
-          </a:xfrm>
-          <a:prstGeom prst="rect">
-            <a:avLst/>
-          </a:prstGeom>
-          <a:solidFill>
-            <a:srgbClr val="F5F5F5"/>
-          </a:solidFill>
-          <a:ln>
-            <a:noFill/>
-          </a:ln>
-        </p:spPr>
-        <p:style>
-          <a:lnRef idx="2">
-            <a:schemeClr val="accent1">
-              <a:shade val="50000"/>
-            </a:schemeClr>
-          </a:lnRef>
-          <a:fillRef idx="1">
-            <a:schemeClr val="accent1"/>
-          </a:fillRef>
-          <a:effectRef idx="0">
-            <a:schemeClr val="accent1"/>
-          </a:effectRef>
-          <a:fontRef idx="minor">
-            <a:schemeClr val="lt1"/>
-          </a:fontRef>
-        </p:style>
-        <p:txBody>
-          <a:bodyPr rtlCol="0" anchor="ctr"/>
-          <a:lstStyle/>
-          <a:p>
-            <a:pPr algn="ctr"/>
-            <a:endParaRPr lang="en-US" dirty="0"/>
-          </a:p>
-        </p:txBody>
-      </p:sp>
-      <p:sp>
-        <p:nvSpPr>
-          <p:cNvPr id="23" name="TextBox 22">
-            <a:extLst>
-              <a:ext uri="{FF2B5EF4-FFF2-40B4-BE49-F238E27FC236}">
-                <a16:creationId xmlns:a16="http://schemas.microsoft.com/office/drawing/2014/main" id="{3EC0232B-692F-834C-B3DC-E9F8F5633EAC}"/>
-              </a:ext>
-            </a:extLst>
-          </p:cNvPr>
-          <p:cNvSpPr txBox="1"/>
-          <p:nvPr/>
-        </p:nvSpPr>
-        <p:spPr>
-          <a:xfrm>
-            <a:off x="13121340" y="10839471"/>
-            <a:ext cx="3673798" cy="630942"/>
-          </a:xfrm>
-          <a:prstGeom prst="rect">
-            <a:avLst/>
-          </a:prstGeom>
-          <a:noFill/>
-        </p:spPr>
-        <p:txBody>
-          <a:bodyPr wrap="square" rtlCol="0">
-            <a:spAutoFit/>
-          </a:bodyPr>
-          <a:lstStyle/>
-          <a:p>
-            <a:pPr algn="ctr"/>
-            <a:r>
-              <a:rPr lang="en-US" sz="3500" dirty="0">
-                <a:solidFill>
-                  <a:srgbClr val="FF0000"/>
-                </a:solidFill>
-              </a:rPr>
-              <a:t>Pull Request # 1</a:t>
-            </a:r>
-          </a:p>
-        </p:txBody>
-      </p:sp>
-      <p:sp>
-        <p:nvSpPr>
-          <p:cNvPr id="24" name="TextBox 23">
-            <a:extLst>
-              <a:ext uri="{FF2B5EF4-FFF2-40B4-BE49-F238E27FC236}">
-                <a16:creationId xmlns:a16="http://schemas.microsoft.com/office/drawing/2014/main" id="{150370D1-A4F5-F249-8F76-7AE51C7517DC}"/>
-              </a:ext>
-            </a:extLst>
-          </p:cNvPr>
-          <p:cNvSpPr txBox="1"/>
-          <p:nvPr/>
-        </p:nvSpPr>
-        <p:spPr>
-          <a:xfrm>
-            <a:off x="16281957" y="9188915"/>
-            <a:ext cx="3673798" cy="630942"/>
-          </a:xfrm>
-          <a:prstGeom prst="rect">
-            <a:avLst/>
-          </a:prstGeom>
-          <a:noFill/>
-        </p:spPr>
-        <p:txBody>
-          <a:bodyPr wrap="square" rtlCol="0">
-            <a:spAutoFit/>
-          </a:bodyPr>
-          <a:lstStyle/>
-          <a:p>
-            <a:pPr algn="ctr"/>
-            <a:r>
-              <a:rPr lang="en-US" sz="3500" dirty="0">
-                <a:solidFill>
-                  <a:srgbClr val="FF0000"/>
-                </a:solidFill>
-              </a:rPr>
-              <a:t>Pull Request # 2</a:t>
-            </a:r>
-          </a:p>
-        </p:txBody>
-      </p:sp>
-    </p:spTree>
-    <p:extLst>
-      <p:ext uri="{BB962C8B-B14F-4D97-AF65-F5344CB8AC3E}">
-        <p14:creationId xmlns:p14="http://schemas.microsoft.com/office/powerpoint/2010/main" val="2495907393"/>
-      </p:ext>
-    </p:extLst>
   </p:cSld>
   <p:clrMapOvr>
     <a:masterClrMapping/>
